--- a/doc/注文フォーム2.pptx
+++ b/doc/注文フォーム2.pptx
@@ -1,14 +1,14 @@
 
 <file path=ppt/presentation.xml><?xml version="1.0" encoding="utf-8"?>
-<p:presentation xmlns:a="http://schemas.openxmlformats.org/drawingml/2006/main" xmlns:r="http://schemas.openxmlformats.org/officeDocument/2006/relationships" xmlns:p="http://schemas.openxmlformats.org/presentationml/2006/main">
+<p:presentation xmlns:a="http://schemas.openxmlformats.org/drawingml/2006/main" xmlns:r="http://schemas.openxmlformats.org/officeDocument/2006/relationships" xmlns:p="http://schemas.openxmlformats.org/presentationml/2006/main" saveSubsetFonts="1">
   <p:sldMasterIdLst>
-    <p:sldMasterId id="2147483648" r:id="rId1"/>
+    <p:sldMasterId id="2147483660" r:id="rId1"/>
   </p:sldMasterIdLst>
   <p:sldIdLst>
-    <p:sldId id="259" r:id="rId3"/>
-    <p:sldId id="256" r:id="rId4"/>
-    <p:sldId id="258" r:id="rId5"/>
-    <p:sldId id="257" r:id="rId6"/>
+    <p:sldId id="259" r:id="rId2"/>
+    <p:sldId id="256" r:id="rId3"/>
+    <p:sldId id="258" r:id="rId4"/>
+    <p:sldId id="257" r:id="rId5"/>
   </p:sldIdLst>
   <p:sldSz cx="9906000" cy="6858000" type="A4"/>
   <p:notesSz cx="6858000" cy="9144000"/>
@@ -107,6 +107,11 @@
       </a:defRPr>
     </a:lvl9pPr>
   </p:defaultTextStyle>
+  <p:extLst>
+    <p:ext uri="{EFAFB233-063F-42B5-8137-9DF3F51BA10A}">
+      <p15:sldGuideLst xmlns:p15="http://schemas.microsoft.com/office/powerpoint/2012/main"/>
+    </p:ext>
+  </p:extLst>
 </p:presentation>
 </file>
 
@@ -241,6 +246,7 @@
           <a:p>
             <a:fld id="{28D9E1AC-175C-4690-8217-7372C0E5C58F}" type="datetimeFigureOut">
               <a:rPr kumimoji="1" lang="ja-JP" altLang="en-US" smtClean="0"/>
+              <a:t>2021/12/21</a:t>
             </a:fld>
             <a:endParaRPr kumimoji="1" lang="ja-JP" altLang="en-US"/>
           </a:p>
@@ -282,12 +288,18 @@
           <a:p>
             <a:fld id="{3F15BDB7-3A6B-47A3-B34C-D314EBACE4A9}" type="slidenum">
               <a:rPr kumimoji="1" lang="ja-JP" altLang="en-US" smtClean="0"/>
+              <a:t>‹#›</a:t>
             </a:fld>
             <a:endParaRPr kumimoji="1" lang="ja-JP" altLang="en-US"/>
           </a:p>
         </p:txBody>
       </p:sp>
     </p:spTree>
+    <p:extLst>
+      <p:ext uri="{BB962C8B-B14F-4D97-AF65-F5344CB8AC3E}">
+        <p14:creationId xmlns:p14="http://schemas.microsoft.com/office/powerpoint/2010/main" val="3252982997"/>
+      </p:ext>
+    </p:extLst>
   </p:cSld>
   <p:clrMapOvr>
     <a:masterClrMapping/>
@@ -355,7 +367,6 @@
               <a:rPr lang="ja-JP" altLang="en-US"/>
               <a:t>マスター テキストの書式設定</a:t>
             </a:r>
-            <a:endParaRPr lang="ja-JP" altLang="en-US"/>
           </a:p>
           <a:p>
             <a:pPr lvl="1"/>
@@ -371,7 +382,6 @@
               <a:rPr lang="ja-JP" altLang="en-US"/>
               <a:t>レベル</a:t>
             </a:r>
-            <a:endParaRPr lang="ja-JP" altLang="en-US"/>
           </a:p>
           <a:p>
             <a:pPr lvl="2"/>
@@ -387,7 +397,6 @@
               <a:rPr lang="ja-JP" altLang="en-US"/>
               <a:t>レベル</a:t>
             </a:r>
-            <a:endParaRPr lang="ja-JP" altLang="en-US"/>
           </a:p>
           <a:p>
             <a:pPr lvl="3"/>
@@ -403,7 +412,6 @@
               <a:rPr lang="ja-JP" altLang="en-US"/>
               <a:t>レベル</a:t>
             </a:r>
-            <a:endParaRPr lang="ja-JP" altLang="en-US"/>
           </a:p>
           <a:p>
             <a:pPr lvl="4"/>
@@ -440,6 +448,7 @@
           <a:p>
             <a:fld id="{28D9E1AC-175C-4690-8217-7372C0E5C58F}" type="datetimeFigureOut">
               <a:rPr kumimoji="1" lang="ja-JP" altLang="en-US" smtClean="0"/>
+              <a:t>2021/12/21</a:t>
             </a:fld>
             <a:endParaRPr kumimoji="1" lang="ja-JP" altLang="en-US"/>
           </a:p>
@@ -481,12 +490,18 @@
           <a:p>
             <a:fld id="{3F15BDB7-3A6B-47A3-B34C-D314EBACE4A9}" type="slidenum">
               <a:rPr kumimoji="1" lang="ja-JP" altLang="en-US" smtClean="0"/>
+              <a:t>‹#›</a:t>
             </a:fld>
             <a:endParaRPr kumimoji="1" lang="ja-JP" altLang="en-US"/>
           </a:p>
         </p:txBody>
       </p:sp>
     </p:spTree>
+    <p:extLst>
+      <p:ext uri="{BB962C8B-B14F-4D97-AF65-F5344CB8AC3E}">
+        <p14:creationId xmlns:p14="http://schemas.microsoft.com/office/powerpoint/2010/main" val="874947869"/>
+      </p:ext>
+    </p:extLst>
   </p:cSld>
   <p:clrMapOvr>
     <a:masterClrMapping/>
@@ -564,7 +579,6 @@
               <a:rPr lang="ja-JP" altLang="en-US"/>
               <a:t>マスター テキストの書式設定</a:t>
             </a:r>
-            <a:endParaRPr lang="ja-JP" altLang="en-US"/>
           </a:p>
           <a:p>
             <a:pPr lvl="1"/>
@@ -580,7 +594,6 @@
               <a:rPr lang="ja-JP" altLang="en-US"/>
               <a:t>レベル</a:t>
             </a:r>
-            <a:endParaRPr lang="ja-JP" altLang="en-US"/>
           </a:p>
           <a:p>
             <a:pPr lvl="2"/>
@@ -596,7 +609,6 @@
               <a:rPr lang="ja-JP" altLang="en-US"/>
               <a:t>レベル</a:t>
             </a:r>
-            <a:endParaRPr lang="ja-JP" altLang="en-US"/>
           </a:p>
           <a:p>
             <a:pPr lvl="3"/>
@@ -612,7 +624,6 @@
               <a:rPr lang="ja-JP" altLang="en-US"/>
               <a:t>レベル</a:t>
             </a:r>
-            <a:endParaRPr lang="ja-JP" altLang="en-US"/>
           </a:p>
           <a:p>
             <a:pPr lvl="4"/>
@@ -649,6 +660,7 @@
           <a:p>
             <a:fld id="{28D9E1AC-175C-4690-8217-7372C0E5C58F}" type="datetimeFigureOut">
               <a:rPr kumimoji="1" lang="ja-JP" altLang="en-US" smtClean="0"/>
+              <a:t>2021/12/21</a:t>
             </a:fld>
             <a:endParaRPr kumimoji="1" lang="ja-JP" altLang="en-US"/>
           </a:p>
@@ -690,12 +702,18 @@
           <a:p>
             <a:fld id="{3F15BDB7-3A6B-47A3-B34C-D314EBACE4A9}" type="slidenum">
               <a:rPr kumimoji="1" lang="ja-JP" altLang="en-US" smtClean="0"/>
+              <a:t>‹#›</a:t>
             </a:fld>
             <a:endParaRPr kumimoji="1" lang="ja-JP" altLang="en-US"/>
           </a:p>
         </p:txBody>
       </p:sp>
     </p:spTree>
+    <p:extLst>
+      <p:ext uri="{BB962C8B-B14F-4D97-AF65-F5344CB8AC3E}">
+        <p14:creationId xmlns:p14="http://schemas.microsoft.com/office/powerpoint/2010/main" val="2675746505"/>
+      </p:ext>
+    </p:extLst>
   </p:cSld>
   <p:clrMapOvr>
     <a:masterClrMapping/>
@@ -763,7 +781,6 @@
               <a:rPr lang="ja-JP" altLang="en-US"/>
               <a:t>マスター テキストの書式設定</a:t>
             </a:r>
-            <a:endParaRPr lang="ja-JP" altLang="en-US"/>
           </a:p>
           <a:p>
             <a:pPr lvl="1"/>
@@ -779,7 +796,6 @@
               <a:rPr lang="ja-JP" altLang="en-US"/>
               <a:t>レベル</a:t>
             </a:r>
-            <a:endParaRPr lang="ja-JP" altLang="en-US"/>
           </a:p>
           <a:p>
             <a:pPr lvl="2"/>
@@ -795,7 +811,6 @@
               <a:rPr lang="ja-JP" altLang="en-US"/>
               <a:t>レベル</a:t>
             </a:r>
-            <a:endParaRPr lang="ja-JP" altLang="en-US"/>
           </a:p>
           <a:p>
             <a:pPr lvl="3"/>
@@ -811,7 +826,6 @@
               <a:rPr lang="ja-JP" altLang="en-US"/>
               <a:t>レベル</a:t>
             </a:r>
-            <a:endParaRPr lang="ja-JP" altLang="en-US"/>
           </a:p>
           <a:p>
             <a:pPr lvl="4"/>
@@ -848,6 +862,7 @@
           <a:p>
             <a:fld id="{28D9E1AC-175C-4690-8217-7372C0E5C58F}" type="datetimeFigureOut">
               <a:rPr kumimoji="1" lang="ja-JP" altLang="en-US" smtClean="0"/>
+              <a:t>2021/12/21</a:t>
             </a:fld>
             <a:endParaRPr kumimoji="1" lang="ja-JP" altLang="en-US"/>
           </a:p>
@@ -889,12 +904,18 @@
           <a:p>
             <a:fld id="{3F15BDB7-3A6B-47A3-B34C-D314EBACE4A9}" type="slidenum">
               <a:rPr kumimoji="1" lang="ja-JP" altLang="en-US" smtClean="0"/>
+              <a:t>‹#›</a:t>
             </a:fld>
             <a:endParaRPr kumimoji="1" lang="ja-JP" altLang="en-US"/>
           </a:p>
         </p:txBody>
       </p:sp>
     </p:spTree>
+    <p:extLst>
+      <p:ext uri="{BB962C8B-B14F-4D97-AF65-F5344CB8AC3E}">
+        <p14:creationId xmlns:p14="http://schemas.microsoft.com/office/powerpoint/2010/main" val="1711278795"/>
+      </p:ext>
+    </p:extLst>
   </p:cSld>
   <p:clrMapOvr>
     <a:masterClrMapping/>
@@ -1065,7 +1086,6 @@
               <a:rPr lang="ja-JP" altLang="en-US"/>
               <a:t>マスター テキストの書式設定</a:t>
             </a:r>
-            <a:endParaRPr lang="ja-JP" altLang="en-US"/>
           </a:p>
         </p:txBody>
       </p:sp>
@@ -1086,6 +1106,7 @@
           <a:p>
             <a:fld id="{28D9E1AC-175C-4690-8217-7372C0E5C58F}" type="datetimeFigureOut">
               <a:rPr kumimoji="1" lang="ja-JP" altLang="en-US" smtClean="0"/>
+              <a:t>2021/12/21</a:t>
             </a:fld>
             <a:endParaRPr kumimoji="1" lang="ja-JP" altLang="en-US"/>
           </a:p>
@@ -1127,12 +1148,18 @@
           <a:p>
             <a:fld id="{3F15BDB7-3A6B-47A3-B34C-D314EBACE4A9}" type="slidenum">
               <a:rPr kumimoji="1" lang="ja-JP" altLang="en-US" smtClean="0"/>
+              <a:t>‹#›</a:t>
             </a:fld>
             <a:endParaRPr kumimoji="1" lang="ja-JP" altLang="en-US"/>
           </a:p>
         </p:txBody>
       </p:sp>
     </p:spTree>
+    <p:extLst>
+      <p:ext uri="{BB962C8B-B14F-4D97-AF65-F5344CB8AC3E}">
+        <p14:creationId xmlns:p14="http://schemas.microsoft.com/office/powerpoint/2010/main" val="3882023377"/>
+      </p:ext>
+    </p:extLst>
   </p:cSld>
   <p:clrMapOvr>
     <a:masterClrMapping/>
@@ -1205,7 +1232,6 @@
               <a:rPr lang="ja-JP" altLang="en-US"/>
               <a:t>マスター テキストの書式設定</a:t>
             </a:r>
-            <a:endParaRPr lang="ja-JP" altLang="en-US"/>
           </a:p>
           <a:p>
             <a:pPr lvl="1"/>
@@ -1221,7 +1247,6 @@
               <a:rPr lang="ja-JP" altLang="en-US"/>
               <a:t>レベル</a:t>
             </a:r>
-            <a:endParaRPr lang="ja-JP" altLang="en-US"/>
           </a:p>
           <a:p>
             <a:pPr lvl="2"/>
@@ -1237,7 +1262,6 @@
               <a:rPr lang="ja-JP" altLang="en-US"/>
               <a:t>レベル</a:t>
             </a:r>
-            <a:endParaRPr lang="ja-JP" altLang="en-US"/>
           </a:p>
           <a:p>
             <a:pPr lvl="3"/>
@@ -1253,7 +1277,6 @@
               <a:rPr lang="ja-JP" altLang="en-US"/>
               <a:t>レベル</a:t>
             </a:r>
-            <a:endParaRPr lang="ja-JP" altLang="en-US"/>
           </a:p>
           <a:p>
             <a:pPr lvl="4"/>
@@ -1298,7 +1321,6 @@
               <a:rPr lang="ja-JP" altLang="en-US"/>
               <a:t>マスター テキストの書式設定</a:t>
             </a:r>
-            <a:endParaRPr lang="ja-JP" altLang="en-US"/>
           </a:p>
           <a:p>
             <a:pPr lvl="1"/>
@@ -1314,7 +1336,6 @@
               <a:rPr lang="ja-JP" altLang="en-US"/>
               <a:t>レベル</a:t>
             </a:r>
-            <a:endParaRPr lang="ja-JP" altLang="en-US"/>
           </a:p>
           <a:p>
             <a:pPr lvl="2"/>
@@ -1330,7 +1351,6 @@
               <a:rPr lang="ja-JP" altLang="en-US"/>
               <a:t>レベル</a:t>
             </a:r>
-            <a:endParaRPr lang="ja-JP" altLang="en-US"/>
           </a:p>
           <a:p>
             <a:pPr lvl="3"/>
@@ -1346,7 +1366,6 @@
               <a:rPr lang="ja-JP" altLang="en-US"/>
               <a:t>レベル</a:t>
             </a:r>
-            <a:endParaRPr lang="ja-JP" altLang="en-US"/>
           </a:p>
           <a:p>
             <a:pPr lvl="4"/>
@@ -1383,6 +1402,7 @@
           <a:p>
             <a:fld id="{28D9E1AC-175C-4690-8217-7372C0E5C58F}" type="datetimeFigureOut">
               <a:rPr kumimoji="1" lang="ja-JP" altLang="en-US" smtClean="0"/>
+              <a:t>2021/12/21</a:t>
             </a:fld>
             <a:endParaRPr kumimoji="1" lang="ja-JP" altLang="en-US"/>
           </a:p>
@@ -1424,12 +1444,18 @@
           <a:p>
             <a:fld id="{3F15BDB7-3A6B-47A3-B34C-D314EBACE4A9}" type="slidenum">
               <a:rPr kumimoji="1" lang="ja-JP" altLang="en-US" smtClean="0"/>
+              <a:t>‹#›</a:t>
             </a:fld>
             <a:endParaRPr kumimoji="1" lang="ja-JP" altLang="en-US"/>
           </a:p>
         </p:txBody>
       </p:sp>
     </p:spTree>
+    <p:extLst>
+      <p:ext uri="{BB962C8B-B14F-4D97-AF65-F5344CB8AC3E}">
+        <p14:creationId xmlns:p14="http://schemas.microsoft.com/office/powerpoint/2010/main" val="3380520819"/>
+      </p:ext>
+    </p:extLst>
   </p:cSld>
   <p:clrMapOvr>
     <a:masterClrMapping/>
@@ -1544,7 +1570,6 @@
               <a:rPr lang="ja-JP" altLang="en-US"/>
               <a:t>マスター テキストの書式設定</a:t>
             </a:r>
-            <a:endParaRPr lang="ja-JP" altLang="en-US"/>
           </a:p>
         </p:txBody>
       </p:sp>
@@ -1573,7 +1598,6 @@
               <a:rPr lang="ja-JP" altLang="en-US"/>
               <a:t>マスター テキストの書式設定</a:t>
             </a:r>
-            <a:endParaRPr lang="ja-JP" altLang="en-US"/>
           </a:p>
           <a:p>
             <a:pPr lvl="1"/>
@@ -1589,7 +1613,6 @@
               <a:rPr lang="ja-JP" altLang="en-US"/>
               <a:t>レベル</a:t>
             </a:r>
-            <a:endParaRPr lang="ja-JP" altLang="en-US"/>
           </a:p>
           <a:p>
             <a:pPr lvl="2"/>
@@ -1605,7 +1628,6 @@
               <a:rPr lang="ja-JP" altLang="en-US"/>
               <a:t>レベル</a:t>
             </a:r>
-            <a:endParaRPr lang="ja-JP" altLang="en-US"/>
           </a:p>
           <a:p>
             <a:pPr lvl="3"/>
@@ -1621,7 +1643,6 @@
               <a:rPr lang="ja-JP" altLang="en-US"/>
               <a:t>レベル</a:t>
             </a:r>
-            <a:endParaRPr lang="ja-JP" altLang="en-US"/>
           </a:p>
           <a:p>
             <a:pPr lvl="4"/>
@@ -1703,7 +1724,6 @@
               <a:rPr lang="ja-JP" altLang="en-US"/>
               <a:t>マスター テキストの書式設定</a:t>
             </a:r>
-            <a:endParaRPr lang="ja-JP" altLang="en-US"/>
           </a:p>
         </p:txBody>
       </p:sp>
@@ -1732,7 +1752,6 @@
               <a:rPr lang="ja-JP" altLang="en-US"/>
               <a:t>マスター テキストの書式設定</a:t>
             </a:r>
-            <a:endParaRPr lang="ja-JP" altLang="en-US"/>
           </a:p>
           <a:p>
             <a:pPr lvl="1"/>
@@ -1748,7 +1767,6 @@
               <a:rPr lang="ja-JP" altLang="en-US"/>
               <a:t>レベル</a:t>
             </a:r>
-            <a:endParaRPr lang="ja-JP" altLang="en-US"/>
           </a:p>
           <a:p>
             <a:pPr lvl="2"/>
@@ -1764,7 +1782,6 @@
               <a:rPr lang="ja-JP" altLang="en-US"/>
               <a:t>レベル</a:t>
             </a:r>
-            <a:endParaRPr lang="ja-JP" altLang="en-US"/>
           </a:p>
           <a:p>
             <a:pPr lvl="3"/>
@@ -1780,7 +1797,6 @@
               <a:rPr lang="ja-JP" altLang="en-US"/>
               <a:t>レベル</a:t>
             </a:r>
-            <a:endParaRPr lang="ja-JP" altLang="en-US"/>
           </a:p>
           <a:p>
             <a:pPr lvl="4"/>
@@ -1817,6 +1833,7 @@
           <a:p>
             <a:fld id="{28D9E1AC-175C-4690-8217-7372C0E5C58F}" type="datetimeFigureOut">
               <a:rPr kumimoji="1" lang="ja-JP" altLang="en-US" smtClean="0"/>
+              <a:t>2021/12/21</a:t>
             </a:fld>
             <a:endParaRPr kumimoji="1" lang="ja-JP" altLang="en-US"/>
           </a:p>
@@ -1858,12 +1875,18 @@
           <a:p>
             <a:fld id="{3F15BDB7-3A6B-47A3-B34C-D314EBACE4A9}" type="slidenum">
               <a:rPr kumimoji="1" lang="ja-JP" altLang="en-US" smtClean="0"/>
+              <a:t>‹#›</a:t>
             </a:fld>
             <a:endParaRPr kumimoji="1" lang="ja-JP" altLang="en-US"/>
           </a:p>
         </p:txBody>
       </p:sp>
     </p:spTree>
+    <p:extLst>
+      <p:ext uri="{BB962C8B-B14F-4D97-AF65-F5344CB8AC3E}">
+        <p14:creationId xmlns:p14="http://schemas.microsoft.com/office/powerpoint/2010/main" val="3586760884"/>
+      </p:ext>
+    </p:extLst>
   </p:cSld>
   <p:clrMapOvr>
     <a:masterClrMapping/>
@@ -1928,6 +1951,7 @@
           <a:p>
             <a:fld id="{28D9E1AC-175C-4690-8217-7372C0E5C58F}" type="datetimeFigureOut">
               <a:rPr kumimoji="1" lang="ja-JP" altLang="en-US" smtClean="0"/>
+              <a:t>2021/12/21</a:t>
             </a:fld>
             <a:endParaRPr kumimoji="1" lang="ja-JP" altLang="en-US"/>
           </a:p>
@@ -1969,12 +1993,18 @@
           <a:p>
             <a:fld id="{3F15BDB7-3A6B-47A3-B34C-D314EBACE4A9}" type="slidenum">
               <a:rPr kumimoji="1" lang="ja-JP" altLang="en-US" smtClean="0"/>
+              <a:t>‹#›</a:t>
             </a:fld>
             <a:endParaRPr kumimoji="1" lang="ja-JP" altLang="en-US"/>
           </a:p>
         </p:txBody>
       </p:sp>
     </p:spTree>
+    <p:extLst>
+      <p:ext uri="{BB962C8B-B14F-4D97-AF65-F5344CB8AC3E}">
+        <p14:creationId xmlns:p14="http://schemas.microsoft.com/office/powerpoint/2010/main" val="3670372527"/>
+      </p:ext>
+    </p:extLst>
   </p:cSld>
   <p:clrMapOvr>
     <a:masterClrMapping/>
@@ -2016,6 +2046,7 @@
           <a:p>
             <a:fld id="{28D9E1AC-175C-4690-8217-7372C0E5C58F}" type="datetimeFigureOut">
               <a:rPr kumimoji="1" lang="ja-JP" altLang="en-US" smtClean="0"/>
+              <a:t>2021/12/21</a:t>
             </a:fld>
             <a:endParaRPr kumimoji="1" lang="ja-JP" altLang="en-US"/>
           </a:p>
@@ -2057,12 +2088,18 @@
           <a:p>
             <a:fld id="{3F15BDB7-3A6B-47A3-B34C-D314EBACE4A9}" type="slidenum">
               <a:rPr kumimoji="1" lang="ja-JP" altLang="en-US" smtClean="0"/>
+              <a:t>‹#›</a:t>
             </a:fld>
             <a:endParaRPr kumimoji="1" lang="ja-JP" altLang="en-US"/>
           </a:p>
         </p:txBody>
       </p:sp>
     </p:spTree>
+    <p:extLst>
+      <p:ext uri="{BB962C8B-B14F-4D97-AF65-F5344CB8AC3E}">
+        <p14:creationId xmlns:p14="http://schemas.microsoft.com/office/powerpoint/2010/main" val="3604936225"/>
+      </p:ext>
+    </p:extLst>
   </p:cSld>
   <p:clrMapOvr>
     <a:masterClrMapping/>
@@ -2172,7 +2209,6 @@
               <a:rPr lang="ja-JP" altLang="en-US"/>
               <a:t>マスター テキストの書式設定</a:t>
             </a:r>
-            <a:endParaRPr lang="ja-JP" altLang="en-US"/>
           </a:p>
           <a:p>
             <a:pPr lvl="1"/>
@@ -2188,7 +2224,6 @@
               <a:rPr lang="ja-JP" altLang="en-US"/>
               <a:t>レベル</a:t>
             </a:r>
-            <a:endParaRPr lang="ja-JP" altLang="en-US"/>
           </a:p>
           <a:p>
             <a:pPr lvl="2"/>
@@ -2204,7 +2239,6 @@
               <a:rPr lang="ja-JP" altLang="en-US"/>
               <a:t>レベル</a:t>
             </a:r>
-            <a:endParaRPr lang="ja-JP" altLang="en-US"/>
           </a:p>
           <a:p>
             <a:pPr lvl="3"/>
@@ -2220,7 +2254,6 @@
               <a:rPr lang="ja-JP" altLang="en-US"/>
               <a:t>レベル</a:t>
             </a:r>
-            <a:endParaRPr lang="ja-JP" altLang="en-US"/>
           </a:p>
           <a:p>
             <a:pPr lvl="4"/>
@@ -2302,7 +2335,6 @@
               <a:rPr lang="ja-JP" altLang="en-US"/>
               <a:t>マスター テキストの書式設定</a:t>
             </a:r>
-            <a:endParaRPr lang="ja-JP" altLang="en-US"/>
           </a:p>
         </p:txBody>
       </p:sp>
@@ -2323,6 +2355,7 @@
           <a:p>
             <a:fld id="{28D9E1AC-175C-4690-8217-7372C0E5C58F}" type="datetimeFigureOut">
               <a:rPr kumimoji="1" lang="ja-JP" altLang="en-US" smtClean="0"/>
+              <a:t>2021/12/21</a:t>
             </a:fld>
             <a:endParaRPr kumimoji="1" lang="ja-JP" altLang="en-US"/>
           </a:p>
@@ -2364,12 +2397,18 @@
           <a:p>
             <a:fld id="{3F15BDB7-3A6B-47A3-B34C-D314EBACE4A9}" type="slidenum">
               <a:rPr kumimoji="1" lang="ja-JP" altLang="en-US" smtClean="0"/>
+              <a:t>‹#›</a:t>
             </a:fld>
             <a:endParaRPr kumimoji="1" lang="ja-JP" altLang="en-US"/>
           </a:p>
         </p:txBody>
       </p:sp>
     </p:spTree>
+    <p:extLst>
+      <p:ext uri="{BB962C8B-B14F-4D97-AF65-F5344CB8AC3E}">
+        <p14:creationId xmlns:p14="http://schemas.microsoft.com/office/powerpoint/2010/main" val="3107604049"/>
+      </p:ext>
+    </p:extLst>
   </p:cSld>
   <p:clrMapOvr>
     <a:masterClrMapping/>
@@ -2433,7 +2472,7 @@
             <a:spLocks noGrp="1" noChangeAspect="1"/>
           </p:cNvSpPr>
           <p:nvPr>
-            <p:ph type="pic" idx="1" hasCustomPrompt="1"/>
+            <p:ph type="pic" idx="1"/>
           </p:nvPr>
         </p:nvSpPr>
         <p:spPr>
@@ -2553,7 +2592,6 @@
               <a:rPr lang="ja-JP" altLang="en-US"/>
               <a:t>マスター テキストの書式設定</a:t>
             </a:r>
-            <a:endParaRPr lang="ja-JP" altLang="en-US"/>
           </a:p>
         </p:txBody>
       </p:sp>
@@ -2574,6 +2612,7 @@
           <a:p>
             <a:fld id="{28D9E1AC-175C-4690-8217-7372C0E5C58F}" type="datetimeFigureOut">
               <a:rPr kumimoji="1" lang="ja-JP" altLang="en-US" smtClean="0"/>
+              <a:t>2021/12/21</a:t>
             </a:fld>
             <a:endParaRPr kumimoji="1" lang="ja-JP" altLang="en-US"/>
           </a:p>
@@ -2615,12 +2654,18 @@
           <a:p>
             <a:fld id="{3F15BDB7-3A6B-47A3-B34C-D314EBACE4A9}" type="slidenum">
               <a:rPr kumimoji="1" lang="ja-JP" altLang="en-US" smtClean="0"/>
+              <a:t>‹#›</a:t>
             </a:fld>
             <a:endParaRPr kumimoji="1" lang="ja-JP" altLang="en-US"/>
           </a:p>
         </p:txBody>
       </p:sp>
     </p:spTree>
+    <p:extLst>
+      <p:ext uri="{BB962C8B-B14F-4D97-AF65-F5344CB8AC3E}">
+        <p14:creationId xmlns:p14="http://schemas.microsoft.com/office/powerpoint/2010/main" val="2559673533"/>
+      </p:ext>
+    </p:extLst>
   </p:cSld>
   <p:clrMapOvr>
     <a:masterClrMapping/>
@@ -2713,7 +2758,6 @@
               <a:rPr lang="ja-JP" altLang="en-US"/>
               <a:t>マスター テキストの書式設定</a:t>
             </a:r>
-            <a:endParaRPr lang="ja-JP" altLang="en-US"/>
           </a:p>
           <a:p>
             <a:pPr lvl="1"/>
@@ -2729,7 +2773,6 @@
               <a:rPr lang="ja-JP" altLang="en-US"/>
               <a:t>レベル</a:t>
             </a:r>
-            <a:endParaRPr lang="ja-JP" altLang="en-US"/>
           </a:p>
           <a:p>
             <a:pPr lvl="2"/>
@@ -2745,7 +2788,6 @@
               <a:rPr lang="ja-JP" altLang="en-US"/>
               <a:t>レベル</a:t>
             </a:r>
-            <a:endParaRPr lang="ja-JP" altLang="en-US"/>
           </a:p>
           <a:p>
             <a:pPr lvl="3"/>
@@ -2761,7 +2803,6 @@
               <a:rPr lang="ja-JP" altLang="en-US"/>
               <a:t>レベル</a:t>
             </a:r>
-            <a:endParaRPr lang="ja-JP" altLang="en-US"/>
           </a:p>
           <a:p>
             <a:pPr lvl="4"/>
@@ -2816,6 +2857,7 @@
           <a:p>
             <a:fld id="{28D9E1AC-175C-4690-8217-7372C0E5C58F}" type="datetimeFigureOut">
               <a:rPr kumimoji="1" lang="ja-JP" altLang="en-US" smtClean="0"/>
+              <a:t>2021/12/21</a:t>
             </a:fld>
             <a:endParaRPr kumimoji="1" lang="ja-JP" altLang="en-US"/>
           </a:p>
@@ -2893,26 +2935,32 @@
           <a:p>
             <a:fld id="{3F15BDB7-3A6B-47A3-B34C-D314EBACE4A9}" type="slidenum">
               <a:rPr kumimoji="1" lang="ja-JP" altLang="en-US" smtClean="0"/>
+              <a:t>‹#›</a:t>
             </a:fld>
             <a:endParaRPr kumimoji="1" lang="ja-JP" altLang="en-US"/>
           </a:p>
         </p:txBody>
       </p:sp>
     </p:spTree>
+    <p:extLst>
+      <p:ext uri="{BB962C8B-B14F-4D97-AF65-F5344CB8AC3E}">
+        <p14:creationId xmlns:p14="http://schemas.microsoft.com/office/powerpoint/2010/main" val="616072978"/>
+      </p:ext>
+    </p:extLst>
   </p:cSld>
   <p:clrMap bg1="lt1" tx1="dk1" bg2="lt2" tx2="dk2" accent1="accent1" accent2="accent2" accent3="accent3" accent4="accent4" accent5="accent5" accent6="accent6" hlink="hlink" folHlink="folHlink"/>
   <p:sldLayoutIdLst>
-    <p:sldLayoutId id="2147483649" r:id="rId1"/>
-    <p:sldLayoutId id="2147483650" r:id="rId2"/>
-    <p:sldLayoutId id="2147483651" r:id="rId3"/>
-    <p:sldLayoutId id="2147483652" r:id="rId4"/>
-    <p:sldLayoutId id="2147483653" r:id="rId5"/>
-    <p:sldLayoutId id="2147483654" r:id="rId6"/>
-    <p:sldLayoutId id="2147483655" r:id="rId7"/>
-    <p:sldLayoutId id="2147483656" r:id="rId8"/>
-    <p:sldLayoutId id="2147483657" r:id="rId9"/>
-    <p:sldLayoutId id="2147483658" r:id="rId10"/>
-    <p:sldLayoutId id="2147483659" r:id="rId11"/>
+    <p:sldLayoutId id="2147483661" r:id="rId1"/>
+    <p:sldLayoutId id="2147483662" r:id="rId2"/>
+    <p:sldLayoutId id="2147483663" r:id="rId3"/>
+    <p:sldLayoutId id="2147483664" r:id="rId4"/>
+    <p:sldLayoutId id="2147483665" r:id="rId5"/>
+    <p:sldLayoutId id="2147483666" r:id="rId6"/>
+    <p:sldLayoutId id="2147483667" r:id="rId7"/>
+    <p:sldLayoutId id="2147483668" r:id="rId8"/>
+    <p:sldLayoutId id="2147483669" r:id="rId9"/>
+    <p:sldLayoutId id="2147483670" r:id="rId10"/>
+    <p:sldLayoutId id="2147483671" r:id="rId11"/>
   </p:sldLayoutIdLst>
   <p:txStyles>
     <p:titleStyle>
@@ -3216,7 +3264,13 @@
       </p:grpSpPr>
       <p:sp>
         <p:nvSpPr>
-          <p:cNvPr id="2" name="テキスト ボックス 1"/>
+          <p:cNvPr id="2" name="テキスト ボックス 1">
+            <a:extLst>
+              <a:ext uri="{FF2B5EF4-FFF2-40B4-BE49-F238E27FC236}">
+                <a16:creationId xmlns:a16="http://schemas.microsoft.com/office/drawing/2014/main" id="{FA4A9E04-D39B-4287-9E8A-32E701D75CBB}"/>
+              </a:ext>
+            </a:extLst>
+          </p:cNvPr>
           <p:cNvSpPr txBox="1"/>
           <p:nvPr/>
         </p:nvSpPr>
@@ -3240,13 +3294,18 @@
               <a:rPr kumimoji="1" lang="ja-JP" altLang="en-US" dirty="0"/>
               <a:t>〇〇〇発注システム</a:t>
             </a:r>
-            <a:endParaRPr kumimoji="1" lang="ja-JP" altLang="en-US" dirty="0"/>
           </a:p>
         </p:txBody>
       </p:sp>
       <p:sp>
         <p:nvSpPr>
-          <p:cNvPr id="3" name="テキスト ボックス 2"/>
+          <p:cNvPr id="3" name="テキスト ボックス 2">
+            <a:extLst>
+              <a:ext uri="{FF2B5EF4-FFF2-40B4-BE49-F238E27FC236}">
+                <a16:creationId xmlns:a16="http://schemas.microsoft.com/office/drawing/2014/main" id="{BC91F18D-632E-4B1D-BDA4-C636F04DC128}"/>
+              </a:ext>
+            </a:extLst>
+          </p:cNvPr>
           <p:cNvSpPr txBox="1"/>
           <p:nvPr/>
         </p:nvSpPr>
@@ -3280,7 +3339,13 @@
       </p:sp>
       <p:sp>
         <p:nvSpPr>
-          <p:cNvPr id="4" name="テキスト ボックス 3"/>
+          <p:cNvPr id="4" name="テキスト ボックス 3">
+            <a:extLst>
+              <a:ext uri="{FF2B5EF4-FFF2-40B4-BE49-F238E27FC236}">
+                <a16:creationId xmlns:a16="http://schemas.microsoft.com/office/drawing/2014/main" id="{B1E9F5CB-71E1-4260-9A96-AD99064FBFB5}"/>
+              </a:ext>
+            </a:extLst>
+          </p:cNvPr>
           <p:cNvSpPr txBox="1"/>
           <p:nvPr/>
         </p:nvSpPr>
@@ -3314,7 +3379,13 @@
       </p:sp>
       <p:sp>
         <p:nvSpPr>
-          <p:cNvPr id="5" name="正方形/長方形 4"/>
+          <p:cNvPr id="5" name="正方形/長方形 4">
+            <a:extLst>
+              <a:ext uri="{FF2B5EF4-FFF2-40B4-BE49-F238E27FC236}">
+                <a16:creationId xmlns:a16="http://schemas.microsoft.com/office/drawing/2014/main" id="{13ED1543-4EB5-41F5-8EB4-3E10EC0F3570}"/>
+              </a:ext>
+            </a:extLst>
+          </p:cNvPr>
           <p:cNvSpPr/>
           <p:nvPr/>
         </p:nvSpPr>
@@ -3360,7 +3431,13 @@
       </p:sp>
       <p:sp>
         <p:nvSpPr>
-          <p:cNvPr id="6" name="正方形/長方形 5"/>
+          <p:cNvPr id="6" name="正方形/長方形 5">
+            <a:extLst>
+              <a:ext uri="{FF2B5EF4-FFF2-40B4-BE49-F238E27FC236}">
+                <a16:creationId xmlns:a16="http://schemas.microsoft.com/office/drawing/2014/main" id="{33B6EEB1-A43D-4454-8F14-2139A1BD8FB0}"/>
+              </a:ext>
+            </a:extLst>
+          </p:cNvPr>
           <p:cNvSpPr/>
           <p:nvPr/>
         </p:nvSpPr>
@@ -3406,7 +3483,13 @@
       </p:sp>
       <p:sp>
         <p:nvSpPr>
-          <p:cNvPr id="7" name="正方形/長方形 6"/>
+          <p:cNvPr id="7" name="正方形/長方形 6">
+            <a:extLst>
+              <a:ext uri="{FF2B5EF4-FFF2-40B4-BE49-F238E27FC236}">
+                <a16:creationId xmlns:a16="http://schemas.microsoft.com/office/drawing/2014/main" id="{CAAA0729-902C-41D2-A8EC-64586116A297}"/>
+              </a:ext>
+            </a:extLst>
+          </p:cNvPr>
           <p:cNvSpPr/>
           <p:nvPr/>
         </p:nvSpPr>
@@ -3459,15 +3542,15 @@
               </a:rPr>
               <a:t>ログイン</a:t>
             </a:r>
-            <a:endParaRPr kumimoji="1" lang="ja-JP" altLang="en-US" b="1" dirty="0">
-              <a:solidFill>
-                <a:schemeClr val="tx1"/>
-              </a:solidFill>
-            </a:endParaRPr>
           </a:p>
         </p:txBody>
       </p:sp>
     </p:spTree>
+    <p:extLst>
+      <p:ext uri="{BB962C8B-B14F-4D97-AF65-F5344CB8AC3E}">
+        <p14:creationId xmlns:p14="http://schemas.microsoft.com/office/powerpoint/2010/main" val="499805039"/>
+      </p:ext>
+    </p:extLst>
   </p:cSld>
   <p:clrMapOvr>
     <a:masterClrMapping/>
@@ -3494,7 +3577,13 @@
       </p:grpSpPr>
       <p:sp>
         <p:nvSpPr>
-          <p:cNvPr id="4" name="テキスト ボックス 3"/>
+          <p:cNvPr id="4" name="テキスト ボックス 3">
+            <a:extLst>
+              <a:ext uri="{FF2B5EF4-FFF2-40B4-BE49-F238E27FC236}">
+                <a16:creationId xmlns:a16="http://schemas.microsoft.com/office/drawing/2014/main" id="{E02AC829-A158-42F7-B6A7-D4CAA793E1BE}"/>
+              </a:ext>
+            </a:extLst>
+          </p:cNvPr>
           <p:cNvSpPr txBox="1"/>
           <p:nvPr/>
         </p:nvSpPr>
@@ -3518,13 +3607,18 @@
               <a:rPr lang="ja-JP" altLang="en-US" dirty="0"/>
               <a:t>注文フォーム</a:t>
             </a:r>
-            <a:endParaRPr lang="ja-JP" altLang="en-US" dirty="0"/>
           </a:p>
         </p:txBody>
       </p:sp>
       <p:sp>
         <p:nvSpPr>
-          <p:cNvPr id="8" name="テキスト ボックス 7"/>
+          <p:cNvPr id="8" name="テキスト ボックス 7">
+            <a:extLst>
+              <a:ext uri="{FF2B5EF4-FFF2-40B4-BE49-F238E27FC236}">
+                <a16:creationId xmlns:a16="http://schemas.microsoft.com/office/drawing/2014/main" id="{5035446C-EB37-41DC-9110-C80F17B057E3}"/>
+              </a:ext>
+            </a:extLst>
+          </p:cNvPr>
           <p:cNvSpPr txBox="1"/>
           <p:nvPr/>
         </p:nvSpPr>
@@ -3548,13 +3642,18 @@
               <a:rPr kumimoji="1" lang="ja-JP" altLang="en-US" sz="3600" dirty="0"/>
               <a:t>＋</a:t>
             </a:r>
-            <a:endParaRPr kumimoji="1" lang="ja-JP" altLang="en-US" sz="3600" dirty="0"/>
           </a:p>
         </p:txBody>
       </p:sp>
       <p:sp>
         <p:nvSpPr>
-          <p:cNvPr id="11" name="テキスト ボックス 10"/>
+          <p:cNvPr id="11" name="テキスト ボックス 10">
+            <a:extLst>
+              <a:ext uri="{FF2B5EF4-FFF2-40B4-BE49-F238E27FC236}">
+                <a16:creationId xmlns:a16="http://schemas.microsoft.com/office/drawing/2014/main" id="{C304D387-A3D0-479B-B385-E49E58AA996D}"/>
+              </a:ext>
+            </a:extLst>
+          </p:cNvPr>
           <p:cNvSpPr txBox="1"/>
           <p:nvPr/>
         </p:nvSpPr>
@@ -3584,13 +3683,18 @@
               <a:rPr kumimoji="1" lang="ja-JP" altLang="en-US" dirty="0"/>
               <a:t>発注総額：〇〇〇〇円</a:t>
             </a:r>
-            <a:endParaRPr kumimoji="1" lang="ja-JP" altLang="en-US" dirty="0"/>
           </a:p>
         </p:txBody>
       </p:sp>
       <p:sp>
         <p:nvSpPr>
-          <p:cNvPr id="12" name="テキスト ボックス 11"/>
+          <p:cNvPr id="12" name="テキスト ボックス 11">
+            <a:extLst>
+              <a:ext uri="{FF2B5EF4-FFF2-40B4-BE49-F238E27FC236}">
+                <a16:creationId xmlns:a16="http://schemas.microsoft.com/office/drawing/2014/main" id="{8DB3C382-172D-436A-9DA8-DE8174FFDF4E}"/>
+              </a:ext>
+            </a:extLst>
+          </p:cNvPr>
           <p:cNvSpPr txBox="1"/>
           <p:nvPr/>
         </p:nvSpPr>
@@ -3627,17 +3731,28 @@
               <a:rPr kumimoji="1" lang="ja-JP" altLang="en-US" b="1" dirty="0"/>
               <a:t>ご発注確定</a:t>
             </a:r>
-            <a:endParaRPr kumimoji="1" lang="ja-JP" altLang="en-US" b="1" dirty="0"/>
           </a:p>
         </p:txBody>
       </p:sp>
       <p:graphicFrame>
         <p:nvGraphicFramePr>
-          <p:cNvPr id="14" name="表 13"/>
+          <p:cNvPr id="14" name="表 13">
+            <a:extLst>
+              <a:ext uri="{FF2B5EF4-FFF2-40B4-BE49-F238E27FC236}">
+                <a16:creationId xmlns:a16="http://schemas.microsoft.com/office/drawing/2014/main" id="{C3EE673C-1639-49C5-B862-98DD969F84EA}"/>
+              </a:ext>
+            </a:extLst>
+          </p:cNvPr>
           <p:cNvGraphicFramePr>
             <a:graphicFrameLocks noGrp="1"/>
           </p:cNvGraphicFramePr>
-          <p:nvPr/>
+          <p:nvPr>
+            <p:extLst>
+              <p:ext uri="{D42A27DB-BD31-4B8C-83A1-F6EECF244321}">
+                <p14:modId xmlns:p14="http://schemas.microsoft.com/office/powerpoint/2010/main" val="2418506314"/>
+              </p:ext>
+            </p:extLst>
+          </p:nvPr>
         </p:nvGraphicFramePr>
         <p:xfrm>
           <a:off x="900395" y="1020108"/>
@@ -3648,25 +3763,139 @@
             <a:tbl>
               <a:tblPr/>
               <a:tblGrid>
-                <a:gridCol w="615352"/>
-                <a:gridCol w="71002"/>
-                <a:gridCol w="781024"/>
-                <a:gridCol w="71002"/>
-                <a:gridCol w="1360874"/>
-                <a:gridCol w="71002"/>
-                <a:gridCol w="1431876"/>
-                <a:gridCol w="71002"/>
-                <a:gridCol w="994030"/>
-                <a:gridCol w="71002"/>
-                <a:gridCol w="615352"/>
-                <a:gridCol w="71002"/>
-                <a:gridCol w="615352"/>
-                <a:gridCol w="71002"/>
-                <a:gridCol w="615352"/>
-                <a:gridCol w="71002"/>
-                <a:gridCol w="502931"/>
-                <a:gridCol w="36628"/>
-                <a:gridCol w="408262"/>
+                <a:gridCol w="615352">
+                  <a:extLst>
+                    <a:ext uri="{9D8B030D-6E8A-4147-A177-3AD203B41FA5}">
+                      <a16:colId xmlns:a16="http://schemas.microsoft.com/office/drawing/2014/main" val="157954932"/>
+                    </a:ext>
+                  </a:extLst>
+                </a:gridCol>
+                <a:gridCol w="71002">
+                  <a:extLst>
+                    <a:ext uri="{9D8B030D-6E8A-4147-A177-3AD203B41FA5}">
+                      <a16:colId xmlns:a16="http://schemas.microsoft.com/office/drawing/2014/main" val="750770517"/>
+                    </a:ext>
+                  </a:extLst>
+                </a:gridCol>
+                <a:gridCol w="781024">
+                  <a:extLst>
+                    <a:ext uri="{9D8B030D-6E8A-4147-A177-3AD203B41FA5}">
+                      <a16:colId xmlns:a16="http://schemas.microsoft.com/office/drawing/2014/main" val="4006133487"/>
+                    </a:ext>
+                  </a:extLst>
+                </a:gridCol>
+                <a:gridCol w="71002">
+                  <a:extLst>
+                    <a:ext uri="{9D8B030D-6E8A-4147-A177-3AD203B41FA5}">
+                      <a16:colId xmlns:a16="http://schemas.microsoft.com/office/drawing/2014/main" val="2105647871"/>
+                    </a:ext>
+                  </a:extLst>
+                </a:gridCol>
+                <a:gridCol w="1360874">
+                  <a:extLst>
+                    <a:ext uri="{9D8B030D-6E8A-4147-A177-3AD203B41FA5}">
+                      <a16:colId xmlns:a16="http://schemas.microsoft.com/office/drawing/2014/main" val="1733213302"/>
+                    </a:ext>
+                  </a:extLst>
+                </a:gridCol>
+                <a:gridCol w="71002">
+                  <a:extLst>
+                    <a:ext uri="{9D8B030D-6E8A-4147-A177-3AD203B41FA5}">
+                      <a16:colId xmlns:a16="http://schemas.microsoft.com/office/drawing/2014/main" val="1402521894"/>
+                    </a:ext>
+                  </a:extLst>
+                </a:gridCol>
+                <a:gridCol w="1431876">
+                  <a:extLst>
+                    <a:ext uri="{9D8B030D-6E8A-4147-A177-3AD203B41FA5}">
+                      <a16:colId xmlns:a16="http://schemas.microsoft.com/office/drawing/2014/main" val="537262601"/>
+                    </a:ext>
+                  </a:extLst>
+                </a:gridCol>
+                <a:gridCol w="71002">
+                  <a:extLst>
+                    <a:ext uri="{9D8B030D-6E8A-4147-A177-3AD203B41FA5}">
+                      <a16:colId xmlns:a16="http://schemas.microsoft.com/office/drawing/2014/main" val="1835586341"/>
+                    </a:ext>
+                  </a:extLst>
+                </a:gridCol>
+                <a:gridCol w="994030">
+                  <a:extLst>
+                    <a:ext uri="{9D8B030D-6E8A-4147-A177-3AD203B41FA5}">
+                      <a16:colId xmlns:a16="http://schemas.microsoft.com/office/drawing/2014/main" val="4122607756"/>
+                    </a:ext>
+                  </a:extLst>
+                </a:gridCol>
+                <a:gridCol w="71002">
+                  <a:extLst>
+                    <a:ext uri="{9D8B030D-6E8A-4147-A177-3AD203B41FA5}">
+                      <a16:colId xmlns:a16="http://schemas.microsoft.com/office/drawing/2014/main" val="1879298561"/>
+                    </a:ext>
+                  </a:extLst>
+                </a:gridCol>
+                <a:gridCol w="615352">
+                  <a:extLst>
+                    <a:ext uri="{9D8B030D-6E8A-4147-A177-3AD203B41FA5}">
+                      <a16:colId xmlns:a16="http://schemas.microsoft.com/office/drawing/2014/main" val="301130964"/>
+                    </a:ext>
+                  </a:extLst>
+                </a:gridCol>
+                <a:gridCol w="71002">
+                  <a:extLst>
+                    <a:ext uri="{9D8B030D-6E8A-4147-A177-3AD203B41FA5}">
+                      <a16:colId xmlns:a16="http://schemas.microsoft.com/office/drawing/2014/main" val="3707268284"/>
+                    </a:ext>
+                  </a:extLst>
+                </a:gridCol>
+                <a:gridCol w="615352">
+                  <a:extLst>
+                    <a:ext uri="{9D8B030D-6E8A-4147-A177-3AD203B41FA5}">
+                      <a16:colId xmlns:a16="http://schemas.microsoft.com/office/drawing/2014/main" val="3237901430"/>
+                    </a:ext>
+                  </a:extLst>
+                </a:gridCol>
+                <a:gridCol w="71002">
+                  <a:extLst>
+                    <a:ext uri="{9D8B030D-6E8A-4147-A177-3AD203B41FA5}">
+                      <a16:colId xmlns:a16="http://schemas.microsoft.com/office/drawing/2014/main" val="2826523277"/>
+                    </a:ext>
+                  </a:extLst>
+                </a:gridCol>
+                <a:gridCol w="615352">
+                  <a:extLst>
+                    <a:ext uri="{9D8B030D-6E8A-4147-A177-3AD203B41FA5}">
+                      <a16:colId xmlns:a16="http://schemas.microsoft.com/office/drawing/2014/main" val="2817977532"/>
+                    </a:ext>
+                  </a:extLst>
+                </a:gridCol>
+                <a:gridCol w="71002">
+                  <a:extLst>
+                    <a:ext uri="{9D8B030D-6E8A-4147-A177-3AD203B41FA5}">
+                      <a16:colId xmlns:a16="http://schemas.microsoft.com/office/drawing/2014/main" val="3475861505"/>
+                    </a:ext>
+                  </a:extLst>
+                </a:gridCol>
+                <a:gridCol w="502931">
+                  <a:extLst>
+                    <a:ext uri="{9D8B030D-6E8A-4147-A177-3AD203B41FA5}">
+                      <a16:colId xmlns:a16="http://schemas.microsoft.com/office/drawing/2014/main" val="3758461097"/>
+                    </a:ext>
+                  </a:extLst>
+                </a:gridCol>
+                <a:gridCol w="36628">
+                  <a:extLst>
+                    <a:ext uri="{9D8B030D-6E8A-4147-A177-3AD203B41FA5}">
+                      <a16:colId xmlns:a16="http://schemas.microsoft.com/office/drawing/2014/main" val="358018337"/>
+                    </a:ext>
+                  </a:extLst>
+                </a:gridCol>
+                <a:gridCol w="408262">
+                  <a:extLst>
+                    <a:ext uri="{9D8B030D-6E8A-4147-A177-3AD203B41FA5}">
+                      <a16:colId xmlns:a16="http://schemas.microsoft.com/office/drawing/2014/main" val="4063986231"/>
+                    </a:ext>
+                  </a:extLst>
+                </a:gridCol>
               </a:tblGrid>
               <a:tr h="202090">
                 <a:tc>
@@ -3681,19 +3910,11 @@
                             <a:srgbClr val="000000"/>
                           </a:solidFill>
                           <a:effectLst/>
-                          <a:latin typeface="Yu Gothic" panose="020B0400000000000000" pitchFamily="50" charset="-128"/>
-                          <a:ea typeface="Yu Gothic" panose="020B0400000000000000" pitchFamily="50" charset="-128"/>
+                          <a:latin typeface="游ゴシック" panose="020B0400000000000000" pitchFamily="50" charset="-128"/>
+                          <a:ea typeface="游ゴシック" panose="020B0400000000000000" pitchFamily="50" charset="-128"/>
                         </a:rPr>
                         <a:t>注文日</a:t>
                       </a:r>
-                      <a:endParaRPr lang="ja-JP" altLang="en-US" sz="1000" b="1" i="0" u="none" strike="noStrike">
-                        <a:solidFill>
-                          <a:srgbClr val="000000"/>
-                        </a:solidFill>
-                        <a:effectLst/>
-                        <a:latin typeface="Yu Gothic" panose="020B0400000000000000" pitchFamily="50" charset="-128"/>
-                        <a:ea typeface="Yu Gothic" panose="020B0400000000000000" pitchFamily="50" charset="-128"/>
-                      </a:endParaRPr>
                     </a:p>
                   </a:txBody>
                   <a:tcPr marL="5614" marR="5614" marT="5614" marB="0" anchor="ctr">
@@ -3750,19 +3971,11 @@
                             <a:srgbClr val="000000"/>
                           </a:solidFill>
                           <a:effectLst/>
-                          <a:latin typeface="Yu Gothic" panose="020B0400000000000000" pitchFamily="50" charset="-128"/>
-                          <a:ea typeface="Yu Gothic" panose="020B0400000000000000" pitchFamily="50" charset="-128"/>
+                          <a:latin typeface="游ゴシック" panose="020B0400000000000000" pitchFamily="50" charset="-128"/>
+                          <a:ea typeface="游ゴシック" panose="020B0400000000000000" pitchFamily="50" charset="-128"/>
                         </a:rPr>
                         <a:t>　</a:t>
                       </a:r>
-                      <a:endParaRPr lang="ja-JP" altLang="en-US" sz="1000" b="1" i="0" u="none" strike="noStrike">
-                        <a:solidFill>
-                          <a:srgbClr val="000000"/>
-                        </a:solidFill>
-                        <a:effectLst/>
-                        <a:latin typeface="Yu Gothic" panose="020B0400000000000000" pitchFamily="50" charset="-128"/>
-                        <a:ea typeface="Yu Gothic" panose="020B0400000000000000" pitchFamily="50" charset="-128"/>
-                      </a:endParaRPr>
                     </a:p>
                   </a:txBody>
                   <a:tcPr marL="5614" marR="5614" marT="5614" marB="0" anchor="ctr">
@@ -3804,19 +4017,11 @@
                             <a:srgbClr val="000000"/>
                           </a:solidFill>
                           <a:effectLst/>
-                          <a:latin typeface="Yu Gothic" panose="020B0400000000000000" pitchFamily="50" charset="-128"/>
-                          <a:ea typeface="Yu Gothic" panose="020B0400000000000000" pitchFamily="50" charset="-128"/>
+                          <a:latin typeface="游ゴシック" panose="020B0400000000000000" pitchFamily="50" charset="-128"/>
+                          <a:ea typeface="游ゴシック" panose="020B0400000000000000" pitchFamily="50" charset="-128"/>
                         </a:rPr>
                         <a:t>管理番号</a:t>
                       </a:r>
-                      <a:endParaRPr lang="ja-JP" altLang="en-US" sz="1000" b="1" i="0" u="none" strike="noStrike">
-                        <a:solidFill>
-                          <a:srgbClr val="000000"/>
-                        </a:solidFill>
-                        <a:effectLst/>
-                        <a:latin typeface="Yu Gothic" panose="020B0400000000000000" pitchFamily="50" charset="-128"/>
-                        <a:ea typeface="Yu Gothic" panose="020B0400000000000000" pitchFamily="50" charset="-128"/>
-                      </a:endParaRPr>
                     </a:p>
                   </a:txBody>
                   <a:tcPr marL="5614" marR="5614" marT="5614" marB="0" anchor="ctr">
@@ -3873,19 +4078,11 @@
                             <a:srgbClr val="000000"/>
                           </a:solidFill>
                           <a:effectLst/>
-                          <a:latin typeface="Yu Gothic" panose="020B0400000000000000" pitchFamily="50" charset="-128"/>
-                          <a:ea typeface="Yu Gothic" panose="020B0400000000000000" pitchFamily="50" charset="-128"/>
+                          <a:latin typeface="游ゴシック" panose="020B0400000000000000" pitchFamily="50" charset="-128"/>
+                          <a:ea typeface="游ゴシック" panose="020B0400000000000000" pitchFamily="50" charset="-128"/>
                         </a:rPr>
                         <a:t>　</a:t>
                       </a:r>
-                      <a:endParaRPr lang="ja-JP" altLang="en-US" sz="1000" b="1" i="0" u="none" strike="noStrike">
-                        <a:solidFill>
-                          <a:srgbClr val="000000"/>
-                        </a:solidFill>
-                        <a:effectLst/>
-                        <a:latin typeface="Yu Gothic" panose="020B0400000000000000" pitchFamily="50" charset="-128"/>
-                        <a:ea typeface="Yu Gothic" panose="020B0400000000000000" pitchFamily="50" charset="-128"/>
-                      </a:endParaRPr>
                     </a:p>
                   </a:txBody>
                   <a:tcPr marL="5614" marR="5614" marT="5614" marB="0" anchor="ctr">
@@ -3927,19 +4124,11 @@
                             <a:srgbClr val="000000"/>
                           </a:solidFill>
                           <a:effectLst/>
-                          <a:latin typeface="Yu Gothic" panose="020B0400000000000000" pitchFamily="50" charset="-128"/>
-                          <a:ea typeface="Yu Gothic" panose="020B0400000000000000" pitchFamily="50" charset="-128"/>
+                          <a:latin typeface="游ゴシック" panose="020B0400000000000000" pitchFamily="50" charset="-128"/>
+                          <a:ea typeface="游ゴシック" panose="020B0400000000000000" pitchFamily="50" charset="-128"/>
                         </a:rPr>
                         <a:t>サロン名</a:t>
                       </a:r>
-                      <a:endParaRPr lang="ja-JP" altLang="en-US" sz="1000" b="1" i="0" u="none" strike="noStrike">
-                        <a:solidFill>
-                          <a:srgbClr val="000000"/>
-                        </a:solidFill>
-                        <a:effectLst/>
-                        <a:latin typeface="Yu Gothic" panose="020B0400000000000000" pitchFamily="50" charset="-128"/>
-                        <a:ea typeface="Yu Gothic" panose="020B0400000000000000" pitchFamily="50" charset="-128"/>
-                      </a:endParaRPr>
                     </a:p>
                   </a:txBody>
                   <a:tcPr marL="5614" marR="5614" marT="5614" marB="0" anchor="ctr">
@@ -3996,19 +4185,11 @@
                             <a:srgbClr val="000000"/>
                           </a:solidFill>
                           <a:effectLst/>
-                          <a:latin typeface="Yu Gothic" panose="020B0400000000000000" pitchFamily="50" charset="-128"/>
-                          <a:ea typeface="Yu Gothic" panose="020B0400000000000000" pitchFamily="50" charset="-128"/>
+                          <a:latin typeface="游ゴシック" panose="020B0400000000000000" pitchFamily="50" charset="-128"/>
+                          <a:ea typeface="游ゴシック" panose="020B0400000000000000" pitchFamily="50" charset="-128"/>
                         </a:rPr>
                         <a:t>　</a:t>
                       </a:r>
-                      <a:endParaRPr lang="ja-JP" altLang="en-US" sz="1000" b="1" i="0" u="none" strike="noStrike">
-                        <a:solidFill>
-                          <a:srgbClr val="000000"/>
-                        </a:solidFill>
-                        <a:effectLst/>
-                        <a:latin typeface="Yu Gothic" panose="020B0400000000000000" pitchFamily="50" charset="-128"/>
-                        <a:ea typeface="Yu Gothic" panose="020B0400000000000000" pitchFamily="50" charset="-128"/>
-                      </a:endParaRPr>
                     </a:p>
                   </a:txBody>
                   <a:tcPr marL="5614" marR="5614" marT="5614" marB="0" anchor="ctr">
@@ -4050,19 +4231,11 @@
                             <a:srgbClr val="000000"/>
                           </a:solidFill>
                           <a:effectLst/>
-                          <a:latin typeface="Yu Gothic" panose="020B0400000000000000" pitchFamily="50" charset="-128"/>
-                          <a:ea typeface="Yu Gothic" panose="020B0400000000000000" pitchFamily="50" charset="-128"/>
+                          <a:latin typeface="游ゴシック" panose="020B0400000000000000" pitchFamily="50" charset="-128"/>
+                          <a:ea typeface="游ゴシック" panose="020B0400000000000000" pitchFamily="50" charset="-128"/>
                         </a:rPr>
                         <a:t>配送先住所</a:t>
                       </a:r>
-                      <a:endParaRPr lang="ja-JP" altLang="en-US" sz="1000" b="1" i="0" u="none" strike="noStrike">
-                        <a:solidFill>
-                          <a:srgbClr val="000000"/>
-                        </a:solidFill>
-                        <a:effectLst/>
-                        <a:latin typeface="Yu Gothic" panose="020B0400000000000000" pitchFamily="50" charset="-128"/>
-                        <a:ea typeface="Yu Gothic" panose="020B0400000000000000" pitchFamily="50" charset="-128"/>
-                      </a:endParaRPr>
                     </a:p>
                   </a:txBody>
                   <a:tcPr marL="5614" marR="5614" marT="5614" marB="0" anchor="ctr">
@@ -4119,19 +4292,11 @@
                             <a:srgbClr val="000000"/>
                           </a:solidFill>
                           <a:effectLst/>
-                          <a:latin typeface="Yu Gothic" panose="020B0400000000000000" pitchFamily="50" charset="-128"/>
-                          <a:ea typeface="Yu Gothic" panose="020B0400000000000000" pitchFamily="50" charset="-128"/>
+                          <a:latin typeface="游ゴシック" panose="020B0400000000000000" pitchFamily="50" charset="-128"/>
+                          <a:ea typeface="游ゴシック" panose="020B0400000000000000" pitchFamily="50" charset="-128"/>
                         </a:rPr>
                         <a:t>　</a:t>
                       </a:r>
-                      <a:endParaRPr lang="ja-JP" altLang="en-US" sz="1000" b="1" i="0" u="none" strike="noStrike">
-                        <a:solidFill>
-                          <a:srgbClr val="000000"/>
-                        </a:solidFill>
-                        <a:effectLst/>
-                        <a:latin typeface="Yu Gothic" panose="020B0400000000000000" pitchFamily="50" charset="-128"/>
-                        <a:ea typeface="Yu Gothic" panose="020B0400000000000000" pitchFamily="50" charset="-128"/>
-                      </a:endParaRPr>
                     </a:p>
                   </a:txBody>
                   <a:tcPr marL="5614" marR="5614" marT="5614" marB="0" anchor="ctr">
@@ -4173,19 +4338,11 @@
                             <a:srgbClr val="000000"/>
                           </a:solidFill>
                           <a:effectLst/>
-                          <a:latin typeface="Yu Gothic" panose="020B0400000000000000" pitchFamily="50" charset="-128"/>
-                          <a:ea typeface="Yu Gothic" panose="020B0400000000000000" pitchFamily="50" charset="-128"/>
+                          <a:latin typeface="游ゴシック" panose="020B0400000000000000" pitchFamily="50" charset="-128"/>
+                          <a:ea typeface="游ゴシック" panose="020B0400000000000000" pitchFamily="50" charset="-128"/>
                         </a:rPr>
                         <a:t>商品</a:t>
                       </a:r>
-                      <a:endParaRPr lang="ja-JP" altLang="en-US" sz="1000" b="1" i="0" u="none" strike="noStrike">
-                        <a:solidFill>
-                          <a:srgbClr val="000000"/>
-                        </a:solidFill>
-                        <a:effectLst/>
-                        <a:latin typeface="Yu Gothic" panose="020B0400000000000000" pitchFamily="50" charset="-128"/>
-                        <a:ea typeface="Yu Gothic" panose="020B0400000000000000" pitchFamily="50" charset="-128"/>
-                      </a:endParaRPr>
                     </a:p>
                   </a:txBody>
                   <a:tcPr marL="5614" marR="5614" marT="5614" marB="0" anchor="ctr">
@@ -4242,19 +4399,11 @@
                             <a:srgbClr val="000000"/>
                           </a:solidFill>
                           <a:effectLst/>
-                          <a:latin typeface="Yu Gothic" panose="020B0400000000000000" pitchFamily="50" charset="-128"/>
-                          <a:ea typeface="Yu Gothic" panose="020B0400000000000000" pitchFamily="50" charset="-128"/>
+                          <a:latin typeface="游ゴシック" panose="020B0400000000000000" pitchFamily="50" charset="-128"/>
+                          <a:ea typeface="游ゴシック" panose="020B0400000000000000" pitchFamily="50" charset="-128"/>
                         </a:rPr>
                         <a:t>　</a:t>
                       </a:r>
-                      <a:endParaRPr lang="ja-JP" altLang="en-US" sz="1000" b="1" i="0" u="none" strike="noStrike">
-                        <a:solidFill>
-                          <a:srgbClr val="000000"/>
-                        </a:solidFill>
-                        <a:effectLst/>
-                        <a:latin typeface="Yu Gothic" panose="020B0400000000000000" pitchFamily="50" charset="-128"/>
-                        <a:ea typeface="Yu Gothic" panose="020B0400000000000000" pitchFamily="50" charset="-128"/>
-                      </a:endParaRPr>
                     </a:p>
                   </a:txBody>
                   <a:tcPr marL="5614" marR="5614" marT="5614" marB="0" anchor="ctr">
@@ -4296,19 +4445,11 @@
                             <a:srgbClr val="000000"/>
                           </a:solidFill>
                           <a:effectLst/>
-                          <a:latin typeface="Yu Gothic" panose="020B0400000000000000" pitchFamily="50" charset="-128"/>
-                          <a:ea typeface="Yu Gothic" panose="020B0400000000000000" pitchFamily="50" charset="-128"/>
+                          <a:latin typeface="游ゴシック" panose="020B0400000000000000" pitchFamily="50" charset="-128"/>
+                          <a:ea typeface="游ゴシック" panose="020B0400000000000000" pitchFamily="50" charset="-128"/>
                         </a:rPr>
                         <a:t>数量</a:t>
                       </a:r>
-                      <a:endParaRPr lang="ja-JP" altLang="en-US" sz="1000" b="1" i="0" u="none" strike="noStrike">
-                        <a:solidFill>
-                          <a:srgbClr val="000000"/>
-                        </a:solidFill>
-                        <a:effectLst/>
-                        <a:latin typeface="Yu Gothic" panose="020B0400000000000000" pitchFamily="50" charset="-128"/>
-                        <a:ea typeface="Yu Gothic" panose="020B0400000000000000" pitchFamily="50" charset="-128"/>
-                      </a:endParaRPr>
                     </a:p>
                   </a:txBody>
                   <a:tcPr marL="5614" marR="5614" marT="5614" marB="0" anchor="ctr">
@@ -4365,19 +4506,11 @@
                             <a:srgbClr val="000000"/>
                           </a:solidFill>
                           <a:effectLst/>
-                          <a:latin typeface="Yu Gothic" panose="020B0400000000000000" pitchFamily="50" charset="-128"/>
-                          <a:ea typeface="Yu Gothic" panose="020B0400000000000000" pitchFamily="50" charset="-128"/>
+                          <a:latin typeface="游ゴシック" panose="020B0400000000000000" pitchFamily="50" charset="-128"/>
+                          <a:ea typeface="游ゴシック" panose="020B0400000000000000" pitchFamily="50" charset="-128"/>
                         </a:rPr>
                         <a:t>　</a:t>
                       </a:r>
-                      <a:endParaRPr lang="ja-JP" altLang="en-US" sz="1000" b="1" i="0" u="none" strike="noStrike">
-                        <a:solidFill>
-                          <a:srgbClr val="000000"/>
-                        </a:solidFill>
-                        <a:effectLst/>
-                        <a:latin typeface="Yu Gothic" panose="020B0400000000000000" pitchFamily="50" charset="-128"/>
-                        <a:ea typeface="Yu Gothic" panose="020B0400000000000000" pitchFamily="50" charset="-128"/>
-                      </a:endParaRPr>
                     </a:p>
                   </a:txBody>
                   <a:tcPr marL="5614" marR="5614" marT="5614" marB="0" anchor="ctr">
@@ -4419,19 +4552,11 @@
                             <a:srgbClr val="000000"/>
                           </a:solidFill>
                           <a:effectLst/>
-                          <a:latin typeface="Yu Gothic" panose="020B0400000000000000" pitchFamily="50" charset="-128"/>
-                          <a:ea typeface="Yu Gothic" panose="020B0400000000000000" pitchFamily="50" charset="-128"/>
+                          <a:latin typeface="游ゴシック" panose="020B0400000000000000" pitchFamily="50" charset="-128"/>
+                          <a:ea typeface="游ゴシック" panose="020B0400000000000000" pitchFamily="50" charset="-128"/>
                         </a:rPr>
                         <a:t>金額</a:t>
                       </a:r>
-                      <a:endParaRPr lang="ja-JP" altLang="en-US" sz="1000" b="1" i="0" u="none" strike="noStrike" dirty="0">
-                        <a:solidFill>
-                          <a:srgbClr val="000000"/>
-                        </a:solidFill>
-                        <a:effectLst/>
-                        <a:latin typeface="Yu Gothic" panose="020B0400000000000000" pitchFamily="50" charset="-128"/>
-                        <a:ea typeface="Yu Gothic" panose="020B0400000000000000" pitchFamily="50" charset="-128"/>
-                      </a:endParaRPr>
                     </a:p>
                   </a:txBody>
                   <a:tcPr marL="5614" marR="5614" marT="5614" marB="0" anchor="ctr">
@@ -4488,19 +4613,11 @@
                             <a:srgbClr val="000000"/>
                           </a:solidFill>
                           <a:effectLst/>
-                          <a:latin typeface="Yu Gothic" panose="020B0400000000000000" pitchFamily="50" charset="-128"/>
-                          <a:ea typeface="Yu Gothic" panose="020B0400000000000000" pitchFamily="50" charset="-128"/>
+                          <a:latin typeface="游ゴシック" panose="020B0400000000000000" pitchFamily="50" charset="-128"/>
+                          <a:ea typeface="游ゴシック" panose="020B0400000000000000" pitchFamily="50" charset="-128"/>
                         </a:rPr>
                         <a:t>　</a:t>
                       </a:r>
-                      <a:endParaRPr lang="ja-JP" altLang="en-US" sz="1000" b="1" i="0" u="none" strike="noStrike">
-                        <a:solidFill>
-                          <a:srgbClr val="000000"/>
-                        </a:solidFill>
-                        <a:effectLst/>
-                        <a:latin typeface="Yu Gothic" panose="020B0400000000000000" pitchFamily="50" charset="-128"/>
-                        <a:ea typeface="Yu Gothic" panose="020B0400000000000000" pitchFamily="50" charset="-128"/>
-                      </a:endParaRPr>
                     </a:p>
                   </a:txBody>
                   <a:tcPr marL="5614" marR="5614" marT="5614" marB="0" anchor="ctr">
@@ -4542,19 +4659,11 @@
                             <a:srgbClr val="000000"/>
                           </a:solidFill>
                           <a:effectLst/>
-                          <a:latin typeface="Yu Gothic" panose="020B0400000000000000" pitchFamily="50" charset="-128"/>
-                          <a:ea typeface="Yu Gothic" panose="020B0400000000000000" pitchFamily="50" charset="-128"/>
+                          <a:latin typeface="游ゴシック" panose="020B0400000000000000" pitchFamily="50" charset="-128"/>
+                          <a:ea typeface="游ゴシック" panose="020B0400000000000000" pitchFamily="50" charset="-128"/>
                         </a:rPr>
                         <a:t>総額</a:t>
                       </a:r>
-                      <a:endParaRPr lang="ja-JP" altLang="en-US" sz="1000" b="1" i="0" u="none" strike="noStrike">
-                        <a:solidFill>
-                          <a:srgbClr val="000000"/>
-                        </a:solidFill>
-                        <a:effectLst/>
-                        <a:latin typeface="Yu Gothic" panose="020B0400000000000000" pitchFamily="50" charset="-128"/>
-                        <a:ea typeface="Yu Gothic" panose="020B0400000000000000" pitchFamily="50" charset="-128"/>
-                      </a:endParaRPr>
                     </a:p>
                   </a:txBody>
                   <a:tcPr marL="5614" marR="5614" marT="5614" marB="0" anchor="ctr">
@@ -4611,19 +4720,11 @@
                             <a:srgbClr val="000000"/>
                           </a:solidFill>
                           <a:effectLst/>
-                          <a:latin typeface="Yu Gothic" panose="020B0400000000000000" pitchFamily="50" charset="-128"/>
-                          <a:ea typeface="Yu Gothic" panose="020B0400000000000000" pitchFamily="50" charset="-128"/>
+                          <a:latin typeface="游ゴシック" panose="020B0400000000000000" pitchFamily="50" charset="-128"/>
+                          <a:ea typeface="游ゴシック" panose="020B0400000000000000" pitchFamily="50" charset="-128"/>
                         </a:rPr>
                         <a:t>　</a:t>
                       </a:r>
-                      <a:endParaRPr lang="ja-JP" altLang="en-US" sz="1000" b="1" i="0" u="none" strike="noStrike">
-                        <a:solidFill>
-                          <a:srgbClr val="000000"/>
-                        </a:solidFill>
-                        <a:effectLst/>
-                        <a:latin typeface="Yu Gothic" panose="020B0400000000000000" pitchFamily="50" charset="-128"/>
-                        <a:ea typeface="Yu Gothic" panose="020B0400000000000000" pitchFamily="50" charset="-128"/>
-                      </a:endParaRPr>
                     </a:p>
                   </a:txBody>
                   <a:tcPr marL="5614" marR="5614" marT="5614" marB="0" anchor="ctr">
@@ -4665,19 +4766,11 @@
                             <a:srgbClr val="000000"/>
                           </a:solidFill>
                           <a:effectLst/>
-                          <a:latin typeface="Yu Gothic" panose="020B0400000000000000" pitchFamily="50" charset="-128"/>
-                          <a:ea typeface="Yu Gothic" panose="020B0400000000000000" pitchFamily="50" charset="-128"/>
+                          <a:latin typeface="游ゴシック" panose="020B0400000000000000" pitchFamily="50" charset="-128"/>
+                          <a:ea typeface="游ゴシック" panose="020B0400000000000000" pitchFamily="50" charset="-128"/>
                         </a:rPr>
                         <a:t>納品希望日時</a:t>
                       </a:r>
-                      <a:endParaRPr lang="zh-TW" altLang="en-US" sz="1000" b="1" i="0" u="none" strike="noStrike">
-                        <a:solidFill>
-                          <a:srgbClr val="000000"/>
-                        </a:solidFill>
-                        <a:effectLst/>
-                        <a:latin typeface="Yu Gothic" panose="020B0400000000000000" pitchFamily="50" charset="-128"/>
-                        <a:ea typeface="Yu Gothic" panose="020B0400000000000000" pitchFamily="50" charset="-128"/>
-                      </a:endParaRPr>
                     </a:p>
                   </a:txBody>
                   <a:tcPr marL="5614" marR="5614" marT="5614" marB="0" anchor="ctr">
@@ -4711,11 +4804,30 @@
                   </a:tcPr>
                 </a:tc>
                 <a:tc hMerge="1">
+                  <a:txBody>
+                    <a:bodyPr/>
+                    <a:lstStyle/>
+                    <a:p>
+                      <a:endParaRPr kumimoji="1" lang="ja-JP" altLang="en-US"/>
+                    </a:p>
+                  </a:txBody>
                   <a:tcPr/>
                 </a:tc>
                 <a:tc hMerge="1">
+                  <a:txBody>
+                    <a:bodyPr/>
+                    <a:lstStyle/>
+                    <a:p>
+                      <a:endParaRPr kumimoji="1" lang="ja-JP" altLang="en-US"/>
+                    </a:p>
+                  </a:txBody>
                   <a:tcPr/>
                 </a:tc>
+                <a:extLst>
+                  <a:ext uri="{0D108BD9-81ED-4DB2-BD59-A6C34878D82A}">
+                    <a16:rowId xmlns:a16="http://schemas.microsoft.com/office/drawing/2014/main" val="2449694786"/>
+                  </a:ext>
+                </a:extLst>
               </a:tr>
               <a:tr h="153813">
                 <a:tc>
@@ -4730,18 +4842,53 @@
                             <a:srgbClr val="000000"/>
                           </a:solidFill>
                           <a:effectLst/>
-                          <a:latin typeface="Yu Gothic" panose="020B0400000000000000" pitchFamily="50" charset="-128"/>
-                          <a:ea typeface="Yu Gothic" panose="020B0400000000000000" pitchFamily="50" charset="-128"/>
+                          <a:latin typeface="游ゴシック" panose="020B0400000000000000" pitchFamily="50" charset="-128"/>
+                          <a:ea typeface="游ゴシック" panose="020B0400000000000000" pitchFamily="50" charset="-128"/>
                         </a:rPr>
                         <a:t>　</a:t>
                       </a:r>
+                    </a:p>
+                  </a:txBody>
+                  <a:tcPr marL="5614" marR="5614" marT="5614" marB="0" anchor="ctr">
+                    <a:lnL>
+                      <a:noFill/>
+                    </a:lnL>
+                    <a:lnR>
+                      <a:noFill/>
+                    </a:lnR>
+                    <a:lnT w="6350" cap="flat" cmpd="sng" algn="ctr">
+                      <a:solidFill>
+                        <a:srgbClr val="000000"/>
+                      </a:solidFill>
+                      <a:prstDash val="solid"/>
+                      <a:round/>
+                      <a:headEnd type="none" w="med" len="med"/>
+                      <a:tailEnd type="none" w="med" len="med"/>
+                    </a:lnT>
+                    <a:lnB w="6350" cap="flat" cmpd="sng" algn="ctr">
+                      <a:solidFill>
+                        <a:srgbClr val="000000"/>
+                      </a:solidFill>
+                      <a:prstDash val="solid"/>
+                      <a:round/>
+                      <a:headEnd type="none" w="med" len="med"/>
+                      <a:tailEnd type="none" w="med" len="med"/>
+                    </a:lnB>
+                  </a:tcPr>
+                </a:tc>
+                <a:tc>
+                  <a:txBody>
+                    <a:bodyPr/>
+                    <a:lstStyle/>
+                    <a:p>
+                      <a:pPr algn="l" fontAlgn="ctr"/>
                       <a:endParaRPr lang="ja-JP" altLang="en-US" sz="1000" b="0" i="0" u="none" strike="noStrike">
                         <a:solidFill>
                           <a:srgbClr val="000000"/>
                         </a:solidFill>
                         <a:effectLst/>
-                        <a:latin typeface="Yu Gothic" panose="020B0400000000000000" pitchFamily="50" charset="-128"/>
-                        <a:ea typeface="Yu Gothic" panose="020B0400000000000000" pitchFamily="50" charset="-128"/>
+                        <a:latin typeface="游ゴシック" panose="020B0400000000000000" pitchFamily="50" charset="-128"/>
+                        <a:ea typeface="游ゴシック" panose="020B0400000000000000" pitchFamily="50" charset="-128"/>
                       </a:endParaRPr>
                     </a:p>
                   </a:txBody>
@@ -4752,23 +4899,11 @@
                     <a:lnR>
                       <a:noFill/>
                     </a:lnR>
-                    <a:lnT w="6350" cap="flat" cmpd="sng" algn="ctr">
-                      <a:solidFill>
-                        <a:srgbClr val="000000"/>
-                      </a:solidFill>
-                      <a:prstDash val="solid"/>
-                      <a:round/>
-                      <a:headEnd type="none" w="med" len="med"/>
-                      <a:tailEnd type="none" w="med" len="med"/>
-                    </a:lnT>
-                    <a:lnB w="6350" cap="flat" cmpd="sng" algn="ctr">
-                      <a:solidFill>
-                        <a:srgbClr val="000000"/>
-                      </a:solidFill>
-                      <a:prstDash val="solid"/>
-                      <a:round/>
-                      <a:headEnd type="none" w="med" len="med"/>
-                      <a:tailEnd type="none" w="med" len="med"/>
+                    <a:lnT>
+                      <a:noFill/>
+                    </a:lnT>
+                    <a:lnB>
+                      <a:noFill/>
                     </a:lnB>
                   </a:tcPr>
                 </a:tc>
@@ -4783,8 +4918,8 @@
                           <a:srgbClr val="000000"/>
                         </a:solidFill>
                         <a:effectLst/>
-                        <a:latin typeface="Yu Gothic" panose="020B0400000000000000" pitchFamily="50" charset="-128"/>
-                        <a:ea typeface="Yu Gothic" panose="020B0400000000000000" pitchFamily="50" charset="-128"/>
+                        <a:latin typeface="游ゴシック" panose="020B0400000000000000" pitchFamily="50" charset="-128"/>
+                        <a:ea typeface="游ゴシック" panose="020B0400000000000000" pitchFamily="50" charset="-128"/>
                       </a:endParaRPr>
                     </a:p>
                   </a:txBody>
@@ -4795,11 +4930,23 @@
                     <a:lnR>
                       <a:noFill/>
                     </a:lnR>
-                    <a:lnT>
-                      <a:noFill/>
-                    </a:lnT>
-                    <a:lnB>
-                      <a:noFill/>
+                    <a:lnT w="6350" cap="flat" cmpd="sng" algn="ctr">
+                      <a:solidFill>
+                        <a:srgbClr val="000000"/>
+                      </a:solidFill>
+                      <a:prstDash val="solid"/>
+                      <a:round/>
+                      <a:headEnd type="none" w="med" len="med"/>
+                      <a:tailEnd type="none" w="med" len="med"/>
+                    </a:lnT>
+                    <a:lnB w="6350" cap="flat" cmpd="sng" algn="ctr">
+                      <a:solidFill>
+                        <a:srgbClr val="000000"/>
+                      </a:solidFill>
+                      <a:prstDash val="solid"/>
+                      <a:round/>
+                      <a:headEnd type="none" w="med" len="med"/>
+                      <a:tailEnd type="none" w="med" len="med"/>
                     </a:lnB>
                   </a:tcPr>
                 </a:tc>
@@ -4814,8 +4961,8 @@
                           <a:srgbClr val="000000"/>
                         </a:solidFill>
                         <a:effectLst/>
-                        <a:latin typeface="Yu Gothic" panose="020B0400000000000000" pitchFamily="50" charset="-128"/>
-                        <a:ea typeface="Yu Gothic" panose="020B0400000000000000" pitchFamily="50" charset="-128"/>
+                        <a:latin typeface="游ゴシック" panose="020B0400000000000000" pitchFamily="50" charset="-128"/>
+                        <a:ea typeface="游ゴシック" panose="020B0400000000000000" pitchFamily="50" charset="-128"/>
                       </a:endParaRPr>
                     </a:p>
                   </a:txBody>
@@ -4826,23 +4973,11 @@
                     <a:lnR>
                       <a:noFill/>
                     </a:lnR>
-                    <a:lnT w="6350" cap="flat" cmpd="sng" algn="ctr">
-                      <a:solidFill>
-                        <a:srgbClr val="000000"/>
-                      </a:solidFill>
-                      <a:prstDash val="solid"/>
-                      <a:round/>
-                      <a:headEnd type="none" w="med" len="med"/>
-                      <a:tailEnd type="none" w="med" len="med"/>
-                    </a:lnT>
-                    <a:lnB w="6350" cap="flat" cmpd="sng" algn="ctr">
-                      <a:solidFill>
-                        <a:srgbClr val="000000"/>
-                      </a:solidFill>
-                      <a:prstDash val="solid"/>
-                      <a:round/>
-                      <a:headEnd type="none" w="med" len="med"/>
-                      <a:tailEnd type="none" w="med" len="med"/>
+                    <a:lnT>
+                      <a:noFill/>
+                    </a:lnT>
+                    <a:lnB>
+                      <a:noFill/>
                     </a:lnB>
                   </a:tcPr>
                 </a:tc>
@@ -4857,8 +4992,8 @@
                           <a:srgbClr val="000000"/>
                         </a:solidFill>
                         <a:effectLst/>
-                        <a:latin typeface="Yu Gothic" panose="020B0400000000000000" pitchFamily="50" charset="-128"/>
-                        <a:ea typeface="Yu Gothic" panose="020B0400000000000000" pitchFamily="50" charset="-128"/>
+                        <a:latin typeface="游ゴシック" panose="020B0400000000000000" pitchFamily="50" charset="-128"/>
+                        <a:ea typeface="游ゴシック" panose="020B0400000000000000" pitchFamily="50" charset="-128"/>
                       </a:endParaRPr>
                     </a:p>
                   </a:txBody>
@@ -4869,11 +5004,23 @@
                     <a:lnR>
                       <a:noFill/>
                     </a:lnR>
-                    <a:lnT>
-                      <a:noFill/>
-                    </a:lnT>
-                    <a:lnB>
-                      <a:noFill/>
+                    <a:lnT w="6350" cap="flat" cmpd="sng" algn="ctr">
+                      <a:solidFill>
+                        <a:srgbClr val="000000"/>
+                      </a:solidFill>
+                      <a:prstDash val="solid"/>
+                      <a:round/>
+                      <a:headEnd type="none" w="med" len="med"/>
+                      <a:tailEnd type="none" w="med" len="med"/>
+                    </a:lnT>
+                    <a:lnB w="6350" cap="flat" cmpd="sng" algn="ctr">
+                      <a:solidFill>
+                        <a:srgbClr val="000000"/>
+                      </a:solidFill>
+                      <a:prstDash val="solid"/>
+                      <a:round/>
+                      <a:headEnd type="none" w="med" len="med"/>
+                      <a:tailEnd type="none" w="med" len="med"/>
                     </a:lnB>
                   </a:tcPr>
                 </a:tc>
@@ -4888,8 +5035,8 @@
                           <a:srgbClr val="000000"/>
                         </a:solidFill>
                         <a:effectLst/>
-                        <a:latin typeface="Yu Gothic" panose="020B0400000000000000" pitchFamily="50" charset="-128"/>
-                        <a:ea typeface="Yu Gothic" panose="020B0400000000000000" pitchFamily="50" charset="-128"/>
+                        <a:latin typeface="游ゴシック" panose="020B0400000000000000" pitchFamily="50" charset="-128"/>
+                        <a:ea typeface="游ゴシック" panose="020B0400000000000000" pitchFamily="50" charset="-128"/>
                       </a:endParaRPr>
                     </a:p>
                   </a:txBody>
@@ -4900,23 +5047,11 @@
                     <a:lnR>
                       <a:noFill/>
                     </a:lnR>
-                    <a:lnT w="6350" cap="flat" cmpd="sng" algn="ctr">
-                      <a:solidFill>
-                        <a:srgbClr val="000000"/>
-                      </a:solidFill>
-                      <a:prstDash val="solid"/>
-                      <a:round/>
-                      <a:headEnd type="none" w="med" len="med"/>
-                      <a:tailEnd type="none" w="med" len="med"/>
-                    </a:lnT>
-                    <a:lnB w="6350" cap="flat" cmpd="sng" algn="ctr">
-                      <a:solidFill>
-                        <a:srgbClr val="000000"/>
-                      </a:solidFill>
-                      <a:prstDash val="solid"/>
-                      <a:round/>
-                      <a:headEnd type="none" w="med" len="med"/>
-                      <a:tailEnd type="none" w="med" len="med"/>
+                    <a:lnT>
+                      <a:noFill/>
+                    </a:lnT>
+                    <a:lnB>
+                      <a:noFill/>
                     </a:lnB>
                   </a:tcPr>
                 </a:tc>
@@ -4931,8 +5066,8 @@
                           <a:srgbClr val="000000"/>
                         </a:solidFill>
                         <a:effectLst/>
-                        <a:latin typeface="Yu Gothic" panose="020B0400000000000000" pitchFamily="50" charset="-128"/>
-                        <a:ea typeface="Yu Gothic" panose="020B0400000000000000" pitchFamily="50" charset="-128"/>
+                        <a:latin typeface="游ゴシック" panose="020B0400000000000000" pitchFamily="50" charset="-128"/>
+                        <a:ea typeface="游ゴシック" panose="020B0400000000000000" pitchFamily="50" charset="-128"/>
                       </a:endParaRPr>
                     </a:p>
                   </a:txBody>
@@ -4943,11 +5078,23 @@
                     <a:lnR>
                       <a:noFill/>
                     </a:lnR>
-                    <a:lnT>
-                      <a:noFill/>
-                    </a:lnT>
-                    <a:lnB>
-                      <a:noFill/>
+                    <a:lnT w="6350" cap="flat" cmpd="sng" algn="ctr">
+                      <a:solidFill>
+                        <a:srgbClr val="000000"/>
+                      </a:solidFill>
+                      <a:prstDash val="solid"/>
+                      <a:round/>
+                      <a:headEnd type="none" w="med" len="med"/>
+                      <a:tailEnd type="none" w="med" len="med"/>
+                    </a:lnT>
+                    <a:lnB w="6350" cap="flat" cmpd="sng" algn="ctr">
+                      <a:solidFill>
+                        <a:srgbClr val="000000"/>
+                      </a:solidFill>
+                      <a:prstDash val="solid"/>
+                      <a:round/>
+                      <a:headEnd type="none" w="med" len="med"/>
+                      <a:tailEnd type="none" w="med" len="med"/>
                     </a:lnB>
                   </a:tcPr>
                 </a:tc>
@@ -4962,8 +5109,8 @@
                           <a:srgbClr val="000000"/>
                         </a:solidFill>
                         <a:effectLst/>
-                        <a:latin typeface="Yu Gothic" panose="020B0400000000000000" pitchFamily="50" charset="-128"/>
-                        <a:ea typeface="Yu Gothic" panose="020B0400000000000000" pitchFamily="50" charset="-128"/>
+                        <a:latin typeface="游ゴシック" panose="020B0400000000000000" pitchFamily="50" charset="-128"/>
+                        <a:ea typeface="游ゴシック" panose="020B0400000000000000" pitchFamily="50" charset="-128"/>
                       </a:endParaRPr>
                     </a:p>
                   </a:txBody>
@@ -4974,23 +5121,11 @@
                     <a:lnR>
                       <a:noFill/>
                     </a:lnR>
-                    <a:lnT w="6350" cap="flat" cmpd="sng" algn="ctr">
-                      <a:solidFill>
-                        <a:srgbClr val="000000"/>
-                      </a:solidFill>
-                      <a:prstDash val="solid"/>
-                      <a:round/>
-                      <a:headEnd type="none" w="med" len="med"/>
-                      <a:tailEnd type="none" w="med" len="med"/>
-                    </a:lnT>
-                    <a:lnB w="6350" cap="flat" cmpd="sng" algn="ctr">
-                      <a:solidFill>
-                        <a:srgbClr val="000000"/>
-                      </a:solidFill>
-                      <a:prstDash val="solid"/>
-                      <a:round/>
-                      <a:headEnd type="none" w="med" len="med"/>
-                      <a:tailEnd type="none" w="med" len="med"/>
+                    <a:lnT>
+                      <a:noFill/>
+                    </a:lnT>
+                    <a:lnB>
+                      <a:noFill/>
                     </a:lnB>
                   </a:tcPr>
                 </a:tc>
@@ -5005,8 +5140,8 @@
                           <a:srgbClr val="000000"/>
                         </a:solidFill>
                         <a:effectLst/>
-                        <a:latin typeface="Yu Gothic" panose="020B0400000000000000" pitchFamily="50" charset="-128"/>
-                        <a:ea typeface="Yu Gothic" panose="020B0400000000000000" pitchFamily="50" charset="-128"/>
+                        <a:latin typeface="游ゴシック" panose="020B0400000000000000" pitchFamily="50" charset="-128"/>
+                        <a:ea typeface="游ゴシック" panose="020B0400000000000000" pitchFamily="50" charset="-128"/>
                       </a:endParaRPr>
                     </a:p>
                   </a:txBody>
@@ -5017,11 +5152,23 @@
                     <a:lnR>
                       <a:noFill/>
                     </a:lnR>
-                    <a:lnT>
-                      <a:noFill/>
-                    </a:lnT>
-                    <a:lnB>
-                      <a:noFill/>
+                    <a:lnT w="6350" cap="flat" cmpd="sng" algn="ctr">
+                      <a:solidFill>
+                        <a:srgbClr val="000000"/>
+                      </a:solidFill>
+                      <a:prstDash val="solid"/>
+                      <a:round/>
+                      <a:headEnd type="none" w="med" len="med"/>
+                      <a:tailEnd type="none" w="med" len="med"/>
+                    </a:lnT>
+                    <a:lnB w="6350" cap="flat" cmpd="sng" algn="ctr">
+                      <a:solidFill>
+                        <a:srgbClr val="000000"/>
+                      </a:solidFill>
+                      <a:prstDash val="solid"/>
+                      <a:round/>
+                      <a:headEnd type="none" w="med" len="med"/>
+                      <a:tailEnd type="none" w="med" len="med"/>
                     </a:lnB>
                   </a:tcPr>
                 </a:tc>
@@ -5036,8 +5183,8 @@
                           <a:srgbClr val="000000"/>
                         </a:solidFill>
                         <a:effectLst/>
-                        <a:latin typeface="Yu Gothic" panose="020B0400000000000000" pitchFamily="50" charset="-128"/>
-                        <a:ea typeface="Yu Gothic" panose="020B0400000000000000" pitchFamily="50" charset="-128"/>
+                        <a:latin typeface="游ゴシック" panose="020B0400000000000000" pitchFamily="50" charset="-128"/>
+                        <a:ea typeface="游ゴシック" panose="020B0400000000000000" pitchFamily="50" charset="-128"/>
                       </a:endParaRPr>
                     </a:p>
                   </a:txBody>
@@ -5048,23 +5195,11 @@
                     <a:lnR>
                       <a:noFill/>
                     </a:lnR>
-                    <a:lnT w="6350" cap="flat" cmpd="sng" algn="ctr">
-                      <a:solidFill>
-                        <a:srgbClr val="000000"/>
-                      </a:solidFill>
-                      <a:prstDash val="solid"/>
-                      <a:round/>
-                      <a:headEnd type="none" w="med" len="med"/>
-                      <a:tailEnd type="none" w="med" len="med"/>
-                    </a:lnT>
-                    <a:lnB w="6350" cap="flat" cmpd="sng" algn="ctr">
-                      <a:solidFill>
-                        <a:srgbClr val="000000"/>
-                      </a:solidFill>
-                      <a:prstDash val="solid"/>
-                      <a:round/>
-                      <a:headEnd type="none" w="med" len="med"/>
-                      <a:tailEnd type="none" w="med" len="med"/>
+                    <a:lnT>
+                      <a:noFill/>
+                    </a:lnT>
+                    <a:lnB>
+                      <a:noFill/>
                     </a:lnB>
                   </a:tcPr>
                 </a:tc>
@@ -5079,8 +5214,8 @@
                           <a:srgbClr val="000000"/>
                         </a:solidFill>
                         <a:effectLst/>
-                        <a:latin typeface="Yu Gothic" panose="020B0400000000000000" pitchFamily="50" charset="-128"/>
-                        <a:ea typeface="Yu Gothic" panose="020B0400000000000000" pitchFamily="50" charset="-128"/>
+                        <a:latin typeface="游ゴシック" panose="020B0400000000000000" pitchFamily="50" charset="-128"/>
+                        <a:ea typeface="游ゴシック" panose="020B0400000000000000" pitchFamily="50" charset="-128"/>
                       </a:endParaRPr>
                     </a:p>
                   </a:txBody>
@@ -5091,11 +5226,23 @@
                     <a:lnR>
                       <a:noFill/>
                     </a:lnR>
-                    <a:lnT>
-                      <a:noFill/>
-                    </a:lnT>
-                    <a:lnB>
-                      <a:noFill/>
+                    <a:lnT w="6350" cap="flat" cmpd="sng" algn="ctr">
+                      <a:solidFill>
+                        <a:srgbClr val="000000"/>
+                      </a:solidFill>
+                      <a:prstDash val="solid"/>
+                      <a:round/>
+                      <a:headEnd type="none" w="med" len="med"/>
+                      <a:tailEnd type="none" w="med" len="med"/>
+                    </a:lnT>
+                    <a:lnB w="6350" cap="flat" cmpd="sng" algn="ctr">
+                      <a:solidFill>
+                        <a:srgbClr val="000000"/>
+                      </a:solidFill>
+                      <a:prstDash val="solid"/>
+                      <a:round/>
+                      <a:headEnd type="none" w="med" len="med"/>
+                      <a:tailEnd type="none" w="med" len="med"/>
                     </a:lnB>
                   </a:tcPr>
                 </a:tc>
@@ -5110,8 +5257,8 @@
                           <a:srgbClr val="000000"/>
                         </a:solidFill>
                         <a:effectLst/>
-                        <a:latin typeface="Yu Gothic" panose="020B0400000000000000" pitchFamily="50" charset="-128"/>
-                        <a:ea typeface="Yu Gothic" panose="020B0400000000000000" pitchFamily="50" charset="-128"/>
+                        <a:latin typeface="游ゴシック" panose="020B0400000000000000" pitchFamily="50" charset="-128"/>
+                        <a:ea typeface="游ゴシック" panose="020B0400000000000000" pitchFamily="50" charset="-128"/>
                       </a:endParaRPr>
                     </a:p>
                   </a:txBody>
@@ -5122,23 +5269,11 @@
                     <a:lnR>
                       <a:noFill/>
                     </a:lnR>
-                    <a:lnT w="6350" cap="flat" cmpd="sng" algn="ctr">
-                      <a:solidFill>
-                        <a:srgbClr val="000000"/>
-                      </a:solidFill>
-                      <a:prstDash val="solid"/>
-                      <a:round/>
-                      <a:headEnd type="none" w="med" len="med"/>
-                      <a:tailEnd type="none" w="med" len="med"/>
-                    </a:lnT>
-                    <a:lnB w="6350" cap="flat" cmpd="sng" algn="ctr">
-                      <a:solidFill>
-                        <a:srgbClr val="000000"/>
-                      </a:solidFill>
-                      <a:prstDash val="solid"/>
-                      <a:round/>
-                      <a:headEnd type="none" w="med" len="med"/>
-                      <a:tailEnd type="none" w="med" len="med"/>
+                    <a:lnT>
+                      <a:noFill/>
+                    </a:lnT>
+                    <a:lnB>
+                      <a:noFill/>
                     </a:lnB>
                   </a:tcPr>
                 </a:tc>
@@ -5153,8 +5288,8 @@
                           <a:srgbClr val="000000"/>
                         </a:solidFill>
                         <a:effectLst/>
-                        <a:latin typeface="Yu Gothic" panose="020B0400000000000000" pitchFamily="50" charset="-128"/>
-                        <a:ea typeface="Yu Gothic" panose="020B0400000000000000" pitchFamily="50" charset="-128"/>
+                        <a:latin typeface="游ゴシック" panose="020B0400000000000000" pitchFamily="50" charset="-128"/>
+                        <a:ea typeface="游ゴシック" panose="020B0400000000000000" pitchFamily="50" charset="-128"/>
                       </a:endParaRPr>
                     </a:p>
                   </a:txBody>
@@ -5165,11 +5300,23 @@
                     <a:lnR>
                       <a:noFill/>
                     </a:lnR>
-                    <a:lnT>
-                      <a:noFill/>
-                    </a:lnT>
-                    <a:lnB>
-                      <a:noFill/>
+                    <a:lnT w="6350" cap="flat" cmpd="sng" algn="ctr">
+                      <a:solidFill>
+                        <a:srgbClr val="000000"/>
+                      </a:solidFill>
+                      <a:prstDash val="solid"/>
+                      <a:round/>
+                      <a:headEnd type="none" w="med" len="med"/>
+                      <a:tailEnd type="none" w="med" len="med"/>
+                    </a:lnT>
+                    <a:lnB w="6350" cap="flat" cmpd="sng" algn="ctr">
+                      <a:solidFill>
+                        <a:srgbClr val="000000"/>
+                      </a:solidFill>
+                      <a:prstDash val="solid"/>
+                      <a:round/>
+                      <a:headEnd type="none" w="med" len="med"/>
+                      <a:tailEnd type="none" w="med" len="med"/>
                     </a:lnB>
                   </a:tcPr>
                 </a:tc>
@@ -5184,8 +5331,8 @@
                           <a:srgbClr val="000000"/>
                         </a:solidFill>
                         <a:effectLst/>
-                        <a:latin typeface="Yu Gothic" panose="020B0400000000000000" pitchFamily="50" charset="-128"/>
-                        <a:ea typeface="Yu Gothic" panose="020B0400000000000000" pitchFamily="50" charset="-128"/>
+                        <a:latin typeface="游ゴシック" panose="020B0400000000000000" pitchFamily="50" charset="-128"/>
+                        <a:ea typeface="游ゴシック" panose="020B0400000000000000" pitchFamily="50" charset="-128"/>
                       </a:endParaRPr>
                     </a:p>
                   </a:txBody>
@@ -5196,23 +5343,11 @@
                     <a:lnR>
                       <a:noFill/>
                     </a:lnR>
-                    <a:lnT w="6350" cap="flat" cmpd="sng" algn="ctr">
-                      <a:solidFill>
-                        <a:srgbClr val="000000"/>
-                      </a:solidFill>
-                      <a:prstDash val="solid"/>
-                      <a:round/>
-                      <a:headEnd type="none" w="med" len="med"/>
-                      <a:tailEnd type="none" w="med" len="med"/>
-                    </a:lnT>
-                    <a:lnB w="6350" cap="flat" cmpd="sng" algn="ctr">
-                      <a:solidFill>
-                        <a:srgbClr val="000000"/>
-                      </a:solidFill>
-                      <a:prstDash val="solid"/>
-                      <a:round/>
-                      <a:headEnd type="none" w="med" len="med"/>
-                      <a:tailEnd type="none" w="med" len="med"/>
+                    <a:lnT>
+                      <a:noFill/>
+                    </a:lnT>
+                    <a:lnB>
+                      <a:noFill/>
                     </a:lnB>
                   </a:tcPr>
                 </a:tc>
@@ -5227,8 +5362,8 @@
                           <a:srgbClr val="000000"/>
                         </a:solidFill>
                         <a:effectLst/>
-                        <a:latin typeface="Yu Gothic" panose="020B0400000000000000" pitchFamily="50" charset="-128"/>
-                        <a:ea typeface="Yu Gothic" panose="020B0400000000000000" pitchFamily="50" charset="-128"/>
+                        <a:latin typeface="游ゴシック" panose="020B0400000000000000" pitchFamily="50" charset="-128"/>
+                        <a:ea typeface="游ゴシック" panose="020B0400000000000000" pitchFamily="50" charset="-128"/>
                       </a:endParaRPr>
                     </a:p>
                   </a:txBody>
@@ -5239,11 +5374,23 @@
                     <a:lnR>
                       <a:noFill/>
                     </a:lnR>
-                    <a:lnT>
-                      <a:noFill/>
-                    </a:lnT>
-                    <a:lnB>
-                      <a:noFill/>
+                    <a:lnT w="6350" cap="flat" cmpd="sng" algn="ctr">
+                      <a:solidFill>
+                        <a:srgbClr val="000000"/>
+                      </a:solidFill>
+                      <a:prstDash val="solid"/>
+                      <a:round/>
+                      <a:headEnd type="none" w="med" len="med"/>
+                      <a:tailEnd type="none" w="med" len="med"/>
+                    </a:lnT>
+                    <a:lnB w="6350" cap="flat" cmpd="sng" algn="ctr">
+                      <a:solidFill>
+                        <a:srgbClr val="000000"/>
+                      </a:solidFill>
+                      <a:prstDash val="solid"/>
+                      <a:round/>
+                      <a:headEnd type="none" w="med" len="med"/>
+                      <a:tailEnd type="none" w="med" len="med"/>
                     </a:lnB>
                   </a:tcPr>
                 </a:tc>
@@ -5258,8 +5405,8 @@
                           <a:srgbClr val="000000"/>
                         </a:solidFill>
                         <a:effectLst/>
-                        <a:latin typeface="Yu Gothic" panose="020B0400000000000000" pitchFamily="50" charset="-128"/>
-                        <a:ea typeface="Yu Gothic" panose="020B0400000000000000" pitchFamily="50" charset="-128"/>
+                        <a:latin typeface="游ゴシック" panose="020B0400000000000000" pitchFamily="50" charset="-128"/>
+                        <a:ea typeface="游ゴシック" panose="020B0400000000000000" pitchFamily="50" charset="-128"/>
                       </a:endParaRPr>
                     </a:p>
                   </a:txBody>
@@ -5270,23 +5417,11 @@
                     <a:lnR>
                       <a:noFill/>
                     </a:lnR>
-                    <a:lnT w="6350" cap="flat" cmpd="sng" algn="ctr">
-                      <a:solidFill>
-                        <a:srgbClr val="000000"/>
-                      </a:solidFill>
-                      <a:prstDash val="solid"/>
-                      <a:round/>
-                      <a:headEnd type="none" w="med" len="med"/>
-                      <a:tailEnd type="none" w="med" len="med"/>
-                    </a:lnT>
-                    <a:lnB w="6350" cap="flat" cmpd="sng" algn="ctr">
-                      <a:solidFill>
-                        <a:srgbClr val="000000"/>
-                      </a:solidFill>
-                      <a:prstDash val="solid"/>
-                      <a:round/>
-                      <a:headEnd type="none" w="med" len="med"/>
-                      <a:tailEnd type="none" w="med" len="med"/>
+                    <a:lnT>
+                      <a:noFill/>
+                    </a:lnT>
+                    <a:lnB>
+                      <a:noFill/>
                     </a:lnB>
                   </a:tcPr>
                 </a:tc>
@@ -5301,8 +5436,8 @@
                           <a:srgbClr val="000000"/>
                         </a:solidFill>
                         <a:effectLst/>
-                        <a:latin typeface="Yu Gothic" panose="020B0400000000000000" pitchFamily="50" charset="-128"/>
-                        <a:ea typeface="Yu Gothic" panose="020B0400000000000000" pitchFamily="50" charset="-128"/>
+                        <a:latin typeface="游ゴシック" panose="020B0400000000000000" pitchFamily="50" charset="-128"/>
+                        <a:ea typeface="游ゴシック" panose="020B0400000000000000" pitchFamily="50" charset="-128"/>
                       </a:endParaRPr>
                     </a:p>
                   </a:txBody>
@@ -5316,8 +5451,14 @@
                     <a:lnT>
                       <a:noFill/>
                     </a:lnT>
-                    <a:lnB>
-                      <a:noFill/>
+                    <a:lnB w="6350" cap="flat" cmpd="sng" algn="ctr">
+                      <a:solidFill>
+                        <a:srgbClr val="000000"/>
+                      </a:solidFill>
+                      <a:prstDash val="solid"/>
+                      <a:round/>
+                      <a:headEnd type="none" w="med" len="med"/>
+                      <a:tailEnd type="none" w="med" len="med"/>
                     </a:lnB>
                   </a:tcPr>
                 </a:tc>
@@ -5332,8 +5473,8 @@
                           <a:srgbClr val="000000"/>
                         </a:solidFill>
                         <a:effectLst/>
-                        <a:latin typeface="Yu Gothic" panose="020B0400000000000000" pitchFamily="50" charset="-128"/>
-                        <a:ea typeface="Yu Gothic" panose="020B0400000000000000" pitchFamily="50" charset="-128"/>
+                        <a:latin typeface="游ゴシック" panose="020B0400000000000000" pitchFamily="50" charset="-128"/>
+                        <a:ea typeface="游ゴシック" panose="020B0400000000000000" pitchFamily="50" charset="-128"/>
                       </a:endParaRPr>
                     </a:p>
                   </a:txBody>
@@ -5347,14 +5488,8 @@
                     <a:lnT>
                       <a:noFill/>
                     </a:lnT>
-                    <a:lnB w="6350" cap="flat" cmpd="sng" algn="ctr">
-                      <a:solidFill>
-                        <a:srgbClr val="000000"/>
-                      </a:solidFill>
-                      <a:prstDash val="solid"/>
-                      <a:round/>
-                      <a:headEnd type="none" w="med" len="med"/>
-                      <a:tailEnd type="none" w="med" len="med"/>
+                    <a:lnB>
+                      <a:noFill/>
                     </a:lnB>
                   </a:tcPr>
                 </a:tc>
@@ -5369,8 +5504,8 @@
                           <a:srgbClr val="000000"/>
                         </a:solidFill>
                         <a:effectLst/>
-                        <a:latin typeface="Yu Gothic" panose="020B0400000000000000" pitchFamily="50" charset="-128"/>
-                        <a:ea typeface="Yu Gothic" panose="020B0400000000000000" pitchFamily="50" charset="-128"/>
+                        <a:latin typeface="游ゴシック" panose="020B0400000000000000" pitchFamily="50" charset="-128"/>
+                        <a:ea typeface="游ゴシック" panose="020B0400000000000000" pitchFamily="50" charset="-128"/>
                       </a:endParaRPr>
                     </a:p>
                   </a:txBody>
@@ -5384,37 +5519,6 @@
                     <a:lnT>
                       <a:noFill/>
                     </a:lnT>
-                    <a:lnB>
-                      <a:noFill/>
-                    </a:lnB>
-                  </a:tcPr>
-                </a:tc>
-                <a:tc>
-                  <a:txBody>
-                    <a:bodyPr/>
-                    <a:lstStyle/>
-                    <a:p>
-                      <a:pPr algn="l" fontAlgn="ctr"/>
-                      <a:endParaRPr lang="ja-JP" altLang="en-US" sz="1000" b="0" i="0" u="none" strike="noStrike">
-                        <a:solidFill>
-                          <a:srgbClr val="000000"/>
-                        </a:solidFill>
-                        <a:effectLst/>
-                        <a:latin typeface="Yu Gothic" panose="020B0400000000000000" pitchFamily="50" charset="-128"/>
-                        <a:ea typeface="Yu Gothic" panose="020B0400000000000000" pitchFamily="50" charset="-128"/>
-                      </a:endParaRPr>
-                    </a:p>
-                  </a:txBody>
-                  <a:tcPr marL="5614" marR="5614" marT="5614" marB="0" anchor="ctr">
-                    <a:lnL>
-                      <a:noFill/>
-                    </a:lnL>
-                    <a:lnR>
-                      <a:noFill/>
-                    </a:lnR>
-                    <a:lnT>
-                      <a:noFill/>
-                    </a:lnT>
                     <a:lnB w="6350" cap="flat" cmpd="sng" algn="ctr">
                       <a:solidFill>
                         <a:srgbClr val="000000"/>
@@ -5426,6 +5530,11 @@
                     </a:lnB>
                   </a:tcPr>
                 </a:tc>
+                <a:extLst>
+                  <a:ext uri="{0D108BD9-81ED-4DB2-BD59-A6C34878D82A}">
+                    <a16:rowId xmlns:a16="http://schemas.microsoft.com/office/drawing/2014/main" val="2381318212"/>
+                  </a:ext>
+                </a:extLst>
               </a:tr>
               <a:tr h="202090">
                 <a:tc>
@@ -5440,19 +5549,11 @@
                             <a:srgbClr val="000000"/>
                           </a:solidFill>
                           <a:effectLst/>
-                          <a:latin typeface="Yu Gothic" panose="020B0400000000000000" pitchFamily="50" charset="-128"/>
-                          <a:ea typeface="Yu Gothic" panose="020B0400000000000000" pitchFamily="50" charset="-128"/>
+                          <a:latin typeface="游ゴシック" panose="020B0400000000000000" pitchFamily="50" charset="-128"/>
+                          <a:ea typeface="游ゴシック" panose="020B0400000000000000" pitchFamily="50" charset="-128"/>
                         </a:rPr>
                         <a:t>　</a:t>
                       </a:r>
-                      <a:endParaRPr lang="ja-JP" altLang="en-US" sz="1000" b="0" i="0" u="none" strike="noStrike">
-                        <a:solidFill>
-                          <a:srgbClr val="000000"/>
-                        </a:solidFill>
-                        <a:effectLst/>
-                        <a:latin typeface="Yu Gothic" panose="020B0400000000000000" pitchFamily="50" charset="-128"/>
-                        <a:ea typeface="Yu Gothic" panose="020B0400000000000000" pitchFamily="50" charset="-128"/>
-                      </a:endParaRPr>
                     </a:p>
                   </a:txBody>
                   <a:tcPr marL="5614" marR="5614" marT="5614" marB="0" anchor="ctr">
@@ -5506,19 +5607,11 @@
                             <a:srgbClr val="000000"/>
                           </a:solidFill>
                           <a:effectLst/>
-                          <a:latin typeface="Yu Gothic" panose="020B0400000000000000" pitchFamily="50" charset="-128"/>
-                          <a:ea typeface="Yu Gothic" panose="020B0400000000000000" pitchFamily="50" charset="-128"/>
+                          <a:latin typeface="游ゴシック" panose="020B0400000000000000" pitchFamily="50" charset="-128"/>
+                          <a:ea typeface="游ゴシック" panose="020B0400000000000000" pitchFamily="50" charset="-128"/>
                         </a:rPr>
                         <a:t>　</a:t>
                       </a:r>
-                      <a:endParaRPr lang="ja-JP" altLang="en-US" sz="1000" b="0" i="0" u="none" strike="noStrike">
-                        <a:solidFill>
-                          <a:srgbClr val="000000"/>
-                        </a:solidFill>
-                        <a:effectLst/>
-                        <a:latin typeface="Yu Gothic" panose="020B0400000000000000" pitchFamily="50" charset="-128"/>
-                        <a:ea typeface="Yu Gothic" panose="020B0400000000000000" pitchFamily="50" charset="-128"/>
-                      </a:endParaRPr>
                     </a:p>
                   </a:txBody>
                   <a:tcPr marL="5614" marR="5614" marT="5614" marB="0" anchor="ctr">
@@ -5560,19 +5653,11 @@
                             <a:srgbClr val="000000"/>
                           </a:solidFill>
                           <a:effectLst/>
-                          <a:latin typeface="Yu Gothic" panose="020B0400000000000000" pitchFamily="50" charset="-128"/>
-                          <a:ea typeface="Yu Gothic" panose="020B0400000000000000" pitchFamily="50" charset="-128"/>
+                          <a:latin typeface="游ゴシック" panose="020B0400000000000000" pitchFamily="50" charset="-128"/>
+                          <a:ea typeface="游ゴシック" panose="020B0400000000000000" pitchFamily="50" charset="-128"/>
                         </a:rPr>
                         <a:t>　</a:t>
                       </a:r>
-                      <a:endParaRPr lang="ja-JP" altLang="en-US" sz="1000" b="0" i="0" u="none" strike="noStrike">
-                        <a:solidFill>
-                          <a:srgbClr val="000000"/>
-                        </a:solidFill>
-                        <a:effectLst/>
-                        <a:latin typeface="Yu Gothic" panose="020B0400000000000000" pitchFamily="50" charset="-128"/>
-                        <a:ea typeface="Yu Gothic" panose="020B0400000000000000" pitchFamily="50" charset="-128"/>
-                      </a:endParaRPr>
                     </a:p>
                   </a:txBody>
                   <a:tcPr marL="5614" marR="5614" marT="5614" marB="0" anchor="ctr">
@@ -5626,19 +5711,11 @@
                             <a:srgbClr val="000000"/>
                           </a:solidFill>
                           <a:effectLst/>
-                          <a:latin typeface="Yu Gothic" panose="020B0400000000000000" pitchFamily="50" charset="-128"/>
-                          <a:ea typeface="Yu Gothic" panose="020B0400000000000000" pitchFamily="50" charset="-128"/>
+                          <a:latin typeface="游ゴシック" panose="020B0400000000000000" pitchFamily="50" charset="-128"/>
+                          <a:ea typeface="游ゴシック" panose="020B0400000000000000" pitchFamily="50" charset="-128"/>
                         </a:rPr>
                         <a:t>　</a:t>
                       </a:r>
-                      <a:endParaRPr lang="ja-JP" altLang="en-US" sz="1000" b="0" i="0" u="none" strike="noStrike">
-                        <a:solidFill>
-                          <a:srgbClr val="000000"/>
-                        </a:solidFill>
-                        <a:effectLst/>
-                        <a:latin typeface="Yu Gothic" panose="020B0400000000000000" pitchFamily="50" charset="-128"/>
-                        <a:ea typeface="Yu Gothic" panose="020B0400000000000000" pitchFamily="50" charset="-128"/>
-                      </a:endParaRPr>
                     </a:p>
                   </a:txBody>
                   <a:tcPr marL="5614" marR="5614" marT="5614" marB="0" anchor="ctr">
@@ -5680,19 +5757,11 @@
                             <a:srgbClr val="000000"/>
                           </a:solidFill>
                           <a:effectLst/>
-                          <a:latin typeface="Yu Gothic" panose="020B0400000000000000" pitchFamily="50" charset="-128"/>
-                          <a:ea typeface="Yu Gothic" panose="020B0400000000000000" pitchFamily="50" charset="-128"/>
+                          <a:latin typeface="游ゴシック" panose="020B0400000000000000" pitchFamily="50" charset="-128"/>
+                          <a:ea typeface="游ゴシック" panose="020B0400000000000000" pitchFamily="50" charset="-128"/>
                         </a:rPr>
                         <a:t>　</a:t>
                       </a:r>
-                      <a:endParaRPr lang="ja-JP" altLang="en-US" sz="1000" b="0" i="0" u="none" strike="noStrike">
-                        <a:solidFill>
-                          <a:srgbClr val="000000"/>
-                        </a:solidFill>
-                        <a:effectLst/>
-                        <a:latin typeface="Yu Gothic" panose="020B0400000000000000" pitchFamily="50" charset="-128"/>
-                        <a:ea typeface="Yu Gothic" panose="020B0400000000000000" pitchFamily="50" charset="-128"/>
-                      </a:endParaRPr>
                     </a:p>
                   </a:txBody>
                   <a:tcPr marL="5614" marR="5614" marT="5614" marB="0" anchor="ctr">
@@ -5746,19 +5815,11 @@
                             <a:srgbClr val="000000"/>
                           </a:solidFill>
                           <a:effectLst/>
-                          <a:latin typeface="Yu Gothic" panose="020B0400000000000000" pitchFamily="50" charset="-128"/>
-                          <a:ea typeface="Yu Gothic" panose="020B0400000000000000" pitchFamily="50" charset="-128"/>
+                          <a:latin typeface="游ゴシック" panose="020B0400000000000000" pitchFamily="50" charset="-128"/>
+                          <a:ea typeface="游ゴシック" panose="020B0400000000000000" pitchFamily="50" charset="-128"/>
                         </a:rPr>
                         <a:t>　</a:t>
                       </a:r>
-                      <a:endParaRPr lang="ja-JP" altLang="en-US" sz="1000" b="0" i="0" u="none" strike="noStrike">
-                        <a:solidFill>
-                          <a:srgbClr val="000000"/>
-                        </a:solidFill>
-                        <a:effectLst/>
-                        <a:latin typeface="Yu Gothic" panose="020B0400000000000000" pitchFamily="50" charset="-128"/>
-                        <a:ea typeface="Yu Gothic" panose="020B0400000000000000" pitchFamily="50" charset="-128"/>
-                      </a:endParaRPr>
                     </a:p>
                   </a:txBody>
                   <a:tcPr marL="5614" marR="5614" marT="5614" marB="0" anchor="ctr">
@@ -5800,19 +5861,11 @@
                             <a:srgbClr val="000000"/>
                           </a:solidFill>
                           <a:effectLst/>
-                          <a:latin typeface="Yu Gothic" panose="020B0400000000000000" pitchFamily="50" charset="-128"/>
-                          <a:ea typeface="Yu Gothic" panose="020B0400000000000000" pitchFamily="50" charset="-128"/>
+                          <a:latin typeface="游ゴシック" panose="020B0400000000000000" pitchFamily="50" charset="-128"/>
+                          <a:ea typeface="游ゴシック" panose="020B0400000000000000" pitchFamily="50" charset="-128"/>
                         </a:rPr>
                         <a:t>　</a:t>
                       </a:r>
-                      <a:endParaRPr lang="ja-JP" altLang="en-US" sz="1000" b="0" i="0" u="none" strike="noStrike">
-                        <a:solidFill>
-                          <a:srgbClr val="000000"/>
-                        </a:solidFill>
-                        <a:effectLst/>
-                        <a:latin typeface="Yu Gothic" panose="020B0400000000000000" pitchFamily="50" charset="-128"/>
-                        <a:ea typeface="Yu Gothic" panose="020B0400000000000000" pitchFamily="50" charset="-128"/>
-                      </a:endParaRPr>
                     </a:p>
                   </a:txBody>
                   <a:tcPr marL="5614" marR="5614" marT="5614" marB="0" anchor="ctr">
@@ -5866,19 +5919,11 @@
                             <a:srgbClr val="000000"/>
                           </a:solidFill>
                           <a:effectLst/>
-                          <a:latin typeface="Yu Gothic" panose="020B0400000000000000" pitchFamily="50" charset="-128"/>
-                          <a:ea typeface="Yu Gothic" panose="020B0400000000000000" pitchFamily="50" charset="-128"/>
+                          <a:latin typeface="游ゴシック" panose="020B0400000000000000" pitchFamily="50" charset="-128"/>
+                          <a:ea typeface="游ゴシック" panose="020B0400000000000000" pitchFamily="50" charset="-128"/>
                         </a:rPr>
                         <a:t>　</a:t>
                       </a:r>
-                      <a:endParaRPr lang="ja-JP" altLang="en-US" sz="1000" b="0" i="0" u="none" strike="noStrike">
-                        <a:solidFill>
-                          <a:srgbClr val="000000"/>
-                        </a:solidFill>
-                        <a:effectLst/>
-                        <a:latin typeface="Yu Gothic" panose="020B0400000000000000" pitchFamily="50" charset="-128"/>
-                        <a:ea typeface="Yu Gothic" panose="020B0400000000000000" pitchFamily="50" charset="-128"/>
-                      </a:endParaRPr>
                     </a:p>
                   </a:txBody>
                   <a:tcPr marL="5614" marR="5614" marT="5614" marB="0" anchor="ctr">
@@ -5920,19 +5965,11 @@
                             <a:srgbClr val="000000"/>
                           </a:solidFill>
                           <a:effectLst/>
-                          <a:latin typeface="Yu Gothic" panose="020B0400000000000000" pitchFamily="50" charset="-128"/>
-                          <a:ea typeface="Yu Gothic" panose="020B0400000000000000" pitchFamily="50" charset="-128"/>
+                          <a:latin typeface="游ゴシック" panose="020B0400000000000000" pitchFamily="50" charset="-128"/>
+                          <a:ea typeface="游ゴシック" panose="020B0400000000000000" pitchFamily="50" charset="-128"/>
                         </a:rPr>
                         <a:t>　</a:t>
                       </a:r>
-                      <a:endParaRPr lang="ja-JP" altLang="en-US" sz="1000" b="0" i="0" u="none" strike="noStrike">
-                        <a:solidFill>
-                          <a:srgbClr val="000000"/>
-                        </a:solidFill>
-                        <a:effectLst/>
-                        <a:latin typeface="Yu Gothic" panose="020B0400000000000000" pitchFamily="50" charset="-128"/>
-                        <a:ea typeface="Yu Gothic" panose="020B0400000000000000" pitchFamily="50" charset="-128"/>
-                      </a:endParaRPr>
                     </a:p>
                   </a:txBody>
                   <a:tcPr marL="5614" marR="5614" marT="5614" marB="0" anchor="ctr">
@@ -5986,19 +6023,11 @@
                             <a:srgbClr val="000000"/>
                           </a:solidFill>
                           <a:effectLst/>
-                          <a:latin typeface="Yu Gothic" panose="020B0400000000000000" pitchFamily="50" charset="-128"/>
-                          <a:ea typeface="Yu Gothic" panose="020B0400000000000000" pitchFamily="50" charset="-128"/>
+                          <a:latin typeface="游ゴシック" panose="020B0400000000000000" pitchFamily="50" charset="-128"/>
+                          <a:ea typeface="游ゴシック" panose="020B0400000000000000" pitchFamily="50" charset="-128"/>
                         </a:rPr>
                         <a:t>　</a:t>
                       </a:r>
-                      <a:endParaRPr lang="ja-JP" altLang="en-US" sz="1000" b="0" i="0" u="none" strike="noStrike">
-                        <a:solidFill>
-                          <a:srgbClr val="000000"/>
-                        </a:solidFill>
-                        <a:effectLst/>
-                        <a:latin typeface="Yu Gothic" panose="020B0400000000000000" pitchFamily="50" charset="-128"/>
-                        <a:ea typeface="Yu Gothic" panose="020B0400000000000000" pitchFamily="50" charset="-128"/>
-                      </a:endParaRPr>
                     </a:p>
                   </a:txBody>
                   <a:tcPr marL="5614" marR="5614" marT="5614" marB="0" anchor="ctr">
@@ -6040,19 +6069,11 @@
                             <a:srgbClr val="000000"/>
                           </a:solidFill>
                           <a:effectLst/>
-                          <a:latin typeface="Yu Gothic" panose="020B0400000000000000" pitchFamily="50" charset="-128"/>
-                          <a:ea typeface="Yu Gothic" panose="020B0400000000000000" pitchFamily="50" charset="-128"/>
+                          <a:latin typeface="游ゴシック" panose="020B0400000000000000" pitchFamily="50" charset="-128"/>
+                          <a:ea typeface="游ゴシック" panose="020B0400000000000000" pitchFamily="50" charset="-128"/>
                         </a:rPr>
                         <a:t>　</a:t>
                       </a:r>
-                      <a:endParaRPr lang="ja-JP" altLang="en-US" sz="1000" b="0" i="0" u="none" strike="noStrike">
-                        <a:solidFill>
-                          <a:srgbClr val="000000"/>
-                        </a:solidFill>
-                        <a:effectLst/>
-                        <a:latin typeface="Yu Gothic" panose="020B0400000000000000" pitchFamily="50" charset="-128"/>
-                        <a:ea typeface="Yu Gothic" panose="020B0400000000000000" pitchFamily="50" charset="-128"/>
-                      </a:endParaRPr>
                     </a:p>
                   </a:txBody>
                   <a:tcPr marL="5614" marR="5614" marT="5614" marB="0" anchor="ctr">
@@ -6106,19 +6127,11 @@
                             <a:srgbClr val="000000"/>
                           </a:solidFill>
                           <a:effectLst/>
-                          <a:latin typeface="Yu Gothic" panose="020B0400000000000000" pitchFamily="50" charset="-128"/>
-                          <a:ea typeface="Yu Gothic" panose="020B0400000000000000" pitchFamily="50" charset="-128"/>
+                          <a:latin typeface="游ゴシック" panose="020B0400000000000000" pitchFamily="50" charset="-128"/>
+                          <a:ea typeface="游ゴシック" panose="020B0400000000000000" pitchFamily="50" charset="-128"/>
                         </a:rPr>
                         <a:t>　</a:t>
                       </a:r>
-                      <a:endParaRPr lang="ja-JP" altLang="en-US" sz="1000" b="0" i="0" u="none" strike="noStrike">
-                        <a:solidFill>
-                          <a:srgbClr val="000000"/>
-                        </a:solidFill>
-                        <a:effectLst/>
-                        <a:latin typeface="Yu Gothic" panose="020B0400000000000000" pitchFamily="50" charset="-128"/>
-                        <a:ea typeface="Yu Gothic" panose="020B0400000000000000" pitchFamily="50" charset="-128"/>
-                      </a:endParaRPr>
                     </a:p>
                   </a:txBody>
                   <a:tcPr marL="5614" marR="5614" marT="5614" marB="0" anchor="ctr">
@@ -6160,19 +6173,11 @@
                             <a:srgbClr val="000000"/>
                           </a:solidFill>
                           <a:effectLst/>
-                          <a:latin typeface="Yu Gothic" panose="020B0400000000000000" pitchFamily="50" charset="-128"/>
-                          <a:ea typeface="Yu Gothic" panose="020B0400000000000000" pitchFamily="50" charset="-128"/>
+                          <a:latin typeface="游ゴシック" panose="020B0400000000000000" pitchFamily="50" charset="-128"/>
+                          <a:ea typeface="游ゴシック" panose="020B0400000000000000" pitchFamily="50" charset="-128"/>
                         </a:rPr>
                         <a:t>　</a:t>
                       </a:r>
-                      <a:endParaRPr lang="ja-JP" altLang="en-US" sz="1000" b="0" i="0" u="none" strike="noStrike">
-                        <a:solidFill>
-                          <a:srgbClr val="000000"/>
-                        </a:solidFill>
-                        <a:effectLst/>
-                        <a:latin typeface="Yu Gothic" panose="020B0400000000000000" pitchFamily="50" charset="-128"/>
-                        <a:ea typeface="Yu Gothic" panose="020B0400000000000000" pitchFamily="50" charset="-128"/>
-                      </a:endParaRPr>
                     </a:p>
                   </a:txBody>
                   <a:tcPr marL="5614" marR="5614" marT="5614" marB="0" anchor="ctr">
@@ -6226,19 +6231,11 @@
                             <a:srgbClr val="000000"/>
                           </a:solidFill>
                           <a:effectLst/>
-                          <a:latin typeface="Yu Gothic" panose="020B0400000000000000" pitchFamily="50" charset="-128"/>
-                          <a:ea typeface="Yu Gothic" panose="020B0400000000000000" pitchFamily="50" charset="-128"/>
+                          <a:latin typeface="游ゴシック" panose="020B0400000000000000" pitchFamily="50" charset="-128"/>
+                          <a:ea typeface="游ゴシック" panose="020B0400000000000000" pitchFamily="50" charset="-128"/>
                         </a:rPr>
                         <a:t>　</a:t>
                       </a:r>
-                      <a:endParaRPr lang="ja-JP" altLang="en-US" sz="1000" b="0" i="0" u="none" strike="noStrike">
-                        <a:solidFill>
-                          <a:srgbClr val="000000"/>
-                        </a:solidFill>
-                        <a:effectLst/>
-                        <a:latin typeface="Yu Gothic" panose="020B0400000000000000" pitchFamily="50" charset="-128"/>
-                        <a:ea typeface="Yu Gothic" panose="020B0400000000000000" pitchFamily="50" charset="-128"/>
-                      </a:endParaRPr>
                     </a:p>
                   </a:txBody>
                   <a:tcPr marL="5614" marR="5614" marT="5614" marB="0" anchor="ctr">
@@ -6280,19 +6277,11 @@
                             <a:srgbClr val="000000"/>
                           </a:solidFill>
                           <a:effectLst/>
-                          <a:latin typeface="Yu Gothic" panose="020B0400000000000000" pitchFamily="50" charset="-128"/>
-                          <a:ea typeface="Yu Gothic" panose="020B0400000000000000" pitchFamily="50" charset="-128"/>
+                          <a:latin typeface="游ゴシック" panose="020B0400000000000000" pitchFamily="50" charset="-128"/>
+                          <a:ea typeface="游ゴシック" panose="020B0400000000000000" pitchFamily="50" charset="-128"/>
                         </a:rPr>
                         <a:t>　</a:t>
                       </a:r>
-                      <a:endParaRPr lang="ja-JP" altLang="en-US" sz="1000" b="0" i="0" u="none" strike="noStrike">
-                        <a:solidFill>
-                          <a:srgbClr val="000000"/>
-                        </a:solidFill>
-                        <a:effectLst/>
-                        <a:latin typeface="Yu Gothic" panose="020B0400000000000000" pitchFamily="50" charset="-128"/>
-                        <a:ea typeface="Yu Gothic" panose="020B0400000000000000" pitchFamily="50" charset="-128"/>
-                      </a:endParaRPr>
                     </a:p>
                   </a:txBody>
                   <a:tcPr marL="5614" marR="5614" marT="5614" marB="0" anchor="ctr">
@@ -6346,19 +6335,11 @@
                             <a:srgbClr val="000000"/>
                           </a:solidFill>
                           <a:effectLst/>
-                          <a:latin typeface="Yu Gothic" panose="020B0400000000000000" pitchFamily="50" charset="-128"/>
-                          <a:ea typeface="Yu Gothic" panose="020B0400000000000000" pitchFamily="50" charset="-128"/>
+                          <a:latin typeface="游ゴシック" panose="020B0400000000000000" pitchFamily="50" charset="-128"/>
+                          <a:ea typeface="游ゴシック" panose="020B0400000000000000" pitchFamily="50" charset="-128"/>
                         </a:rPr>
                         <a:t>　</a:t>
                       </a:r>
-                      <a:endParaRPr lang="ja-JP" altLang="en-US" sz="1000" b="0" i="0" u="none" strike="noStrike">
-                        <a:solidFill>
-                          <a:srgbClr val="000000"/>
-                        </a:solidFill>
-                        <a:effectLst/>
-                        <a:latin typeface="Yu Gothic" panose="020B0400000000000000" pitchFamily="50" charset="-128"/>
-                        <a:ea typeface="Yu Gothic" panose="020B0400000000000000" pitchFamily="50" charset="-128"/>
-                      </a:endParaRPr>
                     </a:p>
                   </a:txBody>
                   <a:tcPr marL="5614" marR="5614" marT="5614" marB="0" anchor="ctr">
@@ -6400,19 +6381,11 @@
                             <a:srgbClr val="000000"/>
                           </a:solidFill>
                           <a:effectLst/>
-                          <a:latin typeface="Yu Gothic" panose="020B0400000000000000" pitchFamily="50" charset="-128"/>
-                          <a:ea typeface="Yu Gothic" panose="020B0400000000000000" pitchFamily="50" charset="-128"/>
+                          <a:latin typeface="游ゴシック" panose="020B0400000000000000" pitchFamily="50" charset="-128"/>
+                          <a:ea typeface="游ゴシック" panose="020B0400000000000000" pitchFamily="50" charset="-128"/>
                         </a:rPr>
                         <a:t>　</a:t>
                       </a:r>
-                      <a:endParaRPr lang="ja-JP" altLang="en-US" sz="1000" b="0" i="0" u="none" strike="noStrike">
-                        <a:solidFill>
-                          <a:srgbClr val="000000"/>
-                        </a:solidFill>
-                        <a:effectLst/>
-                        <a:latin typeface="Yu Gothic" panose="020B0400000000000000" pitchFamily="50" charset="-128"/>
-                        <a:ea typeface="Yu Gothic" panose="020B0400000000000000" pitchFamily="50" charset="-128"/>
-                      </a:endParaRPr>
                     </a:p>
                   </a:txBody>
                   <a:tcPr marL="5614" marR="5614" marT="5614" marB="0" anchor="ctr">
@@ -6466,19 +6439,11 @@
                             <a:srgbClr val="000000"/>
                           </a:solidFill>
                           <a:effectLst/>
-                          <a:latin typeface="Yu Gothic" panose="020B0400000000000000" pitchFamily="50" charset="-128"/>
-                          <a:ea typeface="Yu Gothic" panose="020B0400000000000000" pitchFamily="50" charset="-128"/>
+                          <a:latin typeface="游ゴシック" panose="020B0400000000000000" pitchFamily="50" charset="-128"/>
+                          <a:ea typeface="游ゴシック" panose="020B0400000000000000" pitchFamily="50" charset="-128"/>
                         </a:rPr>
                         <a:t>　</a:t>
                       </a:r>
-                      <a:endParaRPr lang="ja-JP" altLang="en-US" sz="1000" b="0" i="0" u="none" strike="noStrike">
-                        <a:solidFill>
-                          <a:srgbClr val="000000"/>
-                        </a:solidFill>
-                        <a:effectLst/>
-                        <a:latin typeface="Yu Gothic" panose="020B0400000000000000" pitchFamily="50" charset="-128"/>
-                        <a:ea typeface="Yu Gothic" panose="020B0400000000000000" pitchFamily="50" charset="-128"/>
-                      </a:endParaRPr>
                     </a:p>
                   </a:txBody>
                   <a:tcPr marL="5614" marR="5614" marT="5614" marB="0" anchor="ctr">
@@ -6520,19 +6485,11 @@
                             <a:srgbClr val="000000"/>
                           </a:solidFill>
                           <a:effectLst/>
-                          <a:latin typeface="Yu Gothic" panose="020B0400000000000000" pitchFamily="50" charset="-128"/>
-                          <a:ea typeface="Yu Gothic" panose="020B0400000000000000" pitchFamily="50" charset="-128"/>
+                          <a:latin typeface="游ゴシック" panose="020B0400000000000000" pitchFamily="50" charset="-128"/>
+                          <a:ea typeface="游ゴシック" panose="020B0400000000000000" pitchFamily="50" charset="-128"/>
                         </a:rPr>
                         <a:t>　</a:t>
                       </a:r>
-                      <a:endParaRPr lang="ja-JP" altLang="en-US" sz="1000" b="0" i="0" u="none" strike="noStrike">
-                        <a:solidFill>
-                          <a:srgbClr val="000000"/>
-                        </a:solidFill>
-                        <a:effectLst/>
-                        <a:latin typeface="Yu Gothic" panose="020B0400000000000000" pitchFamily="50" charset="-128"/>
-                        <a:ea typeface="Yu Gothic" panose="020B0400000000000000" pitchFamily="50" charset="-128"/>
-                      </a:endParaRPr>
                     </a:p>
                   </a:txBody>
                   <a:tcPr marL="5614" marR="5614" marT="5614" marB="0" anchor="ctr">
@@ -6574,6 +6531,11 @@
                     </a:lnB>
                   </a:tcPr>
                 </a:tc>
+                <a:extLst>
+                  <a:ext uri="{0D108BD9-81ED-4DB2-BD59-A6C34878D82A}">
+                    <a16:rowId xmlns:a16="http://schemas.microsoft.com/office/drawing/2014/main" val="3423860851"/>
+                  </a:ext>
+                </a:extLst>
               </a:tr>
               <a:tr h="153813">
                 <a:tc>
@@ -6588,18 +6550,53 @@
                             <a:srgbClr val="000000"/>
                           </a:solidFill>
                           <a:effectLst/>
-                          <a:latin typeface="Yu Gothic" panose="020B0400000000000000" pitchFamily="50" charset="-128"/>
-                          <a:ea typeface="Yu Gothic" panose="020B0400000000000000" pitchFamily="50" charset="-128"/>
+                          <a:latin typeface="游ゴシック" panose="020B0400000000000000" pitchFamily="50" charset="-128"/>
+                          <a:ea typeface="游ゴシック" panose="020B0400000000000000" pitchFamily="50" charset="-128"/>
                         </a:rPr>
                         <a:t>　</a:t>
                       </a:r>
+                    </a:p>
+                  </a:txBody>
+                  <a:tcPr marL="5614" marR="5614" marT="5614" marB="0" anchor="ctr">
+                    <a:lnL>
+                      <a:noFill/>
+                    </a:lnL>
+                    <a:lnR>
+                      <a:noFill/>
+                    </a:lnR>
+                    <a:lnT w="6350" cap="flat" cmpd="sng" algn="ctr">
+                      <a:solidFill>
+                        <a:srgbClr val="000000"/>
+                      </a:solidFill>
+                      <a:prstDash val="solid"/>
+                      <a:round/>
+                      <a:headEnd type="none" w="med" len="med"/>
+                      <a:tailEnd type="none" w="med" len="med"/>
+                    </a:lnT>
+                    <a:lnB w="6350" cap="flat" cmpd="sng" algn="ctr">
+                      <a:solidFill>
+                        <a:srgbClr val="000000"/>
+                      </a:solidFill>
+                      <a:prstDash val="solid"/>
+                      <a:round/>
+                      <a:headEnd type="none" w="med" len="med"/>
+                      <a:tailEnd type="none" w="med" len="med"/>
+                    </a:lnB>
+                  </a:tcPr>
+                </a:tc>
+                <a:tc>
+                  <a:txBody>
+                    <a:bodyPr/>
+                    <a:lstStyle/>
+                    <a:p>
+                      <a:pPr algn="l" fontAlgn="ctr"/>
                       <a:endParaRPr lang="ja-JP" altLang="en-US" sz="1000" b="0" i="0" u="none" strike="noStrike">
                         <a:solidFill>
                           <a:srgbClr val="000000"/>
                         </a:solidFill>
                         <a:effectLst/>
-                        <a:latin typeface="Yu Gothic" panose="020B0400000000000000" pitchFamily="50" charset="-128"/>
-                        <a:ea typeface="Yu Gothic" panose="020B0400000000000000" pitchFamily="50" charset="-128"/>
+                        <a:latin typeface="游ゴシック" panose="020B0400000000000000" pitchFamily="50" charset="-128"/>
+                        <a:ea typeface="游ゴシック" panose="020B0400000000000000" pitchFamily="50" charset="-128"/>
                       </a:endParaRPr>
                     </a:p>
                   </a:txBody>
@@ -6610,23 +6607,11 @@
                     <a:lnR>
                       <a:noFill/>
                     </a:lnR>
-                    <a:lnT w="6350" cap="flat" cmpd="sng" algn="ctr">
-                      <a:solidFill>
-                        <a:srgbClr val="000000"/>
-                      </a:solidFill>
-                      <a:prstDash val="solid"/>
-                      <a:round/>
-                      <a:headEnd type="none" w="med" len="med"/>
-                      <a:tailEnd type="none" w="med" len="med"/>
-                    </a:lnT>
-                    <a:lnB w="6350" cap="flat" cmpd="sng" algn="ctr">
-                      <a:solidFill>
-                        <a:srgbClr val="000000"/>
-                      </a:solidFill>
-                      <a:prstDash val="solid"/>
-                      <a:round/>
-                      <a:headEnd type="none" w="med" len="med"/>
-                      <a:tailEnd type="none" w="med" len="med"/>
+                    <a:lnT>
+                      <a:noFill/>
+                    </a:lnT>
+                    <a:lnB>
+                      <a:noFill/>
                     </a:lnB>
                   </a:tcPr>
                 </a:tc>
@@ -6641,8 +6626,8 @@
                           <a:srgbClr val="000000"/>
                         </a:solidFill>
                         <a:effectLst/>
-                        <a:latin typeface="Yu Gothic" panose="020B0400000000000000" pitchFamily="50" charset="-128"/>
-                        <a:ea typeface="Yu Gothic" panose="020B0400000000000000" pitchFamily="50" charset="-128"/>
+                        <a:latin typeface="游ゴシック" panose="020B0400000000000000" pitchFamily="50" charset="-128"/>
+                        <a:ea typeface="游ゴシック" panose="020B0400000000000000" pitchFamily="50" charset="-128"/>
                       </a:endParaRPr>
                     </a:p>
                   </a:txBody>
@@ -6653,11 +6638,23 @@
                     <a:lnR>
                       <a:noFill/>
                     </a:lnR>
-                    <a:lnT>
-                      <a:noFill/>
-                    </a:lnT>
-                    <a:lnB>
-                      <a:noFill/>
+                    <a:lnT w="6350" cap="flat" cmpd="sng" algn="ctr">
+                      <a:solidFill>
+                        <a:srgbClr val="000000"/>
+                      </a:solidFill>
+                      <a:prstDash val="solid"/>
+                      <a:round/>
+                      <a:headEnd type="none" w="med" len="med"/>
+                      <a:tailEnd type="none" w="med" len="med"/>
+                    </a:lnT>
+                    <a:lnB w="6350" cap="flat" cmpd="sng" algn="ctr">
+                      <a:solidFill>
+                        <a:srgbClr val="000000"/>
+                      </a:solidFill>
+                      <a:prstDash val="solid"/>
+                      <a:round/>
+                      <a:headEnd type="none" w="med" len="med"/>
+                      <a:tailEnd type="none" w="med" len="med"/>
                     </a:lnB>
                   </a:tcPr>
                 </a:tc>
@@ -6672,8 +6669,8 @@
                           <a:srgbClr val="000000"/>
                         </a:solidFill>
                         <a:effectLst/>
-                        <a:latin typeface="Yu Gothic" panose="020B0400000000000000" pitchFamily="50" charset="-128"/>
-                        <a:ea typeface="Yu Gothic" panose="020B0400000000000000" pitchFamily="50" charset="-128"/>
+                        <a:latin typeface="游ゴシック" panose="020B0400000000000000" pitchFamily="50" charset="-128"/>
+                        <a:ea typeface="游ゴシック" panose="020B0400000000000000" pitchFamily="50" charset="-128"/>
                       </a:endParaRPr>
                     </a:p>
                   </a:txBody>
@@ -6684,23 +6681,11 @@
                     <a:lnR>
                       <a:noFill/>
                     </a:lnR>
-                    <a:lnT w="6350" cap="flat" cmpd="sng" algn="ctr">
-                      <a:solidFill>
-                        <a:srgbClr val="000000"/>
-                      </a:solidFill>
-                      <a:prstDash val="solid"/>
-                      <a:round/>
-                      <a:headEnd type="none" w="med" len="med"/>
-                      <a:tailEnd type="none" w="med" len="med"/>
-                    </a:lnT>
-                    <a:lnB w="6350" cap="flat" cmpd="sng" algn="ctr">
-                      <a:solidFill>
-                        <a:srgbClr val="000000"/>
-                      </a:solidFill>
-                      <a:prstDash val="solid"/>
-                      <a:round/>
-                      <a:headEnd type="none" w="med" len="med"/>
-                      <a:tailEnd type="none" w="med" len="med"/>
+                    <a:lnT>
+                      <a:noFill/>
+                    </a:lnT>
+                    <a:lnB>
+                      <a:noFill/>
                     </a:lnB>
                   </a:tcPr>
                 </a:tc>
@@ -6715,8 +6700,8 @@
                           <a:srgbClr val="000000"/>
                         </a:solidFill>
                         <a:effectLst/>
-                        <a:latin typeface="Yu Gothic" panose="020B0400000000000000" pitchFamily="50" charset="-128"/>
-                        <a:ea typeface="Yu Gothic" panose="020B0400000000000000" pitchFamily="50" charset="-128"/>
+                        <a:latin typeface="游ゴシック" panose="020B0400000000000000" pitchFamily="50" charset="-128"/>
+                        <a:ea typeface="游ゴシック" panose="020B0400000000000000" pitchFamily="50" charset="-128"/>
                       </a:endParaRPr>
                     </a:p>
                   </a:txBody>
@@ -6727,11 +6712,23 @@
                     <a:lnR>
                       <a:noFill/>
                     </a:lnR>
-                    <a:lnT>
-                      <a:noFill/>
-                    </a:lnT>
-                    <a:lnB>
-                      <a:noFill/>
+                    <a:lnT w="6350" cap="flat" cmpd="sng" algn="ctr">
+                      <a:solidFill>
+                        <a:srgbClr val="000000"/>
+                      </a:solidFill>
+                      <a:prstDash val="solid"/>
+                      <a:round/>
+                      <a:headEnd type="none" w="med" len="med"/>
+                      <a:tailEnd type="none" w="med" len="med"/>
+                    </a:lnT>
+                    <a:lnB w="6350" cap="flat" cmpd="sng" algn="ctr">
+                      <a:solidFill>
+                        <a:srgbClr val="000000"/>
+                      </a:solidFill>
+                      <a:prstDash val="solid"/>
+                      <a:round/>
+                      <a:headEnd type="none" w="med" len="med"/>
+                      <a:tailEnd type="none" w="med" len="med"/>
                     </a:lnB>
                   </a:tcPr>
                 </a:tc>
@@ -6746,8 +6743,8 @@
                           <a:srgbClr val="000000"/>
                         </a:solidFill>
                         <a:effectLst/>
-                        <a:latin typeface="Yu Gothic" panose="020B0400000000000000" pitchFamily="50" charset="-128"/>
-                        <a:ea typeface="Yu Gothic" panose="020B0400000000000000" pitchFamily="50" charset="-128"/>
+                        <a:latin typeface="游ゴシック" panose="020B0400000000000000" pitchFamily="50" charset="-128"/>
+                        <a:ea typeface="游ゴシック" panose="020B0400000000000000" pitchFamily="50" charset="-128"/>
                       </a:endParaRPr>
                     </a:p>
                   </a:txBody>
@@ -6758,23 +6755,11 @@
                     <a:lnR>
                       <a:noFill/>
                     </a:lnR>
-                    <a:lnT w="6350" cap="flat" cmpd="sng" algn="ctr">
-                      <a:solidFill>
-                        <a:srgbClr val="000000"/>
-                      </a:solidFill>
-                      <a:prstDash val="solid"/>
-                      <a:round/>
-                      <a:headEnd type="none" w="med" len="med"/>
-                      <a:tailEnd type="none" w="med" len="med"/>
-                    </a:lnT>
-                    <a:lnB w="6350" cap="flat" cmpd="sng" algn="ctr">
-                      <a:solidFill>
-                        <a:srgbClr val="000000"/>
-                      </a:solidFill>
-                      <a:prstDash val="solid"/>
-                      <a:round/>
-                      <a:headEnd type="none" w="med" len="med"/>
-                      <a:tailEnd type="none" w="med" len="med"/>
+                    <a:lnT>
+                      <a:noFill/>
+                    </a:lnT>
+                    <a:lnB>
+                      <a:noFill/>
                     </a:lnB>
                   </a:tcPr>
                 </a:tc>
@@ -6789,8 +6774,8 @@
                           <a:srgbClr val="000000"/>
                         </a:solidFill>
                         <a:effectLst/>
-                        <a:latin typeface="Yu Gothic" panose="020B0400000000000000" pitchFamily="50" charset="-128"/>
-                        <a:ea typeface="Yu Gothic" panose="020B0400000000000000" pitchFamily="50" charset="-128"/>
+                        <a:latin typeface="游ゴシック" panose="020B0400000000000000" pitchFamily="50" charset="-128"/>
+                        <a:ea typeface="游ゴシック" panose="020B0400000000000000" pitchFamily="50" charset="-128"/>
                       </a:endParaRPr>
                     </a:p>
                   </a:txBody>
@@ -6801,11 +6786,23 @@
                     <a:lnR>
                       <a:noFill/>
                     </a:lnR>
-                    <a:lnT>
-                      <a:noFill/>
-                    </a:lnT>
-                    <a:lnB>
-                      <a:noFill/>
+                    <a:lnT w="6350" cap="flat" cmpd="sng" algn="ctr">
+                      <a:solidFill>
+                        <a:srgbClr val="000000"/>
+                      </a:solidFill>
+                      <a:prstDash val="solid"/>
+                      <a:round/>
+                      <a:headEnd type="none" w="med" len="med"/>
+                      <a:tailEnd type="none" w="med" len="med"/>
+                    </a:lnT>
+                    <a:lnB w="6350" cap="flat" cmpd="sng" algn="ctr">
+                      <a:solidFill>
+                        <a:srgbClr val="000000"/>
+                      </a:solidFill>
+                      <a:prstDash val="solid"/>
+                      <a:round/>
+                      <a:headEnd type="none" w="med" len="med"/>
+                      <a:tailEnd type="none" w="med" len="med"/>
                     </a:lnB>
                   </a:tcPr>
                 </a:tc>
@@ -6820,8 +6817,8 @@
                           <a:srgbClr val="000000"/>
                         </a:solidFill>
                         <a:effectLst/>
-                        <a:latin typeface="Yu Gothic" panose="020B0400000000000000" pitchFamily="50" charset="-128"/>
-                        <a:ea typeface="Yu Gothic" panose="020B0400000000000000" pitchFamily="50" charset="-128"/>
+                        <a:latin typeface="游ゴシック" panose="020B0400000000000000" pitchFamily="50" charset="-128"/>
+                        <a:ea typeface="游ゴシック" panose="020B0400000000000000" pitchFamily="50" charset="-128"/>
                       </a:endParaRPr>
                     </a:p>
                   </a:txBody>
@@ -6832,23 +6829,11 @@
                     <a:lnR>
                       <a:noFill/>
                     </a:lnR>
-                    <a:lnT w="6350" cap="flat" cmpd="sng" algn="ctr">
-                      <a:solidFill>
-                        <a:srgbClr val="000000"/>
-                      </a:solidFill>
-                      <a:prstDash val="solid"/>
-                      <a:round/>
-                      <a:headEnd type="none" w="med" len="med"/>
-                      <a:tailEnd type="none" w="med" len="med"/>
-                    </a:lnT>
-                    <a:lnB w="6350" cap="flat" cmpd="sng" algn="ctr">
-                      <a:solidFill>
-                        <a:srgbClr val="000000"/>
-                      </a:solidFill>
-                      <a:prstDash val="solid"/>
-                      <a:round/>
-                      <a:headEnd type="none" w="med" len="med"/>
-                      <a:tailEnd type="none" w="med" len="med"/>
+                    <a:lnT>
+                      <a:noFill/>
+                    </a:lnT>
+                    <a:lnB>
+                      <a:noFill/>
                     </a:lnB>
                   </a:tcPr>
                 </a:tc>
@@ -6863,8 +6848,8 @@
                           <a:srgbClr val="000000"/>
                         </a:solidFill>
                         <a:effectLst/>
-                        <a:latin typeface="Yu Gothic" panose="020B0400000000000000" pitchFamily="50" charset="-128"/>
-                        <a:ea typeface="Yu Gothic" panose="020B0400000000000000" pitchFamily="50" charset="-128"/>
+                        <a:latin typeface="游ゴシック" panose="020B0400000000000000" pitchFamily="50" charset="-128"/>
+                        <a:ea typeface="游ゴシック" panose="020B0400000000000000" pitchFamily="50" charset="-128"/>
                       </a:endParaRPr>
                     </a:p>
                   </a:txBody>
@@ -6875,11 +6860,23 @@
                     <a:lnR>
                       <a:noFill/>
                     </a:lnR>
-                    <a:lnT>
-                      <a:noFill/>
-                    </a:lnT>
-                    <a:lnB>
-                      <a:noFill/>
+                    <a:lnT w="6350" cap="flat" cmpd="sng" algn="ctr">
+                      <a:solidFill>
+                        <a:srgbClr val="000000"/>
+                      </a:solidFill>
+                      <a:prstDash val="solid"/>
+                      <a:round/>
+                      <a:headEnd type="none" w="med" len="med"/>
+                      <a:tailEnd type="none" w="med" len="med"/>
+                    </a:lnT>
+                    <a:lnB w="6350" cap="flat" cmpd="sng" algn="ctr">
+                      <a:solidFill>
+                        <a:srgbClr val="000000"/>
+                      </a:solidFill>
+                      <a:prstDash val="solid"/>
+                      <a:round/>
+                      <a:headEnd type="none" w="med" len="med"/>
+                      <a:tailEnd type="none" w="med" len="med"/>
                     </a:lnB>
                   </a:tcPr>
                 </a:tc>
@@ -6894,8 +6891,8 @@
                           <a:srgbClr val="000000"/>
                         </a:solidFill>
                         <a:effectLst/>
-                        <a:latin typeface="Yu Gothic" panose="020B0400000000000000" pitchFamily="50" charset="-128"/>
-                        <a:ea typeface="Yu Gothic" panose="020B0400000000000000" pitchFamily="50" charset="-128"/>
+                        <a:latin typeface="游ゴシック" panose="020B0400000000000000" pitchFamily="50" charset="-128"/>
+                        <a:ea typeface="游ゴシック" panose="020B0400000000000000" pitchFamily="50" charset="-128"/>
                       </a:endParaRPr>
                     </a:p>
                   </a:txBody>
@@ -6906,23 +6903,11 @@
                     <a:lnR>
                       <a:noFill/>
                     </a:lnR>
-                    <a:lnT w="6350" cap="flat" cmpd="sng" algn="ctr">
-                      <a:solidFill>
-                        <a:srgbClr val="000000"/>
-                      </a:solidFill>
-                      <a:prstDash val="solid"/>
-                      <a:round/>
-                      <a:headEnd type="none" w="med" len="med"/>
-                      <a:tailEnd type="none" w="med" len="med"/>
-                    </a:lnT>
-                    <a:lnB w="6350" cap="flat" cmpd="sng" algn="ctr">
-                      <a:solidFill>
-                        <a:srgbClr val="000000"/>
-                      </a:solidFill>
-                      <a:prstDash val="solid"/>
-                      <a:round/>
-                      <a:headEnd type="none" w="med" len="med"/>
-                      <a:tailEnd type="none" w="med" len="med"/>
+                    <a:lnT>
+                      <a:noFill/>
+                    </a:lnT>
+                    <a:lnB>
+                      <a:noFill/>
                     </a:lnB>
                   </a:tcPr>
                 </a:tc>
@@ -6937,8 +6922,8 @@
                           <a:srgbClr val="000000"/>
                         </a:solidFill>
                         <a:effectLst/>
-                        <a:latin typeface="Yu Gothic" panose="020B0400000000000000" pitchFamily="50" charset="-128"/>
-                        <a:ea typeface="Yu Gothic" panose="020B0400000000000000" pitchFamily="50" charset="-128"/>
+                        <a:latin typeface="游ゴシック" panose="020B0400000000000000" pitchFamily="50" charset="-128"/>
+                        <a:ea typeface="游ゴシック" panose="020B0400000000000000" pitchFamily="50" charset="-128"/>
                       </a:endParaRPr>
                     </a:p>
                   </a:txBody>
@@ -6949,11 +6934,23 @@
                     <a:lnR>
                       <a:noFill/>
                     </a:lnR>
-                    <a:lnT>
-                      <a:noFill/>
-                    </a:lnT>
-                    <a:lnB>
-                      <a:noFill/>
+                    <a:lnT w="6350" cap="flat" cmpd="sng" algn="ctr">
+                      <a:solidFill>
+                        <a:srgbClr val="000000"/>
+                      </a:solidFill>
+                      <a:prstDash val="solid"/>
+                      <a:round/>
+                      <a:headEnd type="none" w="med" len="med"/>
+                      <a:tailEnd type="none" w="med" len="med"/>
+                    </a:lnT>
+                    <a:lnB w="6350" cap="flat" cmpd="sng" algn="ctr">
+                      <a:solidFill>
+                        <a:srgbClr val="000000"/>
+                      </a:solidFill>
+                      <a:prstDash val="solid"/>
+                      <a:round/>
+                      <a:headEnd type="none" w="med" len="med"/>
+                      <a:tailEnd type="none" w="med" len="med"/>
                     </a:lnB>
                   </a:tcPr>
                 </a:tc>
@@ -6968,8 +6965,8 @@
                           <a:srgbClr val="000000"/>
                         </a:solidFill>
                         <a:effectLst/>
-                        <a:latin typeface="Yu Gothic" panose="020B0400000000000000" pitchFamily="50" charset="-128"/>
-                        <a:ea typeface="Yu Gothic" panose="020B0400000000000000" pitchFamily="50" charset="-128"/>
+                        <a:latin typeface="游ゴシック" panose="020B0400000000000000" pitchFamily="50" charset="-128"/>
+                        <a:ea typeface="游ゴシック" panose="020B0400000000000000" pitchFamily="50" charset="-128"/>
                       </a:endParaRPr>
                     </a:p>
                   </a:txBody>
@@ -6980,23 +6977,11 @@
                     <a:lnR>
                       <a:noFill/>
                     </a:lnR>
-                    <a:lnT w="6350" cap="flat" cmpd="sng" algn="ctr">
-                      <a:solidFill>
-                        <a:srgbClr val="000000"/>
-                      </a:solidFill>
-                      <a:prstDash val="solid"/>
-                      <a:round/>
-                      <a:headEnd type="none" w="med" len="med"/>
-                      <a:tailEnd type="none" w="med" len="med"/>
-                    </a:lnT>
-                    <a:lnB w="6350" cap="flat" cmpd="sng" algn="ctr">
-                      <a:solidFill>
-                        <a:srgbClr val="000000"/>
-                      </a:solidFill>
-                      <a:prstDash val="solid"/>
-                      <a:round/>
-                      <a:headEnd type="none" w="med" len="med"/>
-                      <a:tailEnd type="none" w="med" len="med"/>
+                    <a:lnT>
+                      <a:noFill/>
+                    </a:lnT>
+                    <a:lnB>
+                      <a:noFill/>
                     </a:lnB>
                   </a:tcPr>
                 </a:tc>
@@ -7011,8 +6996,8 @@
                           <a:srgbClr val="000000"/>
                         </a:solidFill>
                         <a:effectLst/>
-                        <a:latin typeface="Yu Gothic" panose="020B0400000000000000" pitchFamily="50" charset="-128"/>
-                        <a:ea typeface="Yu Gothic" panose="020B0400000000000000" pitchFamily="50" charset="-128"/>
+                        <a:latin typeface="游ゴシック" panose="020B0400000000000000" pitchFamily="50" charset="-128"/>
+                        <a:ea typeface="游ゴシック" panose="020B0400000000000000" pitchFamily="50" charset="-128"/>
                       </a:endParaRPr>
                     </a:p>
                   </a:txBody>
@@ -7023,11 +7008,23 @@
                     <a:lnR>
                       <a:noFill/>
                     </a:lnR>
-                    <a:lnT>
-                      <a:noFill/>
-                    </a:lnT>
-                    <a:lnB>
-                      <a:noFill/>
+                    <a:lnT w="6350" cap="flat" cmpd="sng" algn="ctr">
+                      <a:solidFill>
+                        <a:srgbClr val="000000"/>
+                      </a:solidFill>
+                      <a:prstDash val="solid"/>
+                      <a:round/>
+                      <a:headEnd type="none" w="med" len="med"/>
+                      <a:tailEnd type="none" w="med" len="med"/>
+                    </a:lnT>
+                    <a:lnB w="6350" cap="flat" cmpd="sng" algn="ctr">
+                      <a:solidFill>
+                        <a:srgbClr val="000000"/>
+                      </a:solidFill>
+                      <a:prstDash val="solid"/>
+                      <a:round/>
+                      <a:headEnd type="none" w="med" len="med"/>
+                      <a:tailEnd type="none" w="med" len="med"/>
                     </a:lnB>
                   </a:tcPr>
                 </a:tc>
@@ -7042,8 +7039,8 @@
                           <a:srgbClr val="000000"/>
                         </a:solidFill>
                         <a:effectLst/>
-                        <a:latin typeface="Yu Gothic" panose="020B0400000000000000" pitchFamily="50" charset="-128"/>
-                        <a:ea typeface="Yu Gothic" panose="020B0400000000000000" pitchFamily="50" charset="-128"/>
+                        <a:latin typeface="游ゴシック" panose="020B0400000000000000" pitchFamily="50" charset="-128"/>
+                        <a:ea typeface="游ゴシック" panose="020B0400000000000000" pitchFamily="50" charset="-128"/>
                       </a:endParaRPr>
                     </a:p>
                   </a:txBody>
@@ -7054,23 +7051,11 @@
                     <a:lnR>
                       <a:noFill/>
                     </a:lnR>
-                    <a:lnT w="6350" cap="flat" cmpd="sng" algn="ctr">
-                      <a:solidFill>
-                        <a:srgbClr val="000000"/>
-                      </a:solidFill>
-                      <a:prstDash val="solid"/>
-                      <a:round/>
-                      <a:headEnd type="none" w="med" len="med"/>
-                      <a:tailEnd type="none" w="med" len="med"/>
-                    </a:lnT>
-                    <a:lnB w="6350" cap="flat" cmpd="sng" algn="ctr">
-                      <a:solidFill>
-                        <a:srgbClr val="000000"/>
-                      </a:solidFill>
-                      <a:prstDash val="solid"/>
-                      <a:round/>
-                      <a:headEnd type="none" w="med" len="med"/>
-                      <a:tailEnd type="none" w="med" len="med"/>
+                    <a:lnT>
+                      <a:noFill/>
+                    </a:lnT>
+                    <a:lnB>
+                      <a:noFill/>
                     </a:lnB>
                   </a:tcPr>
                 </a:tc>
@@ -7085,8 +7070,8 @@
                           <a:srgbClr val="000000"/>
                         </a:solidFill>
                         <a:effectLst/>
-                        <a:latin typeface="Yu Gothic" panose="020B0400000000000000" pitchFamily="50" charset="-128"/>
-                        <a:ea typeface="Yu Gothic" panose="020B0400000000000000" pitchFamily="50" charset="-128"/>
+                        <a:latin typeface="游ゴシック" panose="020B0400000000000000" pitchFamily="50" charset="-128"/>
+                        <a:ea typeface="游ゴシック" panose="020B0400000000000000" pitchFamily="50" charset="-128"/>
                       </a:endParaRPr>
                     </a:p>
                   </a:txBody>
@@ -7097,11 +7082,23 @@
                     <a:lnR>
                       <a:noFill/>
                     </a:lnR>
-                    <a:lnT>
-                      <a:noFill/>
-                    </a:lnT>
-                    <a:lnB>
-                      <a:noFill/>
+                    <a:lnT w="6350" cap="flat" cmpd="sng" algn="ctr">
+                      <a:solidFill>
+                        <a:srgbClr val="000000"/>
+                      </a:solidFill>
+                      <a:prstDash val="solid"/>
+                      <a:round/>
+                      <a:headEnd type="none" w="med" len="med"/>
+                      <a:tailEnd type="none" w="med" len="med"/>
+                    </a:lnT>
+                    <a:lnB w="6350" cap="flat" cmpd="sng" algn="ctr">
+                      <a:solidFill>
+                        <a:srgbClr val="000000"/>
+                      </a:solidFill>
+                      <a:prstDash val="solid"/>
+                      <a:round/>
+                      <a:headEnd type="none" w="med" len="med"/>
+                      <a:tailEnd type="none" w="med" len="med"/>
                     </a:lnB>
                   </a:tcPr>
                 </a:tc>
@@ -7116,8 +7113,8 @@
                           <a:srgbClr val="000000"/>
                         </a:solidFill>
                         <a:effectLst/>
-                        <a:latin typeface="Yu Gothic" panose="020B0400000000000000" pitchFamily="50" charset="-128"/>
-                        <a:ea typeface="Yu Gothic" panose="020B0400000000000000" pitchFamily="50" charset="-128"/>
+                        <a:latin typeface="游ゴシック" panose="020B0400000000000000" pitchFamily="50" charset="-128"/>
+                        <a:ea typeface="游ゴシック" panose="020B0400000000000000" pitchFamily="50" charset="-128"/>
                       </a:endParaRPr>
                     </a:p>
                   </a:txBody>
@@ -7128,23 +7125,11 @@
                     <a:lnR>
                       <a:noFill/>
                     </a:lnR>
-                    <a:lnT w="6350" cap="flat" cmpd="sng" algn="ctr">
-                      <a:solidFill>
-                        <a:srgbClr val="000000"/>
-                      </a:solidFill>
-                      <a:prstDash val="solid"/>
-                      <a:round/>
-                      <a:headEnd type="none" w="med" len="med"/>
-                      <a:tailEnd type="none" w="med" len="med"/>
-                    </a:lnT>
-                    <a:lnB w="6350" cap="flat" cmpd="sng" algn="ctr">
-                      <a:solidFill>
-                        <a:srgbClr val="000000"/>
-                      </a:solidFill>
-                      <a:prstDash val="solid"/>
-                      <a:round/>
-                      <a:headEnd type="none" w="med" len="med"/>
-                      <a:tailEnd type="none" w="med" len="med"/>
+                    <a:lnT>
+                      <a:noFill/>
+                    </a:lnT>
+                    <a:lnB>
+                      <a:noFill/>
                     </a:lnB>
                   </a:tcPr>
                 </a:tc>
@@ -7159,8 +7144,8 @@
                           <a:srgbClr val="000000"/>
                         </a:solidFill>
                         <a:effectLst/>
-                        <a:latin typeface="Yu Gothic" panose="020B0400000000000000" pitchFamily="50" charset="-128"/>
-                        <a:ea typeface="Yu Gothic" panose="020B0400000000000000" pitchFamily="50" charset="-128"/>
+                        <a:latin typeface="游ゴシック" panose="020B0400000000000000" pitchFamily="50" charset="-128"/>
+                        <a:ea typeface="游ゴシック" panose="020B0400000000000000" pitchFamily="50" charset="-128"/>
                       </a:endParaRPr>
                     </a:p>
                   </a:txBody>
@@ -7171,11 +7156,23 @@
                     <a:lnR>
                       <a:noFill/>
                     </a:lnR>
-                    <a:lnT>
-                      <a:noFill/>
-                    </a:lnT>
-                    <a:lnB>
-                      <a:noFill/>
+                    <a:lnT w="6350" cap="flat" cmpd="sng" algn="ctr">
+                      <a:solidFill>
+                        <a:srgbClr val="000000"/>
+                      </a:solidFill>
+                      <a:prstDash val="solid"/>
+                      <a:round/>
+                      <a:headEnd type="none" w="med" len="med"/>
+                      <a:tailEnd type="none" w="med" len="med"/>
+                    </a:lnT>
+                    <a:lnB w="6350" cap="flat" cmpd="sng" algn="ctr">
+                      <a:solidFill>
+                        <a:srgbClr val="000000"/>
+                      </a:solidFill>
+                      <a:prstDash val="solid"/>
+                      <a:round/>
+                      <a:headEnd type="none" w="med" len="med"/>
+                      <a:tailEnd type="none" w="med" len="med"/>
                     </a:lnB>
                   </a:tcPr>
                 </a:tc>
@@ -7190,8 +7187,8 @@
                           <a:srgbClr val="000000"/>
                         </a:solidFill>
                         <a:effectLst/>
-                        <a:latin typeface="Yu Gothic" panose="020B0400000000000000" pitchFamily="50" charset="-128"/>
-                        <a:ea typeface="Yu Gothic" panose="020B0400000000000000" pitchFamily="50" charset="-128"/>
+                        <a:latin typeface="游ゴシック" panose="020B0400000000000000" pitchFamily="50" charset="-128"/>
+                        <a:ea typeface="游ゴシック" panose="020B0400000000000000" pitchFamily="50" charset="-128"/>
                       </a:endParaRPr>
                     </a:p>
                   </a:txBody>
@@ -7202,23 +7199,11 @@
                     <a:lnR>
                       <a:noFill/>
                     </a:lnR>
-                    <a:lnT w="6350" cap="flat" cmpd="sng" algn="ctr">
-                      <a:solidFill>
-                        <a:srgbClr val="000000"/>
-                      </a:solidFill>
-                      <a:prstDash val="solid"/>
-                      <a:round/>
-                      <a:headEnd type="none" w="med" len="med"/>
-                      <a:tailEnd type="none" w="med" len="med"/>
-                    </a:lnT>
-                    <a:lnB w="6350" cap="flat" cmpd="sng" algn="ctr">
-                      <a:solidFill>
-                        <a:srgbClr val="000000"/>
-                      </a:solidFill>
-                      <a:prstDash val="solid"/>
-                      <a:round/>
-                      <a:headEnd type="none" w="med" len="med"/>
-                      <a:tailEnd type="none" w="med" len="med"/>
+                    <a:lnT>
+                      <a:noFill/>
+                    </a:lnT>
+                    <a:lnB>
+                      <a:noFill/>
                     </a:lnB>
                   </a:tcPr>
                 </a:tc>
@@ -7233,8 +7218,8 @@
                           <a:srgbClr val="000000"/>
                         </a:solidFill>
                         <a:effectLst/>
-                        <a:latin typeface="Yu Gothic" panose="020B0400000000000000" pitchFamily="50" charset="-128"/>
-                        <a:ea typeface="Yu Gothic" panose="020B0400000000000000" pitchFamily="50" charset="-128"/>
+                        <a:latin typeface="游ゴシック" panose="020B0400000000000000" pitchFamily="50" charset="-128"/>
+                        <a:ea typeface="游ゴシック" panose="020B0400000000000000" pitchFamily="50" charset="-128"/>
                       </a:endParaRPr>
                     </a:p>
                   </a:txBody>
@@ -7245,37 +7230,6 @@
                     <a:lnR>
                       <a:noFill/>
                     </a:lnR>
-                    <a:lnT>
-                      <a:noFill/>
-                    </a:lnT>
-                    <a:lnB>
-                      <a:noFill/>
-                    </a:lnB>
-                  </a:tcPr>
-                </a:tc>
-                <a:tc>
-                  <a:txBody>
-                    <a:bodyPr/>
-                    <a:lstStyle/>
-                    <a:p>
-                      <a:pPr algn="l" fontAlgn="ctr"/>
-                      <a:endParaRPr lang="ja-JP" altLang="en-US" sz="1000" b="0" i="0" u="none" strike="noStrike">
-                        <a:solidFill>
-                          <a:srgbClr val="000000"/>
-                        </a:solidFill>
-                        <a:effectLst/>
-                        <a:latin typeface="Yu Gothic" panose="020B0400000000000000" pitchFamily="50" charset="-128"/>
-                        <a:ea typeface="Yu Gothic" panose="020B0400000000000000" pitchFamily="50" charset="-128"/>
-                      </a:endParaRPr>
-                    </a:p>
-                  </a:txBody>
-                  <a:tcPr marL="5614" marR="5614" marT="5614" marB="0" anchor="ctr">
-                    <a:lnL>
-                      <a:noFill/>
-                    </a:lnL>
-                    <a:lnR>
-                      <a:noFill/>
-                    </a:lnR>
                     <a:lnT w="6350" cap="flat" cmpd="sng" algn="ctr">
                       <a:solidFill>
                         <a:srgbClr val="000000"/>
@@ -7296,6 +7250,11 @@
                     </a:lnB>
                   </a:tcPr>
                 </a:tc>
+                <a:extLst>
+                  <a:ext uri="{0D108BD9-81ED-4DB2-BD59-A6C34878D82A}">
+                    <a16:rowId xmlns:a16="http://schemas.microsoft.com/office/drawing/2014/main" val="3515121424"/>
+                  </a:ext>
+                </a:extLst>
               </a:tr>
               <a:tr h="202090">
                 <a:tc>
@@ -7310,19 +7269,11 @@
                             <a:srgbClr val="000000"/>
                           </a:solidFill>
                           <a:effectLst/>
-                          <a:latin typeface="Yu Gothic" panose="020B0400000000000000" pitchFamily="50" charset="-128"/>
-                          <a:ea typeface="Yu Gothic" panose="020B0400000000000000" pitchFamily="50" charset="-128"/>
+                          <a:latin typeface="游ゴシック" panose="020B0400000000000000" pitchFamily="50" charset="-128"/>
+                          <a:ea typeface="游ゴシック" panose="020B0400000000000000" pitchFamily="50" charset="-128"/>
                         </a:rPr>
                         <a:t>　</a:t>
                       </a:r>
-                      <a:endParaRPr lang="ja-JP" altLang="en-US" sz="1000" b="0" i="0" u="none" strike="noStrike">
-                        <a:solidFill>
-                          <a:srgbClr val="000000"/>
-                        </a:solidFill>
-                        <a:effectLst/>
-                        <a:latin typeface="Yu Gothic" panose="020B0400000000000000" pitchFamily="50" charset="-128"/>
-                        <a:ea typeface="Yu Gothic" panose="020B0400000000000000" pitchFamily="50" charset="-128"/>
-                      </a:endParaRPr>
                     </a:p>
                   </a:txBody>
                   <a:tcPr marL="5614" marR="5614" marT="5614" marB="0" anchor="ctr">
@@ -7376,19 +7327,11 @@
                             <a:srgbClr val="000000"/>
                           </a:solidFill>
                           <a:effectLst/>
-                          <a:latin typeface="Yu Gothic" panose="020B0400000000000000" pitchFamily="50" charset="-128"/>
-                          <a:ea typeface="Yu Gothic" panose="020B0400000000000000" pitchFamily="50" charset="-128"/>
+                          <a:latin typeface="游ゴシック" panose="020B0400000000000000" pitchFamily="50" charset="-128"/>
+                          <a:ea typeface="游ゴシック" panose="020B0400000000000000" pitchFamily="50" charset="-128"/>
                         </a:rPr>
                         <a:t>　</a:t>
                       </a:r>
-                      <a:endParaRPr lang="ja-JP" altLang="en-US" sz="1000" b="0" i="0" u="none" strike="noStrike">
-                        <a:solidFill>
-                          <a:srgbClr val="000000"/>
-                        </a:solidFill>
-                        <a:effectLst/>
-                        <a:latin typeface="Yu Gothic" panose="020B0400000000000000" pitchFamily="50" charset="-128"/>
-                        <a:ea typeface="Yu Gothic" panose="020B0400000000000000" pitchFamily="50" charset="-128"/>
-                      </a:endParaRPr>
                     </a:p>
                   </a:txBody>
                   <a:tcPr marL="5614" marR="5614" marT="5614" marB="0" anchor="ctr">
@@ -7430,19 +7373,11 @@
                             <a:srgbClr val="000000"/>
                           </a:solidFill>
                           <a:effectLst/>
-                          <a:latin typeface="Yu Gothic" panose="020B0400000000000000" pitchFamily="50" charset="-128"/>
-                          <a:ea typeface="Yu Gothic" panose="020B0400000000000000" pitchFamily="50" charset="-128"/>
+                          <a:latin typeface="游ゴシック" panose="020B0400000000000000" pitchFamily="50" charset="-128"/>
+                          <a:ea typeface="游ゴシック" panose="020B0400000000000000" pitchFamily="50" charset="-128"/>
                         </a:rPr>
                         <a:t>　</a:t>
                       </a:r>
-                      <a:endParaRPr lang="ja-JP" altLang="en-US" sz="1000" b="0" i="0" u="none" strike="noStrike">
-                        <a:solidFill>
-                          <a:srgbClr val="000000"/>
-                        </a:solidFill>
-                        <a:effectLst/>
-                        <a:latin typeface="Yu Gothic" panose="020B0400000000000000" pitchFamily="50" charset="-128"/>
-                        <a:ea typeface="Yu Gothic" panose="020B0400000000000000" pitchFamily="50" charset="-128"/>
-                      </a:endParaRPr>
                     </a:p>
                   </a:txBody>
                   <a:tcPr marL="5614" marR="5614" marT="5614" marB="0" anchor="ctr">
@@ -7496,19 +7431,11 @@
                             <a:srgbClr val="000000"/>
                           </a:solidFill>
                           <a:effectLst/>
-                          <a:latin typeface="Yu Gothic" panose="020B0400000000000000" pitchFamily="50" charset="-128"/>
-                          <a:ea typeface="Yu Gothic" panose="020B0400000000000000" pitchFamily="50" charset="-128"/>
+                          <a:latin typeface="游ゴシック" panose="020B0400000000000000" pitchFamily="50" charset="-128"/>
+                          <a:ea typeface="游ゴシック" panose="020B0400000000000000" pitchFamily="50" charset="-128"/>
                         </a:rPr>
                         <a:t>　</a:t>
                       </a:r>
-                      <a:endParaRPr lang="ja-JP" altLang="en-US" sz="1000" b="0" i="0" u="none" strike="noStrike">
-                        <a:solidFill>
-                          <a:srgbClr val="000000"/>
-                        </a:solidFill>
-                        <a:effectLst/>
-                        <a:latin typeface="Yu Gothic" panose="020B0400000000000000" pitchFamily="50" charset="-128"/>
-                        <a:ea typeface="Yu Gothic" panose="020B0400000000000000" pitchFamily="50" charset="-128"/>
-                      </a:endParaRPr>
                     </a:p>
                   </a:txBody>
                   <a:tcPr marL="5614" marR="5614" marT="5614" marB="0" anchor="ctr">
@@ -7550,19 +7477,11 @@
                             <a:srgbClr val="000000"/>
                           </a:solidFill>
                           <a:effectLst/>
-                          <a:latin typeface="Yu Gothic" panose="020B0400000000000000" pitchFamily="50" charset="-128"/>
-                          <a:ea typeface="Yu Gothic" panose="020B0400000000000000" pitchFamily="50" charset="-128"/>
+                          <a:latin typeface="游ゴシック" panose="020B0400000000000000" pitchFamily="50" charset="-128"/>
+                          <a:ea typeface="游ゴシック" panose="020B0400000000000000" pitchFamily="50" charset="-128"/>
                         </a:rPr>
                         <a:t>　</a:t>
                       </a:r>
-                      <a:endParaRPr lang="ja-JP" altLang="en-US" sz="1000" b="0" i="0" u="none" strike="noStrike">
-                        <a:solidFill>
-                          <a:srgbClr val="000000"/>
-                        </a:solidFill>
-                        <a:effectLst/>
-                        <a:latin typeface="Yu Gothic" panose="020B0400000000000000" pitchFamily="50" charset="-128"/>
-                        <a:ea typeface="Yu Gothic" panose="020B0400000000000000" pitchFamily="50" charset="-128"/>
-                      </a:endParaRPr>
                     </a:p>
                   </a:txBody>
                   <a:tcPr marL="5614" marR="5614" marT="5614" marB="0" anchor="ctr">
@@ -7616,19 +7535,11 @@
                             <a:srgbClr val="000000"/>
                           </a:solidFill>
                           <a:effectLst/>
-                          <a:latin typeface="Yu Gothic" panose="020B0400000000000000" pitchFamily="50" charset="-128"/>
-                          <a:ea typeface="Yu Gothic" panose="020B0400000000000000" pitchFamily="50" charset="-128"/>
+                          <a:latin typeface="游ゴシック" panose="020B0400000000000000" pitchFamily="50" charset="-128"/>
+                          <a:ea typeface="游ゴシック" panose="020B0400000000000000" pitchFamily="50" charset="-128"/>
                         </a:rPr>
                         <a:t>　</a:t>
                       </a:r>
-                      <a:endParaRPr lang="ja-JP" altLang="en-US" sz="1000" b="0" i="0" u="none" strike="noStrike">
-                        <a:solidFill>
-                          <a:srgbClr val="000000"/>
-                        </a:solidFill>
-                        <a:effectLst/>
-                        <a:latin typeface="Yu Gothic" panose="020B0400000000000000" pitchFamily="50" charset="-128"/>
-                        <a:ea typeface="Yu Gothic" panose="020B0400000000000000" pitchFamily="50" charset="-128"/>
-                      </a:endParaRPr>
                     </a:p>
                   </a:txBody>
                   <a:tcPr marL="5614" marR="5614" marT="5614" marB="0" anchor="ctr">
@@ -7670,19 +7581,11 @@
                             <a:srgbClr val="000000"/>
                           </a:solidFill>
                           <a:effectLst/>
-                          <a:latin typeface="Yu Gothic" panose="020B0400000000000000" pitchFamily="50" charset="-128"/>
-                          <a:ea typeface="Yu Gothic" panose="020B0400000000000000" pitchFamily="50" charset="-128"/>
+                          <a:latin typeface="游ゴシック" panose="020B0400000000000000" pitchFamily="50" charset="-128"/>
+                          <a:ea typeface="游ゴシック" panose="020B0400000000000000" pitchFamily="50" charset="-128"/>
                         </a:rPr>
                         <a:t>　</a:t>
                       </a:r>
-                      <a:endParaRPr lang="ja-JP" altLang="en-US" sz="1000" b="0" i="0" u="none" strike="noStrike">
-                        <a:solidFill>
-                          <a:srgbClr val="000000"/>
-                        </a:solidFill>
-                        <a:effectLst/>
-                        <a:latin typeface="Yu Gothic" panose="020B0400000000000000" pitchFamily="50" charset="-128"/>
-                        <a:ea typeface="Yu Gothic" panose="020B0400000000000000" pitchFamily="50" charset="-128"/>
-                      </a:endParaRPr>
                     </a:p>
                   </a:txBody>
                   <a:tcPr marL="5614" marR="5614" marT="5614" marB="0" anchor="ctr">
@@ -7736,19 +7639,11 @@
                             <a:srgbClr val="000000"/>
                           </a:solidFill>
                           <a:effectLst/>
-                          <a:latin typeface="Yu Gothic" panose="020B0400000000000000" pitchFamily="50" charset="-128"/>
-                          <a:ea typeface="Yu Gothic" panose="020B0400000000000000" pitchFamily="50" charset="-128"/>
+                          <a:latin typeface="游ゴシック" panose="020B0400000000000000" pitchFamily="50" charset="-128"/>
+                          <a:ea typeface="游ゴシック" panose="020B0400000000000000" pitchFamily="50" charset="-128"/>
                         </a:rPr>
                         <a:t>　</a:t>
                       </a:r>
-                      <a:endParaRPr lang="ja-JP" altLang="en-US" sz="1000" b="0" i="0" u="none" strike="noStrike">
-                        <a:solidFill>
-                          <a:srgbClr val="000000"/>
-                        </a:solidFill>
-                        <a:effectLst/>
-                        <a:latin typeface="Yu Gothic" panose="020B0400000000000000" pitchFamily="50" charset="-128"/>
-                        <a:ea typeface="Yu Gothic" panose="020B0400000000000000" pitchFamily="50" charset="-128"/>
-                      </a:endParaRPr>
                     </a:p>
                   </a:txBody>
                   <a:tcPr marL="5614" marR="5614" marT="5614" marB="0" anchor="ctr">
@@ -7790,19 +7685,11 @@
                             <a:srgbClr val="000000"/>
                           </a:solidFill>
                           <a:effectLst/>
-                          <a:latin typeface="Yu Gothic" panose="020B0400000000000000" pitchFamily="50" charset="-128"/>
-                          <a:ea typeface="Yu Gothic" panose="020B0400000000000000" pitchFamily="50" charset="-128"/>
+                          <a:latin typeface="游ゴシック" panose="020B0400000000000000" pitchFamily="50" charset="-128"/>
+                          <a:ea typeface="游ゴシック" panose="020B0400000000000000" pitchFamily="50" charset="-128"/>
                         </a:rPr>
                         <a:t>　</a:t>
                       </a:r>
-                      <a:endParaRPr lang="ja-JP" altLang="en-US" sz="1000" b="0" i="0" u="none" strike="noStrike">
-                        <a:solidFill>
-                          <a:srgbClr val="000000"/>
-                        </a:solidFill>
-                        <a:effectLst/>
-                        <a:latin typeface="Yu Gothic" panose="020B0400000000000000" pitchFamily="50" charset="-128"/>
-                        <a:ea typeface="Yu Gothic" panose="020B0400000000000000" pitchFamily="50" charset="-128"/>
-                      </a:endParaRPr>
                     </a:p>
                   </a:txBody>
                   <a:tcPr marL="5614" marR="5614" marT="5614" marB="0" anchor="ctr">
@@ -7856,19 +7743,11 @@
                             <a:srgbClr val="000000"/>
                           </a:solidFill>
                           <a:effectLst/>
-                          <a:latin typeface="Yu Gothic" panose="020B0400000000000000" pitchFamily="50" charset="-128"/>
-                          <a:ea typeface="Yu Gothic" panose="020B0400000000000000" pitchFamily="50" charset="-128"/>
+                          <a:latin typeface="游ゴシック" panose="020B0400000000000000" pitchFamily="50" charset="-128"/>
+                          <a:ea typeface="游ゴシック" panose="020B0400000000000000" pitchFamily="50" charset="-128"/>
                         </a:rPr>
                         <a:t>　</a:t>
                       </a:r>
-                      <a:endParaRPr lang="ja-JP" altLang="en-US" sz="1000" b="0" i="0" u="none" strike="noStrike">
-                        <a:solidFill>
-                          <a:srgbClr val="000000"/>
-                        </a:solidFill>
-                        <a:effectLst/>
-                        <a:latin typeface="Yu Gothic" panose="020B0400000000000000" pitchFamily="50" charset="-128"/>
-                        <a:ea typeface="Yu Gothic" panose="020B0400000000000000" pitchFamily="50" charset="-128"/>
-                      </a:endParaRPr>
                     </a:p>
                   </a:txBody>
                   <a:tcPr marL="5614" marR="5614" marT="5614" marB="0" anchor="ctr">
@@ -7910,19 +7789,11 @@
                             <a:srgbClr val="000000"/>
                           </a:solidFill>
                           <a:effectLst/>
-                          <a:latin typeface="Yu Gothic" panose="020B0400000000000000" pitchFamily="50" charset="-128"/>
-                          <a:ea typeface="Yu Gothic" panose="020B0400000000000000" pitchFamily="50" charset="-128"/>
+                          <a:latin typeface="游ゴシック" panose="020B0400000000000000" pitchFamily="50" charset="-128"/>
+                          <a:ea typeface="游ゴシック" panose="020B0400000000000000" pitchFamily="50" charset="-128"/>
                         </a:rPr>
                         <a:t>　</a:t>
                       </a:r>
-                      <a:endParaRPr lang="ja-JP" altLang="en-US" sz="1000" b="0" i="0" u="none" strike="noStrike">
-                        <a:solidFill>
-                          <a:srgbClr val="000000"/>
-                        </a:solidFill>
-                        <a:effectLst/>
-                        <a:latin typeface="Yu Gothic" panose="020B0400000000000000" pitchFamily="50" charset="-128"/>
-                        <a:ea typeface="Yu Gothic" panose="020B0400000000000000" pitchFamily="50" charset="-128"/>
-                      </a:endParaRPr>
                     </a:p>
                   </a:txBody>
                   <a:tcPr marL="5614" marR="5614" marT="5614" marB="0" anchor="ctr">
@@ -7976,19 +7847,11 @@
                             <a:srgbClr val="000000"/>
                           </a:solidFill>
                           <a:effectLst/>
-                          <a:latin typeface="Yu Gothic" panose="020B0400000000000000" pitchFamily="50" charset="-128"/>
-                          <a:ea typeface="Yu Gothic" panose="020B0400000000000000" pitchFamily="50" charset="-128"/>
+                          <a:latin typeface="游ゴシック" panose="020B0400000000000000" pitchFamily="50" charset="-128"/>
+                          <a:ea typeface="游ゴシック" panose="020B0400000000000000" pitchFamily="50" charset="-128"/>
                         </a:rPr>
                         <a:t>　</a:t>
                       </a:r>
-                      <a:endParaRPr lang="ja-JP" altLang="en-US" sz="1000" b="0" i="0" u="none" strike="noStrike">
-                        <a:solidFill>
-                          <a:srgbClr val="000000"/>
-                        </a:solidFill>
-                        <a:effectLst/>
-                        <a:latin typeface="Yu Gothic" panose="020B0400000000000000" pitchFamily="50" charset="-128"/>
-                        <a:ea typeface="Yu Gothic" panose="020B0400000000000000" pitchFamily="50" charset="-128"/>
-                      </a:endParaRPr>
                     </a:p>
                   </a:txBody>
                   <a:tcPr marL="5614" marR="5614" marT="5614" marB="0" anchor="ctr">
@@ -8030,19 +7893,11 @@
                             <a:srgbClr val="000000"/>
                           </a:solidFill>
                           <a:effectLst/>
-                          <a:latin typeface="Yu Gothic" panose="020B0400000000000000" pitchFamily="50" charset="-128"/>
-                          <a:ea typeface="Yu Gothic" panose="020B0400000000000000" pitchFamily="50" charset="-128"/>
+                          <a:latin typeface="游ゴシック" panose="020B0400000000000000" pitchFamily="50" charset="-128"/>
+                          <a:ea typeface="游ゴシック" panose="020B0400000000000000" pitchFamily="50" charset="-128"/>
                         </a:rPr>
                         <a:t>　</a:t>
                       </a:r>
-                      <a:endParaRPr lang="ja-JP" altLang="en-US" sz="1000" b="0" i="0" u="none" strike="noStrike">
-                        <a:solidFill>
-                          <a:srgbClr val="000000"/>
-                        </a:solidFill>
-                        <a:effectLst/>
-                        <a:latin typeface="Yu Gothic" panose="020B0400000000000000" pitchFamily="50" charset="-128"/>
-                        <a:ea typeface="Yu Gothic" panose="020B0400000000000000" pitchFamily="50" charset="-128"/>
-                      </a:endParaRPr>
                     </a:p>
                   </a:txBody>
                   <a:tcPr marL="5614" marR="5614" marT="5614" marB="0" anchor="ctr">
@@ -8096,19 +7951,11 @@
                             <a:srgbClr val="000000"/>
                           </a:solidFill>
                           <a:effectLst/>
-                          <a:latin typeface="Yu Gothic" panose="020B0400000000000000" pitchFamily="50" charset="-128"/>
-                          <a:ea typeface="Yu Gothic" panose="020B0400000000000000" pitchFamily="50" charset="-128"/>
+                          <a:latin typeface="游ゴシック" panose="020B0400000000000000" pitchFamily="50" charset="-128"/>
+                          <a:ea typeface="游ゴシック" panose="020B0400000000000000" pitchFamily="50" charset="-128"/>
                         </a:rPr>
                         <a:t>　</a:t>
                       </a:r>
-                      <a:endParaRPr lang="ja-JP" altLang="en-US" sz="1000" b="0" i="0" u="none" strike="noStrike">
-                        <a:solidFill>
-                          <a:srgbClr val="000000"/>
-                        </a:solidFill>
-                        <a:effectLst/>
-                        <a:latin typeface="Yu Gothic" panose="020B0400000000000000" pitchFamily="50" charset="-128"/>
-                        <a:ea typeface="Yu Gothic" panose="020B0400000000000000" pitchFamily="50" charset="-128"/>
-                      </a:endParaRPr>
                     </a:p>
                   </a:txBody>
                   <a:tcPr marL="5614" marR="5614" marT="5614" marB="0" anchor="ctr">
@@ -8150,19 +7997,11 @@
                             <a:srgbClr val="000000"/>
                           </a:solidFill>
                           <a:effectLst/>
-                          <a:latin typeface="Yu Gothic" panose="020B0400000000000000" pitchFamily="50" charset="-128"/>
-                          <a:ea typeface="Yu Gothic" panose="020B0400000000000000" pitchFamily="50" charset="-128"/>
+                          <a:latin typeface="游ゴシック" panose="020B0400000000000000" pitchFamily="50" charset="-128"/>
+                          <a:ea typeface="游ゴシック" panose="020B0400000000000000" pitchFamily="50" charset="-128"/>
                         </a:rPr>
                         <a:t>　</a:t>
                       </a:r>
-                      <a:endParaRPr lang="ja-JP" altLang="en-US" sz="1000" b="0" i="0" u="none" strike="noStrike">
-                        <a:solidFill>
-                          <a:srgbClr val="000000"/>
-                        </a:solidFill>
-                        <a:effectLst/>
-                        <a:latin typeface="Yu Gothic" panose="020B0400000000000000" pitchFamily="50" charset="-128"/>
-                        <a:ea typeface="Yu Gothic" panose="020B0400000000000000" pitchFamily="50" charset="-128"/>
-                      </a:endParaRPr>
                     </a:p>
                   </a:txBody>
                   <a:tcPr marL="5614" marR="5614" marT="5614" marB="0" anchor="ctr">
@@ -8216,19 +8055,11 @@
                             <a:srgbClr val="000000"/>
                           </a:solidFill>
                           <a:effectLst/>
-                          <a:latin typeface="Yu Gothic" panose="020B0400000000000000" pitchFamily="50" charset="-128"/>
-                          <a:ea typeface="Yu Gothic" panose="020B0400000000000000" pitchFamily="50" charset="-128"/>
+                          <a:latin typeface="游ゴシック" panose="020B0400000000000000" pitchFamily="50" charset="-128"/>
+                          <a:ea typeface="游ゴシック" panose="020B0400000000000000" pitchFamily="50" charset="-128"/>
                         </a:rPr>
                         <a:t>　</a:t>
                       </a:r>
-                      <a:endParaRPr lang="ja-JP" altLang="en-US" sz="1000" b="0" i="0" u="none" strike="noStrike">
-                        <a:solidFill>
-                          <a:srgbClr val="000000"/>
-                        </a:solidFill>
-                        <a:effectLst/>
-                        <a:latin typeface="Yu Gothic" panose="020B0400000000000000" pitchFamily="50" charset="-128"/>
-                        <a:ea typeface="Yu Gothic" panose="020B0400000000000000" pitchFamily="50" charset="-128"/>
-                      </a:endParaRPr>
                     </a:p>
                   </a:txBody>
                   <a:tcPr marL="5614" marR="5614" marT="5614" marB="0" anchor="ctr">
@@ -8270,19 +8101,11 @@
                             <a:srgbClr val="000000"/>
                           </a:solidFill>
                           <a:effectLst/>
-                          <a:latin typeface="Yu Gothic" panose="020B0400000000000000" pitchFamily="50" charset="-128"/>
-                          <a:ea typeface="Yu Gothic" panose="020B0400000000000000" pitchFamily="50" charset="-128"/>
+                          <a:latin typeface="游ゴシック" panose="020B0400000000000000" pitchFamily="50" charset="-128"/>
+                          <a:ea typeface="游ゴシック" panose="020B0400000000000000" pitchFamily="50" charset="-128"/>
                         </a:rPr>
                         <a:t>　</a:t>
                       </a:r>
-                      <a:endParaRPr lang="ja-JP" altLang="en-US" sz="1000" b="0" i="0" u="none" strike="noStrike">
-                        <a:solidFill>
-                          <a:srgbClr val="000000"/>
-                        </a:solidFill>
-                        <a:effectLst/>
-                        <a:latin typeface="Yu Gothic" panose="020B0400000000000000" pitchFamily="50" charset="-128"/>
-                        <a:ea typeface="Yu Gothic" panose="020B0400000000000000" pitchFamily="50" charset="-128"/>
-                      </a:endParaRPr>
                     </a:p>
                   </a:txBody>
                   <a:tcPr marL="5614" marR="5614" marT="5614" marB="0" anchor="ctr">
@@ -8336,19 +8159,11 @@
                             <a:srgbClr val="000000"/>
                           </a:solidFill>
                           <a:effectLst/>
-                          <a:latin typeface="Yu Gothic" panose="020B0400000000000000" pitchFamily="50" charset="-128"/>
-                          <a:ea typeface="Yu Gothic" panose="020B0400000000000000" pitchFamily="50" charset="-128"/>
+                          <a:latin typeface="游ゴシック" panose="020B0400000000000000" pitchFamily="50" charset="-128"/>
+                          <a:ea typeface="游ゴシック" panose="020B0400000000000000" pitchFamily="50" charset="-128"/>
                         </a:rPr>
                         <a:t>　</a:t>
                       </a:r>
-                      <a:endParaRPr lang="ja-JP" altLang="en-US" sz="1000" b="0" i="0" u="none" strike="noStrike">
-                        <a:solidFill>
-                          <a:srgbClr val="000000"/>
-                        </a:solidFill>
-                        <a:effectLst/>
-                        <a:latin typeface="Yu Gothic" panose="020B0400000000000000" pitchFamily="50" charset="-128"/>
-                        <a:ea typeface="Yu Gothic" panose="020B0400000000000000" pitchFamily="50" charset="-128"/>
-                      </a:endParaRPr>
                     </a:p>
                   </a:txBody>
                   <a:tcPr marL="5614" marR="5614" marT="5614" marB="0" anchor="ctr">
@@ -8390,19 +8205,11 @@
                             <a:srgbClr val="000000"/>
                           </a:solidFill>
                           <a:effectLst/>
-                          <a:latin typeface="Yu Gothic" panose="020B0400000000000000" pitchFamily="50" charset="-128"/>
-                          <a:ea typeface="Yu Gothic" panose="020B0400000000000000" pitchFamily="50" charset="-128"/>
+                          <a:latin typeface="游ゴシック" panose="020B0400000000000000" pitchFamily="50" charset="-128"/>
+                          <a:ea typeface="游ゴシック" panose="020B0400000000000000" pitchFamily="50" charset="-128"/>
                         </a:rPr>
                         <a:t>　</a:t>
                       </a:r>
-                      <a:endParaRPr lang="ja-JP" altLang="en-US" sz="1000" b="0" i="0" u="none" strike="noStrike">
-                        <a:solidFill>
-                          <a:srgbClr val="000000"/>
-                        </a:solidFill>
-                        <a:effectLst/>
-                        <a:latin typeface="Yu Gothic" panose="020B0400000000000000" pitchFamily="50" charset="-128"/>
-                        <a:ea typeface="Yu Gothic" panose="020B0400000000000000" pitchFamily="50" charset="-128"/>
-                      </a:endParaRPr>
                     </a:p>
                   </a:txBody>
                   <a:tcPr marL="5614" marR="5614" marT="5614" marB="0" anchor="ctr">
@@ -8444,6 +8251,11 @@
                     </a:lnB>
                   </a:tcPr>
                 </a:tc>
+                <a:extLst>
+                  <a:ext uri="{0D108BD9-81ED-4DB2-BD59-A6C34878D82A}">
+                    <a16:rowId xmlns:a16="http://schemas.microsoft.com/office/drawing/2014/main" val="976379165"/>
+                  </a:ext>
+                </a:extLst>
               </a:tr>
               <a:tr h="153813">
                 <a:tc>
@@ -8458,18 +8270,53 @@
                             <a:srgbClr val="000000"/>
                           </a:solidFill>
                           <a:effectLst/>
-                          <a:latin typeface="Yu Gothic" panose="020B0400000000000000" pitchFamily="50" charset="-128"/>
-                          <a:ea typeface="Yu Gothic" panose="020B0400000000000000" pitchFamily="50" charset="-128"/>
+                          <a:latin typeface="游ゴシック" panose="020B0400000000000000" pitchFamily="50" charset="-128"/>
+                          <a:ea typeface="游ゴシック" panose="020B0400000000000000" pitchFamily="50" charset="-128"/>
                         </a:rPr>
                         <a:t>　</a:t>
                       </a:r>
+                    </a:p>
+                  </a:txBody>
+                  <a:tcPr marL="5614" marR="5614" marT="5614" marB="0" anchor="ctr">
+                    <a:lnL>
+                      <a:noFill/>
+                    </a:lnL>
+                    <a:lnR>
+                      <a:noFill/>
+                    </a:lnR>
+                    <a:lnT w="6350" cap="flat" cmpd="sng" algn="ctr">
+                      <a:solidFill>
+                        <a:srgbClr val="000000"/>
+                      </a:solidFill>
+                      <a:prstDash val="solid"/>
+                      <a:round/>
+                      <a:headEnd type="none" w="med" len="med"/>
+                      <a:tailEnd type="none" w="med" len="med"/>
+                    </a:lnT>
+                    <a:lnB w="6350" cap="flat" cmpd="sng" algn="ctr">
+                      <a:solidFill>
+                        <a:srgbClr val="000000"/>
+                      </a:solidFill>
+                      <a:prstDash val="solid"/>
+                      <a:round/>
+                      <a:headEnd type="none" w="med" len="med"/>
+                      <a:tailEnd type="none" w="med" len="med"/>
+                    </a:lnB>
+                  </a:tcPr>
+                </a:tc>
+                <a:tc>
+                  <a:txBody>
+                    <a:bodyPr/>
+                    <a:lstStyle/>
+                    <a:p>
+                      <a:pPr algn="l" fontAlgn="ctr"/>
                       <a:endParaRPr lang="ja-JP" altLang="en-US" sz="1000" b="0" i="0" u="none" strike="noStrike">
                         <a:solidFill>
                           <a:srgbClr val="000000"/>
                         </a:solidFill>
                         <a:effectLst/>
-                        <a:latin typeface="Yu Gothic" panose="020B0400000000000000" pitchFamily="50" charset="-128"/>
-                        <a:ea typeface="Yu Gothic" panose="020B0400000000000000" pitchFamily="50" charset="-128"/>
+                        <a:latin typeface="游ゴシック" panose="020B0400000000000000" pitchFamily="50" charset="-128"/>
+                        <a:ea typeface="游ゴシック" panose="020B0400000000000000" pitchFamily="50" charset="-128"/>
                       </a:endParaRPr>
                     </a:p>
                   </a:txBody>
@@ -8480,23 +8327,11 @@
                     <a:lnR>
                       <a:noFill/>
                     </a:lnR>
-                    <a:lnT w="6350" cap="flat" cmpd="sng" algn="ctr">
-                      <a:solidFill>
-                        <a:srgbClr val="000000"/>
-                      </a:solidFill>
-                      <a:prstDash val="solid"/>
-                      <a:round/>
-                      <a:headEnd type="none" w="med" len="med"/>
-                      <a:tailEnd type="none" w="med" len="med"/>
-                    </a:lnT>
-                    <a:lnB w="6350" cap="flat" cmpd="sng" algn="ctr">
-                      <a:solidFill>
-                        <a:srgbClr val="000000"/>
-                      </a:solidFill>
-                      <a:prstDash val="solid"/>
-                      <a:round/>
-                      <a:headEnd type="none" w="med" len="med"/>
-                      <a:tailEnd type="none" w="med" len="med"/>
+                    <a:lnT>
+                      <a:noFill/>
+                    </a:lnT>
+                    <a:lnB>
+                      <a:noFill/>
                     </a:lnB>
                   </a:tcPr>
                 </a:tc>
@@ -8511,8 +8346,8 @@
                           <a:srgbClr val="000000"/>
                         </a:solidFill>
                         <a:effectLst/>
-                        <a:latin typeface="Yu Gothic" panose="020B0400000000000000" pitchFamily="50" charset="-128"/>
-                        <a:ea typeface="Yu Gothic" panose="020B0400000000000000" pitchFamily="50" charset="-128"/>
+                        <a:latin typeface="游ゴシック" panose="020B0400000000000000" pitchFamily="50" charset="-128"/>
+                        <a:ea typeface="游ゴシック" panose="020B0400000000000000" pitchFamily="50" charset="-128"/>
                       </a:endParaRPr>
                     </a:p>
                   </a:txBody>
@@ -8523,11 +8358,23 @@
                     <a:lnR>
                       <a:noFill/>
                     </a:lnR>
-                    <a:lnT>
-                      <a:noFill/>
-                    </a:lnT>
-                    <a:lnB>
-                      <a:noFill/>
+                    <a:lnT w="6350" cap="flat" cmpd="sng" algn="ctr">
+                      <a:solidFill>
+                        <a:srgbClr val="000000"/>
+                      </a:solidFill>
+                      <a:prstDash val="solid"/>
+                      <a:round/>
+                      <a:headEnd type="none" w="med" len="med"/>
+                      <a:tailEnd type="none" w="med" len="med"/>
+                    </a:lnT>
+                    <a:lnB w="6350" cap="flat" cmpd="sng" algn="ctr">
+                      <a:solidFill>
+                        <a:srgbClr val="000000"/>
+                      </a:solidFill>
+                      <a:prstDash val="solid"/>
+                      <a:round/>
+                      <a:headEnd type="none" w="med" len="med"/>
+                      <a:tailEnd type="none" w="med" len="med"/>
                     </a:lnB>
                   </a:tcPr>
                 </a:tc>
@@ -8542,8 +8389,8 @@
                           <a:srgbClr val="000000"/>
                         </a:solidFill>
                         <a:effectLst/>
-                        <a:latin typeface="Yu Gothic" panose="020B0400000000000000" pitchFamily="50" charset="-128"/>
-                        <a:ea typeface="Yu Gothic" panose="020B0400000000000000" pitchFamily="50" charset="-128"/>
+                        <a:latin typeface="游ゴシック" panose="020B0400000000000000" pitchFamily="50" charset="-128"/>
+                        <a:ea typeface="游ゴシック" panose="020B0400000000000000" pitchFamily="50" charset="-128"/>
                       </a:endParaRPr>
                     </a:p>
                   </a:txBody>
@@ -8554,23 +8401,11 @@
                     <a:lnR>
                       <a:noFill/>
                     </a:lnR>
-                    <a:lnT w="6350" cap="flat" cmpd="sng" algn="ctr">
-                      <a:solidFill>
-                        <a:srgbClr val="000000"/>
-                      </a:solidFill>
-                      <a:prstDash val="solid"/>
-                      <a:round/>
-                      <a:headEnd type="none" w="med" len="med"/>
-                      <a:tailEnd type="none" w="med" len="med"/>
-                    </a:lnT>
-                    <a:lnB w="6350" cap="flat" cmpd="sng" algn="ctr">
-                      <a:solidFill>
-                        <a:srgbClr val="000000"/>
-                      </a:solidFill>
-                      <a:prstDash val="solid"/>
-                      <a:round/>
-                      <a:headEnd type="none" w="med" len="med"/>
-                      <a:tailEnd type="none" w="med" len="med"/>
+                    <a:lnT>
+                      <a:noFill/>
+                    </a:lnT>
+                    <a:lnB>
+                      <a:noFill/>
                     </a:lnB>
                   </a:tcPr>
                 </a:tc>
@@ -8585,8 +8420,8 @@
                           <a:srgbClr val="000000"/>
                         </a:solidFill>
                         <a:effectLst/>
-                        <a:latin typeface="Yu Gothic" panose="020B0400000000000000" pitchFamily="50" charset="-128"/>
-                        <a:ea typeface="Yu Gothic" panose="020B0400000000000000" pitchFamily="50" charset="-128"/>
+                        <a:latin typeface="游ゴシック" panose="020B0400000000000000" pitchFamily="50" charset="-128"/>
+                        <a:ea typeface="游ゴシック" panose="020B0400000000000000" pitchFamily="50" charset="-128"/>
                       </a:endParaRPr>
                     </a:p>
                   </a:txBody>
@@ -8597,11 +8432,23 @@
                     <a:lnR>
                       <a:noFill/>
                     </a:lnR>
-                    <a:lnT>
-                      <a:noFill/>
-                    </a:lnT>
-                    <a:lnB>
-                      <a:noFill/>
+                    <a:lnT w="6350" cap="flat" cmpd="sng" algn="ctr">
+                      <a:solidFill>
+                        <a:srgbClr val="000000"/>
+                      </a:solidFill>
+                      <a:prstDash val="solid"/>
+                      <a:round/>
+                      <a:headEnd type="none" w="med" len="med"/>
+                      <a:tailEnd type="none" w="med" len="med"/>
+                    </a:lnT>
+                    <a:lnB w="6350" cap="flat" cmpd="sng" algn="ctr">
+                      <a:solidFill>
+                        <a:srgbClr val="000000"/>
+                      </a:solidFill>
+                      <a:prstDash val="solid"/>
+                      <a:round/>
+                      <a:headEnd type="none" w="med" len="med"/>
+                      <a:tailEnd type="none" w="med" len="med"/>
                     </a:lnB>
                   </a:tcPr>
                 </a:tc>
@@ -8616,8 +8463,8 @@
                           <a:srgbClr val="000000"/>
                         </a:solidFill>
                         <a:effectLst/>
-                        <a:latin typeface="Yu Gothic" panose="020B0400000000000000" pitchFamily="50" charset="-128"/>
-                        <a:ea typeface="Yu Gothic" panose="020B0400000000000000" pitchFamily="50" charset="-128"/>
+                        <a:latin typeface="游ゴシック" panose="020B0400000000000000" pitchFamily="50" charset="-128"/>
+                        <a:ea typeface="游ゴシック" panose="020B0400000000000000" pitchFamily="50" charset="-128"/>
                       </a:endParaRPr>
                     </a:p>
                   </a:txBody>
@@ -8628,23 +8475,11 @@
                     <a:lnR>
                       <a:noFill/>
                     </a:lnR>
-                    <a:lnT w="6350" cap="flat" cmpd="sng" algn="ctr">
-                      <a:solidFill>
-                        <a:srgbClr val="000000"/>
-                      </a:solidFill>
-                      <a:prstDash val="solid"/>
-                      <a:round/>
-                      <a:headEnd type="none" w="med" len="med"/>
-                      <a:tailEnd type="none" w="med" len="med"/>
-                    </a:lnT>
-                    <a:lnB w="6350" cap="flat" cmpd="sng" algn="ctr">
-                      <a:solidFill>
-                        <a:srgbClr val="000000"/>
-                      </a:solidFill>
-                      <a:prstDash val="solid"/>
-                      <a:round/>
-                      <a:headEnd type="none" w="med" len="med"/>
-                      <a:tailEnd type="none" w="med" len="med"/>
+                    <a:lnT>
+                      <a:noFill/>
+                    </a:lnT>
+                    <a:lnB>
+                      <a:noFill/>
                     </a:lnB>
                   </a:tcPr>
                 </a:tc>
@@ -8659,8 +8494,8 @@
                           <a:srgbClr val="000000"/>
                         </a:solidFill>
                         <a:effectLst/>
-                        <a:latin typeface="Yu Gothic" panose="020B0400000000000000" pitchFamily="50" charset="-128"/>
-                        <a:ea typeface="Yu Gothic" panose="020B0400000000000000" pitchFamily="50" charset="-128"/>
+                        <a:latin typeface="游ゴシック" panose="020B0400000000000000" pitchFamily="50" charset="-128"/>
+                        <a:ea typeface="游ゴシック" panose="020B0400000000000000" pitchFamily="50" charset="-128"/>
                       </a:endParaRPr>
                     </a:p>
                   </a:txBody>
@@ -8671,11 +8506,23 @@
                     <a:lnR>
                       <a:noFill/>
                     </a:lnR>
-                    <a:lnT>
-                      <a:noFill/>
-                    </a:lnT>
-                    <a:lnB>
-                      <a:noFill/>
+                    <a:lnT w="6350" cap="flat" cmpd="sng" algn="ctr">
+                      <a:solidFill>
+                        <a:srgbClr val="000000"/>
+                      </a:solidFill>
+                      <a:prstDash val="solid"/>
+                      <a:round/>
+                      <a:headEnd type="none" w="med" len="med"/>
+                      <a:tailEnd type="none" w="med" len="med"/>
+                    </a:lnT>
+                    <a:lnB w="6350" cap="flat" cmpd="sng" algn="ctr">
+                      <a:solidFill>
+                        <a:srgbClr val="000000"/>
+                      </a:solidFill>
+                      <a:prstDash val="solid"/>
+                      <a:round/>
+                      <a:headEnd type="none" w="med" len="med"/>
+                      <a:tailEnd type="none" w="med" len="med"/>
                     </a:lnB>
                   </a:tcPr>
                 </a:tc>
@@ -8690,8 +8537,8 @@
                           <a:srgbClr val="000000"/>
                         </a:solidFill>
                         <a:effectLst/>
-                        <a:latin typeface="Yu Gothic" panose="020B0400000000000000" pitchFamily="50" charset="-128"/>
-                        <a:ea typeface="Yu Gothic" panose="020B0400000000000000" pitchFamily="50" charset="-128"/>
+                        <a:latin typeface="游ゴシック" panose="020B0400000000000000" pitchFamily="50" charset="-128"/>
+                        <a:ea typeface="游ゴシック" panose="020B0400000000000000" pitchFamily="50" charset="-128"/>
                       </a:endParaRPr>
                     </a:p>
                   </a:txBody>
@@ -8702,23 +8549,11 @@
                     <a:lnR>
                       <a:noFill/>
                     </a:lnR>
-                    <a:lnT w="6350" cap="flat" cmpd="sng" algn="ctr">
-                      <a:solidFill>
-                        <a:srgbClr val="000000"/>
-                      </a:solidFill>
-                      <a:prstDash val="solid"/>
-                      <a:round/>
-                      <a:headEnd type="none" w="med" len="med"/>
-                      <a:tailEnd type="none" w="med" len="med"/>
-                    </a:lnT>
-                    <a:lnB w="6350" cap="flat" cmpd="sng" algn="ctr">
-                      <a:solidFill>
-                        <a:srgbClr val="000000"/>
-                      </a:solidFill>
-                      <a:prstDash val="solid"/>
-                      <a:round/>
-                      <a:headEnd type="none" w="med" len="med"/>
-                      <a:tailEnd type="none" w="med" len="med"/>
+                    <a:lnT>
+                      <a:noFill/>
+                    </a:lnT>
+                    <a:lnB>
+                      <a:noFill/>
                     </a:lnB>
                   </a:tcPr>
                 </a:tc>
@@ -8733,8 +8568,8 @@
                           <a:srgbClr val="000000"/>
                         </a:solidFill>
                         <a:effectLst/>
-                        <a:latin typeface="Yu Gothic" panose="020B0400000000000000" pitchFamily="50" charset="-128"/>
-                        <a:ea typeface="Yu Gothic" panose="020B0400000000000000" pitchFamily="50" charset="-128"/>
+                        <a:latin typeface="游ゴシック" panose="020B0400000000000000" pitchFamily="50" charset="-128"/>
+                        <a:ea typeface="游ゴシック" panose="020B0400000000000000" pitchFamily="50" charset="-128"/>
                       </a:endParaRPr>
                     </a:p>
                   </a:txBody>
@@ -8745,11 +8580,23 @@
                     <a:lnR>
                       <a:noFill/>
                     </a:lnR>
-                    <a:lnT>
-                      <a:noFill/>
-                    </a:lnT>
-                    <a:lnB>
-                      <a:noFill/>
+                    <a:lnT w="6350" cap="flat" cmpd="sng" algn="ctr">
+                      <a:solidFill>
+                        <a:srgbClr val="000000"/>
+                      </a:solidFill>
+                      <a:prstDash val="solid"/>
+                      <a:round/>
+                      <a:headEnd type="none" w="med" len="med"/>
+                      <a:tailEnd type="none" w="med" len="med"/>
+                    </a:lnT>
+                    <a:lnB w="6350" cap="flat" cmpd="sng" algn="ctr">
+                      <a:solidFill>
+                        <a:srgbClr val="000000"/>
+                      </a:solidFill>
+                      <a:prstDash val="solid"/>
+                      <a:round/>
+                      <a:headEnd type="none" w="med" len="med"/>
+                      <a:tailEnd type="none" w="med" len="med"/>
                     </a:lnB>
                   </a:tcPr>
                 </a:tc>
@@ -8764,8 +8611,8 @@
                           <a:srgbClr val="000000"/>
                         </a:solidFill>
                         <a:effectLst/>
-                        <a:latin typeface="Yu Gothic" panose="020B0400000000000000" pitchFamily="50" charset="-128"/>
-                        <a:ea typeface="Yu Gothic" panose="020B0400000000000000" pitchFamily="50" charset="-128"/>
+                        <a:latin typeface="游ゴシック" panose="020B0400000000000000" pitchFamily="50" charset="-128"/>
+                        <a:ea typeface="游ゴシック" panose="020B0400000000000000" pitchFamily="50" charset="-128"/>
                       </a:endParaRPr>
                     </a:p>
                   </a:txBody>
@@ -8776,23 +8623,11 @@
                     <a:lnR>
                       <a:noFill/>
                     </a:lnR>
-                    <a:lnT w="6350" cap="flat" cmpd="sng" algn="ctr">
-                      <a:solidFill>
-                        <a:srgbClr val="000000"/>
-                      </a:solidFill>
-                      <a:prstDash val="solid"/>
-                      <a:round/>
-                      <a:headEnd type="none" w="med" len="med"/>
-                      <a:tailEnd type="none" w="med" len="med"/>
-                    </a:lnT>
-                    <a:lnB w="6350" cap="flat" cmpd="sng" algn="ctr">
-                      <a:solidFill>
-                        <a:srgbClr val="000000"/>
-                      </a:solidFill>
-                      <a:prstDash val="solid"/>
-                      <a:round/>
-                      <a:headEnd type="none" w="med" len="med"/>
-                      <a:tailEnd type="none" w="med" len="med"/>
+                    <a:lnT>
+                      <a:noFill/>
+                    </a:lnT>
+                    <a:lnB>
+                      <a:noFill/>
                     </a:lnB>
                   </a:tcPr>
                 </a:tc>
@@ -8807,8 +8642,8 @@
                           <a:srgbClr val="000000"/>
                         </a:solidFill>
                         <a:effectLst/>
-                        <a:latin typeface="Yu Gothic" panose="020B0400000000000000" pitchFamily="50" charset="-128"/>
-                        <a:ea typeface="Yu Gothic" panose="020B0400000000000000" pitchFamily="50" charset="-128"/>
+                        <a:latin typeface="游ゴシック" panose="020B0400000000000000" pitchFamily="50" charset="-128"/>
+                        <a:ea typeface="游ゴシック" panose="020B0400000000000000" pitchFamily="50" charset="-128"/>
                       </a:endParaRPr>
                     </a:p>
                   </a:txBody>
@@ -8819,11 +8654,23 @@
                     <a:lnR>
                       <a:noFill/>
                     </a:lnR>
-                    <a:lnT>
-                      <a:noFill/>
-                    </a:lnT>
-                    <a:lnB>
-                      <a:noFill/>
+                    <a:lnT w="6350" cap="flat" cmpd="sng" algn="ctr">
+                      <a:solidFill>
+                        <a:srgbClr val="000000"/>
+                      </a:solidFill>
+                      <a:prstDash val="solid"/>
+                      <a:round/>
+                      <a:headEnd type="none" w="med" len="med"/>
+                      <a:tailEnd type="none" w="med" len="med"/>
+                    </a:lnT>
+                    <a:lnB w="6350" cap="flat" cmpd="sng" algn="ctr">
+                      <a:solidFill>
+                        <a:srgbClr val="000000"/>
+                      </a:solidFill>
+                      <a:prstDash val="solid"/>
+                      <a:round/>
+                      <a:headEnd type="none" w="med" len="med"/>
+                      <a:tailEnd type="none" w="med" len="med"/>
                     </a:lnB>
                   </a:tcPr>
                 </a:tc>
@@ -8838,8 +8685,8 @@
                           <a:srgbClr val="000000"/>
                         </a:solidFill>
                         <a:effectLst/>
-                        <a:latin typeface="Yu Gothic" panose="020B0400000000000000" pitchFamily="50" charset="-128"/>
-                        <a:ea typeface="Yu Gothic" panose="020B0400000000000000" pitchFamily="50" charset="-128"/>
+                        <a:latin typeface="游ゴシック" panose="020B0400000000000000" pitchFamily="50" charset="-128"/>
+                        <a:ea typeface="游ゴシック" panose="020B0400000000000000" pitchFamily="50" charset="-128"/>
                       </a:endParaRPr>
                     </a:p>
                   </a:txBody>
@@ -8850,23 +8697,11 @@
                     <a:lnR>
                       <a:noFill/>
                     </a:lnR>
-                    <a:lnT w="6350" cap="flat" cmpd="sng" algn="ctr">
-                      <a:solidFill>
-                        <a:srgbClr val="000000"/>
-                      </a:solidFill>
-                      <a:prstDash val="solid"/>
-                      <a:round/>
-                      <a:headEnd type="none" w="med" len="med"/>
-                      <a:tailEnd type="none" w="med" len="med"/>
-                    </a:lnT>
-                    <a:lnB w="6350" cap="flat" cmpd="sng" algn="ctr">
-                      <a:solidFill>
-                        <a:srgbClr val="000000"/>
-                      </a:solidFill>
-                      <a:prstDash val="solid"/>
-                      <a:round/>
-                      <a:headEnd type="none" w="med" len="med"/>
-                      <a:tailEnd type="none" w="med" len="med"/>
+                    <a:lnT>
+                      <a:noFill/>
+                    </a:lnT>
+                    <a:lnB>
+                      <a:noFill/>
                     </a:lnB>
                   </a:tcPr>
                 </a:tc>
@@ -8881,8 +8716,8 @@
                           <a:srgbClr val="000000"/>
                         </a:solidFill>
                         <a:effectLst/>
-                        <a:latin typeface="Yu Gothic" panose="020B0400000000000000" pitchFamily="50" charset="-128"/>
-                        <a:ea typeface="Yu Gothic" panose="020B0400000000000000" pitchFamily="50" charset="-128"/>
+                        <a:latin typeface="游ゴシック" panose="020B0400000000000000" pitchFamily="50" charset="-128"/>
+                        <a:ea typeface="游ゴシック" panose="020B0400000000000000" pitchFamily="50" charset="-128"/>
                       </a:endParaRPr>
                     </a:p>
                   </a:txBody>
@@ -8893,11 +8728,23 @@
                     <a:lnR>
                       <a:noFill/>
                     </a:lnR>
-                    <a:lnT>
-                      <a:noFill/>
-                    </a:lnT>
-                    <a:lnB>
-                      <a:noFill/>
+                    <a:lnT w="6350" cap="flat" cmpd="sng" algn="ctr">
+                      <a:solidFill>
+                        <a:srgbClr val="000000"/>
+                      </a:solidFill>
+                      <a:prstDash val="solid"/>
+                      <a:round/>
+                      <a:headEnd type="none" w="med" len="med"/>
+                      <a:tailEnd type="none" w="med" len="med"/>
+                    </a:lnT>
+                    <a:lnB w="6350" cap="flat" cmpd="sng" algn="ctr">
+                      <a:solidFill>
+                        <a:srgbClr val="000000"/>
+                      </a:solidFill>
+                      <a:prstDash val="solid"/>
+                      <a:round/>
+                      <a:headEnd type="none" w="med" len="med"/>
+                      <a:tailEnd type="none" w="med" len="med"/>
                     </a:lnB>
                   </a:tcPr>
                 </a:tc>
@@ -8912,8 +8759,8 @@
                           <a:srgbClr val="000000"/>
                         </a:solidFill>
                         <a:effectLst/>
-                        <a:latin typeface="Yu Gothic" panose="020B0400000000000000" pitchFamily="50" charset="-128"/>
-                        <a:ea typeface="Yu Gothic" panose="020B0400000000000000" pitchFamily="50" charset="-128"/>
+                        <a:latin typeface="游ゴシック" panose="020B0400000000000000" pitchFamily="50" charset="-128"/>
+                        <a:ea typeface="游ゴシック" panose="020B0400000000000000" pitchFamily="50" charset="-128"/>
                       </a:endParaRPr>
                     </a:p>
                   </a:txBody>
@@ -8924,23 +8771,11 @@
                     <a:lnR>
                       <a:noFill/>
                     </a:lnR>
-                    <a:lnT w="6350" cap="flat" cmpd="sng" algn="ctr">
-                      <a:solidFill>
-                        <a:srgbClr val="000000"/>
-                      </a:solidFill>
-                      <a:prstDash val="solid"/>
-                      <a:round/>
-                      <a:headEnd type="none" w="med" len="med"/>
-                      <a:tailEnd type="none" w="med" len="med"/>
-                    </a:lnT>
-                    <a:lnB w="6350" cap="flat" cmpd="sng" algn="ctr">
-                      <a:solidFill>
-                        <a:srgbClr val="000000"/>
-                      </a:solidFill>
-                      <a:prstDash val="solid"/>
-                      <a:round/>
-                      <a:headEnd type="none" w="med" len="med"/>
-                      <a:tailEnd type="none" w="med" len="med"/>
+                    <a:lnT>
+                      <a:noFill/>
+                    </a:lnT>
+                    <a:lnB>
+                      <a:noFill/>
                     </a:lnB>
                   </a:tcPr>
                 </a:tc>
@@ -8955,8 +8790,8 @@
                           <a:srgbClr val="000000"/>
                         </a:solidFill>
                         <a:effectLst/>
-                        <a:latin typeface="Yu Gothic" panose="020B0400000000000000" pitchFamily="50" charset="-128"/>
-                        <a:ea typeface="Yu Gothic" panose="020B0400000000000000" pitchFamily="50" charset="-128"/>
+                        <a:latin typeface="游ゴシック" panose="020B0400000000000000" pitchFamily="50" charset="-128"/>
+                        <a:ea typeface="游ゴシック" panose="020B0400000000000000" pitchFamily="50" charset="-128"/>
                       </a:endParaRPr>
                     </a:p>
                   </a:txBody>
@@ -8967,11 +8802,23 @@
                     <a:lnR>
                       <a:noFill/>
                     </a:lnR>
-                    <a:lnT>
-                      <a:noFill/>
-                    </a:lnT>
-                    <a:lnB>
-                      <a:noFill/>
+                    <a:lnT w="6350" cap="flat" cmpd="sng" algn="ctr">
+                      <a:solidFill>
+                        <a:srgbClr val="000000"/>
+                      </a:solidFill>
+                      <a:prstDash val="solid"/>
+                      <a:round/>
+                      <a:headEnd type="none" w="med" len="med"/>
+                      <a:tailEnd type="none" w="med" len="med"/>
+                    </a:lnT>
+                    <a:lnB w="6350" cap="flat" cmpd="sng" algn="ctr">
+                      <a:solidFill>
+                        <a:srgbClr val="000000"/>
+                      </a:solidFill>
+                      <a:prstDash val="solid"/>
+                      <a:round/>
+                      <a:headEnd type="none" w="med" len="med"/>
+                      <a:tailEnd type="none" w="med" len="med"/>
                     </a:lnB>
                   </a:tcPr>
                 </a:tc>
@@ -8986,8 +8833,8 @@
                           <a:srgbClr val="000000"/>
                         </a:solidFill>
                         <a:effectLst/>
-                        <a:latin typeface="Yu Gothic" panose="020B0400000000000000" pitchFamily="50" charset="-128"/>
-                        <a:ea typeface="Yu Gothic" panose="020B0400000000000000" pitchFamily="50" charset="-128"/>
+                        <a:latin typeface="游ゴシック" panose="020B0400000000000000" pitchFamily="50" charset="-128"/>
+                        <a:ea typeface="游ゴシック" panose="020B0400000000000000" pitchFamily="50" charset="-128"/>
                       </a:endParaRPr>
                     </a:p>
                   </a:txBody>
@@ -8998,23 +8845,11 @@
                     <a:lnR>
                       <a:noFill/>
                     </a:lnR>
-                    <a:lnT w="6350" cap="flat" cmpd="sng" algn="ctr">
-                      <a:solidFill>
-                        <a:srgbClr val="000000"/>
-                      </a:solidFill>
-                      <a:prstDash val="solid"/>
-                      <a:round/>
-                      <a:headEnd type="none" w="med" len="med"/>
-                      <a:tailEnd type="none" w="med" len="med"/>
-                    </a:lnT>
-                    <a:lnB w="6350" cap="flat" cmpd="sng" algn="ctr">
-                      <a:solidFill>
-                        <a:srgbClr val="000000"/>
-                      </a:solidFill>
-                      <a:prstDash val="solid"/>
-                      <a:round/>
-                      <a:headEnd type="none" w="med" len="med"/>
-                      <a:tailEnd type="none" w="med" len="med"/>
+                    <a:lnT>
+                      <a:noFill/>
+                    </a:lnT>
+                    <a:lnB>
+                      <a:noFill/>
                     </a:lnB>
                   </a:tcPr>
                 </a:tc>
@@ -9029,8 +8864,8 @@
                           <a:srgbClr val="000000"/>
                         </a:solidFill>
                         <a:effectLst/>
-                        <a:latin typeface="Yu Gothic" panose="020B0400000000000000" pitchFamily="50" charset="-128"/>
-                        <a:ea typeface="Yu Gothic" panose="020B0400000000000000" pitchFamily="50" charset="-128"/>
+                        <a:latin typeface="游ゴシック" panose="020B0400000000000000" pitchFamily="50" charset="-128"/>
+                        <a:ea typeface="游ゴシック" panose="020B0400000000000000" pitchFamily="50" charset="-128"/>
                       </a:endParaRPr>
                     </a:p>
                   </a:txBody>
@@ -9041,11 +8876,23 @@
                     <a:lnR>
                       <a:noFill/>
                     </a:lnR>
-                    <a:lnT>
-                      <a:noFill/>
-                    </a:lnT>
-                    <a:lnB>
-                      <a:noFill/>
+                    <a:lnT w="6350" cap="flat" cmpd="sng" algn="ctr">
+                      <a:solidFill>
+                        <a:srgbClr val="000000"/>
+                      </a:solidFill>
+                      <a:prstDash val="solid"/>
+                      <a:round/>
+                      <a:headEnd type="none" w="med" len="med"/>
+                      <a:tailEnd type="none" w="med" len="med"/>
+                    </a:lnT>
+                    <a:lnB w="6350" cap="flat" cmpd="sng" algn="ctr">
+                      <a:solidFill>
+                        <a:srgbClr val="000000"/>
+                      </a:solidFill>
+                      <a:prstDash val="solid"/>
+                      <a:round/>
+                      <a:headEnd type="none" w="med" len="med"/>
+                      <a:tailEnd type="none" w="med" len="med"/>
                     </a:lnB>
                   </a:tcPr>
                 </a:tc>
@@ -9060,8 +8907,8 @@
                           <a:srgbClr val="000000"/>
                         </a:solidFill>
                         <a:effectLst/>
-                        <a:latin typeface="Yu Gothic" panose="020B0400000000000000" pitchFamily="50" charset="-128"/>
-                        <a:ea typeface="Yu Gothic" panose="020B0400000000000000" pitchFamily="50" charset="-128"/>
+                        <a:latin typeface="游ゴシック" panose="020B0400000000000000" pitchFamily="50" charset="-128"/>
+                        <a:ea typeface="游ゴシック" panose="020B0400000000000000" pitchFamily="50" charset="-128"/>
                       </a:endParaRPr>
                     </a:p>
                   </a:txBody>
@@ -9072,23 +8919,11 @@
                     <a:lnR>
                       <a:noFill/>
                     </a:lnR>
-                    <a:lnT w="6350" cap="flat" cmpd="sng" algn="ctr">
-                      <a:solidFill>
-                        <a:srgbClr val="000000"/>
-                      </a:solidFill>
-                      <a:prstDash val="solid"/>
-                      <a:round/>
-                      <a:headEnd type="none" w="med" len="med"/>
-                      <a:tailEnd type="none" w="med" len="med"/>
-                    </a:lnT>
-                    <a:lnB w="6350" cap="flat" cmpd="sng" algn="ctr">
-                      <a:solidFill>
-                        <a:srgbClr val="000000"/>
-                      </a:solidFill>
-                      <a:prstDash val="solid"/>
-                      <a:round/>
-                      <a:headEnd type="none" w="med" len="med"/>
-                      <a:tailEnd type="none" w="med" len="med"/>
+                    <a:lnT>
+                      <a:noFill/>
+                    </a:lnT>
+                    <a:lnB>
+                      <a:noFill/>
                     </a:lnB>
                   </a:tcPr>
                 </a:tc>
@@ -9103,8 +8938,8 @@
                           <a:srgbClr val="000000"/>
                         </a:solidFill>
                         <a:effectLst/>
-                        <a:latin typeface="Yu Gothic" panose="020B0400000000000000" pitchFamily="50" charset="-128"/>
-                        <a:ea typeface="Yu Gothic" panose="020B0400000000000000" pitchFamily="50" charset="-128"/>
+                        <a:latin typeface="游ゴシック" panose="020B0400000000000000" pitchFamily="50" charset="-128"/>
+                        <a:ea typeface="游ゴシック" panose="020B0400000000000000" pitchFamily="50" charset="-128"/>
                       </a:endParaRPr>
                     </a:p>
                   </a:txBody>
@@ -9115,37 +8950,6 @@
                     <a:lnR>
                       <a:noFill/>
                     </a:lnR>
-                    <a:lnT>
-                      <a:noFill/>
-                    </a:lnT>
-                    <a:lnB>
-                      <a:noFill/>
-                    </a:lnB>
-                  </a:tcPr>
-                </a:tc>
-                <a:tc>
-                  <a:txBody>
-                    <a:bodyPr/>
-                    <a:lstStyle/>
-                    <a:p>
-                      <a:pPr algn="l" fontAlgn="ctr"/>
-                      <a:endParaRPr lang="ja-JP" altLang="en-US" sz="1000" b="0" i="0" u="none" strike="noStrike">
-                        <a:solidFill>
-                          <a:srgbClr val="000000"/>
-                        </a:solidFill>
-                        <a:effectLst/>
-                        <a:latin typeface="Yu Gothic" panose="020B0400000000000000" pitchFamily="50" charset="-128"/>
-                        <a:ea typeface="Yu Gothic" panose="020B0400000000000000" pitchFamily="50" charset="-128"/>
-                      </a:endParaRPr>
-                    </a:p>
-                  </a:txBody>
-                  <a:tcPr marL="5614" marR="5614" marT="5614" marB="0" anchor="ctr">
-                    <a:lnL>
-                      <a:noFill/>
-                    </a:lnL>
-                    <a:lnR>
-                      <a:noFill/>
-                    </a:lnR>
                     <a:lnT w="6350" cap="flat" cmpd="sng" algn="ctr">
                       <a:solidFill>
                         <a:srgbClr val="000000"/>
@@ -9166,6 +8970,11 @@
                     </a:lnB>
                   </a:tcPr>
                 </a:tc>
+                <a:extLst>
+                  <a:ext uri="{0D108BD9-81ED-4DB2-BD59-A6C34878D82A}">
+                    <a16:rowId xmlns:a16="http://schemas.microsoft.com/office/drawing/2014/main" val="4094821095"/>
+                  </a:ext>
+                </a:extLst>
               </a:tr>
               <a:tr h="202090">
                 <a:tc>
@@ -9180,19 +8989,11 @@
                             <a:srgbClr val="000000"/>
                           </a:solidFill>
                           <a:effectLst/>
-                          <a:latin typeface="Yu Gothic" panose="020B0400000000000000" pitchFamily="50" charset="-128"/>
-                          <a:ea typeface="Yu Gothic" panose="020B0400000000000000" pitchFamily="50" charset="-128"/>
+                          <a:latin typeface="游ゴシック" panose="020B0400000000000000" pitchFamily="50" charset="-128"/>
+                          <a:ea typeface="游ゴシック" panose="020B0400000000000000" pitchFamily="50" charset="-128"/>
                         </a:rPr>
                         <a:t>　</a:t>
                       </a:r>
-                      <a:endParaRPr lang="ja-JP" altLang="en-US" sz="1000" b="0" i="0" u="none" strike="noStrike">
-                        <a:solidFill>
-                          <a:srgbClr val="000000"/>
-                        </a:solidFill>
-                        <a:effectLst/>
-                        <a:latin typeface="Yu Gothic" panose="020B0400000000000000" pitchFamily="50" charset="-128"/>
-                        <a:ea typeface="Yu Gothic" panose="020B0400000000000000" pitchFamily="50" charset="-128"/>
-                      </a:endParaRPr>
                     </a:p>
                   </a:txBody>
                   <a:tcPr marL="5614" marR="5614" marT="5614" marB="0" anchor="ctr">
@@ -9246,19 +9047,11 @@
                             <a:srgbClr val="000000"/>
                           </a:solidFill>
                           <a:effectLst/>
-                          <a:latin typeface="Yu Gothic" panose="020B0400000000000000" pitchFamily="50" charset="-128"/>
-                          <a:ea typeface="Yu Gothic" panose="020B0400000000000000" pitchFamily="50" charset="-128"/>
+                          <a:latin typeface="游ゴシック" panose="020B0400000000000000" pitchFamily="50" charset="-128"/>
+                          <a:ea typeface="游ゴシック" panose="020B0400000000000000" pitchFamily="50" charset="-128"/>
                         </a:rPr>
                         <a:t>　</a:t>
                       </a:r>
-                      <a:endParaRPr lang="ja-JP" altLang="en-US" sz="1000" b="0" i="0" u="none" strike="noStrike">
-                        <a:solidFill>
-                          <a:srgbClr val="000000"/>
-                        </a:solidFill>
-                        <a:effectLst/>
-                        <a:latin typeface="Yu Gothic" panose="020B0400000000000000" pitchFamily="50" charset="-128"/>
-                        <a:ea typeface="Yu Gothic" panose="020B0400000000000000" pitchFamily="50" charset="-128"/>
-                      </a:endParaRPr>
                     </a:p>
                   </a:txBody>
                   <a:tcPr marL="5614" marR="5614" marT="5614" marB="0" anchor="ctr">
@@ -9300,19 +9093,11 @@
                             <a:srgbClr val="000000"/>
                           </a:solidFill>
                           <a:effectLst/>
-                          <a:latin typeface="Yu Gothic" panose="020B0400000000000000" pitchFamily="50" charset="-128"/>
-                          <a:ea typeface="Yu Gothic" panose="020B0400000000000000" pitchFamily="50" charset="-128"/>
+                          <a:latin typeface="游ゴシック" panose="020B0400000000000000" pitchFamily="50" charset="-128"/>
+                          <a:ea typeface="游ゴシック" panose="020B0400000000000000" pitchFamily="50" charset="-128"/>
                         </a:rPr>
                         <a:t>　</a:t>
                       </a:r>
-                      <a:endParaRPr lang="ja-JP" altLang="en-US" sz="1000" b="0" i="0" u="none" strike="noStrike">
-                        <a:solidFill>
-                          <a:srgbClr val="000000"/>
-                        </a:solidFill>
-                        <a:effectLst/>
-                        <a:latin typeface="Yu Gothic" panose="020B0400000000000000" pitchFamily="50" charset="-128"/>
-                        <a:ea typeface="Yu Gothic" panose="020B0400000000000000" pitchFamily="50" charset="-128"/>
-                      </a:endParaRPr>
                     </a:p>
                   </a:txBody>
                   <a:tcPr marL="5614" marR="5614" marT="5614" marB="0" anchor="ctr">
@@ -9366,19 +9151,11 @@
                             <a:srgbClr val="000000"/>
                           </a:solidFill>
                           <a:effectLst/>
-                          <a:latin typeface="Yu Gothic" panose="020B0400000000000000" pitchFamily="50" charset="-128"/>
-                          <a:ea typeface="Yu Gothic" panose="020B0400000000000000" pitchFamily="50" charset="-128"/>
+                          <a:latin typeface="游ゴシック" panose="020B0400000000000000" pitchFamily="50" charset="-128"/>
+                          <a:ea typeface="游ゴシック" panose="020B0400000000000000" pitchFamily="50" charset="-128"/>
                         </a:rPr>
                         <a:t>　</a:t>
                       </a:r>
-                      <a:endParaRPr lang="ja-JP" altLang="en-US" sz="1000" b="0" i="0" u="none" strike="noStrike">
-                        <a:solidFill>
-                          <a:srgbClr val="000000"/>
-                        </a:solidFill>
-                        <a:effectLst/>
-                        <a:latin typeface="Yu Gothic" panose="020B0400000000000000" pitchFamily="50" charset="-128"/>
-                        <a:ea typeface="Yu Gothic" panose="020B0400000000000000" pitchFamily="50" charset="-128"/>
-                      </a:endParaRPr>
                     </a:p>
                   </a:txBody>
                   <a:tcPr marL="5614" marR="5614" marT="5614" marB="0" anchor="ctr">
@@ -9420,19 +9197,11 @@
                             <a:srgbClr val="000000"/>
                           </a:solidFill>
                           <a:effectLst/>
-                          <a:latin typeface="Yu Gothic" panose="020B0400000000000000" pitchFamily="50" charset="-128"/>
-                          <a:ea typeface="Yu Gothic" panose="020B0400000000000000" pitchFamily="50" charset="-128"/>
+                          <a:latin typeface="游ゴシック" panose="020B0400000000000000" pitchFamily="50" charset="-128"/>
+                          <a:ea typeface="游ゴシック" panose="020B0400000000000000" pitchFamily="50" charset="-128"/>
                         </a:rPr>
                         <a:t>　</a:t>
                       </a:r>
-                      <a:endParaRPr lang="ja-JP" altLang="en-US" sz="1000" b="0" i="0" u="none" strike="noStrike">
-                        <a:solidFill>
-                          <a:srgbClr val="000000"/>
-                        </a:solidFill>
-                        <a:effectLst/>
-                        <a:latin typeface="Yu Gothic" panose="020B0400000000000000" pitchFamily="50" charset="-128"/>
-                        <a:ea typeface="Yu Gothic" panose="020B0400000000000000" pitchFamily="50" charset="-128"/>
-                      </a:endParaRPr>
                     </a:p>
                   </a:txBody>
                   <a:tcPr marL="5614" marR="5614" marT="5614" marB="0" anchor="ctr">
@@ -9486,19 +9255,11 @@
                             <a:srgbClr val="000000"/>
                           </a:solidFill>
                           <a:effectLst/>
-                          <a:latin typeface="Yu Gothic" panose="020B0400000000000000" pitchFamily="50" charset="-128"/>
-                          <a:ea typeface="Yu Gothic" panose="020B0400000000000000" pitchFamily="50" charset="-128"/>
+                          <a:latin typeface="游ゴシック" panose="020B0400000000000000" pitchFamily="50" charset="-128"/>
+                          <a:ea typeface="游ゴシック" panose="020B0400000000000000" pitchFamily="50" charset="-128"/>
                         </a:rPr>
                         <a:t>　</a:t>
                       </a:r>
-                      <a:endParaRPr lang="ja-JP" altLang="en-US" sz="1000" b="0" i="0" u="none" strike="noStrike">
-                        <a:solidFill>
-                          <a:srgbClr val="000000"/>
-                        </a:solidFill>
-                        <a:effectLst/>
-                        <a:latin typeface="Yu Gothic" panose="020B0400000000000000" pitchFamily="50" charset="-128"/>
-                        <a:ea typeface="Yu Gothic" panose="020B0400000000000000" pitchFamily="50" charset="-128"/>
-                      </a:endParaRPr>
                     </a:p>
                   </a:txBody>
                   <a:tcPr marL="5614" marR="5614" marT="5614" marB="0" anchor="ctr">
@@ -9540,19 +9301,11 @@
                             <a:srgbClr val="000000"/>
                           </a:solidFill>
                           <a:effectLst/>
-                          <a:latin typeface="Yu Gothic" panose="020B0400000000000000" pitchFamily="50" charset="-128"/>
-                          <a:ea typeface="Yu Gothic" panose="020B0400000000000000" pitchFamily="50" charset="-128"/>
+                          <a:latin typeface="游ゴシック" panose="020B0400000000000000" pitchFamily="50" charset="-128"/>
+                          <a:ea typeface="游ゴシック" panose="020B0400000000000000" pitchFamily="50" charset="-128"/>
                         </a:rPr>
                         <a:t>　</a:t>
                       </a:r>
-                      <a:endParaRPr lang="ja-JP" altLang="en-US" sz="1000" b="0" i="0" u="none" strike="noStrike">
-                        <a:solidFill>
-                          <a:srgbClr val="000000"/>
-                        </a:solidFill>
-                        <a:effectLst/>
-                        <a:latin typeface="Yu Gothic" panose="020B0400000000000000" pitchFamily="50" charset="-128"/>
-                        <a:ea typeface="Yu Gothic" panose="020B0400000000000000" pitchFamily="50" charset="-128"/>
-                      </a:endParaRPr>
                     </a:p>
                   </a:txBody>
                   <a:tcPr marL="5614" marR="5614" marT="5614" marB="0" anchor="ctr">
@@ -9606,19 +9359,11 @@
                             <a:srgbClr val="000000"/>
                           </a:solidFill>
                           <a:effectLst/>
-                          <a:latin typeface="Yu Gothic" panose="020B0400000000000000" pitchFamily="50" charset="-128"/>
-                          <a:ea typeface="Yu Gothic" panose="020B0400000000000000" pitchFamily="50" charset="-128"/>
+                          <a:latin typeface="游ゴシック" panose="020B0400000000000000" pitchFamily="50" charset="-128"/>
+                          <a:ea typeface="游ゴシック" panose="020B0400000000000000" pitchFamily="50" charset="-128"/>
                         </a:rPr>
                         <a:t>　</a:t>
                       </a:r>
-                      <a:endParaRPr lang="ja-JP" altLang="en-US" sz="1000" b="0" i="0" u="none" strike="noStrike">
-                        <a:solidFill>
-                          <a:srgbClr val="000000"/>
-                        </a:solidFill>
-                        <a:effectLst/>
-                        <a:latin typeface="Yu Gothic" panose="020B0400000000000000" pitchFamily="50" charset="-128"/>
-                        <a:ea typeface="Yu Gothic" panose="020B0400000000000000" pitchFamily="50" charset="-128"/>
-                      </a:endParaRPr>
                     </a:p>
                   </a:txBody>
                   <a:tcPr marL="5614" marR="5614" marT="5614" marB="0" anchor="ctr">
@@ -9660,19 +9405,11 @@
                             <a:srgbClr val="000000"/>
                           </a:solidFill>
                           <a:effectLst/>
-                          <a:latin typeface="Yu Gothic" panose="020B0400000000000000" pitchFamily="50" charset="-128"/>
-                          <a:ea typeface="Yu Gothic" panose="020B0400000000000000" pitchFamily="50" charset="-128"/>
+                          <a:latin typeface="游ゴシック" panose="020B0400000000000000" pitchFamily="50" charset="-128"/>
+                          <a:ea typeface="游ゴシック" panose="020B0400000000000000" pitchFamily="50" charset="-128"/>
                         </a:rPr>
                         <a:t>　</a:t>
                       </a:r>
-                      <a:endParaRPr lang="ja-JP" altLang="en-US" sz="1000" b="0" i="0" u="none" strike="noStrike">
-                        <a:solidFill>
-                          <a:srgbClr val="000000"/>
-                        </a:solidFill>
-                        <a:effectLst/>
-                        <a:latin typeface="Yu Gothic" panose="020B0400000000000000" pitchFamily="50" charset="-128"/>
-                        <a:ea typeface="Yu Gothic" panose="020B0400000000000000" pitchFamily="50" charset="-128"/>
-                      </a:endParaRPr>
                     </a:p>
                   </a:txBody>
                   <a:tcPr marL="5614" marR="5614" marT="5614" marB="0" anchor="ctr">
@@ -9726,19 +9463,11 @@
                             <a:srgbClr val="000000"/>
                           </a:solidFill>
                           <a:effectLst/>
-                          <a:latin typeface="Yu Gothic" panose="020B0400000000000000" pitchFamily="50" charset="-128"/>
-                          <a:ea typeface="Yu Gothic" panose="020B0400000000000000" pitchFamily="50" charset="-128"/>
+                          <a:latin typeface="游ゴシック" panose="020B0400000000000000" pitchFamily="50" charset="-128"/>
+                          <a:ea typeface="游ゴシック" panose="020B0400000000000000" pitchFamily="50" charset="-128"/>
                         </a:rPr>
                         <a:t>　</a:t>
                       </a:r>
-                      <a:endParaRPr lang="ja-JP" altLang="en-US" sz="1000" b="0" i="0" u="none" strike="noStrike">
-                        <a:solidFill>
-                          <a:srgbClr val="000000"/>
-                        </a:solidFill>
-                        <a:effectLst/>
-                        <a:latin typeface="Yu Gothic" panose="020B0400000000000000" pitchFamily="50" charset="-128"/>
-                        <a:ea typeface="Yu Gothic" panose="020B0400000000000000" pitchFamily="50" charset="-128"/>
-                      </a:endParaRPr>
                     </a:p>
                   </a:txBody>
                   <a:tcPr marL="5614" marR="5614" marT="5614" marB="0" anchor="ctr">
@@ -9780,19 +9509,11 @@
                             <a:srgbClr val="000000"/>
                           </a:solidFill>
                           <a:effectLst/>
-                          <a:latin typeface="Yu Gothic" panose="020B0400000000000000" pitchFamily="50" charset="-128"/>
-                          <a:ea typeface="Yu Gothic" panose="020B0400000000000000" pitchFamily="50" charset="-128"/>
+                          <a:latin typeface="游ゴシック" panose="020B0400000000000000" pitchFamily="50" charset="-128"/>
+                          <a:ea typeface="游ゴシック" panose="020B0400000000000000" pitchFamily="50" charset="-128"/>
                         </a:rPr>
                         <a:t>　</a:t>
                       </a:r>
-                      <a:endParaRPr lang="ja-JP" altLang="en-US" sz="1000" b="0" i="0" u="none" strike="noStrike">
-                        <a:solidFill>
-                          <a:srgbClr val="000000"/>
-                        </a:solidFill>
-                        <a:effectLst/>
-                        <a:latin typeface="Yu Gothic" panose="020B0400000000000000" pitchFamily="50" charset="-128"/>
-                        <a:ea typeface="Yu Gothic" panose="020B0400000000000000" pitchFamily="50" charset="-128"/>
-                      </a:endParaRPr>
                     </a:p>
                   </a:txBody>
                   <a:tcPr marL="5614" marR="5614" marT="5614" marB="0" anchor="ctr">
@@ -9846,19 +9567,11 @@
                             <a:srgbClr val="000000"/>
                           </a:solidFill>
                           <a:effectLst/>
-                          <a:latin typeface="Yu Gothic" panose="020B0400000000000000" pitchFamily="50" charset="-128"/>
-                          <a:ea typeface="Yu Gothic" panose="020B0400000000000000" pitchFamily="50" charset="-128"/>
+                          <a:latin typeface="游ゴシック" panose="020B0400000000000000" pitchFamily="50" charset="-128"/>
+                          <a:ea typeface="游ゴシック" panose="020B0400000000000000" pitchFamily="50" charset="-128"/>
                         </a:rPr>
                         <a:t>　</a:t>
                       </a:r>
-                      <a:endParaRPr lang="ja-JP" altLang="en-US" sz="1000" b="0" i="0" u="none" strike="noStrike">
-                        <a:solidFill>
-                          <a:srgbClr val="000000"/>
-                        </a:solidFill>
-                        <a:effectLst/>
-                        <a:latin typeface="Yu Gothic" panose="020B0400000000000000" pitchFamily="50" charset="-128"/>
-                        <a:ea typeface="Yu Gothic" panose="020B0400000000000000" pitchFamily="50" charset="-128"/>
-                      </a:endParaRPr>
                     </a:p>
                   </a:txBody>
                   <a:tcPr marL="5614" marR="5614" marT="5614" marB="0" anchor="ctr">
@@ -9900,19 +9613,11 @@
                             <a:srgbClr val="000000"/>
                           </a:solidFill>
                           <a:effectLst/>
-                          <a:latin typeface="Yu Gothic" panose="020B0400000000000000" pitchFamily="50" charset="-128"/>
-                          <a:ea typeface="Yu Gothic" panose="020B0400000000000000" pitchFamily="50" charset="-128"/>
+                          <a:latin typeface="游ゴシック" panose="020B0400000000000000" pitchFamily="50" charset="-128"/>
+                          <a:ea typeface="游ゴシック" panose="020B0400000000000000" pitchFamily="50" charset="-128"/>
                         </a:rPr>
                         <a:t>　</a:t>
                       </a:r>
-                      <a:endParaRPr lang="ja-JP" altLang="en-US" sz="1000" b="0" i="0" u="none" strike="noStrike">
-                        <a:solidFill>
-                          <a:srgbClr val="000000"/>
-                        </a:solidFill>
-                        <a:effectLst/>
-                        <a:latin typeface="Yu Gothic" panose="020B0400000000000000" pitchFamily="50" charset="-128"/>
-                        <a:ea typeface="Yu Gothic" panose="020B0400000000000000" pitchFamily="50" charset="-128"/>
-                      </a:endParaRPr>
                     </a:p>
                   </a:txBody>
                   <a:tcPr marL="5614" marR="5614" marT="5614" marB="0" anchor="ctr">
@@ -9966,19 +9671,11 @@
                             <a:srgbClr val="000000"/>
                           </a:solidFill>
                           <a:effectLst/>
-                          <a:latin typeface="Yu Gothic" panose="020B0400000000000000" pitchFamily="50" charset="-128"/>
-                          <a:ea typeface="Yu Gothic" panose="020B0400000000000000" pitchFamily="50" charset="-128"/>
+                          <a:latin typeface="游ゴシック" panose="020B0400000000000000" pitchFamily="50" charset="-128"/>
+                          <a:ea typeface="游ゴシック" panose="020B0400000000000000" pitchFamily="50" charset="-128"/>
                         </a:rPr>
                         <a:t>　</a:t>
                       </a:r>
-                      <a:endParaRPr lang="ja-JP" altLang="en-US" sz="1000" b="0" i="0" u="none" strike="noStrike">
-                        <a:solidFill>
-                          <a:srgbClr val="000000"/>
-                        </a:solidFill>
-                        <a:effectLst/>
-                        <a:latin typeface="Yu Gothic" panose="020B0400000000000000" pitchFamily="50" charset="-128"/>
-                        <a:ea typeface="Yu Gothic" panose="020B0400000000000000" pitchFamily="50" charset="-128"/>
-                      </a:endParaRPr>
                     </a:p>
                   </a:txBody>
                   <a:tcPr marL="5614" marR="5614" marT="5614" marB="0" anchor="ctr">
@@ -10020,19 +9717,11 @@
                             <a:srgbClr val="000000"/>
                           </a:solidFill>
                           <a:effectLst/>
-                          <a:latin typeface="Yu Gothic" panose="020B0400000000000000" pitchFamily="50" charset="-128"/>
-                          <a:ea typeface="Yu Gothic" panose="020B0400000000000000" pitchFamily="50" charset="-128"/>
+                          <a:latin typeface="游ゴシック" panose="020B0400000000000000" pitchFamily="50" charset="-128"/>
+                          <a:ea typeface="游ゴシック" panose="020B0400000000000000" pitchFamily="50" charset="-128"/>
                         </a:rPr>
                         <a:t>　</a:t>
                       </a:r>
-                      <a:endParaRPr lang="ja-JP" altLang="en-US" sz="1000" b="0" i="0" u="none" strike="noStrike">
-                        <a:solidFill>
-                          <a:srgbClr val="000000"/>
-                        </a:solidFill>
-                        <a:effectLst/>
-                        <a:latin typeface="Yu Gothic" panose="020B0400000000000000" pitchFamily="50" charset="-128"/>
-                        <a:ea typeface="Yu Gothic" panose="020B0400000000000000" pitchFamily="50" charset="-128"/>
-                      </a:endParaRPr>
                     </a:p>
                   </a:txBody>
                   <a:tcPr marL="5614" marR="5614" marT="5614" marB="0" anchor="ctr">
@@ -10086,19 +9775,11 @@
                             <a:srgbClr val="000000"/>
                           </a:solidFill>
                           <a:effectLst/>
-                          <a:latin typeface="Yu Gothic" panose="020B0400000000000000" pitchFamily="50" charset="-128"/>
-                          <a:ea typeface="Yu Gothic" panose="020B0400000000000000" pitchFamily="50" charset="-128"/>
+                          <a:latin typeface="游ゴシック" panose="020B0400000000000000" pitchFamily="50" charset="-128"/>
+                          <a:ea typeface="游ゴシック" panose="020B0400000000000000" pitchFamily="50" charset="-128"/>
                         </a:rPr>
                         <a:t>　</a:t>
                       </a:r>
-                      <a:endParaRPr lang="ja-JP" altLang="en-US" sz="1000" b="0" i="0" u="none" strike="noStrike">
-                        <a:solidFill>
-                          <a:srgbClr val="000000"/>
-                        </a:solidFill>
-                        <a:effectLst/>
-                        <a:latin typeface="Yu Gothic" panose="020B0400000000000000" pitchFamily="50" charset="-128"/>
-                        <a:ea typeface="Yu Gothic" panose="020B0400000000000000" pitchFamily="50" charset="-128"/>
-                      </a:endParaRPr>
                     </a:p>
                   </a:txBody>
                   <a:tcPr marL="5614" marR="5614" marT="5614" marB="0" anchor="ctr">
@@ -10140,19 +9821,11 @@
                             <a:srgbClr val="000000"/>
                           </a:solidFill>
                           <a:effectLst/>
-                          <a:latin typeface="Yu Gothic" panose="020B0400000000000000" pitchFamily="50" charset="-128"/>
-                          <a:ea typeface="Yu Gothic" panose="020B0400000000000000" pitchFamily="50" charset="-128"/>
+                          <a:latin typeface="游ゴシック" panose="020B0400000000000000" pitchFamily="50" charset="-128"/>
+                          <a:ea typeface="游ゴシック" panose="020B0400000000000000" pitchFamily="50" charset="-128"/>
                         </a:rPr>
                         <a:t>　</a:t>
                       </a:r>
-                      <a:endParaRPr lang="ja-JP" altLang="en-US" sz="1000" b="0" i="0" u="none" strike="noStrike">
-                        <a:solidFill>
-                          <a:srgbClr val="000000"/>
-                        </a:solidFill>
-                        <a:effectLst/>
-                        <a:latin typeface="Yu Gothic" panose="020B0400000000000000" pitchFamily="50" charset="-128"/>
-                        <a:ea typeface="Yu Gothic" panose="020B0400000000000000" pitchFamily="50" charset="-128"/>
-                      </a:endParaRPr>
                     </a:p>
                   </a:txBody>
                   <a:tcPr marL="5614" marR="5614" marT="5614" marB="0" anchor="ctr">
@@ -10206,19 +9879,11 @@
                             <a:srgbClr val="000000"/>
                           </a:solidFill>
                           <a:effectLst/>
-                          <a:latin typeface="Yu Gothic" panose="020B0400000000000000" pitchFamily="50" charset="-128"/>
-                          <a:ea typeface="Yu Gothic" panose="020B0400000000000000" pitchFamily="50" charset="-128"/>
+                          <a:latin typeface="游ゴシック" panose="020B0400000000000000" pitchFamily="50" charset="-128"/>
+                          <a:ea typeface="游ゴシック" panose="020B0400000000000000" pitchFamily="50" charset="-128"/>
                         </a:rPr>
                         <a:t>　</a:t>
                       </a:r>
-                      <a:endParaRPr lang="ja-JP" altLang="en-US" sz="1000" b="0" i="0" u="none" strike="noStrike">
-                        <a:solidFill>
-                          <a:srgbClr val="000000"/>
-                        </a:solidFill>
-                        <a:effectLst/>
-                        <a:latin typeface="Yu Gothic" panose="020B0400000000000000" pitchFamily="50" charset="-128"/>
-                        <a:ea typeface="Yu Gothic" panose="020B0400000000000000" pitchFamily="50" charset="-128"/>
-                      </a:endParaRPr>
                     </a:p>
                   </a:txBody>
                   <a:tcPr marL="5614" marR="5614" marT="5614" marB="0" anchor="ctr">
@@ -10260,19 +9925,11 @@
                             <a:srgbClr val="000000"/>
                           </a:solidFill>
                           <a:effectLst/>
-                          <a:latin typeface="Yu Gothic" panose="020B0400000000000000" pitchFamily="50" charset="-128"/>
-                          <a:ea typeface="Yu Gothic" panose="020B0400000000000000" pitchFamily="50" charset="-128"/>
+                          <a:latin typeface="游ゴシック" panose="020B0400000000000000" pitchFamily="50" charset="-128"/>
+                          <a:ea typeface="游ゴシック" panose="020B0400000000000000" pitchFamily="50" charset="-128"/>
                         </a:rPr>
                         <a:t>　</a:t>
                       </a:r>
-                      <a:endParaRPr lang="ja-JP" altLang="en-US" sz="1000" b="0" i="0" u="none" strike="noStrike">
-                        <a:solidFill>
-                          <a:srgbClr val="000000"/>
-                        </a:solidFill>
-                        <a:effectLst/>
-                        <a:latin typeface="Yu Gothic" panose="020B0400000000000000" pitchFamily="50" charset="-128"/>
-                        <a:ea typeface="Yu Gothic" panose="020B0400000000000000" pitchFamily="50" charset="-128"/>
-                      </a:endParaRPr>
                     </a:p>
                   </a:txBody>
                   <a:tcPr marL="5614" marR="5614" marT="5614" marB="0" anchor="ctr">
@@ -10314,6 +9971,11 @@
                     </a:lnB>
                   </a:tcPr>
                 </a:tc>
+                <a:extLst>
+                  <a:ext uri="{0D108BD9-81ED-4DB2-BD59-A6C34878D82A}">
+                    <a16:rowId xmlns:a16="http://schemas.microsoft.com/office/drawing/2014/main" val="1930425212"/>
+                  </a:ext>
+                </a:extLst>
               </a:tr>
               <a:tr h="153813">
                 <a:tc>
@@ -10328,18 +9990,53 @@
                             <a:srgbClr val="000000"/>
                           </a:solidFill>
                           <a:effectLst/>
-                          <a:latin typeface="Yu Gothic" panose="020B0400000000000000" pitchFamily="50" charset="-128"/>
-                          <a:ea typeface="Yu Gothic" panose="020B0400000000000000" pitchFamily="50" charset="-128"/>
+                          <a:latin typeface="游ゴシック" panose="020B0400000000000000" pitchFamily="50" charset="-128"/>
+                          <a:ea typeface="游ゴシック" panose="020B0400000000000000" pitchFamily="50" charset="-128"/>
                         </a:rPr>
                         <a:t>　</a:t>
                       </a:r>
+                    </a:p>
+                  </a:txBody>
+                  <a:tcPr marL="5614" marR="5614" marT="5614" marB="0" anchor="ctr">
+                    <a:lnL>
+                      <a:noFill/>
+                    </a:lnL>
+                    <a:lnR>
+                      <a:noFill/>
+                    </a:lnR>
+                    <a:lnT w="6350" cap="flat" cmpd="sng" algn="ctr">
+                      <a:solidFill>
+                        <a:srgbClr val="000000"/>
+                      </a:solidFill>
+                      <a:prstDash val="solid"/>
+                      <a:round/>
+                      <a:headEnd type="none" w="med" len="med"/>
+                      <a:tailEnd type="none" w="med" len="med"/>
+                    </a:lnT>
+                    <a:lnB w="6350" cap="flat" cmpd="sng" algn="ctr">
+                      <a:solidFill>
+                        <a:srgbClr val="000000"/>
+                      </a:solidFill>
+                      <a:prstDash val="solid"/>
+                      <a:round/>
+                      <a:headEnd type="none" w="med" len="med"/>
+                      <a:tailEnd type="none" w="med" len="med"/>
+                    </a:lnB>
+                  </a:tcPr>
+                </a:tc>
+                <a:tc>
+                  <a:txBody>
+                    <a:bodyPr/>
+                    <a:lstStyle/>
+                    <a:p>
+                      <a:pPr algn="l" fontAlgn="ctr"/>
                       <a:endParaRPr lang="ja-JP" altLang="en-US" sz="1000" b="0" i="0" u="none" strike="noStrike">
                         <a:solidFill>
                           <a:srgbClr val="000000"/>
                         </a:solidFill>
                         <a:effectLst/>
-                        <a:latin typeface="Yu Gothic" panose="020B0400000000000000" pitchFamily="50" charset="-128"/>
-                        <a:ea typeface="Yu Gothic" panose="020B0400000000000000" pitchFamily="50" charset="-128"/>
+                        <a:latin typeface="游ゴシック" panose="020B0400000000000000" pitchFamily="50" charset="-128"/>
+                        <a:ea typeface="游ゴシック" panose="020B0400000000000000" pitchFamily="50" charset="-128"/>
                       </a:endParaRPr>
                     </a:p>
                   </a:txBody>
@@ -10350,23 +10047,11 @@
                     <a:lnR>
                       <a:noFill/>
                     </a:lnR>
-                    <a:lnT w="6350" cap="flat" cmpd="sng" algn="ctr">
-                      <a:solidFill>
-                        <a:srgbClr val="000000"/>
-                      </a:solidFill>
-                      <a:prstDash val="solid"/>
-                      <a:round/>
-                      <a:headEnd type="none" w="med" len="med"/>
-                      <a:tailEnd type="none" w="med" len="med"/>
-                    </a:lnT>
-                    <a:lnB w="6350" cap="flat" cmpd="sng" algn="ctr">
-                      <a:solidFill>
-                        <a:srgbClr val="000000"/>
-                      </a:solidFill>
-                      <a:prstDash val="solid"/>
-                      <a:round/>
-                      <a:headEnd type="none" w="med" len="med"/>
-                      <a:tailEnd type="none" w="med" len="med"/>
+                    <a:lnT>
+                      <a:noFill/>
+                    </a:lnT>
+                    <a:lnB>
+                      <a:noFill/>
                     </a:lnB>
                   </a:tcPr>
                 </a:tc>
@@ -10381,8 +10066,8 @@
                           <a:srgbClr val="000000"/>
                         </a:solidFill>
                         <a:effectLst/>
-                        <a:latin typeface="Yu Gothic" panose="020B0400000000000000" pitchFamily="50" charset="-128"/>
-                        <a:ea typeface="Yu Gothic" panose="020B0400000000000000" pitchFamily="50" charset="-128"/>
+                        <a:latin typeface="游ゴシック" panose="020B0400000000000000" pitchFamily="50" charset="-128"/>
+                        <a:ea typeface="游ゴシック" panose="020B0400000000000000" pitchFamily="50" charset="-128"/>
                       </a:endParaRPr>
                     </a:p>
                   </a:txBody>
@@ -10393,11 +10078,23 @@
                     <a:lnR>
                       <a:noFill/>
                     </a:lnR>
-                    <a:lnT>
-                      <a:noFill/>
-                    </a:lnT>
-                    <a:lnB>
-                      <a:noFill/>
+                    <a:lnT w="6350" cap="flat" cmpd="sng" algn="ctr">
+                      <a:solidFill>
+                        <a:srgbClr val="000000"/>
+                      </a:solidFill>
+                      <a:prstDash val="solid"/>
+                      <a:round/>
+                      <a:headEnd type="none" w="med" len="med"/>
+                      <a:tailEnd type="none" w="med" len="med"/>
+                    </a:lnT>
+                    <a:lnB w="6350" cap="flat" cmpd="sng" algn="ctr">
+                      <a:solidFill>
+                        <a:srgbClr val="000000"/>
+                      </a:solidFill>
+                      <a:prstDash val="solid"/>
+                      <a:round/>
+                      <a:headEnd type="none" w="med" len="med"/>
+                      <a:tailEnd type="none" w="med" len="med"/>
                     </a:lnB>
                   </a:tcPr>
                 </a:tc>
@@ -10412,8 +10109,8 @@
                           <a:srgbClr val="000000"/>
                         </a:solidFill>
                         <a:effectLst/>
-                        <a:latin typeface="Yu Gothic" panose="020B0400000000000000" pitchFamily="50" charset="-128"/>
-                        <a:ea typeface="Yu Gothic" panose="020B0400000000000000" pitchFamily="50" charset="-128"/>
+                        <a:latin typeface="游ゴシック" panose="020B0400000000000000" pitchFamily="50" charset="-128"/>
+                        <a:ea typeface="游ゴシック" panose="020B0400000000000000" pitchFamily="50" charset="-128"/>
                       </a:endParaRPr>
                     </a:p>
                   </a:txBody>
@@ -10424,23 +10121,11 @@
                     <a:lnR>
                       <a:noFill/>
                     </a:lnR>
-                    <a:lnT w="6350" cap="flat" cmpd="sng" algn="ctr">
-                      <a:solidFill>
-                        <a:srgbClr val="000000"/>
-                      </a:solidFill>
-                      <a:prstDash val="solid"/>
-                      <a:round/>
-                      <a:headEnd type="none" w="med" len="med"/>
-                      <a:tailEnd type="none" w="med" len="med"/>
-                    </a:lnT>
-                    <a:lnB w="6350" cap="flat" cmpd="sng" algn="ctr">
-                      <a:solidFill>
-                        <a:srgbClr val="000000"/>
-                      </a:solidFill>
-                      <a:prstDash val="solid"/>
-                      <a:round/>
-                      <a:headEnd type="none" w="med" len="med"/>
-                      <a:tailEnd type="none" w="med" len="med"/>
+                    <a:lnT>
+                      <a:noFill/>
+                    </a:lnT>
+                    <a:lnB>
+                      <a:noFill/>
                     </a:lnB>
                   </a:tcPr>
                 </a:tc>
@@ -10455,8 +10140,8 @@
                           <a:srgbClr val="000000"/>
                         </a:solidFill>
                         <a:effectLst/>
-                        <a:latin typeface="Yu Gothic" panose="020B0400000000000000" pitchFamily="50" charset="-128"/>
-                        <a:ea typeface="Yu Gothic" panose="020B0400000000000000" pitchFamily="50" charset="-128"/>
+                        <a:latin typeface="游ゴシック" panose="020B0400000000000000" pitchFamily="50" charset="-128"/>
+                        <a:ea typeface="游ゴシック" panose="020B0400000000000000" pitchFamily="50" charset="-128"/>
                       </a:endParaRPr>
                     </a:p>
                   </a:txBody>
@@ -10467,11 +10152,23 @@
                     <a:lnR>
                       <a:noFill/>
                     </a:lnR>
-                    <a:lnT>
-                      <a:noFill/>
-                    </a:lnT>
-                    <a:lnB>
-                      <a:noFill/>
+                    <a:lnT w="6350" cap="flat" cmpd="sng" algn="ctr">
+                      <a:solidFill>
+                        <a:srgbClr val="000000"/>
+                      </a:solidFill>
+                      <a:prstDash val="solid"/>
+                      <a:round/>
+                      <a:headEnd type="none" w="med" len="med"/>
+                      <a:tailEnd type="none" w="med" len="med"/>
+                    </a:lnT>
+                    <a:lnB w="6350" cap="flat" cmpd="sng" algn="ctr">
+                      <a:solidFill>
+                        <a:srgbClr val="000000"/>
+                      </a:solidFill>
+                      <a:prstDash val="solid"/>
+                      <a:round/>
+                      <a:headEnd type="none" w="med" len="med"/>
+                      <a:tailEnd type="none" w="med" len="med"/>
                     </a:lnB>
                   </a:tcPr>
                 </a:tc>
@@ -10486,8 +10183,8 @@
                           <a:srgbClr val="000000"/>
                         </a:solidFill>
                         <a:effectLst/>
-                        <a:latin typeface="Yu Gothic" panose="020B0400000000000000" pitchFamily="50" charset="-128"/>
-                        <a:ea typeface="Yu Gothic" panose="020B0400000000000000" pitchFamily="50" charset="-128"/>
+                        <a:latin typeface="游ゴシック" panose="020B0400000000000000" pitchFamily="50" charset="-128"/>
+                        <a:ea typeface="游ゴシック" panose="020B0400000000000000" pitchFamily="50" charset="-128"/>
                       </a:endParaRPr>
                     </a:p>
                   </a:txBody>
@@ -10498,23 +10195,11 @@
                     <a:lnR>
                       <a:noFill/>
                     </a:lnR>
-                    <a:lnT w="6350" cap="flat" cmpd="sng" algn="ctr">
-                      <a:solidFill>
-                        <a:srgbClr val="000000"/>
-                      </a:solidFill>
-                      <a:prstDash val="solid"/>
-                      <a:round/>
-                      <a:headEnd type="none" w="med" len="med"/>
-                      <a:tailEnd type="none" w="med" len="med"/>
-                    </a:lnT>
-                    <a:lnB w="6350" cap="flat" cmpd="sng" algn="ctr">
-                      <a:solidFill>
-                        <a:srgbClr val="000000"/>
-                      </a:solidFill>
-                      <a:prstDash val="solid"/>
-                      <a:round/>
-                      <a:headEnd type="none" w="med" len="med"/>
-                      <a:tailEnd type="none" w="med" len="med"/>
+                    <a:lnT>
+                      <a:noFill/>
+                    </a:lnT>
+                    <a:lnB>
+                      <a:noFill/>
                     </a:lnB>
                   </a:tcPr>
                 </a:tc>
@@ -10529,8 +10214,8 @@
                           <a:srgbClr val="000000"/>
                         </a:solidFill>
                         <a:effectLst/>
-                        <a:latin typeface="Yu Gothic" panose="020B0400000000000000" pitchFamily="50" charset="-128"/>
-                        <a:ea typeface="Yu Gothic" panose="020B0400000000000000" pitchFamily="50" charset="-128"/>
+                        <a:latin typeface="游ゴシック" panose="020B0400000000000000" pitchFamily="50" charset="-128"/>
+                        <a:ea typeface="游ゴシック" panose="020B0400000000000000" pitchFamily="50" charset="-128"/>
                       </a:endParaRPr>
                     </a:p>
                   </a:txBody>
@@ -10541,11 +10226,23 @@
                     <a:lnR>
                       <a:noFill/>
                     </a:lnR>
-                    <a:lnT>
-                      <a:noFill/>
-                    </a:lnT>
-                    <a:lnB>
-                      <a:noFill/>
+                    <a:lnT w="6350" cap="flat" cmpd="sng" algn="ctr">
+                      <a:solidFill>
+                        <a:srgbClr val="000000"/>
+                      </a:solidFill>
+                      <a:prstDash val="solid"/>
+                      <a:round/>
+                      <a:headEnd type="none" w="med" len="med"/>
+                      <a:tailEnd type="none" w="med" len="med"/>
+                    </a:lnT>
+                    <a:lnB w="6350" cap="flat" cmpd="sng" algn="ctr">
+                      <a:solidFill>
+                        <a:srgbClr val="000000"/>
+                      </a:solidFill>
+                      <a:prstDash val="solid"/>
+                      <a:round/>
+                      <a:headEnd type="none" w="med" len="med"/>
+                      <a:tailEnd type="none" w="med" len="med"/>
                     </a:lnB>
                   </a:tcPr>
                 </a:tc>
@@ -10560,8 +10257,8 @@
                           <a:srgbClr val="000000"/>
                         </a:solidFill>
                         <a:effectLst/>
-                        <a:latin typeface="Yu Gothic" panose="020B0400000000000000" pitchFamily="50" charset="-128"/>
-                        <a:ea typeface="Yu Gothic" panose="020B0400000000000000" pitchFamily="50" charset="-128"/>
+                        <a:latin typeface="游ゴシック" panose="020B0400000000000000" pitchFamily="50" charset="-128"/>
+                        <a:ea typeface="游ゴシック" panose="020B0400000000000000" pitchFamily="50" charset="-128"/>
                       </a:endParaRPr>
                     </a:p>
                   </a:txBody>
@@ -10572,23 +10269,11 @@
                     <a:lnR>
                       <a:noFill/>
                     </a:lnR>
-                    <a:lnT w="6350" cap="flat" cmpd="sng" algn="ctr">
-                      <a:solidFill>
-                        <a:srgbClr val="000000"/>
-                      </a:solidFill>
-                      <a:prstDash val="solid"/>
-                      <a:round/>
-                      <a:headEnd type="none" w="med" len="med"/>
-                      <a:tailEnd type="none" w="med" len="med"/>
-                    </a:lnT>
-                    <a:lnB w="6350" cap="flat" cmpd="sng" algn="ctr">
-                      <a:solidFill>
-                        <a:srgbClr val="000000"/>
-                      </a:solidFill>
-                      <a:prstDash val="solid"/>
-                      <a:round/>
-                      <a:headEnd type="none" w="med" len="med"/>
-                      <a:tailEnd type="none" w="med" len="med"/>
+                    <a:lnT>
+                      <a:noFill/>
+                    </a:lnT>
+                    <a:lnB>
+                      <a:noFill/>
                     </a:lnB>
                   </a:tcPr>
                 </a:tc>
@@ -10603,8 +10288,8 @@
                           <a:srgbClr val="000000"/>
                         </a:solidFill>
                         <a:effectLst/>
-                        <a:latin typeface="Yu Gothic" panose="020B0400000000000000" pitchFamily="50" charset="-128"/>
-                        <a:ea typeface="Yu Gothic" panose="020B0400000000000000" pitchFamily="50" charset="-128"/>
+                        <a:latin typeface="游ゴシック" panose="020B0400000000000000" pitchFamily="50" charset="-128"/>
+                        <a:ea typeface="游ゴシック" panose="020B0400000000000000" pitchFamily="50" charset="-128"/>
                       </a:endParaRPr>
                     </a:p>
                   </a:txBody>
@@ -10615,11 +10300,23 @@
                     <a:lnR>
                       <a:noFill/>
                     </a:lnR>
-                    <a:lnT>
-                      <a:noFill/>
-                    </a:lnT>
-                    <a:lnB>
-                      <a:noFill/>
+                    <a:lnT w="6350" cap="flat" cmpd="sng" algn="ctr">
+                      <a:solidFill>
+                        <a:srgbClr val="000000"/>
+                      </a:solidFill>
+                      <a:prstDash val="solid"/>
+                      <a:round/>
+                      <a:headEnd type="none" w="med" len="med"/>
+                      <a:tailEnd type="none" w="med" len="med"/>
+                    </a:lnT>
+                    <a:lnB w="6350" cap="flat" cmpd="sng" algn="ctr">
+                      <a:solidFill>
+                        <a:srgbClr val="000000"/>
+                      </a:solidFill>
+                      <a:prstDash val="solid"/>
+                      <a:round/>
+                      <a:headEnd type="none" w="med" len="med"/>
+                      <a:tailEnd type="none" w="med" len="med"/>
                     </a:lnB>
                   </a:tcPr>
                 </a:tc>
@@ -10634,8 +10331,8 @@
                           <a:srgbClr val="000000"/>
                         </a:solidFill>
                         <a:effectLst/>
-                        <a:latin typeface="Yu Gothic" panose="020B0400000000000000" pitchFamily="50" charset="-128"/>
-                        <a:ea typeface="Yu Gothic" panose="020B0400000000000000" pitchFamily="50" charset="-128"/>
+                        <a:latin typeface="游ゴシック" panose="020B0400000000000000" pitchFamily="50" charset="-128"/>
+                        <a:ea typeface="游ゴシック" panose="020B0400000000000000" pitchFamily="50" charset="-128"/>
                       </a:endParaRPr>
                     </a:p>
                   </a:txBody>
@@ -10646,23 +10343,11 @@
                     <a:lnR>
                       <a:noFill/>
                     </a:lnR>
-                    <a:lnT w="6350" cap="flat" cmpd="sng" algn="ctr">
-                      <a:solidFill>
-                        <a:srgbClr val="000000"/>
-                      </a:solidFill>
-                      <a:prstDash val="solid"/>
-                      <a:round/>
-                      <a:headEnd type="none" w="med" len="med"/>
-                      <a:tailEnd type="none" w="med" len="med"/>
-                    </a:lnT>
-                    <a:lnB w="6350" cap="flat" cmpd="sng" algn="ctr">
-                      <a:solidFill>
-                        <a:srgbClr val="000000"/>
-                      </a:solidFill>
-                      <a:prstDash val="solid"/>
-                      <a:round/>
-                      <a:headEnd type="none" w="med" len="med"/>
-                      <a:tailEnd type="none" w="med" len="med"/>
+                    <a:lnT>
+                      <a:noFill/>
+                    </a:lnT>
+                    <a:lnB>
+                      <a:noFill/>
                     </a:lnB>
                   </a:tcPr>
                 </a:tc>
@@ -10677,8 +10362,8 @@
                           <a:srgbClr val="000000"/>
                         </a:solidFill>
                         <a:effectLst/>
-                        <a:latin typeface="Yu Gothic" panose="020B0400000000000000" pitchFamily="50" charset="-128"/>
-                        <a:ea typeface="Yu Gothic" panose="020B0400000000000000" pitchFamily="50" charset="-128"/>
+                        <a:latin typeface="游ゴシック" panose="020B0400000000000000" pitchFamily="50" charset="-128"/>
+                        <a:ea typeface="游ゴシック" panose="020B0400000000000000" pitchFamily="50" charset="-128"/>
                       </a:endParaRPr>
                     </a:p>
                   </a:txBody>
@@ -10689,11 +10374,23 @@
                     <a:lnR>
                       <a:noFill/>
                     </a:lnR>
-                    <a:lnT>
-                      <a:noFill/>
-                    </a:lnT>
-                    <a:lnB>
-                      <a:noFill/>
+                    <a:lnT w="6350" cap="flat" cmpd="sng" algn="ctr">
+                      <a:solidFill>
+                        <a:srgbClr val="000000"/>
+                      </a:solidFill>
+                      <a:prstDash val="solid"/>
+                      <a:round/>
+                      <a:headEnd type="none" w="med" len="med"/>
+                      <a:tailEnd type="none" w="med" len="med"/>
+                    </a:lnT>
+                    <a:lnB w="6350" cap="flat" cmpd="sng" algn="ctr">
+                      <a:solidFill>
+                        <a:srgbClr val="000000"/>
+                      </a:solidFill>
+                      <a:prstDash val="solid"/>
+                      <a:round/>
+                      <a:headEnd type="none" w="med" len="med"/>
+                      <a:tailEnd type="none" w="med" len="med"/>
                     </a:lnB>
                   </a:tcPr>
                 </a:tc>
@@ -10708,8 +10405,8 @@
                           <a:srgbClr val="000000"/>
                         </a:solidFill>
                         <a:effectLst/>
-                        <a:latin typeface="Yu Gothic" panose="020B0400000000000000" pitchFamily="50" charset="-128"/>
-                        <a:ea typeface="Yu Gothic" panose="020B0400000000000000" pitchFamily="50" charset="-128"/>
+                        <a:latin typeface="游ゴシック" panose="020B0400000000000000" pitchFamily="50" charset="-128"/>
+                        <a:ea typeface="游ゴシック" panose="020B0400000000000000" pitchFamily="50" charset="-128"/>
                       </a:endParaRPr>
                     </a:p>
                   </a:txBody>
@@ -10720,23 +10417,11 @@
                     <a:lnR>
                       <a:noFill/>
                     </a:lnR>
-                    <a:lnT w="6350" cap="flat" cmpd="sng" algn="ctr">
-                      <a:solidFill>
-                        <a:srgbClr val="000000"/>
-                      </a:solidFill>
-                      <a:prstDash val="solid"/>
-                      <a:round/>
-                      <a:headEnd type="none" w="med" len="med"/>
-                      <a:tailEnd type="none" w="med" len="med"/>
-                    </a:lnT>
-                    <a:lnB w="6350" cap="flat" cmpd="sng" algn="ctr">
-                      <a:solidFill>
-                        <a:srgbClr val="000000"/>
-                      </a:solidFill>
-                      <a:prstDash val="solid"/>
-                      <a:round/>
-                      <a:headEnd type="none" w="med" len="med"/>
-                      <a:tailEnd type="none" w="med" len="med"/>
+                    <a:lnT>
+                      <a:noFill/>
+                    </a:lnT>
+                    <a:lnB>
+                      <a:noFill/>
                     </a:lnB>
                   </a:tcPr>
                 </a:tc>
@@ -10751,8 +10436,8 @@
                           <a:srgbClr val="000000"/>
                         </a:solidFill>
                         <a:effectLst/>
-                        <a:latin typeface="Yu Gothic" panose="020B0400000000000000" pitchFamily="50" charset="-128"/>
-                        <a:ea typeface="Yu Gothic" panose="020B0400000000000000" pitchFamily="50" charset="-128"/>
+                        <a:latin typeface="游ゴシック" panose="020B0400000000000000" pitchFamily="50" charset="-128"/>
+                        <a:ea typeface="游ゴシック" panose="020B0400000000000000" pitchFamily="50" charset="-128"/>
                       </a:endParaRPr>
                     </a:p>
                   </a:txBody>
@@ -10763,11 +10448,23 @@
                     <a:lnR>
                       <a:noFill/>
                     </a:lnR>
-                    <a:lnT>
-                      <a:noFill/>
-                    </a:lnT>
-                    <a:lnB>
-                      <a:noFill/>
+                    <a:lnT w="6350" cap="flat" cmpd="sng" algn="ctr">
+                      <a:solidFill>
+                        <a:srgbClr val="000000"/>
+                      </a:solidFill>
+                      <a:prstDash val="solid"/>
+                      <a:round/>
+                      <a:headEnd type="none" w="med" len="med"/>
+                      <a:tailEnd type="none" w="med" len="med"/>
+                    </a:lnT>
+                    <a:lnB w="6350" cap="flat" cmpd="sng" algn="ctr">
+                      <a:solidFill>
+                        <a:srgbClr val="000000"/>
+                      </a:solidFill>
+                      <a:prstDash val="solid"/>
+                      <a:round/>
+                      <a:headEnd type="none" w="med" len="med"/>
+                      <a:tailEnd type="none" w="med" len="med"/>
                     </a:lnB>
                   </a:tcPr>
                 </a:tc>
@@ -10782,8 +10479,8 @@
                           <a:srgbClr val="000000"/>
                         </a:solidFill>
                         <a:effectLst/>
-                        <a:latin typeface="Yu Gothic" panose="020B0400000000000000" pitchFamily="50" charset="-128"/>
-                        <a:ea typeface="Yu Gothic" panose="020B0400000000000000" pitchFamily="50" charset="-128"/>
+                        <a:latin typeface="游ゴシック" panose="020B0400000000000000" pitchFamily="50" charset="-128"/>
+                        <a:ea typeface="游ゴシック" panose="020B0400000000000000" pitchFamily="50" charset="-128"/>
                       </a:endParaRPr>
                     </a:p>
                   </a:txBody>
@@ -10794,23 +10491,11 @@
                     <a:lnR>
                       <a:noFill/>
                     </a:lnR>
-                    <a:lnT w="6350" cap="flat" cmpd="sng" algn="ctr">
-                      <a:solidFill>
-                        <a:srgbClr val="000000"/>
-                      </a:solidFill>
-                      <a:prstDash val="solid"/>
-                      <a:round/>
-                      <a:headEnd type="none" w="med" len="med"/>
-                      <a:tailEnd type="none" w="med" len="med"/>
-                    </a:lnT>
-                    <a:lnB w="6350" cap="flat" cmpd="sng" algn="ctr">
-                      <a:solidFill>
-                        <a:srgbClr val="000000"/>
-                      </a:solidFill>
-                      <a:prstDash val="solid"/>
-                      <a:round/>
-                      <a:headEnd type="none" w="med" len="med"/>
-                      <a:tailEnd type="none" w="med" len="med"/>
+                    <a:lnT>
+                      <a:noFill/>
+                    </a:lnT>
+                    <a:lnB>
+                      <a:noFill/>
                     </a:lnB>
                   </a:tcPr>
                 </a:tc>
@@ -10825,8 +10510,8 @@
                           <a:srgbClr val="000000"/>
                         </a:solidFill>
                         <a:effectLst/>
-                        <a:latin typeface="Yu Gothic" panose="020B0400000000000000" pitchFamily="50" charset="-128"/>
-                        <a:ea typeface="Yu Gothic" panose="020B0400000000000000" pitchFamily="50" charset="-128"/>
+                        <a:latin typeface="游ゴシック" panose="020B0400000000000000" pitchFamily="50" charset="-128"/>
+                        <a:ea typeface="游ゴシック" panose="020B0400000000000000" pitchFamily="50" charset="-128"/>
                       </a:endParaRPr>
                     </a:p>
                   </a:txBody>
@@ -10837,11 +10522,23 @@
                     <a:lnR>
                       <a:noFill/>
                     </a:lnR>
-                    <a:lnT>
-                      <a:noFill/>
-                    </a:lnT>
-                    <a:lnB>
-                      <a:noFill/>
+                    <a:lnT w="6350" cap="flat" cmpd="sng" algn="ctr">
+                      <a:solidFill>
+                        <a:srgbClr val="000000"/>
+                      </a:solidFill>
+                      <a:prstDash val="solid"/>
+                      <a:round/>
+                      <a:headEnd type="none" w="med" len="med"/>
+                      <a:tailEnd type="none" w="med" len="med"/>
+                    </a:lnT>
+                    <a:lnB w="6350" cap="flat" cmpd="sng" algn="ctr">
+                      <a:solidFill>
+                        <a:srgbClr val="000000"/>
+                      </a:solidFill>
+                      <a:prstDash val="solid"/>
+                      <a:round/>
+                      <a:headEnd type="none" w="med" len="med"/>
+                      <a:tailEnd type="none" w="med" len="med"/>
                     </a:lnB>
                   </a:tcPr>
                 </a:tc>
@@ -10856,8 +10553,8 @@
                           <a:srgbClr val="000000"/>
                         </a:solidFill>
                         <a:effectLst/>
-                        <a:latin typeface="Yu Gothic" panose="020B0400000000000000" pitchFamily="50" charset="-128"/>
-                        <a:ea typeface="Yu Gothic" panose="020B0400000000000000" pitchFamily="50" charset="-128"/>
+                        <a:latin typeface="游ゴシック" panose="020B0400000000000000" pitchFamily="50" charset="-128"/>
+                        <a:ea typeface="游ゴシック" panose="020B0400000000000000" pitchFamily="50" charset="-128"/>
                       </a:endParaRPr>
                     </a:p>
                   </a:txBody>
@@ -10868,23 +10565,11 @@
                     <a:lnR>
                       <a:noFill/>
                     </a:lnR>
-                    <a:lnT w="6350" cap="flat" cmpd="sng" algn="ctr">
-                      <a:solidFill>
-                        <a:srgbClr val="000000"/>
-                      </a:solidFill>
-                      <a:prstDash val="solid"/>
-                      <a:round/>
-                      <a:headEnd type="none" w="med" len="med"/>
-                      <a:tailEnd type="none" w="med" len="med"/>
-                    </a:lnT>
-                    <a:lnB w="6350" cap="flat" cmpd="sng" algn="ctr">
-                      <a:solidFill>
-                        <a:srgbClr val="000000"/>
-                      </a:solidFill>
-                      <a:prstDash val="solid"/>
-                      <a:round/>
-                      <a:headEnd type="none" w="med" len="med"/>
-                      <a:tailEnd type="none" w="med" len="med"/>
+                    <a:lnT>
+                      <a:noFill/>
+                    </a:lnT>
+                    <a:lnB>
+                      <a:noFill/>
                     </a:lnB>
                   </a:tcPr>
                 </a:tc>
@@ -10899,8 +10584,8 @@
                           <a:srgbClr val="000000"/>
                         </a:solidFill>
                         <a:effectLst/>
-                        <a:latin typeface="Yu Gothic" panose="020B0400000000000000" pitchFamily="50" charset="-128"/>
-                        <a:ea typeface="Yu Gothic" panose="020B0400000000000000" pitchFamily="50" charset="-128"/>
+                        <a:latin typeface="游ゴシック" panose="020B0400000000000000" pitchFamily="50" charset="-128"/>
+                        <a:ea typeface="游ゴシック" panose="020B0400000000000000" pitchFamily="50" charset="-128"/>
                       </a:endParaRPr>
                     </a:p>
                   </a:txBody>
@@ -10911,11 +10596,23 @@
                     <a:lnR>
                       <a:noFill/>
                     </a:lnR>
-                    <a:lnT>
-                      <a:noFill/>
-                    </a:lnT>
-                    <a:lnB>
-                      <a:noFill/>
+                    <a:lnT w="6350" cap="flat" cmpd="sng" algn="ctr">
+                      <a:solidFill>
+                        <a:srgbClr val="000000"/>
+                      </a:solidFill>
+                      <a:prstDash val="solid"/>
+                      <a:round/>
+                      <a:headEnd type="none" w="med" len="med"/>
+                      <a:tailEnd type="none" w="med" len="med"/>
+                    </a:lnT>
+                    <a:lnB w="6350" cap="flat" cmpd="sng" algn="ctr">
+                      <a:solidFill>
+                        <a:srgbClr val="000000"/>
+                      </a:solidFill>
+                      <a:prstDash val="solid"/>
+                      <a:round/>
+                      <a:headEnd type="none" w="med" len="med"/>
+                      <a:tailEnd type="none" w="med" len="med"/>
                     </a:lnB>
                   </a:tcPr>
                 </a:tc>
@@ -10930,8 +10627,8 @@
                           <a:srgbClr val="000000"/>
                         </a:solidFill>
                         <a:effectLst/>
-                        <a:latin typeface="Yu Gothic" panose="020B0400000000000000" pitchFamily="50" charset="-128"/>
-                        <a:ea typeface="Yu Gothic" panose="020B0400000000000000" pitchFamily="50" charset="-128"/>
+                        <a:latin typeface="游ゴシック" panose="020B0400000000000000" pitchFamily="50" charset="-128"/>
+                        <a:ea typeface="游ゴシック" panose="020B0400000000000000" pitchFamily="50" charset="-128"/>
                       </a:endParaRPr>
                     </a:p>
                   </a:txBody>
@@ -10942,23 +10639,11 @@
                     <a:lnR>
                       <a:noFill/>
                     </a:lnR>
-                    <a:lnT w="6350" cap="flat" cmpd="sng" algn="ctr">
-                      <a:solidFill>
-                        <a:srgbClr val="000000"/>
-                      </a:solidFill>
-                      <a:prstDash val="solid"/>
-                      <a:round/>
-                      <a:headEnd type="none" w="med" len="med"/>
-                      <a:tailEnd type="none" w="med" len="med"/>
-                    </a:lnT>
-                    <a:lnB w="6350" cap="flat" cmpd="sng" algn="ctr">
-                      <a:solidFill>
-                        <a:srgbClr val="000000"/>
-                      </a:solidFill>
-                      <a:prstDash val="solid"/>
-                      <a:round/>
-                      <a:headEnd type="none" w="med" len="med"/>
-                      <a:tailEnd type="none" w="med" len="med"/>
+                    <a:lnT>
+                      <a:noFill/>
+                    </a:lnT>
+                    <a:lnB>
+                      <a:noFill/>
                     </a:lnB>
                   </a:tcPr>
                 </a:tc>
@@ -10973,8 +10658,8 @@
                           <a:srgbClr val="000000"/>
                         </a:solidFill>
                         <a:effectLst/>
-                        <a:latin typeface="Yu Gothic" panose="020B0400000000000000" pitchFamily="50" charset="-128"/>
-                        <a:ea typeface="Yu Gothic" panose="020B0400000000000000" pitchFamily="50" charset="-128"/>
+                        <a:latin typeface="游ゴシック" panose="020B0400000000000000" pitchFamily="50" charset="-128"/>
+                        <a:ea typeface="游ゴシック" panose="020B0400000000000000" pitchFamily="50" charset="-128"/>
                       </a:endParaRPr>
                     </a:p>
                   </a:txBody>
@@ -10985,37 +10670,6 @@
                     <a:lnR>
                       <a:noFill/>
                     </a:lnR>
-                    <a:lnT>
-                      <a:noFill/>
-                    </a:lnT>
-                    <a:lnB>
-                      <a:noFill/>
-                    </a:lnB>
-                  </a:tcPr>
-                </a:tc>
-                <a:tc>
-                  <a:txBody>
-                    <a:bodyPr/>
-                    <a:lstStyle/>
-                    <a:p>
-                      <a:pPr algn="l" fontAlgn="ctr"/>
-                      <a:endParaRPr lang="ja-JP" altLang="en-US" sz="1000" b="0" i="0" u="none" strike="noStrike">
-                        <a:solidFill>
-                          <a:srgbClr val="000000"/>
-                        </a:solidFill>
-                        <a:effectLst/>
-                        <a:latin typeface="Yu Gothic" panose="020B0400000000000000" pitchFamily="50" charset="-128"/>
-                        <a:ea typeface="Yu Gothic" panose="020B0400000000000000" pitchFamily="50" charset="-128"/>
-                      </a:endParaRPr>
-                    </a:p>
-                  </a:txBody>
-                  <a:tcPr marL="5614" marR="5614" marT="5614" marB="0" anchor="ctr">
-                    <a:lnL>
-                      <a:noFill/>
-                    </a:lnL>
-                    <a:lnR>
-                      <a:noFill/>
-                    </a:lnR>
                     <a:lnT w="6350" cap="flat" cmpd="sng" algn="ctr">
                       <a:solidFill>
                         <a:srgbClr val="000000"/>
@@ -11036,6 +10690,11 @@
                     </a:lnB>
                   </a:tcPr>
                 </a:tc>
+                <a:extLst>
+                  <a:ext uri="{0D108BD9-81ED-4DB2-BD59-A6C34878D82A}">
+                    <a16:rowId xmlns:a16="http://schemas.microsoft.com/office/drawing/2014/main" val="3588321778"/>
+                  </a:ext>
+                </a:extLst>
               </a:tr>
               <a:tr h="202090">
                 <a:tc>
@@ -11050,19 +10709,11 @@
                             <a:srgbClr val="000000"/>
                           </a:solidFill>
                           <a:effectLst/>
-                          <a:latin typeface="Yu Gothic" panose="020B0400000000000000" pitchFamily="50" charset="-128"/>
-                          <a:ea typeface="Yu Gothic" panose="020B0400000000000000" pitchFamily="50" charset="-128"/>
+                          <a:latin typeface="游ゴシック" panose="020B0400000000000000" pitchFamily="50" charset="-128"/>
+                          <a:ea typeface="游ゴシック" panose="020B0400000000000000" pitchFamily="50" charset="-128"/>
                         </a:rPr>
                         <a:t>　</a:t>
                       </a:r>
-                      <a:endParaRPr lang="ja-JP" altLang="en-US" sz="1000" b="0" i="0" u="none" strike="noStrike">
-                        <a:solidFill>
-                          <a:srgbClr val="000000"/>
-                        </a:solidFill>
-                        <a:effectLst/>
-                        <a:latin typeface="Yu Gothic" panose="020B0400000000000000" pitchFamily="50" charset="-128"/>
-                        <a:ea typeface="Yu Gothic" panose="020B0400000000000000" pitchFamily="50" charset="-128"/>
-                      </a:endParaRPr>
                     </a:p>
                   </a:txBody>
                   <a:tcPr marL="5614" marR="5614" marT="5614" marB="0" anchor="ctr">
@@ -11116,19 +10767,11 @@
                             <a:srgbClr val="000000"/>
                           </a:solidFill>
                           <a:effectLst/>
-                          <a:latin typeface="Yu Gothic" panose="020B0400000000000000" pitchFamily="50" charset="-128"/>
-                          <a:ea typeface="Yu Gothic" panose="020B0400000000000000" pitchFamily="50" charset="-128"/>
+                          <a:latin typeface="游ゴシック" panose="020B0400000000000000" pitchFamily="50" charset="-128"/>
+                          <a:ea typeface="游ゴシック" panose="020B0400000000000000" pitchFamily="50" charset="-128"/>
                         </a:rPr>
                         <a:t>　</a:t>
                       </a:r>
-                      <a:endParaRPr lang="ja-JP" altLang="en-US" sz="1000" b="0" i="0" u="none" strike="noStrike">
-                        <a:solidFill>
-                          <a:srgbClr val="000000"/>
-                        </a:solidFill>
-                        <a:effectLst/>
-                        <a:latin typeface="Yu Gothic" panose="020B0400000000000000" pitchFamily="50" charset="-128"/>
-                        <a:ea typeface="Yu Gothic" panose="020B0400000000000000" pitchFamily="50" charset="-128"/>
-                      </a:endParaRPr>
                     </a:p>
                   </a:txBody>
                   <a:tcPr marL="5614" marR="5614" marT="5614" marB="0" anchor="ctr">
@@ -11170,19 +10813,11 @@
                             <a:srgbClr val="000000"/>
                           </a:solidFill>
                           <a:effectLst/>
-                          <a:latin typeface="Yu Gothic" panose="020B0400000000000000" pitchFamily="50" charset="-128"/>
-                          <a:ea typeface="Yu Gothic" panose="020B0400000000000000" pitchFamily="50" charset="-128"/>
+                          <a:latin typeface="游ゴシック" panose="020B0400000000000000" pitchFamily="50" charset="-128"/>
+                          <a:ea typeface="游ゴシック" panose="020B0400000000000000" pitchFamily="50" charset="-128"/>
                         </a:rPr>
                         <a:t>　</a:t>
                       </a:r>
-                      <a:endParaRPr lang="ja-JP" altLang="en-US" sz="1000" b="0" i="0" u="none" strike="noStrike">
-                        <a:solidFill>
-                          <a:srgbClr val="000000"/>
-                        </a:solidFill>
-                        <a:effectLst/>
-                        <a:latin typeface="Yu Gothic" panose="020B0400000000000000" pitchFamily="50" charset="-128"/>
-                        <a:ea typeface="Yu Gothic" panose="020B0400000000000000" pitchFamily="50" charset="-128"/>
-                      </a:endParaRPr>
                     </a:p>
                   </a:txBody>
                   <a:tcPr marL="5614" marR="5614" marT="5614" marB="0" anchor="ctr">
@@ -11236,19 +10871,11 @@
                             <a:srgbClr val="000000"/>
                           </a:solidFill>
                           <a:effectLst/>
-                          <a:latin typeface="Yu Gothic" panose="020B0400000000000000" pitchFamily="50" charset="-128"/>
-                          <a:ea typeface="Yu Gothic" panose="020B0400000000000000" pitchFamily="50" charset="-128"/>
+                          <a:latin typeface="游ゴシック" panose="020B0400000000000000" pitchFamily="50" charset="-128"/>
+                          <a:ea typeface="游ゴシック" panose="020B0400000000000000" pitchFamily="50" charset="-128"/>
                         </a:rPr>
                         <a:t>　</a:t>
                       </a:r>
-                      <a:endParaRPr lang="ja-JP" altLang="en-US" sz="1000" b="0" i="0" u="none" strike="noStrike">
-                        <a:solidFill>
-                          <a:srgbClr val="000000"/>
-                        </a:solidFill>
-                        <a:effectLst/>
-                        <a:latin typeface="Yu Gothic" panose="020B0400000000000000" pitchFamily="50" charset="-128"/>
-                        <a:ea typeface="Yu Gothic" panose="020B0400000000000000" pitchFamily="50" charset="-128"/>
-                      </a:endParaRPr>
                     </a:p>
                   </a:txBody>
                   <a:tcPr marL="5614" marR="5614" marT="5614" marB="0" anchor="ctr">
@@ -11290,19 +10917,11 @@
                             <a:srgbClr val="000000"/>
                           </a:solidFill>
                           <a:effectLst/>
-                          <a:latin typeface="Yu Gothic" panose="020B0400000000000000" pitchFamily="50" charset="-128"/>
-                          <a:ea typeface="Yu Gothic" panose="020B0400000000000000" pitchFamily="50" charset="-128"/>
+                          <a:latin typeface="游ゴシック" panose="020B0400000000000000" pitchFamily="50" charset="-128"/>
+                          <a:ea typeface="游ゴシック" panose="020B0400000000000000" pitchFamily="50" charset="-128"/>
                         </a:rPr>
                         <a:t>　</a:t>
                       </a:r>
-                      <a:endParaRPr lang="ja-JP" altLang="en-US" sz="1000" b="0" i="0" u="none" strike="noStrike">
-                        <a:solidFill>
-                          <a:srgbClr val="000000"/>
-                        </a:solidFill>
-                        <a:effectLst/>
-                        <a:latin typeface="Yu Gothic" panose="020B0400000000000000" pitchFamily="50" charset="-128"/>
-                        <a:ea typeface="Yu Gothic" panose="020B0400000000000000" pitchFamily="50" charset="-128"/>
-                      </a:endParaRPr>
                     </a:p>
                   </a:txBody>
                   <a:tcPr marL="5614" marR="5614" marT="5614" marB="0" anchor="ctr">
@@ -11356,19 +10975,11 @@
                             <a:srgbClr val="000000"/>
                           </a:solidFill>
                           <a:effectLst/>
-                          <a:latin typeface="Yu Gothic" panose="020B0400000000000000" pitchFamily="50" charset="-128"/>
-                          <a:ea typeface="Yu Gothic" panose="020B0400000000000000" pitchFamily="50" charset="-128"/>
+                          <a:latin typeface="游ゴシック" panose="020B0400000000000000" pitchFamily="50" charset="-128"/>
+                          <a:ea typeface="游ゴシック" panose="020B0400000000000000" pitchFamily="50" charset="-128"/>
                         </a:rPr>
                         <a:t>　</a:t>
                       </a:r>
-                      <a:endParaRPr lang="ja-JP" altLang="en-US" sz="1000" b="0" i="0" u="none" strike="noStrike">
-                        <a:solidFill>
-                          <a:srgbClr val="000000"/>
-                        </a:solidFill>
-                        <a:effectLst/>
-                        <a:latin typeface="Yu Gothic" panose="020B0400000000000000" pitchFamily="50" charset="-128"/>
-                        <a:ea typeface="Yu Gothic" panose="020B0400000000000000" pitchFamily="50" charset="-128"/>
-                      </a:endParaRPr>
                     </a:p>
                   </a:txBody>
                   <a:tcPr marL="5614" marR="5614" marT="5614" marB="0" anchor="ctr">
@@ -11410,19 +11021,11 @@
                             <a:srgbClr val="000000"/>
                           </a:solidFill>
                           <a:effectLst/>
-                          <a:latin typeface="Yu Gothic" panose="020B0400000000000000" pitchFamily="50" charset="-128"/>
-                          <a:ea typeface="Yu Gothic" panose="020B0400000000000000" pitchFamily="50" charset="-128"/>
+                          <a:latin typeface="游ゴシック" panose="020B0400000000000000" pitchFamily="50" charset="-128"/>
+                          <a:ea typeface="游ゴシック" panose="020B0400000000000000" pitchFamily="50" charset="-128"/>
                         </a:rPr>
                         <a:t>　</a:t>
                       </a:r>
-                      <a:endParaRPr lang="ja-JP" altLang="en-US" sz="1000" b="0" i="0" u="none" strike="noStrike">
-                        <a:solidFill>
-                          <a:srgbClr val="000000"/>
-                        </a:solidFill>
-                        <a:effectLst/>
-                        <a:latin typeface="Yu Gothic" panose="020B0400000000000000" pitchFamily="50" charset="-128"/>
-                        <a:ea typeface="Yu Gothic" panose="020B0400000000000000" pitchFamily="50" charset="-128"/>
-                      </a:endParaRPr>
                     </a:p>
                   </a:txBody>
                   <a:tcPr marL="5614" marR="5614" marT="5614" marB="0" anchor="ctr">
@@ -11476,19 +11079,11 @@
                             <a:srgbClr val="000000"/>
                           </a:solidFill>
                           <a:effectLst/>
-                          <a:latin typeface="Yu Gothic" panose="020B0400000000000000" pitchFamily="50" charset="-128"/>
-                          <a:ea typeface="Yu Gothic" panose="020B0400000000000000" pitchFamily="50" charset="-128"/>
+                          <a:latin typeface="游ゴシック" panose="020B0400000000000000" pitchFamily="50" charset="-128"/>
+                          <a:ea typeface="游ゴシック" panose="020B0400000000000000" pitchFamily="50" charset="-128"/>
                         </a:rPr>
                         <a:t>　</a:t>
                       </a:r>
-                      <a:endParaRPr lang="ja-JP" altLang="en-US" sz="1000" b="0" i="0" u="none" strike="noStrike">
-                        <a:solidFill>
-                          <a:srgbClr val="000000"/>
-                        </a:solidFill>
-                        <a:effectLst/>
-                        <a:latin typeface="Yu Gothic" panose="020B0400000000000000" pitchFamily="50" charset="-128"/>
-                        <a:ea typeface="Yu Gothic" panose="020B0400000000000000" pitchFamily="50" charset="-128"/>
-                      </a:endParaRPr>
                     </a:p>
                   </a:txBody>
                   <a:tcPr marL="5614" marR="5614" marT="5614" marB="0" anchor="ctr">
@@ -11530,19 +11125,11 @@
                             <a:srgbClr val="000000"/>
                           </a:solidFill>
                           <a:effectLst/>
-                          <a:latin typeface="Yu Gothic" panose="020B0400000000000000" pitchFamily="50" charset="-128"/>
-                          <a:ea typeface="Yu Gothic" panose="020B0400000000000000" pitchFamily="50" charset="-128"/>
+                          <a:latin typeface="游ゴシック" panose="020B0400000000000000" pitchFamily="50" charset="-128"/>
+                          <a:ea typeface="游ゴシック" panose="020B0400000000000000" pitchFamily="50" charset="-128"/>
                         </a:rPr>
                         <a:t>　</a:t>
                       </a:r>
-                      <a:endParaRPr lang="ja-JP" altLang="en-US" sz="1000" b="0" i="0" u="none" strike="noStrike">
-                        <a:solidFill>
-                          <a:srgbClr val="000000"/>
-                        </a:solidFill>
-                        <a:effectLst/>
-                        <a:latin typeface="Yu Gothic" panose="020B0400000000000000" pitchFamily="50" charset="-128"/>
-                        <a:ea typeface="Yu Gothic" panose="020B0400000000000000" pitchFamily="50" charset="-128"/>
-                      </a:endParaRPr>
                     </a:p>
                   </a:txBody>
                   <a:tcPr marL="5614" marR="5614" marT="5614" marB="0" anchor="ctr">
@@ -11596,19 +11183,11 @@
                             <a:srgbClr val="000000"/>
                           </a:solidFill>
                           <a:effectLst/>
-                          <a:latin typeface="Yu Gothic" panose="020B0400000000000000" pitchFamily="50" charset="-128"/>
-                          <a:ea typeface="Yu Gothic" panose="020B0400000000000000" pitchFamily="50" charset="-128"/>
+                          <a:latin typeface="游ゴシック" panose="020B0400000000000000" pitchFamily="50" charset="-128"/>
+                          <a:ea typeface="游ゴシック" panose="020B0400000000000000" pitchFamily="50" charset="-128"/>
                         </a:rPr>
                         <a:t>　</a:t>
                       </a:r>
-                      <a:endParaRPr lang="ja-JP" altLang="en-US" sz="1000" b="0" i="0" u="none" strike="noStrike">
-                        <a:solidFill>
-                          <a:srgbClr val="000000"/>
-                        </a:solidFill>
-                        <a:effectLst/>
-                        <a:latin typeface="Yu Gothic" panose="020B0400000000000000" pitchFamily="50" charset="-128"/>
-                        <a:ea typeface="Yu Gothic" panose="020B0400000000000000" pitchFamily="50" charset="-128"/>
-                      </a:endParaRPr>
                     </a:p>
                   </a:txBody>
                   <a:tcPr marL="5614" marR="5614" marT="5614" marB="0" anchor="ctr">
@@ -11650,19 +11229,11 @@
                             <a:srgbClr val="000000"/>
                           </a:solidFill>
                           <a:effectLst/>
-                          <a:latin typeface="Yu Gothic" panose="020B0400000000000000" pitchFamily="50" charset="-128"/>
-                          <a:ea typeface="Yu Gothic" panose="020B0400000000000000" pitchFamily="50" charset="-128"/>
+                          <a:latin typeface="游ゴシック" panose="020B0400000000000000" pitchFamily="50" charset="-128"/>
+                          <a:ea typeface="游ゴシック" panose="020B0400000000000000" pitchFamily="50" charset="-128"/>
                         </a:rPr>
                         <a:t>　</a:t>
                       </a:r>
-                      <a:endParaRPr lang="ja-JP" altLang="en-US" sz="1000" b="0" i="0" u="none" strike="noStrike">
-                        <a:solidFill>
-                          <a:srgbClr val="000000"/>
-                        </a:solidFill>
-                        <a:effectLst/>
-                        <a:latin typeface="Yu Gothic" panose="020B0400000000000000" pitchFamily="50" charset="-128"/>
-                        <a:ea typeface="Yu Gothic" panose="020B0400000000000000" pitchFamily="50" charset="-128"/>
-                      </a:endParaRPr>
                     </a:p>
                   </a:txBody>
                   <a:tcPr marL="5614" marR="5614" marT="5614" marB="0" anchor="ctr">
@@ -11716,19 +11287,11 @@
                             <a:srgbClr val="000000"/>
                           </a:solidFill>
                           <a:effectLst/>
-                          <a:latin typeface="Yu Gothic" panose="020B0400000000000000" pitchFamily="50" charset="-128"/>
-                          <a:ea typeface="Yu Gothic" panose="020B0400000000000000" pitchFamily="50" charset="-128"/>
+                          <a:latin typeface="游ゴシック" panose="020B0400000000000000" pitchFamily="50" charset="-128"/>
+                          <a:ea typeface="游ゴシック" panose="020B0400000000000000" pitchFamily="50" charset="-128"/>
                         </a:rPr>
                         <a:t>　</a:t>
                       </a:r>
-                      <a:endParaRPr lang="ja-JP" altLang="en-US" sz="1000" b="0" i="0" u="none" strike="noStrike">
-                        <a:solidFill>
-                          <a:srgbClr val="000000"/>
-                        </a:solidFill>
-                        <a:effectLst/>
-                        <a:latin typeface="Yu Gothic" panose="020B0400000000000000" pitchFamily="50" charset="-128"/>
-                        <a:ea typeface="Yu Gothic" panose="020B0400000000000000" pitchFamily="50" charset="-128"/>
-                      </a:endParaRPr>
                     </a:p>
                   </a:txBody>
                   <a:tcPr marL="5614" marR="5614" marT="5614" marB="0" anchor="ctr">
@@ -11770,19 +11333,11 @@
                             <a:srgbClr val="000000"/>
                           </a:solidFill>
                           <a:effectLst/>
-                          <a:latin typeface="Yu Gothic" panose="020B0400000000000000" pitchFamily="50" charset="-128"/>
-                          <a:ea typeface="Yu Gothic" panose="020B0400000000000000" pitchFamily="50" charset="-128"/>
+                          <a:latin typeface="游ゴシック" panose="020B0400000000000000" pitchFamily="50" charset="-128"/>
+                          <a:ea typeface="游ゴシック" panose="020B0400000000000000" pitchFamily="50" charset="-128"/>
                         </a:rPr>
                         <a:t>　</a:t>
                       </a:r>
-                      <a:endParaRPr lang="ja-JP" altLang="en-US" sz="1000" b="0" i="0" u="none" strike="noStrike">
-                        <a:solidFill>
-                          <a:srgbClr val="000000"/>
-                        </a:solidFill>
-                        <a:effectLst/>
-                        <a:latin typeface="Yu Gothic" panose="020B0400000000000000" pitchFamily="50" charset="-128"/>
-                        <a:ea typeface="Yu Gothic" panose="020B0400000000000000" pitchFamily="50" charset="-128"/>
-                      </a:endParaRPr>
                     </a:p>
                   </a:txBody>
                   <a:tcPr marL="5614" marR="5614" marT="5614" marB="0" anchor="ctr">
@@ -11836,19 +11391,11 @@
                             <a:srgbClr val="000000"/>
                           </a:solidFill>
                           <a:effectLst/>
-                          <a:latin typeface="Yu Gothic" panose="020B0400000000000000" pitchFamily="50" charset="-128"/>
-                          <a:ea typeface="Yu Gothic" panose="020B0400000000000000" pitchFamily="50" charset="-128"/>
+                          <a:latin typeface="游ゴシック" panose="020B0400000000000000" pitchFamily="50" charset="-128"/>
+                          <a:ea typeface="游ゴシック" panose="020B0400000000000000" pitchFamily="50" charset="-128"/>
                         </a:rPr>
                         <a:t>　</a:t>
                       </a:r>
-                      <a:endParaRPr lang="ja-JP" altLang="en-US" sz="1000" b="0" i="0" u="none" strike="noStrike">
-                        <a:solidFill>
-                          <a:srgbClr val="000000"/>
-                        </a:solidFill>
-                        <a:effectLst/>
-                        <a:latin typeface="Yu Gothic" panose="020B0400000000000000" pitchFamily="50" charset="-128"/>
-                        <a:ea typeface="Yu Gothic" panose="020B0400000000000000" pitchFamily="50" charset="-128"/>
-                      </a:endParaRPr>
                     </a:p>
                   </a:txBody>
                   <a:tcPr marL="5614" marR="5614" marT="5614" marB="0" anchor="ctr">
@@ -11890,19 +11437,11 @@
                             <a:srgbClr val="000000"/>
                           </a:solidFill>
                           <a:effectLst/>
-                          <a:latin typeface="Yu Gothic" panose="020B0400000000000000" pitchFamily="50" charset="-128"/>
-                          <a:ea typeface="Yu Gothic" panose="020B0400000000000000" pitchFamily="50" charset="-128"/>
+                          <a:latin typeface="游ゴシック" panose="020B0400000000000000" pitchFamily="50" charset="-128"/>
+                          <a:ea typeface="游ゴシック" panose="020B0400000000000000" pitchFamily="50" charset="-128"/>
                         </a:rPr>
                         <a:t>　</a:t>
                       </a:r>
-                      <a:endParaRPr lang="ja-JP" altLang="en-US" sz="1000" b="0" i="0" u="none" strike="noStrike">
-                        <a:solidFill>
-                          <a:srgbClr val="000000"/>
-                        </a:solidFill>
-                        <a:effectLst/>
-                        <a:latin typeface="Yu Gothic" panose="020B0400000000000000" pitchFamily="50" charset="-128"/>
-                        <a:ea typeface="Yu Gothic" panose="020B0400000000000000" pitchFamily="50" charset="-128"/>
-                      </a:endParaRPr>
                     </a:p>
                   </a:txBody>
                   <a:tcPr marL="5614" marR="5614" marT="5614" marB="0" anchor="ctr">
@@ -11956,19 +11495,11 @@
                             <a:srgbClr val="000000"/>
                           </a:solidFill>
                           <a:effectLst/>
-                          <a:latin typeface="Yu Gothic" panose="020B0400000000000000" pitchFamily="50" charset="-128"/>
-                          <a:ea typeface="Yu Gothic" panose="020B0400000000000000" pitchFamily="50" charset="-128"/>
+                          <a:latin typeface="游ゴシック" panose="020B0400000000000000" pitchFamily="50" charset="-128"/>
+                          <a:ea typeface="游ゴシック" panose="020B0400000000000000" pitchFamily="50" charset="-128"/>
                         </a:rPr>
                         <a:t>　</a:t>
                       </a:r>
-                      <a:endParaRPr lang="ja-JP" altLang="en-US" sz="1000" b="0" i="0" u="none" strike="noStrike">
-                        <a:solidFill>
-                          <a:srgbClr val="000000"/>
-                        </a:solidFill>
-                        <a:effectLst/>
-                        <a:latin typeface="Yu Gothic" panose="020B0400000000000000" pitchFamily="50" charset="-128"/>
-                        <a:ea typeface="Yu Gothic" panose="020B0400000000000000" pitchFamily="50" charset="-128"/>
-                      </a:endParaRPr>
                     </a:p>
                   </a:txBody>
                   <a:tcPr marL="5614" marR="5614" marT="5614" marB="0" anchor="ctr">
@@ -12010,19 +11541,11 @@
                             <a:srgbClr val="000000"/>
                           </a:solidFill>
                           <a:effectLst/>
-                          <a:latin typeface="Yu Gothic" panose="020B0400000000000000" pitchFamily="50" charset="-128"/>
-                          <a:ea typeface="Yu Gothic" panose="020B0400000000000000" pitchFamily="50" charset="-128"/>
+                          <a:latin typeface="游ゴシック" panose="020B0400000000000000" pitchFamily="50" charset="-128"/>
+                          <a:ea typeface="游ゴシック" panose="020B0400000000000000" pitchFamily="50" charset="-128"/>
                         </a:rPr>
                         <a:t>　</a:t>
                       </a:r>
-                      <a:endParaRPr lang="ja-JP" altLang="en-US" sz="1000" b="0" i="0" u="none" strike="noStrike">
-                        <a:solidFill>
-                          <a:srgbClr val="000000"/>
-                        </a:solidFill>
-                        <a:effectLst/>
-                        <a:latin typeface="Yu Gothic" panose="020B0400000000000000" pitchFamily="50" charset="-128"/>
-                        <a:ea typeface="Yu Gothic" panose="020B0400000000000000" pitchFamily="50" charset="-128"/>
-                      </a:endParaRPr>
                     </a:p>
                   </a:txBody>
                   <a:tcPr marL="5614" marR="5614" marT="5614" marB="0" anchor="ctr">
@@ -12076,19 +11599,11 @@
                             <a:srgbClr val="000000"/>
                           </a:solidFill>
                           <a:effectLst/>
-                          <a:latin typeface="Yu Gothic" panose="020B0400000000000000" pitchFamily="50" charset="-128"/>
-                          <a:ea typeface="Yu Gothic" panose="020B0400000000000000" pitchFamily="50" charset="-128"/>
+                          <a:latin typeface="游ゴシック" panose="020B0400000000000000" pitchFamily="50" charset="-128"/>
+                          <a:ea typeface="游ゴシック" panose="020B0400000000000000" pitchFamily="50" charset="-128"/>
                         </a:rPr>
                         <a:t>　</a:t>
                       </a:r>
-                      <a:endParaRPr lang="ja-JP" altLang="en-US" sz="1000" b="0" i="0" u="none" strike="noStrike">
-                        <a:solidFill>
-                          <a:srgbClr val="000000"/>
-                        </a:solidFill>
-                        <a:effectLst/>
-                        <a:latin typeface="Yu Gothic" panose="020B0400000000000000" pitchFamily="50" charset="-128"/>
-                        <a:ea typeface="Yu Gothic" panose="020B0400000000000000" pitchFamily="50" charset="-128"/>
-                      </a:endParaRPr>
                     </a:p>
                   </a:txBody>
                   <a:tcPr marL="5614" marR="5614" marT="5614" marB="0" anchor="ctr">
@@ -12130,19 +11645,11 @@
                             <a:srgbClr val="000000"/>
                           </a:solidFill>
                           <a:effectLst/>
-                          <a:latin typeface="Yu Gothic" panose="020B0400000000000000" pitchFamily="50" charset="-128"/>
-                          <a:ea typeface="Yu Gothic" panose="020B0400000000000000" pitchFamily="50" charset="-128"/>
+                          <a:latin typeface="游ゴシック" panose="020B0400000000000000" pitchFamily="50" charset="-128"/>
+                          <a:ea typeface="游ゴシック" panose="020B0400000000000000" pitchFamily="50" charset="-128"/>
                         </a:rPr>
                         <a:t>　</a:t>
                       </a:r>
-                      <a:endParaRPr lang="ja-JP" altLang="en-US" sz="1000" b="0" i="0" u="none" strike="noStrike">
-                        <a:solidFill>
-                          <a:srgbClr val="000000"/>
-                        </a:solidFill>
-                        <a:effectLst/>
-                        <a:latin typeface="Yu Gothic" panose="020B0400000000000000" pitchFamily="50" charset="-128"/>
-                        <a:ea typeface="Yu Gothic" panose="020B0400000000000000" pitchFamily="50" charset="-128"/>
-                      </a:endParaRPr>
                     </a:p>
                   </a:txBody>
                   <a:tcPr marL="5614" marR="5614" marT="5614" marB="0" anchor="ctr">
@@ -12184,6 +11691,11 @@
                     </a:lnB>
                   </a:tcPr>
                 </a:tc>
+                <a:extLst>
+                  <a:ext uri="{0D108BD9-81ED-4DB2-BD59-A6C34878D82A}">
+                    <a16:rowId xmlns:a16="http://schemas.microsoft.com/office/drawing/2014/main" val="1509737270"/>
+                  </a:ext>
+                </a:extLst>
               </a:tr>
               <a:tr h="153813">
                 <a:tc>
@@ -12198,18 +11710,53 @@
                             <a:srgbClr val="000000"/>
                           </a:solidFill>
                           <a:effectLst/>
-                          <a:latin typeface="Yu Gothic" panose="020B0400000000000000" pitchFamily="50" charset="-128"/>
-                          <a:ea typeface="Yu Gothic" panose="020B0400000000000000" pitchFamily="50" charset="-128"/>
+                          <a:latin typeface="游ゴシック" panose="020B0400000000000000" pitchFamily="50" charset="-128"/>
+                          <a:ea typeface="游ゴシック" panose="020B0400000000000000" pitchFamily="50" charset="-128"/>
                         </a:rPr>
                         <a:t>　</a:t>
                       </a:r>
+                    </a:p>
+                  </a:txBody>
+                  <a:tcPr marL="5614" marR="5614" marT="5614" marB="0" anchor="ctr">
+                    <a:lnL>
+                      <a:noFill/>
+                    </a:lnL>
+                    <a:lnR>
+                      <a:noFill/>
+                    </a:lnR>
+                    <a:lnT w="6350" cap="flat" cmpd="sng" algn="ctr">
+                      <a:solidFill>
+                        <a:srgbClr val="000000"/>
+                      </a:solidFill>
+                      <a:prstDash val="solid"/>
+                      <a:round/>
+                      <a:headEnd type="none" w="med" len="med"/>
+                      <a:tailEnd type="none" w="med" len="med"/>
+                    </a:lnT>
+                    <a:lnB w="6350" cap="flat" cmpd="sng" algn="ctr">
+                      <a:solidFill>
+                        <a:srgbClr val="000000"/>
+                      </a:solidFill>
+                      <a:prstDash val="solid"/>
+                      <a:round/>
+                      <a:headEnd type="none" w="med" len="med"/>
+                      <a:tailEnd type="none" w="med" len="med"/>
+                    </a:lnB>
+                  </a:tcPr>
+                </a:tc>
+                <a:tc>
+                  <a:txBody>
+                    <a:bodyPr/>
+                    <a:lstStyle/>
+                    <a:p>
+                      <a:pPr algn="l" fontAlgn="ctr"/>
                       <a:endParaRPr lang="ja-JP" altLang="en-US" sz="1000" b="0" i="0" u="none" strike="noStrike">
                         <a:solidFill>
                           <a:srgbClr val="000000"/>
                         </a:solidFill>
                         <a:effectLst/>
-                        <a:latin typeface="Yu Gothic" panose="020B0400000000000000" pitchFamily="50" charset="-128"/>
-                        <a:ea typeface="Yu Gothic" panose="020B0400000000000000" pitchFamily="50" charset="-128"/>
+                        <a:latin typeface="游ゴシック" panose="020B0400000000000000" pitchFamily="50" charset="-128"/>
+                        <a:ea typeface="游ゴシック" panose="020B0400000000000000" pitchFamily="50" charset="-128"/>
                       </a:endParaRPr>
                     </a:p>
                   </a:txBody>
@@ -12220,23 +11767,11 @@
                     <a:lnR>
                       <a:noFill/>
                     </a:lnR>
-                    <a:lnT w="6350" cap="flat" cmpd="sng" algn="ctr">
-                      <a:solidFill>
-                        <a:srgbClr val="000000"/>
-                      </a:solidFill>
-                      <a:prstDash val="solid"/>
-                      <a:round/>
-                      <a:headEnd type="none" w="med" len="med"/>
-                      <a:tailEnd type="none" w="med" len="med"/>
-                    </a:lnT>
-                    <a:lnB w="6350" cap="flat" cmpd="sng" algn="ctr">
-                      <a:solidFill>
-                        <a:srgbClr val="000000"/>
-                      </a:solidFill>
-                      <a:prstDash val="solid"/>
-                      <a:round/>
-                      <a:headEnd type="none" w="med" len="med"/>
-                      <a:tailEnd type="none" w="med" len="med"/>
+                    <a:lnT>
+                      <a:noFill/>
+                    </a:lnT>
+                    <a:lnB>
+                      <a:noFill/>
                     </a:lnB>
                   </a:tcPr>
                 </a:tc>
@@ -12251,8 +11786,8 @@
                           <a:srgbClr val="000000"/>
                         </a:solidFill>
                         <a:effectLst/>
-                        <a:latin typeface="Yu Gothic" panose="020B0400000000000000" pitchFamily="50" charset="-128"/>
-                        <a:ea typeface="Yu Gothic" panose="020B0400000000000000" pitchFamily="50" charset="-128"/>
+                        <a:latin typeface="游ゴシック" panose="020B0400000000000000" pitchFamily="50" charset="-128"/>
+                        <a:ea typeface="游ゴシック" panose="020B0400000000000000" pitchFamily="50" charset="-128"/>
                       </a:endParaRPr>
                     </a:p>
                   </a:txBody>
@@ -12263,11 +11798,23 @@
                     <a:lnR>
                       <a:noFill/>
                     </a:lnR>
-                    <a:lnT>
-                      <a:noFill/>
-                    </a:lnT>
-                    <a:lnB>
-                      <a:noFill/>
+                    <a:lnT w="6350" cap="flat" cmpd="sng" algn="ctr">
+                      <a:solidFill>
+                        <a:srgbClr val="000000"/>
+                      </a:solidFill>
+                      <a:prstDash val="solid"/>
+                      <a:round/>
+                      <a:headEnd type="none" w="med" len="med"/>
+                      <a:tailEnd type="none" w="med" len="med"/>
+                    </a:lnT>
+                    <a:lnB w="6350" cap="flat" cmpd="sng" algn="ctr">
+                      <a:solidFill>
+                        <a:srgbClr val="000000"/>
+                      </a:solidFill>
+                      <a:prstDash val="solid"/>
+                      <a:round/>
+                      <a:headEnd type="none" w="med" len="med"/>
+                      <a:tailEnd type="none" w="med" len="med"/>
                     </a:lnB>
                   </a:tcPr>
                 </a:tc>
@@ -12282,8 +11829,8 @@
                           <a:srgbClr val="000000"/>
                         </a:solidFill>
                         <a:effectLst/>
-                        <a:latin typeface="Yu Gothic" panose="020B0400000000000000" pitchFamily="50" charset="-128"/>
-                        <a:ea typeface="Yu Gothic" panose="020B0400000000000000" pitchFamily="50" charset="-128"/>
+                        <a:latin typeface="游ゴシック" panose="020B0400000000000000" pitchFamily="50" charset="-128"/>
+                        <a:ea typeface="游ゴシック" panose="020B0400000000000000" pitchFamily="50" charset="-128"/>
                       </a:endParaRPr>
                     </a:p>
                   </a:txBody>
@@ -12294,23 +11841,11 @@
                     <a:lnR>
                       <a:noFill/>
                     </a:lnR>
-                    <a:lnT w="6350" cap="flat" cmpd="sng" algn="ctr">
-                      <a:solidFill>
-                        <a:srgbClr val="000000"/>
-                      </a:solidFill>
-                      <a:prstDash val="solid"/>
-                      <a:round/>
-                      <a:headEnd type="none" w="med" len="med"/>
-                      <a:tailEnd type="none" w="med" len="med"/>
-                    </a:lnT>
-                    <a:lnB w="6350" cap="flat" cmpd="sng" algn="ctr">
-                      <a:solidFill>
-                        <a:srgbClr val="000000"/>
-                      </a:solidFill>
-                      <a:prstDash val="solid"/>
-                      <a:round/>
-                      <a:headEnd type="none" w="med" len="med"/>
-                      <a:tailEnd type="none" w="med" len="med"/>
+                    <a:lnT>
+                      <a:noFill/>
+                    </a:lnT>
+                    <a:lnB>
+                      <a:noFill/>
                     </a:lnB>
                   </a:tcPr>
                 </a:tc>
@@ -12325,8 +11860,8 @@
                           <a:srgbClr val="000000"/>
                         </a:solidFill>
                         <a:effectLst/>
-                        <a:latin typeface="Yu Gothic" panose="020B0400000000000000" pitchFamily="50" charset="-128"/>
-                        <a:ea typeface="Yu Gothic" panose="020B0400000000000000" pitchFamily="50" charset="-128"/>
+                        <a:latin typeface="游ゴシック" panose="020B0400000000000000" pitchFamily="50" charset="-128"/>
+                        <a:ea typeface="游ゴシック" panose="020B0400000000000000" pitchFamily="50" charset="-128"/>
                       </a:endParaRPr>
                     </a:p>
                   </a:txBody>
@@ -12337,11 +11872,23 @@
                     <a:lnR>
                       <a:noFill/>
                     </a:lnR>
-                    <a:lnT>
-                      <a:noFill/>
-                    </a:lnT>
-                    <a:lnB>
-                      <a:noFill/>
+                    <a:lnT w="6350" cap="flat" cmpd="sng" algn="ctr">
+                      <a:solidFill>
+                        <a:srgbClr val="000000"/>
+                      </a:solidFill>
+                      <a:prstDash val="solid"/>
+                      <a:round/>
+                      <a:headEnd type="none" w="med" len="med"/>
+                      <a:tailEnd type="none" w="med" len="med"/>
+                    </a:lnT>
+                    <a:lnB w="6350" cap="flat" cmpd="sng" algn="ctr">
+                      <a:solidFill>
+                        <a:srgbClr val="000000"/>
+                      </a:solidFill>
+                      <a:prstDash val="solid"/>
+                      <a:round/>
+                      <a:headEnd type="none" w="med" len="med"/>
+                      <a:tailEnd type="none" w="med" len="med"/>
                     </a:lnB>
                   </a:tcPr>
                 </a:tc>
@@ -12356,8 +11903,8 @@
                           <a:srgbClr val="000000"/>
                         </a:solidFill>
                         <a:effectLst/>
-                        <a:latin typeface="Yu Gothic" panose="020B0400000000000000" pitchFamily="50" charset="-128"/>
-                        <a:ea typeface="Yu Gothic" panose="020B0400000000000000" pitchFamily="50" charset="-128"/>
+                        <a:latin typeface="游ゴシック" panose="020B0400000000000000" pitchFamily="50" charset="-128"/>
+                        <a:ea typeface="游ゴシック" panose="020B0400000000000000" pitchFamily="50" charset="-128"/>
                       </a:endParaRPr>
                     </a:p>
                   </a:txBody>
@@ -12368,23 +11915,11 @@
                     <a:lnR>
                       <a:noFill/>
                     </a:lnR>
-                    <a:lnT w="6350" cap="flat" cmpd="sng" algn="ctr">
-                      <a:solidFill>
-                        <a:srgbClr val="000000"/>
-                      </a:solidFill>
-                      <a:prstDash val="solid"/>
-                      <a:round/>
-                      <a:headEnd type="none" w="med" len="med"/>
-                      <a:tailEnd type="none" w="med" len="med"/>
-                    </a:lnT>
-                    <a:lnB w="6350" cap="flat" cmpd="sng" algn="ctr">
-                      <a:solidFill>
-                        <a:srgbClr val="000000"/>
-                      </a:solidFill>
-                      <a:prstDash val="solid"/>
-                      <a:round/>
-                      <a:headEnd type="none" w="med" len="med"/>
-                      <a:tailEnd type="none" w="med" len="med"/>
+                    <a:lnT>
+                      <a:noFill/>
+                    </a:lnT>
+                    <a:lnB>
+                      <a:noFill/>
                     </a:lnB>
                   </a:tcPr>
                 </a:tc>
@@ -12399,8 +11934,8 @@
                           <a:srgbClr val="000000"/>
                         </a:solidFill>
                         <a:effectLst/>
-                        <a:latin typeface="Yu Gothic" panose="020B0400000000000000" pitchFamily="50" charset="-128"/>
-                        <a:ea typeface="Yu Gothic" panose="020B0400000000000000" pitchFamily="50" charset="-128"/>
+                        <a:latin typeface="游ゴシック" panose="020B0400000000000000" pitchFamily="50" charset="-128"/>
+                        <a:ea typeface="游ゴシック" panose="020B0400000000000000" pitchFamily="50" charset="-128"/>
                       </a:endParaRPr>
                     </a:p>
                   </a:txBody>
@@ -12411,11 +11946,23 @@
                     <a:lnR>
                       <a:noFill/>
                     </a:lnR>
-                    <a:lnT>
-                      <a:noFill/>
-                    </a:lnT>
-                    <a:lnB>
-                      <a:noFill/>
+                    <a:lnT w="6350" cap="flat" cmpd="sng" algn="ctr">
+                      <a:solidFill>
+                        <a:srgbClr val="000000"/>
+                      </a:solidFill>
+                      <a:prstDash val="solid"/>
+                      <a:round/>
+                      <a:headEnd type="none" w="med" len="med"/>
+                      <a:tailEnd type="none" w="med" len="med"/>
+                    </a:lnT>
+                    <a:lnB w="6350" cap="flat" cmpd="sng" algn="ctr">
+                      <a:solidFill>
+                        <a:srgbClr val="000000"/>
+                      </a:solidFill>
+                      <a:prstDash val="solid"/>
+                      <a:round/>
+                      <a:headEnd type="none" w="med" len="med"/>
+                      <a:tailEnd type="none" w="med" len="med"/>
                     </a:lnB>
                   </a:tcPr>
                 </a:tc>
@@ -12430,8 +11977,8 @@
                           <a:srgbClr val="000000"/>
                         </a:solidFill>
                         <a:effectLst/>
-                        <a:latin typeface="Yu Gothic" panose="020B0400000000000000" pitchFamily="50" charset="-128"/>
-                        <a:ea typeface="Yu Gothic" panose="020B0400000000000000" pitchFamily="50" charset="-128"/>
+                        <a:latin typeface="游ゴシック" panose="020B0400000000000000" pitchFamily="50" charset="-128"/>
+                        <a:ea typeface="游ゴシック" panose="020B0400000000000000" pitchFamily="50" charset="-128"/>
                       </a:endParaRPr>
                     </a:p>
                   </a:txBody>
@@ -12442,23 +11989,11 @@
                     <a:lnR>
                       <a:noFill/>
                     </a:lnR>
-                    <a:lnT w="6350" cap="flat" cmpd="sng" algn="ctr">
-                      <a:solidFill>
-                        <a:srgbClr val="000000"/>
-                      </a:solidFill>
-                      <a:prstDash val="solid"/>
-                      <a:round/>
-                      <a:headEnd type="none" w="med" len="med"/>
-                      <a:tailEnd type="none" w="med" len="med"/>
-                    </a:lnT>
-                    <a:lnB w="6350" cap="flat" cmpd="sng" algn="ctr">
-                      <a:solidFill>
-                        <a:srgbClr val="000000"/>
-                      </a:solidFill>
-                      <a:prstDash val="solid"/>
-                      <a:round/>
-                      <a:headEnd type="none" w="med" len="med"/>
-                      <a:tailEnd type="none" w="med" len="med"/>
+                    <a:lnT>
+                      <a:noFill/>
+                    </a:lnT>
+                    <a:lnB>
+                      <a:noFill/>
                     </a:lnB>
                   </a:tcPr>
                 </a:tc>
@@ -12473,8 +12008,8 @@
                           <a:srgbClr val="000000"/>
                         </a:solidFill>
                         <a:effectLst/>
-                        <a:latin typeface="Yu Gothic" panose="020B0400000000000000" pitchFamily="50" charset="-128"/>
-                        <a:ea typeface="Yu Gothic" panose="020B0400000000000000" pitchFamily="50" charset="-128"/>
+                        <a:latin typeface="游ゴシック" panose="020B0400000000000000" pitchFamily="50" charset="-128"/>
+                        <a:ea typeface="游ゴシック" panose="020B0400000000000000" pitchFamily="50" charset="-128"/>
                       </a:endParaRPr>
                     </a:p>
                   </a:txBody>
@@ -12485,11 +12020,23 @@
                     <a:lnR>
                       <a:noFill/>
                     </a:lnR>
-                    <a:lnT>
-                      <a:noFill/>
-                    </a:lnT>
-                    <a:lnB>
-                      <a:noFill/>
+                    <a:lnT w="6350" cap="flat" cmpd="sng" algn="ctr">
+                      <a:solidFill>
+                        <a:srgbClr val="000000"/>
+                      </a:solidFill>
+                      <a:prstDash val="solid"/>
+                      <a:round/>
+                      <a:headEnd type="none" w="med" len="med"/>
+                      <a:tailEnd type="none" w="med" len="med"/>
+                    </a:lnT>
+                    <a:lnB w="6350" cap="flat" cmpd="sng" algn="ctr">
+                      <a:solidFill>
+                        <a:srgbClr val="000000"/>
+                      </a:solidFill>
+                      <a:prstDash val="solid"/>
+                      <a:round/>
+                      <a:headEnd type="none" w="med" len="med"/>
+                      <a:tailEnd type="none" w="med" len="med"/>
                     </a:lnB>
                   </a:tcPr>
                 </a:tc>
@@ -12504,8 +12051,8 @@
                           <a:srgbClr val="000000"/>
                         </a:solidFill>
                         <a:effectLst/>
-                        <a:latin typeface="Yu Gothic" panose="020B0400000000000000" pitchFamily="50" charset="-128"/>
-                        <a:ea typeface="Yu Gothic" panose="020B0400000000000000" pitchFamily="50" charset="-128"/>
+                        <a:latin typeface="游ゴシック" panose="020B0400000000000000" pitchFamily="50" charset="-128"/>
+                        <a:ea typeface="游ゴシック" panose="020B0400000000000000" pitchFamily="50" charset="-128"/>
                       </a:endParaRPr>
                     </a:p>
                   </a:txBody>
@@ -12516,23 +12063,11 @@
                     <a:lnR>
                       <a:noFill/>
                     </a:lnR>
-                    <a:lnT w="6350" cap="flat" cmpd="sng" algn="ctr">
-                      <a:solidFill>
-                        <a:srgbClr val="000000"/>
-                      </a:solidFill>
-                      <a:prstDash val="solid"/>
-                      <a:round/>
-                      <a:headEnd type="none" w="med" len="med"/>
-                      <a:tailEnd type="none" w="med" len="med"/>
-                    </a:lnT>
-                    <a:lnB w="6350" cap="flat" cmpd="sng" algn="ctr">
-                      <a:solidFill>
-                        <a:srgbClr val="000000"/>
-                      </a:solidFill>
-                      <a:prstDash val="solid"/>
-                      <a:round/>
-                      <a:headEnd type="none" w="med" len="med"/>
-                      <a:tailEnd type="none" w="med" len="med"/>
+                    <a:lnT>
+                      <a:noFill/>
+                    </a:lnT>
+                    <a:lnB>
+                      <a:noFill/>
                     </a:lnB>
                   </a:tcPr>
                 </a:tc>
@@ -12547,8 +12082,8 @@
                           <a:srgbClr val="000000"/>
                         </a:solidFill>
                         <a:effectLst/>
-                        <a:latin typeface="Yu Gothic" panose="020B0400000000000000" pitchFamily="50" charset="-128"/>
-                        <a:ea typeface="Yu Gothic" panose="020B0400000000000000" pitchFamily="50" charset="-128"/>
+                        <a:latin typeface="游ゴシック" panose="020B0400000000000000" pitchFamily="50" charset="-128"/>
+                        <a:ea typeface="游ゴシック" panose="020B0400000000000000" pitchFamily="50" charset="-128"/>
                       </a:endParaRPr>
                     </a:p>
                   </a:txBody>
@@ -12559,11 +12094,23 @@
                     <a:lnR>
                       <a:noFill/>
                     </a:lnR>
-                    <a:lnT>
-                      <a:noFill/>
-                    </a:lnT>
-                    <a:lnB>
-                      <a:noFill/>
+                    <a:lnT w="6350" cap="flat" cmpd="sng" algn="ctr">
+                      <a:solidFill>
+                        <a:srgbClr val="000000"/>
+                      </a:solidFill>
+                      <a:prstDash val="solid"/>
+                      <a:round/>
+                      <a:headEnd type="none" w="med" len="med"/>
+                      <a:tailEnd type="none" w="med" len="med"/>
+                    </a:lnT>
+                    <a:lnB w="6350" cap="flat" cmpd="sng" algn="ctr">
+                      <a:solidFill>
+                        <a:srgbClr val="000000"/>
+                      </a:solidFill>
+                      <a:prstDash val="solid"/>
+                      <a:round/>
+                      <a:headEnd type="none" w="med" len="med"/>
+                      <a:tailEnd type="none" w="med" len="med"/>
                     </a:lnB>
                   </a:tcPr>
                 </a:tc>
@@ -12578,8 +12125,8 @@
                           <a:srgbClr val="000000"/>
                         </a:solidFill>
                         <a:effectLst/>
-                        <a:latin typeface="Yu Gothic" panose="020B0400000000000000" pitchFamily="50" charset="-128"/>
-                        <a:ea typeface="Yu Gothic" panose="020B0400000000000000" pitchFamily="50" charset="-128"/>
+                        <a:latin typeface="游ゴシック" panose="020B0400000000000000" pitchFamily="50" charset="-128"/>
+                        <a:ea typeface="游ゴシック" panose="020B0400000000000000" pitchFamily="50" charset="-128"/>
                       </a:endParaRPr>
                     </a:p>
                   </a:txBody>
@@ -12590,23 +12137,11 @@
                     <a:lnR>
                       <a:noFill/>
                     </a:lnR>
-                    <a:lnT w="6350" cap="flat" cmpd="sng" algn="ctr">
-                      <a:solidFill>
-                        <a:srgbClr val="000000"/>
-                      </a:solidFill>
-                      <a:prstDash val="solid"/>
-                      <a:round/>
-                      <a:headEnd type="none" w="med" len="med"/>
-                      <a:tailEnd type="none" w="med" len="med"/>
-                    </a:lnT>
-                    <a:lnB w="6350" cap="flat" cmpd="sng" algn="ctr">
-                      <a:solidFill>
-                        <a:srgbClr val="000000"/>
-                      </a:solidFill>
-                      <a:prstDash val="solid"/>
-                      <a:round/>
-                      <a:headEnd type="none" w="med" len="med"/>
-                      <a:tailEnd type="none" w="med" len="med"/>
+                    <a:lnT>
+                      <a:noFill/>
+                    </a:lnT>
+                    <a:lnB>
+                      <a:noFill/>
                     </a:lnB>
                   </a:tcPr>
                 </a:tc>
@@ -12621,8 +12156,8 @@
                           <a:srgbClr val="000000"/>
                         </a:solidFill>
                         <a:effectLst/>
-                        <a:latin typeface="Yu Gothic" panose="020B0400000000000000" pitchFamily="50" charset="-128"/>
-                        <a:ea typeface="Yu Gothic" panose="020B0400000000000000" pitchFamily="50" charset="-128"/>
+                        <a:latin typeface="游ゴシック" panose="020B0400000000000000" pitchFamily="50" charset="-128"/>
+                        <a:ea typeface="游ゴシック" panose="020B0400000000000000" pitchFamily="50" charset="-128"/>
                       </a:endParaRPr>
                     </a:p>
                   </a:txBody>
@@ -12633,11 +12168,23 @@
                     <a:lnR>
                       <a:noFill/>
                     </a:lnR>
-                    <a:lnT>
-                      <a:noFill/>
-                    </a:lnT>
-                    <a:lnB>
-                      <a:noFill/>
+                    <a:lnT w="6350" cap="flat" cmpd="sng" algn="ctr">
+                      <a:solidFill>
+                        <a:srgbClr val="000000"/>
+                      </a:solidFill>
+                      <a:prstDash val="solid"/>
+                      <a:round/>
+                      <a:headEnd type="none" w="med" len="med"/>
+                      <a:tailEnd type="none" w="med" len="med"/>
+                    </a:lnT>
+                    <a:lnB w="6350" cap="flat" cmpd="sng" algn="ctr">
+                      <a:solidFill>
+                        <a:srgbClr val="000000"/>
+                      </a:solidFill>
+                      <a:prstDash val="solid"/>
+                      <a:round/>
+                      <a:headEnd type="none" w="med" len="med"/>
+                      <a:tailEnd type="none" w="med" len="med"/>
                     </a:lnB>
                   </a:tcPr>
                 </a:tc>
@@ -12652,8 +12199,8 @@
                           <a:srgbClr val="000000"/>
                         </a:solidFill>
                         <a:effectLst/>
-                        <a:latin typeface="Yu Gothic" panose="020B0400000000000000" pitchFamily="50" charset="-128"/>
-                        <a:ea typeface="Yu Gothic" panose="020B0400000000000000" pitchFamily="50" charset="-128"/>
+                        <a:latin typeface="游ゴシック" panose="020B0400000000000000" pitchFamily="50" charset="-128"/>
+                        <a:ea typeface="游ゴシック" panose="020B0400000000000000" pitchFamily="50" charset="-128"/>
                       </a:endParaRPr>
                     </a:p>
                   </a:txBody>
@@ -12664,23 +12211,11 @@
                     <a:lnR>
                       <a:noFill/>
                     </a:lnR>
-                    <a:lnT w="6350" cap="flat" cmpd="sng" algn="ctr">
-                      <a:solidFill>
-                        <a:srgbClr val="000000"/>
-                      </a:solidFill>
-                      <a:prstDash val="solid"/>
-                      <a:round/>
-                      <a:headEnd type="none" w="med" len="med"/>
-                      <a:tailEnd type="none" w="med" len="med"/>
-                    </a:lnT>
-                    <a:lnB w="6350" cap="flat" cmpd="sng" algn="ctr">
-                      <a:solidFill>
-                        <a:srgbClr val="000000"/>
-                      </a:solidFill>
-                      <a:prstDash val="solid"/>
-                      <a:round/>
-                      <a:headEnd type="none" w="med" len="med"/>
-                      <a:tailEnd type="none" w="med" len="med"/>
+                    <a:lnT>
+                      <a:noFill/>
+                    </a:lnT>
+                    <a:lnB>
+                      <a:noFill/>
                     </a:lnB>
                   </a:tcPr>
                 </a:tc>
@@ -12695,8 +12230,8 @@
                           <a:srgbClr val="000000"/>
                         </a:solidFill>
                         <a:effectLst/>
-                        <a:latin typeface="Yu Gothic" panose="020B0400000000000000" pitchFamily="50" charset="-128"/>
-                        <a:ea typeface="Yu Gothic" panose="020B0400000000000000" pitchFamily="50" charset="-128"/>
+                        <a:latin typeface="游ゴシック" panose="020B0400000000000000" pitchFamily="50" charset="-128"/>
+                        <a:ea typeface="游ゴシック" panose="020B0400000000000000" pitchFamily="50" charset="-128"/>
                       </a:endParaRPr>
                     </a:p>
                   </a:txBody>
@@ -12707,11 +12242,23 @@
                     <a:lnR>
                       <a:noFill/>
                     </a:lnR>
-                    <a:lnT>
-                      <a:noFill/>
-                    </a:lnT>
-                    <a:lnB>
-                      <a:noFill/>
+                    <a:lnT w="6350" cap="flat" cmpd="sng" algn="ctr">
+                      <a:solidFill>
+                        <a:srgbClr val="000000"/>
+                      </a:solidFill>
+                      <a:prstDash val="solid"/>
+                      <a:round/>
+                      <a:headEnd type="none" w="med" len="med"/>
+                      <a:tailEnd type="none" w="med" len="med"/>
+                    </a:lnT>
+                    <a:lnB w="6350" cap="flat" cmpd="sng" algn="ctr">
+                      <a:solidFill>
+                        <a:srgbClr val="000000"/>
+                      </a:solidFill>
+                      <a:prstDash val="solid"/>
+                      <a:round/>
+                      <a:headEnd type="none" w="med" len="med"/>
+                      <a:tailEnd type="none" w="med" len="med"/>
                     </a:lnB>
                   </a:tcPr>
                 </a:tc>
@@ -12726,8 +12273,8 @@
                           <a:srgbClr val="000000"/>
                         </a:solidFill>
                         <a:effectLst/>
-                        <a:latin typeface="Yu Gothic" panose="020B0400000000000000" pitchFamily="50" charset="-128"/>
-                        <a:ea typeface="Yu Gothic" panose="020B0400000000000000" pitchFamily="50" charset="-128"/>
+                        <a:latin typeface="游ゴシック" panose="020B0400000000000000" pitchFamily="50" charset="-128"/>
+                        <a:ea typeface="游ゴシック" panose="020B0400000000000000" pitchFamily="50" charset="-128"/>
                       </a:endParaRPr>
                     </a:p>
                   </a:txBody>
@@ -12738,23 +12285,11 @@
                     <a:lnR>
                       <a:noFill/>
                     </a:lnR>
-                    <a:lnT w="6350" cap="flat" cmpd="sng" algn="ctr">
-                      <a:solidFill>
-                        <a:srgbClr val="000000"/>
-                      </a:solidFill>
-                      <a:prstDash val="solid"/>
-                      <a:round/>
-                      <a:headEnd type="none" w="med" len="med"/>
-                      <a:tailEnd type="none" w="med" len="med"/>
-                    </a:lnT>
-                    <a:lnB w="6350" cap="flat" cmpd="sng" algn="ctr">
-                      <a:solidFill>
-                        <a:srgbClr val="000000"/>
-                      </a:solidFill>
-                      <a:prstDash val="solid"/>
-                      <a:round/>
-                      <a:headEnd type="none" w="med" len="med"/>
-                      <a:tailEnd type="none" w="med" len="med"/>
+                    <a:lnT>
+                      <a:noFill/>
+                    </a:lnT>
+                    <a:lnB>
+                      <a:noFill/>
                     </a:lnB>
                   </a:tcPr>
                 </a:tc>
@@ -12769,8 +12304,8 @@
                           <a:srgbClr val="000000"/>
                         </a:solidFill>
                         <a:effectLst/>
-                        <a:latin typeface="Yu Gothic" panose="020B0400000000000000" pitchFamily="50" charset="-128"/>
-                        <a:ea typeface="Yu Gothic" panose="020B0400000000000000" pitchFamily="50" charset="-128"/>
+                        <a:latin typeface="游ゴシック" panose="020B0400000000000000" pitchFamily="50" charset="-128"/>
+                        <a:ea typeface="游ゴシック" panose="020B0400000000000000" pitchFamily="50" charset="-128"/>
                       </a:endParaRPr>
                     </a:p>
                   </a:txBody>
@@ -12781,11 +12316,23 @@
                     <a:lnR>
                       <a:noFill/>
                     </a:lnR>
-                    <a:lnT>
-                      <a:noFill/>
-                    </a:lnT>
-                    <a:lnB>
-                      <a:noFill/>
+                    <a:lnT w="6350" cap="flat" cmpd="sng" algn="ctr">
+                      <a:solidFill>
+                        <a:srgbClr val="000000"/>
+                      </a:solidFill>
+                      <a:prstDash val="solid"/>
+                      <a:round/>
+                      <a:headEnd type="none" w="med" len="med"/>
+                      <a:tailEnd type="none" w="med" len="med"/>
+                    </a:lnT>
+                    <a:lnB w="6350" cap="flat" cmpd="sng" algn="ctr">
+                      <a:solidFill>
+                        <a:srgbClr val="000000"/>
+                      </a:solidFill>
+                      <a:prstDash val="solid"/>
+                      <a:round/>
+                      <a:headEnd type="none" w="med" len="med"/>
+                      <a:tailEnd type="none" w="med" len="med"/>
                     </a:lnB>
                   </a:tcPr>
                 </a:tc>
@@ -12800,8 +12347,8 @@
                           <a:srgbClr val="000000"/>
                         </a:solidFill>
                         <a:effectLst/>
-                        <a:latin typeface="Yu Gothic" panose="020B0400000000000000" pitchFamily="50" charset="-128"/>
-                        <a:ea typeface="Yu Gothic" panose="020B0400000000000000" pitchFamily="50" charset="-128"/>
+                        <a:latin typeface="游ゴシック" panose="020B0400000000000000" pitchFamily="50" charset="-128"/>
+                        <a:ea typeface="游ゴシック" panose="020B0400000000000000" pitchFamily="50" charset="-128"/>
                       </a:endParaRPr>
                     </a:p>
                   </a:txBody>
@@ -12812,23 +12359,11 @@
                     <a:lnR>
                       <a:noFill/>
                     </a:lnR>
-                    <a:lnT w="6350" cap="flat" cmpd="sng" algn="ctr">
-                      <a:solidFill>
-                        <a:srgbClr val="000000"/>
-                      </a:solidFill>
-                      <a:prstDash val="solid"/>
-                      <a:round/>
-                      <a:headEnd type="none" w="med" len="med"/>
-                      <a:tailEnd type="none" w="med" len="med"/>
-                    </a:lnT>
-                    <a:lnB w="6350" cap="flat" cmpd="sng" algn="ctr">
-                      <a:solidFill>
-                        <a:srgbClr val="000000"/>
-                      </a:solidFill>
-                      <a:prstDash val="solid"/>
-                      <a:round/>
-                      <a:headEnd type="none" w="med" len="med"/>
-                      <a:tailEnd type="none" w="med" len="med"/>
+                    <a:lnT>
+                      <a:noFill/>
+                    </a:lnT>
+                    <a:lnB>
+                      <a:noFill/>
                     </a:lnB>
                   </a:tcPr>
                 </a:tc>
@@ -12843,8 +12378,8 @@
                           <a:srgbClr val="000000"/>
                         </a:solidFill>
                         <a:effectLst/>
-                        <a:latin typeface="Yu Gothic" panose="020B0400000000000000" pitchFamily="50" charset="-128"/>
-                        <a:ea typeface="Yu Gothic" panose="020B0400000000000000" pitchFamily="50" charset="-128"/>
+                        <a:latin typeface="游ゴシック" panose="020B0400000000000000" pitchFamily="50" charset="-128"/>
+                        <a:ea typeface="游ゴシック" panose="020B0400000000000000" pitchFamily="50" charset="-128"/>
                       </a:endParaRPr>
                     </a:p>
                   </a:txBody>
@@ -12855,37 +12390,6 @@
                     <a:lnR>
                       <a:noFill/>
                     </a:lnR>
-                    <a:lnT>
-                      <a:noFill/>
-                    </a:lnT>
-                    <a:lnB>
-                      <a:noFill/>
-                    </a:lnB>
-                  </a:tcPr>
-                </a:tc>
-                <a:tc>
-                  <a:txBody>
-                    <a:bodyPr/>
-                    <a:lstStyle/>
-                    <a:p>
-                      <a:pPr algn="l" fontAlgn="ctr"/>
-                      <a:endParaRPr lang="ja-JP" altLang="en-US" sz="1000" b="0" i="0" u="none" strike="noStrike">
-                        <a:solidFill>
-                          <a:srgbClr val="000000"/>
-                        </a:solidFill>
-                        <a:effectLst/>
-                        <a:latin typeface="Yu Gothic" panose="020B0400000000000000" pitchFamily="50" charset="-128"/>
-                        <a:ea typeface="Yu Gothic" panose="020B0400000000000000" pitchFamily="50" charset="-128"/>
-                      </a:endParaRPr>
-                    </a:p>
-                  </a:txBody>
-                  <a:tcPr marL="5614" marR="5614" marT="5614" marB="0" anchor="ctr">
-                    <a:lnL>
-                      <a:noFill/>
-                    </a:lnL>
-                    <a:lnR>
-                      <a:noFill/>
-                    </a:lnR>
                     <a:lnT w="6350" cap="flat" cmpd="sng" algn="ctr">
                       <a:solidFill>
                         <a:srgbClr val="000000"/>
@@ -12906,6 +12410,11 @@
                     </a:lnB>
                   </a:tcPr>
                 </a:tc>
+                <a:extLst>
+                  <a:ext uri="{0D108BD9-81ED-4DB2-BD59-A6C34878D82A}">
+                    <a16:rowId xmlns:a16="http://schemas.microsoft.com/office/drawing/2014/main" val="3771392240"/>
+                  </a:ext>
+                </a:extLst>
               </a:tr>
               <a:tr h="202090">
                 <a:tc>
@@ -12920,19 +12429,11 @@
                             <a:srgbClr val="000000"/>
                           </a:solidFill>
                           <a:effectLst/>
-                          <a:latin typeface="Yu Gothic" panose="020B0400000000000000" pitchFamily="50" charset="-128"/>
-                          <a:ea typeface="Yu Gothic" panose="020B0400000000000000" pitchFamily="50" charset="-128"/>
+                          <a:latin typeface="游ゴシック" panose="020B0400000000000000" pitchFamily="50" charset="-128"/>
+                          <a:ea typeface="游ゴシック" panose="020B0400000000000000" pitchFamily="50" charset="-128"/>
                         </a:rPr>
                         <a:t>　</a:t>
                       </a:r>
-                      <a:endParaRPr lang="ja-JP" altLang="en-US" sz="1000" b="0" i="0" u="none" strike="noStrike">
-                        <a:solidFill>
-                          <a:srgbClr val="000000"/>
-                        </a:solidFill>
-                        <a:effectLst/>
-                        <a:latin typeface="Yu Gothic" panose="020B0400000000000000" pitchFamily="50" charset="-128"/>
-                        <a:ea typeface="Yu Gothic" panose="020B0400000000000000" pitchFamily="50" charset="-128"/>
-                      </a:endParaRPr>
                     </a:p>
                   </a:txBody>
                   <a:tcPr marL="5614" marR="5614" marT="5614" marB="0" anchor="ctr">
@@ -12986,19 +12487,11 @@
                             <a:srgbClr val="000000"/>
                           </a:solidFill>
                           <a:effectLst/>
-                          <a:latin typeface="Yu Gothic" panose="020B0400000000000000" pitchFamily="50" charset="-128"/>
-                          <a:ea typeface="Yu Gothic" panose="020B0400000000000000" pitchFamily="50" charset="-128"/>
+                          <a:latin typeface="游ゴシック" panose="020B0400000000000000" pitchFamily="50" charset="-128"/>
+                          <a:ea typeface="游ゴシック" panose="020B0400000000000000" pitchFamily="50" charset="-128"/>
                         </a:rPr>
                         <a:t>　</a:t>
                       </a:r>
-                      <a:endParaRPr lang="ja-JP" altLang="en-US" sz="1000" b="0" i="0" u="none" strike="noStrike">
-                        <a:solidFill>
-                          <a:srgbClr val="000000"/>
-                        </a:solidFill>
-                        <a:effectLst/>
-                        <a:latin typeface="Yu Gothic" panose="020B0400000000000000" pitchFamily="50" charset="-128"/>
-                        <a:ea typeface="Yu Gothic" panose="020B0400000000000000" pitchFamily="50" charset="-128"/>
-                      </a:endParaRPr>
                     </a:p>
                   </a:txBody>
                   <a:tcPr marL="5614" marR="5614" marT="5614" marB="0" anchor="ctr">
@@ -13040,19 +12533,11 @@
                             <a:srgbClr val="000000"/>
                           </a:solidFill>
                           <a:effectLst/>
-                          <a:latin typeface="Yu Gothic" panose="020B0400000000000000" pitchFamily="50" charset="-128"/>
-                          <a:ea typeface="Yu Gothic" panose="020B0400000000000000" pitchFamily="50" charset="-128"/>
+                          <a:latin typeface="游ゴシック" panose="020B0400000000000000" pitchFamily="50" charset="-128"/>
+                          <a:ea typeface="游ゴシック" panose="020B0400000000000000" pitchFamily="50" charset="-128"/>
                         </a:rPr>
                         <a:t>　</a:t>
                       </a:r>
-                      <a:endParaRPr lang="ja-JP" altLang="en-US" sz="1000" b="0" i="0" u="none" strike="noStrike">
-                        <a:solidFill>
-                          <a:srgbClr val="000000"/>
-                        </a:solidFill>
-                        <a:effectLst/>
-                        <a:latin typeface="Yu Gothic" panose="020B0400000000000000" pitchFamily="50" charset="-128"/>
-                        <a:ea typeface="Yu Gothic" panose="020B0400000000000000" pitchFamily="50" charset="-128"/>
-                      </a:endParaRPr>
                     </a:p>
                   </a:txBody>
                   <a:tcPr marL="5614" marR="5614" marT="5614" marB="0" anchor="ctr">
@@ -13106,19 +12591,11 @@
                             <a:srgbClr val="000000"/>
                           </a:solidFill>
                           <a:effectLst/>
-                          <a:latin typeface="Yu Gothic" panose="020B0400000000000000" pitchFamily="50" charset="-128"/>
-                          <a:ea typeface="Yu Gothic" panose="020B0400000000000000" pitchFamily="50" charset="-128"/>
+                          <a:latin typeface="游ゴシック" panose="020B0400000000000000" pitchFamily="50" charset="-128"/>
+                          <a:ea typeface="游ゴシック" panose="020B0400000000000000" pitchFamily="50" charset="-128"/>
                         </a:rPr>
                         <a:t>　</a:t>
                       </a:r>
-                      <a:endParaRPr lang="ja-JP" altLang="en-US" sz="1000" b="0" i="0" u="none" strike="noStrike">
-                        <a:solidFill>
-                          <a:srgbClr val="000000"/>
-                        </a:solidFill>
-                        <a:effectLst/>
-                        <a:latin typeface="Yu Gothic" panose="020B0400000000000000" pitchFamily="50" charset="-128"/>
-                        <a:ea typeface="Yu Gothic" panose="020B0400000000000000" pitchFamily="50" charset="-128"/>
-                      </a:endParaRPr>
                     </a:p>
                   </a:txBody>
                   <a:tcPr marL="5614" marR="5614" marT="5614" marB="0" anchor="ctr">
@@ -13160,19 +12637,11 @@
                             <a:srgbClr val="000000"/>
                           </a:solidFill>
                           <a:effectLst/>
-                          <a:latin typeface="Yu Gothic" panose="020B0400000000000000" pitchFamily="50" charset="-128"/>
-                          <a:ea typeface="Yu Gothic" panose="020B0400000000000000" pitchFamily="50" charset="-128"/>
+                          <a:latin typeface="游ゴシック" panose="020B0400000000000000" pitchFamily="50" charset="-128"/>
+                          <a:ea typeface="游ゴシック" panose="020B0400000000000000" pitchFamily="50" charset="-128"/>
                         </a:rPr>
                         <a:t>　</a:t>
                       </a:r>
-                      <a:endParaRPr lang="ja-JP" altLang="en-US" sz="1000" b="0" i="0" u="none" strike="noStrike">
-                        <a:solidFill>
-                          <a:srgbClr val="000000"/>
-                        </a:solidFill>
-                        <a:effectLst/>
-                        <a:latin typeface="Yu Gothic" panose="020B0400000000000000" pitchFamily="50" charset="-128"/>
-                        <a:ea typeface="Yu Gothic" panose="020B0400000000000000" pitchFamily="50" charset="-128"/>
-                      </a:endParaRPr>
                     </a:p>
                   </a:txBody>
                   <a:tcPr marL="5614" marR="5614" marT="5614" marB="0" anchor="ctr">
@@ -13226,19 +12695,11 @@
                             <a:srgbClr val="000000"/>
                           </a:solidFill>
                           <a:effectLst/>
-                          <a:latin typeface="Yu Gothic" panose="020B0400000000000000" pitchFamily="50" charset="-128"/>
-                          <a:ea typeface="Yu Gothic" panose="020B0400000000000000" pitchFamily="50" charset="-128"/>
+                          <a:latin typeface="游ゴシック" panose="020B0400000000000000" pitchFamily="50" charset="-128"/>
+                          <a:ea typeface="游ゴシック" panose="020B0400000000000000" pitchFamily="50" charset="-128"/>
                         </a:rPr>
                         <a:t>　</a:t>
                       </a:r>
-                      <a:endParaRPr lang="ja-JP" altLang="en-US" sz="1000" b="0" i="0" u="none" strike="noStrike">
-                        <a:solidFill>
-                          <a:srgbClr val="000000"/>
-                        </a:solidFill>
-                        <a:effectLst/>
-                        <a:latin typeface="Yu Gothic" panose="020B0400000000000000" pitchFamily="50" charset="-128"/>
-                        <a:ea typeface="Yu Gothic" panose="020B0400000000000000" pitchFamily="50" charset="-128"/>
-                      </a:endParaRPr>
                     </a:p>
                   </a:txBody>
                   <a:tcPr marL="5614" marR="5614" marT="5614" marB="0" anchor="ctr">
@@ -13280,19 +12741,11 @@
                             <a:srgbClr val="000000"/>
                           </a:solidFill>
                           <a:effectLst/>
-                          <a:latin typeface="Yu Gothic" panose="020B0400000000000000" pitchFamily="50" charset="-128"/>
-                          <a:ea typeface="Yu Gothic" panose="020B0400000000000000" pitchFamily="50" charset="-128"/>
+                          <a:latin typeface="游ゴシック" panose="020B0400000000000000" pitchFamily="50" charset="-128"/>
+                          <a:ea typeface="游ゴシック" panose="020B0400000000000000" pitchFamily="50" charset="-128"/>
                         </a:rPr>
                         <a:t>　</a:t>
                       </a:r>
-                      <a:endParaRPr lang="ja-JP" altLang="en-US" sz="1000" b="0" i="0" u="none" strike="noStrike">
-                        <a:solidFill>
-                          <a:srgbClr val="000000"/>
-                        </a:solidFill>
-                        <a:effectLst/>
-                        <a:latin typeface="Yu Gothic" panose="020B0400000000000000" pitchFamily="50" charset="-128"/>
-                        <a:ea typeface="Yu Gothic" panose="020B0400000000000000" pitchFamily="50" charset="-128"/>
-                      </a:endParaRPr>
                     </a:p>
                   </a:txBody>
                   <a:tcPr marL="5614" marR="5614" marT="5614" marB="0" anchor="ctr">
@@ -13346,19 +12799,11 @@
                             <a:srgbClr val="000000"/>
                           </a:solidFill>
                           <a:effectLst/>
-                          <a:latin typeface="Yu Gothic" panose="020B0400000000000000" pitchFamily="50" charset="-128"/>
-                          <a:ea typeface="Yu Gothic" panose="020B0400000000000000" pitchFamily="50" charset="-128"/>
+                          <a:latin typeface="游ゴシック" panose="020B0400000000000000" pitchFamily="50" charset="-128"/>
+                          <a:ea typeface="游ゴシック" panose="020B0400000000000000" pitchFamily="50" charset="-128"/>
                         </a:rPr>
                         <a:t>　</a:t>
                       </a:r>
-                      <a:endParaRPr lang="ja-JP" altLang="en-US" sz="1000" b="0" i="0" u="none" strike="noStrike">
-                        <a:solidFill>
-                          <a:srgbClr val="000000"/>
-                        </a:solidFill>
-                        <a:effectLst/>
-                        <a:latin typeface="Yu Gothic" panose="020B0400000000000000" pitchFamily="50" charset="-128"/>
-                        <a:ea typeface="Yu Gothic" panose="020B0400000000000000" pitchFamily="50" charset="-128"/>
-                      </a:endParaRPr>
                     </a:p>
                   </a:txBody>
                   <a:tcPr marL="5614" marR="5614" marT="5614" marB="0" anchor="ctr">
@@ -13400,19 +12845,11 @@
                             <a:srgbClr val="000000"/>
                           </a:solidFill>
                           <a:effectLst/>
-                          <a:latin typeface="Yu Gothic" panose="020B0400000000000000" pitchFamily="50" charset="-128"/>
-                          <a:ea typeface="Yu Gothic" panose="020B0400000000000000" pitchFamily="50" charset="-128"/>
+                          <a:latin typeface="游ゴシック" panose="020B0400000000000000" pitchFamily="50" charset="-128"/>
+                          <a:ea typeface="游ゴシック" panose="020B0400000000000000" pitchFamily="50" charset="-128"/>
                         </a:rPr>
                         <a:t>　</a:t>
                       </a:r>
-                      <a:endParaRPr lang="ja-JP" altLang="en-US" sz="1000" b="0" i="0" u="none" strike="noStrike">
-                        <a:solidFill>
-                          <a:srgbClr val="000000"/>
-                        </a:solidFill>
-                        <a:effectLst/>
-                        <a:latin typeface="Yu Gothic" panose="020B0400000000000000" pitchFamily="50" charset="-128"/>
-                        <a:ea typeface="Yu Gothic" panose="020B0400000000000000" pitchFamily="50" charset="-128"/>
-                      </a:endParaRPr>
                     </a:p>
                   </a:txBody>
                   <a:tcPr marL="5614" marR="5614" marT="5614" marB="0" anchor="ctr">
@@ -13466,19 +12903,11 @@
                             <a:srgbClr val="000000"/>
                           </a:solidFill>
                           <a:effectLst/>
-                          <a:latin typeface="Yu Gothic" panose="020B0400000000000000" pitchFamily="50" charset="-128"/>
-                          <a:ea typeface="Yu Gothic" panose="020B0400000000000000" pitchFamily="50" charset="-128"/>
+                          <a:latin typeface="游ゴシック" panose="020B0400000000000000" pitchFamily="50" charset="-128"/>
+                          <a:ea typeface="游ゴシック" panose="020B0400000000000000" pitchFamily="50" charset="-128"/>
                         </a:rPr>
                         <a:t>　</a:t>
                       </a:r>
-                      <a:endParaRPr lang="ja-JP" altLang="en-US" sz="1000" b="0" i="0" u="none" strike="noStrike">
-                        <a:solidFill>
-                          <a:srgbClr val="000000"/>
-                        </a:solidFill>
-                        <a:effectLst/>
-                        <a:latin typeface="Yu Gothic" panose="020B0400000000000000" pitchFamily="50" charset="-128"/>
-                        <a:ea typeface="Yu Gothic" panose="020B0400000000000000" pitchFamily="50" charset="-128"/>
-                      </a:endParaRPr>
                     </a:p>
                   </a:txBody>
                   <a:tcPr marL="5614" marR="5614" marT="5614" marB="0" anchor="ctr">
@@ -13520,19 +12949,11 @@
                             <a:srgbClr val="000000"/>
                           </a:solidFill>
                           <a:effectLst/>
-                          <a:latin typeface="Yu Gothic" panose="020B0400000000000000" pitchFamily="50" charset="-128"/>
-                          <a:ea typeface="Yu Gothic" panose="020B0400000000000000" pitchFamily="50" charset="-128"/>
+                          <a:latin typeface="游ゴシック" panose="020B0400000000000000" pitchFamily="50" charset="-128"/>
+                          <a:ea typeface="游ゴシック" panose="020B0400000000000000" pitchFamily="50" charset="-128"/>
                         </a:rPr>
                         <a:t>　</a:t>
                       </a:r>
-                      <a:endParaRPr lang="ja-JP" altLang="en-US" sz="1000" b="0" i="0" u="none" strike="noStrike">
-                        <a:solidFill>
-                          <a:srgbClr val="000000"/>
-                        </a:solidFill>
-                        <a:effectLst/>
-                        <a:latin typeface="Yu Gothic" panose="020B0400000000000000" pitchFamily="50" charset="-128"/>
-                        <a:ea typeface="Yu Gothic" panose="020B0400000000000000" pitchFamily="50" charset="-128"/>
-                      </a:endParaRPr>
                     </a:p>
                   </a:txBody>
                   <a:tcPr marL="5614" marR="5614" marT="5614" marB="0" anchor="ctr">
@@ -13586,19 +13007,11 @@
                             <a:srgbClr val="000000"/>
                           </a:solidFill>
                           <a:effectLst/>
-                          <a:latin typeface="Yu Gothic" panose="020B0400000000000000" pitchFamily="50" charset="-128"/>
-                          <a:ea typeface="Yu Gothic" panose="020B0400000000000000" pitchFamily="50" charset="-128"/>
+                          <a:latin typeface="游ゴシック" panose="020B0400000000000000" pitchFamily="50" charset="-128"/>
+                          <a:ea typeface="游ゴシック" panose="020B0400000000000000" pitchFamily="50" charset="-128"/>
                         </a:rPr>
                         <a:t>　</a:t>
                       </a:r>
-                      <a:endParaRPr lang="ja-JP" altLang="en-US" sz="1000" b="0" i="0" u="none" strike="noStrike">
-                        <a:solidFill>
-                          <a:srgbClr val="000000"/>
-                        </a:solidFill>
-                        <a:effectLst/>
-                        <a:latin typeface="Yu Gothic" panose="020B0400000000000000" pitchFamily="50" charset="-128"/>
-                        <a:ea typeface="Yu Gothic" panose="020B0400000000000000" pitchFamily="50" charset="-128"/>
-                      </a:endParaRPr>
                     </a:p>
                   </a:txBody>
                   <a:tcPr marL="5614" marR="5614" marT="5614" marB="0" anchor="ctr">
@@ -13640,19 +13053,11 @@
                             <a:srgbClr val="000000"/>
                           </a:solidFill>
                           <a:effectLst/>
-                          <a:latin typeface="Yu Gothic" panose="020B0400000000000000" pitchFamily="50" charset="-128"/>
-                          <a:ea typeface="Yu Gothic" panose="020B0400000000000000" pitchFamily="50" charset="-128"/>
+                          <a:latin typeface="游ゴシック" panose="020B0400000000000000" pitchFamily="50" charset="-128"/>
+                          <a:ea typeface="游ゴシック" panose="020B0400000000000000" pitchFamily="50" charset="-128"/>
                         </a:rPr>
                         <a:t>　</a:t>
                       </a:r>
-                      <a:endParaRPr lang="ja-JP" altLang="en-US" sz="1000" b="0" i="0" u="none" strike="noStrike">
-                        <a:solidFill>
-                          <a:srgbClr val="000000"/>
-                        </a:solidFill>
-                        <a:effectLst/>
-                        <a:latin typeface="Yu Gothic" panose="020B0400000000000000" pitchFamily="50" charset="-128"/>
-                        <a:ea typeface="Yu Gothic" panose="020B0400000000000000" pitchFamily="50" charset="-128"/>
-                      </a:endParaRPr>
                     </a:p>
                   </a:txBody>
                   <a:tcPr marL="5614" marR="5614" marT="5614" marB="0" anchor="ctr">
@@ -13706,19 +13111,11 @@
                             <a:srgbClr val="000000"/>
                           </a:solidFill>
                           <a:effectLst/>
-                          <a:latin typeface="Yu Gothic" panose="020B0400000000000000" pitchFamily="50" charset="-128"/>
-                          <a:ea typeface="Yu Gothic" panose="020B0400000000000000" pitchFamily="50" charset="-128"/>
+                          <a:latin typeface="游ゴシック" panose="020B0400000000000000" pitchFamily="50" charset="-128"/>
+                          <a:ea typeface="游ゴシック" panose="020B0400000000000000" pitchFamily="50" charset="-128"/>
                         </a:rPr>
                         <a:t>　</a:t>
                       </a:r>
-                      <a:endParaRPr lang="ja-JP" altLang="en-US" sz="1000" b="0" i="0" u="none" strike="noStrike">
-                        <a:solidFill>
-                          <a:srgbClr val="000000"/>
-                        </a:solidFill>
-                        <a:effectLst/>
-                        <a:latin typeface="Yu Gothic" panose="020B0400000000000000" pitchFamily="50" charset="-128"/>
-                        <a:ea typeface="Yu Gothic" panose="020B0400000000000000" pitchFamily="50" charset="-128"/>
-                      </a:endParaRPr>
                     </a:p>
                   </a:txBody>
                   <a:tcPr marL="5614" marR="5614" marT="5614" marB="0" anchor="ctr">
@@ -13760,19 +13157,11 @@
                             <a:srgbClr val="000000"/>
                           </a:solidFill>
                           <a:effectLst/>
-                          <a:latin typeface="Yu Gothic" panose="020B0400000000000000" pitchFamily="50" charset="-128"/>
-                          <a:ea typeface="Yu Gothic" panose="020B0400000000000000" pitchFamily="50" charset="-128"/>
+                          <a:latin typeface="游ゴシック" panose="020B0400000000000000" pitchFamily="50" charset="-128"/>
+                          <a:ea typeface="游ゴシック" panose="020B0400000000000000" pitchFamily="50" charset="-128"/>
                         </a:rPr>
                         <a:t>　</a:t>
                       </a:r>
-                      <a:endParaRPr lang="ja-JP" altLang="en-US" sz="1000" b="0" i="0" u="none" strike="noStrike">
-                        <a:solidFill>
-                          <a:srgbClr val="000000"/>
-                        </a:solidFill>
-                        <a:effectLst/>
-                        <a:latin typeface="Yu Gothic" panose="020B0400000000000000" pitchFamily="50" charset="-128"/>
-                        <a:ea typeface="Yu Gothic" panose="020B0400000000000000" pitchFamily="50" charset="-128"/>
-                      </a:endParaRPr>
                     </a:p>
                   </a:txBody>
                   <a:tcPr marL="5614" marR="5614" marT="5614" marB="0" anchor="ctr">
@@ -13826,19 +13215,11 @@
                             <a:srgbClr val="000000"/>
                           </a:solidFill>
                           <a:effectLst/>
-                          <a:latin typeface="Yu Gothic" panose="020B0400000000000000" pitchFamily="50" charset="-128"/>
-                          <a:ea typeface="Yu Gothic" panose="020B0400000000000000" pitchFamily="50" charset="-128"/>
+                          <a:latin typeface="游ゴシック" panose="020B0400000000000000" pitchFamily="50" charset="-128"/>
+                          <a:ea typeface="游ゴシック" panose="020B0400000000000000" pitchFamily="50" charset="-128"/>
                         </a:rPr>
                         <a:t>　</a:t>
                       </a:r>
-                      <a:endParaRPr lang="ja-JP" altLang="en-US" sz="1000" b="0" i="0" u="none" strike="noStrike">
-                        <a:solidFill>
-                          <a:srgbClr val="000000"/>
-                        </a:solidFill>
-                        <a:effectLst/>
-                        <a:latin typeface="Yu Gothic" panose="020B0400000000000000" pitchFamily="50" charset="-128"/>
-                        <a:ea typeface="Yu Gothic" panose="020B0400000000000000" pitchFamily="50" charset="-128"/>
-                      </a:endParaRPr>
                     </a:p>
                   </a:txBody>
                   <a:tcPr marL="5614" marR="5614" marT="5614" marB="0" anchor="ctr">
@@ -13880,19 +13261,11 @@
                             <a:srgbClr val="000000"/>
                           </a:solidFill>
                           <a:effectLst/>
-                          <a:latin typeface="Yu Gothic" panose="020B0400000000000000" pitchFamily="50" charset="-128"/>
-                          <a:ea typeface="Yu Gothic" panose="020B0400000000000000" pitchFamily="50" charset="-128"/>
+                          <a:latin typeface="游ゴシック" panose="020B0400000000000000" pitchFamily="50" charset="-128"/>
+                          <a:ea typeface="游ゴシック" panose="020B0400000000000000" pitchFamily="50" charset="-128"/>
                         </a:rPr>
                         <a:t>　</a:t>
                       </a:r>
-                      <a:endParaRPr lang="ja-JP" altLang="en-US" sz="1000" b="0" i="0" u="none" strike="noStrike">
-                        <a:solidFill>
-                          <a:srgbClr val="000000"/>
-                        </a:solidFill>
-                        <a:effectLst/>
-                        <a:latin typeface="Yu Gothic" panose="020B0400000000000000" pitchFamily="50" charset="-128"/>
-                        <a:ea typeface="Yu Gothic" panose="020B0400000000000000" pitchFamily="50" charset="-128"/>
-                      </a:endParaRPr>
                     </a:p>
                   </a:txBody>
                   <a:tcPr marL="5614" marR="5614" marT="5614" marB="0" anchor="ctr">
@@ -13946,19 +13319,11 @@
                             <a:srgbClr val="000000"/>
                           </a:solidFill>
                           <a:effectLst/>
-                          <a:latin typeface="Yu Gothic" panose="020B0400000000000000" pitchFamily="50" charset="-128"/>
-                          <a:ea typeface="Yu Gothic" panose="020B0400000000000000" pitchFamily="50" charset="-128"/>
+                          <a:latin typeface="游ゴシック" panose="020B0400000000000000" pitchFamily="50" charset="-128"/>
+                          <a:ea typeface="游ゴシック" panose="020B0400000000000000" pitchFamily="50" charset="-128"/>
                         </a:rPr>
                         <a:t>　</a:t>
                       </a:r>
-                      <a:endParaRPr lang="ja-JP" altLang="en-US" sz="1000" b="0" i="0" u="none" strike="noStrike">
-                        <a:solidFill>
-                          <a:srgbClr val="000000"/>
-                        </a:solidFill>
-                        <a:effectLst/>
-                        <a:latin typeface="Yu Gothic" panose="020B0400000000000000" pitchFamily="50" charset="-128"/>
-                        <a:ea typeface="Yu Gothic" panose="020B0400000000000000" pitchFamily="50" charset="-128"/>
-                      </a:endParaRPr>
                     </a:p>
                   </a:txBody>
                   <a:tcPr marL="5614" marR="5614" marT="5614" marB="0" anchor="ctr">
@@ -14000,19 +13365,11 @@
                             <a:srgbClr val="000000"/>
                           </a:solidFill>
                           <a:effectLst/>
-                          <a:latin typeface="Yu Gothic" panose="020B0400000000000000" pitchFamily="50" charset="-128"/>
-                          <a:ea typeface="Yu Gothic" panose="020B0400000000000000" pitchFamily="50" charset="-128"/>
+                          <a:latin typeface="游ゴシック" panose="020B0400000000000000" pitchFamily="50" charset="-128"/>
+                          <a:ea typeface="游ゴシック" panose="020B0400000000000000" pitchFamily="50" charset="-128"/>
                         </a:rPr>
                         <a:t>　</a:t>
                       </a:r>
-                      <a:endParaRPr lang="ja-JP" altLang="en-US" sz="1000" b="0" i="0" u="none" strike="noStrike" dirty="0">
-                        <a:solidFill>
-                          <a:srgbClr val="000000"/>
-                        </a:solidFill>
-                        <a:effectLst/>
-                        <a:latin typeface="Yu Gothic" panose="020B0400000000000000" pitchFamily="50" charset="-128"/>
-                        <a:ea typeface="Yu Gothic" panose="020B0400000000000000" pitchFamily="50" charset="-128"/>
-                      </a:endParaRPr>
                     </a:p>
                   </a:txBody>
                   <a:tcPr marL="5614" marR="5614" marT="5614" marB="0" anchor="ctr">
@@ -14054,12 +13411,22 @@
                     </a:lnB>
                   </a:tcPr>
                 </a:tc>
+                <a:extLst>
+                  <a:ext uri="{0D108BD9-81ED-4DB2-BD59-A6C34878D82A}">
+                    <a16:rowId xmlns:a16="http://schemas.microsoft.com/office/drawing/2014/main" val="754020517"/>
+                  </a:ext>
+                </a:extLst>
               </a:tr>
             </a:tbl>
           </a:graphicData>
         </a:graphic>
       </p:graphicFrame>
     </p:spTree>
+    <p:extLst>
+      <p:ext uri="{BB962C8B-B14F-4D97-AF65-F5344CB8AC3E}">
+        <p14:creationId xmlns:p14="http://schemas.microsoft.com/office/powerpoint/2010/main" val="1957974003"/>
+      </p:ext>
+    </p:extLst>
   </p:cSld>
   <p:clrMapOvr>
     <a:masterClrMapping/>
@@ -14086,7 +13453,13 @@
       </p:grpSpPr>
       <p:sp>
         <p:nvSpPr>
-          <p:cNvPr id="4" name="テキスト ボックス 3"/>
+          <p:cNvPr id="4" name="テキスト ボックス 3">
+            <a:extLst>
+              <a:ext uri="{FF2B5EF4-FFF2-40B4-BE49-F238E27FC236}">
+                <a16:creationId xmlns:a16="http://schemas.microsoft.com/office/drawing/2014/main" id="{5C49D8F3-68F0-4134-88E9-19FE72259A0D}"/>
+              </a:ext>
+            </a:extLst>
+          </p:cNvPr>
           <p:cNvSpPr txBox="1"/>
           <p:nvPr/>
         </p:nvSpPr>
@@ -14120,7 +13493,13 @@
       </p:sp>
       <p:sp>
         <p:nvSpPr>
-          <p:cNvPr id="5" name="テキスト ボックス 4"/>
+          <p:cNvPr id="5" name="テキスト ボックス 4">
+            <a:extLst>
+              <a:ext uri="{FF2B5EF4-FFF2-40B4-BE49-F238E27FC236}">
+                <a16:creationId xmlns:a16="http://schemas.microsoft.com/office/drawing/2014/main" id="{5E71CE4B-0C9E-415D-B5E4-A9CAD49B8F4E}"/>
+              </a:ext>
+            </a:extLst>
+          </p:cNvPr>
           <p:cNvSpPr txBox="1"/>
           <p:nvPr/>
         </p:nvSpPr>
@@ -14216,7 +13595,13 @@
       </p:sp>
       <p:sp>
         <p:nvSpPr>
-          <p:cNvPr id="6" name="テキスト ボックス 5"/>
+          <p:cNvPr id="6" name="テキスト ボックス 5">
+            <a:extLst>
+              <a:ext uri="{FF2B5EF4-FFF2-40B4-BE49-F238E27FC236}">
+                <a16:creationId xmlns:a16="http://schemas.microsoft.com/office/drawing/2014/main" id="{F75CDD64-424B-4E60-A2E1-417736FA9087}"/>
+              </a:ext>
+            </a:extLst>
+          </p:cNvPr>
           <p:cNvSpPr txBox="1"/>
           <p:nvPr/>
         </p:nvSpPr>
@@ -14240,13 +13625,18 @@
               <a:rPr lang="ja-JP" altLang="en-US" dirty="0"/>
               <a:t>代理店登録画面</a:t>
             </a:r>
-            <a:endParaRPr lang="ja-JP" altLang="en-US" dirty="0"/>
           </a:p>
         </p:txBody>
       </p:sp>
       <p:sp>
         <p:nvSpPr>
-          <p:cNvPr id="7" name="テキスト ボックス 6"/>
+          <p:cNvPr id="7" name="テキスト ボックス 6">
+            <a:extLst>
+              <a:ext uri="{FF2B5EF4-FFF2-40B4-BE49-F238E27FC236}">
+                <a16:creationId xmlns:a16="http://schemas.microsoft.com/office/drawing/2014/main" id="{B14D1F09-8284-41AF-99AA-AD4E37F393E9}"/>
+              </a:ext>
+            </a:extLst>
+          </p:cNvPr>
           <p:cNvSpPr txBox="1"/>
           <p:nvPr/>
         </p:nvSpPr>
@@ -14324,13 +13714,18 @@
               <a:rPr kumimoji="1" lang="ja-JP" altLang="en-US" sz="1200" dirty="0"/>
               <a:t>請求書、納品書発送先情報：</a:t>
             </a:r>
-            <a:endParaRPr kumimoji="1" lang="ja-JP" altLang="en-US" sz="1200" dirty="0"/>
           </a:p>
         </p:txBody>
       </p:sp>
       <p:sp>
         <p:nvSpPr>
-          <p:cNvPr id="8" name="四角形: 角を丸くする 7"/>
+          <p:cNvPr id="8" name="四角形: 角を丸くする 7">
+            <a:extLst>
+              <a:ext uri="{FF2B5EF4-FFF2-40B4-BE49-F238E27FC236}">
+                <a16:creationId xmlns:a16="http://schemas.microsoft.com/office/drawing/2014/main" id="{0AA752C1-A839-4F65-876A-B0A7BB5B8BAD}"/>
+              </a:ext>
+            </a:extLst>
+          </p:cNvPr>
           <p:cNvSpPr/>
           <p:nvPr/>
         </p:nvSpPr>
@@ -14383,7 +13778,13 @@
       </p:sp>
       <p:sp>
         <p:nvSpPr>
-          <p:cNvPr id="9" name="テキスト ボックス 8"/>
+          <p:cNvPr id="9" name="テキスト ボックス 8">
+            <a:extLst>
+              <a:ext uri="{FF2B5EF4-FFF2-40B4-BE49-F238E27FC236}">
+                <a16:creationId xmlns:a16="http://schemas.microsoft.com/office/drawing/2014/main" id="{11FAD6A0-AD8F-4DD9-9155-E1B858624293}"/>
+              </a:ext>
+            </a:extLst>
+          </p:cNvPr>
           <p:cNvSpPr txBox="1"/>
           <p:nvPr/>
         </p:nvSpPr>
@@ -14407,14 +13808,21 @@
               <a:rPr kumimoji="1" lang="ja-JP" altLang="en-US" sz="1100" b="1" dirty="0"/>
               <a:t>提携サロンリストへ</a:t>
             </a:r>
-            <a:endParaRPr kumimoji="1" lang="ja-JP" altLang="en-US" sz="1100" b="1" dirty="0"/>
           </a:p>
         </p:txBody>
       </p:sp>
       <p:cxnSp>
         <p:nvCxnSpPr>
-          <p:cNvPr id="11" name="直線コネクタ 10"/>
-          <p:cNvCxnSpPr/>
+          <p:cNvPr id="11" name="直線コネクタ 10">
+            <a:extLst>
+              <a:ext uri="{FF2B5EF4-FFF2-40B4-BE49-F238E27FC236}">
+                <a16:creationId xmlns:a16="http://schemas.microsoft.com/office/drawing/2014/main" id="{4926C73B-6777-464B-AEAC-853263EBB4CB}"/>
+              </a:ext>
+            </a:extLst>
+          </p:cNvPr>
+          <p:cNvCxnSpPr>
+            <a:cxnSpLocks/>
+          </p:cNvCxnSpPr>
           <p:nvPr/>
         </p:nvCxnSpPr>
         <p:spPr>
@@ -14443,8 +13851,16 @@
       </p:cxnSp>
       <p:cxnSp>
         <p:nvCxnSpPr>
-          <p:cNvPr id="13" name="直線コネクタ 12"/>
-          <p:cNvCxnSpPr/>
+          <p:cNvPr id="13" name="直線コネクタ 12">
+            <a:extLst>
+              <a:ext uri="{FF2B5EF4-FFF2-40B4-BE49-F238E27FC236}">
+                <a16:creationId xmlns:a16="http://schemas.microsoft.com/office/drawing/2014/main" id="{956E52B9-896C-4B45-A04D-4BBFFE169F40}"/>
+              </a:ext>
+            </a:extLst>
+          </p:cNvPr>
+          <p:cNvCxnSpPr>
+            <a:cxnSpLocks/>
+          </p:cNvCxnSpPr>
           <p:nvPr/>
         </p:nvCxnSpPr>
         <p:spPr>
@@ -14473,7 +13889,13 @@
       </p:cxnSp>
       <p:sp>
         <p:nvSpPr>
-          <p:cNvPr id="14" name="テキスト ボックス 13"/>
+          <p:cNvPr id="14" name="テキスト ボックス 13">
+            <a:extLst>
+              <a:ext uri="{FF2B5EF4-FFF2-40B4-BE49-F238E27FC236}">
+                <a16:creationId xmlns:a16="http://schemas.microsoft.com/office/drawing/2014/main" id="{1B049FFD-46AB-4767-B125-FD4FCFC250DD}"/>
+              </a:ext>
+            </a:extLst>
+          </p:cNvPr>
           <p:cNvSpPr txBox="1"/>
           <p:nvPr/>
         </p:nvSpPr>
@@ -14497,13 +13919,18 @@
               <a:rPr lang="ja-JP" altLang="en-US" dirty="0"/>
               <a:t>サロン登録画面</a:t>
             </a:r>
-            <a:endParaRPr lang="ja-JP" altLang="en-US" dirty="0"/>
           </a:p>
         </p:txBody>
       </p:sp>
       <p:sp>
         <p:nvSpPr>
-          <p:cNvPr id="15" name="テキスト ボックス 14"/>
+          <p:cNvPr id="15" name="テキスト ボックス 14">
+            <a:extLst>
+              <a:ext uri="{FF2B5EF4-FFF2-40B4-BE49-F238E27FC236}">
+                <a16:creationId xmlns:a16="http://schemas.microsoft.com/office/drawing/2014/main" id="{3D3997A3-41B6-4D1D-AC5F-25E1CAC86299}"/>
+              </a:ext>
+            </a:extLst>
+          </p:cNvPr>
           <p:cNvSpPr txBox="1"/>
           <p:nvPr/>
         </p:nvSpPr>
@@ -14610,7 +14037,13 @@
       </p:sp>
       <p:sp>
         <p:nvSpPr>
-          <p:cNvPr id="16" name="四角形: 角を丸くする 15"/>
+          <p:cNvPr id="16" name="四角形: 角を丸くする 15">
+            <a:extLst>
+              <a:ext uri="{FF2B5EF4-FFF2-40B4-BE49-F238E27FC236}">
+                <a16:creationId xmlns:a16="http://schemas.microsoft.com/office/drawing/2014/main" id="{73D80FE9-4C73-4D42-B186-1D600BBBC477}"/>
+              </a:ext>
+            </a:extLst>
+          </p:cNvPr>
           <p:cNvSpPr/>
           <p:nvPr/>
         </p:nvSpPr>
@@ -14674,7 +14107,13 @@
       </p:sp>
       <p:sp>
         <p:nvSpPr>
-          <p:cNvPr id="17" name="四角形: 角を丸くする 16"/>
+          <p:cNvPr id="17" name="四角形: 角を丸くする 16">
+            <a:extLst>
+              <a:ext uri="{FF2B5EF4-FFF2-40B4-BE49-F238E27FC236}">
+                <a16:creationId xmlns:a16="http://schemas.microsoft.com/office/drawing/2014/main" id="{75896B86-4336-4780-8EA6-AC067BB09175}"/>
+              </a:ext>
+            </a:extLst>
+          </p:cNvPr>
           <p:cNvSpPr/>
           <p:nvPr/>
         </p:nvSpPr>
@@ -14738,7 +14177,13 @@
       </p:sp>
       <p:sp>
         <p:nvSpPr>
-          <p:cNvPr id="18" name="テキスト ボックス 17"/>
+          <p:cNvPr id="18" name="テキスト ボックス 17">
+            <a:extLst>
+              <a:ext uri="{FF2B5EF4-FFF2-40B4-BE49-F238E27FC236}">
+                <a16:creationId xmlns:a16="http://schemas.microsoft.com/office/drawing/2014/main" id="{FB93A640-4979-4907-BF9E-ABA18F316744}"/>
+              </a:ext>
+            </a:extLst>
+          </p:cNvPr>
           <p:cNvSpPr txBox="1"/>
           <p:nvPr/>
         </p:nvSpPr>
@@ -14762,13 +14207,18 @@
               <a:rPr lang="ja-JP" altLang="en-US" dirty="0"/>
               <a:t>サロン一覧</a:t>
             </a:r>
-            <a:endParaRPr lang="ja-JP" altLang="en-US" dirty="0"/>
           </a:p>
         </p:txBody>
       </p:sp>
       <p:cxnSp>
         <p:nvCxnSpPr>
-          <p:cNvPr id="20" name="直線コネクタ 19"/>
+          <p:cNvPr id="20" name="直線コネクタ 19">
+            <a:extLst>
+              <a:ext uri="{FF2B5EF4-FFF2-40B4-BE49-F238E27FC236}">
+                <a16:creationId xmlns:a16="http://schemas.microsoft.com/office/drawing/2014/main" id="{26692A3A-225A-4C77-BA4C-F143C7975A51}"/>
+              </a:ext>
+            </a:extLst>
+          </p:cNvPr>
           <p:cNvCxnSpPr/>
           <p:nvPr/>
         </p:nvCxnSpPr>
@@ -14798,7 +14248,13 @@
       </p:cxnSp>
       <p:sp>
         <p:nvSpPr>
-          <p:cNvPr id="21" name="テキスト ボックス 20"/>
+          <p:cNvPr id="21" name="テキスト ボックス 20">
+            <a:extLst>
+              <a:ext uri="{FF2B5EF4-FFF2-40B4-BE49-F238E27FC236}">
+                <a16:creationId xmlns:a16="http://schemas.microsoft.com/office/drawing/2014/main" id="{AAE1C4C5-D162-44AE-94DA-919B569E1281}"/>
+              </a:ext>
+            </a:extLst>
+          </p:cNvPr>
           <p:cNvSpPr txBox="1"/>
           <p:nvPr/>
         </p:nvSpPr>
@@ -14822,11 +14278,15 @@
               <a:rPr kumimoji="1" lang="ja-JP" altLang="en-US" sz="1100" dirty="0"/>
               <a:t>絞込機能：取扱代理店、都道府県</a:t>
             </a:r>
-            <a:endParaRPr kumimoji="1" lang="ja-JP" altLang="en-US" sz="1100" dirty="0"/>
           </a:p>
         </p:txBody>
       </p:sp>
     </p:spTree>
+    <p:extLst>
+      <p:ext uri="{BB962C8B-B14F-4D97-AF65-F5344CB8AC3E}">
+        <p14:creationId xmlns:p14="http://schemas.microsoft.com/office/powerpoint/2010/main" val="2144072672"/>
+      </p:ext>
+    </p:extLst>
   </p:cSld>
   <p:clrMapOvr>
     <a:masterClrMapping/>
@@ -14853,7 +14313,13 @@
       </p:grpSpPr>
       <p:sp>
         <p:nvSpPr>
-          <p:cNvPr id="10" name="テキスト ボックス 9"/>
+          <p:cNvPr id="10" name="テキスト ボックス 9">
+            <a:extLst>
+              <a:ext uri="{FF2B5EF4-FFF2-40B4-BE49-F238E27FC236}">
+                <a16:creationId xmlns:a16="http://schemas.microsoft.com/office/drawing/2014/main" id="{ADE9F0C0-D2C9-4CFD-A9B4-7260A1FF649E}"/>
+              </a:ext>
+            </a:extLst>
+          </p:cNvPr>
           <p:cNvSpPr txBox="1"/>
           <p:nvPr/>
         </p:nvSpPr>
@@ -14877,21 +14343,18 @@
               <a:rPr lang="ja-JP" altLang="en-US" sz="1100" dirty="0"/>
               <a:t>【作るもの】</a:t>
             </a:r>
-            <a:endParaRPr lang="ja-JP" altLang="en-US" sz="1100" dirty="0"/>
           </a:p>
           <a:p>
             <a:r>
               <a:rPr lang="ja-JP" altLang="en-US" sz="1100" dirty="0"/>
               <a:t>・web上注文フォーム</a:t>
             </a:r>
-            <a:endParaRPr lang="ja-JP" altLang="en-US" sz="1100" dirty="0"/>
           </a:p>
           <a:p>
             <a:r>
               <a:rPr lang="ja-JP" altLang="en-US" sz="1100" dirty="0"/>
               <a:t>・管理画面①代理店登録画面（～10ケ想定）</a:t>
             </a:r>
-            <a:endParaRPr lang="ja-JP" altLang="en-US" sz="1100" dirty="0"/>
           </a:p>
           <a:p>
             <a:r>
@@ -14905,7 +14368,6 @@
               <a:rPr lang="ja-JP" altLang="en-US" sz="1100" dirty="0"/>
               <a:t>・納品書自動作成システム</a:t>
             </a:r>
-            <a:endParaRPr lang="ja-JP" altLang="en-US" sz="1100" dirty="0"/>
           </a:p>
           <a:p>
             <a:r>
@@ -14925,28 +14387,24 @@
               <a:rPr lang="ja-JP" altLang="en-US" sz="1100" dirty="0"/>
               <a:t>【web上注文フォーム】</a:t>
             </a:r>
-            <a:endParaRPr lang="ja-JP" altLang="en-US" sz="1100" dirty="0"/>
           </a:p>
           <a:p>
             <a:r>
               <a:rPr lang="ja-JP" altLang="en-US" sz="1100" dirty="0"/>
               <a:t>・ID,PASSでログイン（会員総数は～10ケ程度想定）</a:t>
             </a:r>
-            <a:endParaRPr lang="ja-JP" altLang="en-US" sz="1100" dirty="0"/>
           </a:p>
           <a:p>
             <a:r>
               <a:rPr lang="ja-JP" altLang="en-US" sz="1100" dirty="0"/>
               <a:t>・客先情報を自動表示させたいので、登録の必要あり（数百～数千想定）</a:t>
             </a:r>
-            <a:endParaRPr lang="ja-JP" altLang="en-US" sz="1100" dirty="0"/>
           </a:p>
           <a:p>
             <a:r>
               <a:rPr lang="ja-JP" altLang="en-US" sz="1100" dirty="0"/>
               <a:t>・注文フォームで必要な入力情報は「月日※自動」「管理番号」「客先名」「配送先住所」「商品」「数量」「金額」</a:t>
             </a:r>
-            <a:endParaRPr lang="ja-JP" altLang="en-US" sz="1100" dirty="0"/>
           </a:p>
           <a:p>
             <a:r>
@@ -14960,7 +14418,6 @@
               <a:rPr lang="ja-JP" altLang="en-US" sz="1100" dirty="0"/>
               <a:t>・数量を入れると金額自動計算</a:t>
             </a:r>
-            <a:endParaRPr lang="ja-JP" altLang="en-US" sz="1100" dirty="0"/>
           </a:p>
           <a:p>
             <a:r>
@@ -14974,7 +14431,6 @@
               <a:rPr lang="ja-JP" altLang="en-US" sz="1100" dirty="0"/>
               <a:t>・管理番号か客先名の入力完了すると、その反対及び配送先住所は自動入力。商品、数量打ち込むと、金額は自動入力。</a:t>
             </a:r>
-            <a:endParaRPr lang="ja-JP" altLang="en-US" sz="1100" dirty="0"/>
           </a:p>
           <a:p>
             <a:endParaRPr lang="en-US" altLang="ja-JP" sz="1100" dirty="0"/>
@@ -15051,7 +14507,6 @@
               <a:rPr lang="ja-JP" altLang="en-US" sz="1100" dirty="0"/>
               <a:t>・商品・金額登録画面（商品マスター）、代理店ごとの請求書発行画面は別途必要</a:t>
             </a:r>
-            <a:endParaRPr lang="ja-JP" altLang="en-US" sz="1100" dirty="0"/>
           </a:p>
           <a:p>
             <a:r>
@@ -15070,6 +14525,11 @@
         </p:txBody>
       </p:sp>
     </p:spTree>
+    <p:extLst>
+      <p:ext uri="{BB962C8B-B14F-4D97-AF65-F5344CB8AC3E}">
+        <p14:creationId xmlns:p14="http://schemas.microsoft.com/office/powerpoint/2010/main" val="1000434512"/>
+      </p:ext>
+    </p:extLst>
   </p:cSld>
   <p:clrMapOvr>
     <a:masterClrMapping/>
@@ -15120,7 +14580,7 @@
     </a:clrScheme>
     <a:fontScheme name="Office テーマ">
       <a:majorFont>
-        <a:latin typeface="Calibri Light"/>
+        <a:latin typeface="Calibri Light" panose="020F0302020204030204"/>
         <a:ea typeface=""/>
         <a:cs typeface=""/>
         <a:font script="Jpan" typeface="游ゴシック Light"/>
@@ -15155,7 +14615,7 @@
         <a:font script="Geor" typeface="Sylfaen"/>
       </a:majorFont>
       <a:minorFont>
-        <a:latin typeface="Calibri"/>
+        <a:latin typeface="Calibri" panose="020F0502020204030204"/>
         <a:ea typeface=""/>
         <a:cs typeface=""/>
         <a:font script="Jpan" typeface="游ゴシック"/>
@@ -15328,6 +14788,8 @@
       </a:bgFillStyleLst>
     </a:fmtScheme>
   </a:themeElements>
+  <a:objectDefaults/>
+  <a:extraClrSchemeLst/>
   <a:extLst>
     <a:ext uri="{05A4C25C-085E-4340-85A3-A5531E510DB2}">
       <thm15:themeFamily xmlns:thm15="http://schemas.microsoft.com/office/thememl/2012/main" name="Office Theme" id="{62F939B6-93AF-4DB8-9C6B-D6C7DFDC589F}" vid="{4A3C46E8-61CC-4603-A589-7422A47A8E4A}"/>
